--- a/Assignments/InternetKeyExchange/Internet Key Exchange.pptx
+++ b/Assignments/InternetKeyExchange/Internet Key Exchange.pptx
@@ -122,6 +122,11 @@
       </a:defRPr>
     </a:lvl9pPr>
   </p:defaultTextStyle>
+  <p:extLst>
+    <p:ext uri="{EFAFB233-063F-42B5-8137-9DF3F51BA10A}">
+      <p15:sldGuideLst xmlns:p15="http://schemas.microsoft.com/office/powerpoint/2012/main"/>
+    </p:ext>
+  </p:extLst>
 </p:presentation>
 </file>
 
@@ -6056,7 +6061,7 @@
           <a:p>
             <a:fld id="{1E207800-A952-4C67-84DB-5FE1099751BB}" type="datetimeFigureOut">
               <a:rPr lang="en-US" smtClean="0"/>
-              <a:t>4/14/2022</a:t>
+              <a:t>4/28/2022</a:t>
             </a:fld>
             <a:endParaRPr lang="en-US"/>
           </a:p>
@@ -6240,7 +6245,7 @@
           <a:p>
             <a:fld id="{1FA5E4CD-35EF-4F80-AFF7-BEF42A743BFC}" type="datetimeFigureOut">
               <a:rPr lang="en-US" smtClean="0"/>
-              <a:t>4/14/2022</a:t>
+              <a:t>4/28/2022</a:t>
             </a:fld>
             <a:endParaRPr lang="en-US"/>
           </a:p>
@@ -6658,7 +6663,7 @@
           <a:p>
             <a:fld id="{8EB2B622-F04B-482C-AE28-7AF685AEC9C1}" type="datetimeFigureOut">
               <a:rPr lang="en-US" smtClean="0"/>
-              <a:t>4/14/2022</a:t>
+              <a:t>4/28/2022</a:t>
             </a:fld>
             <a:endParaRPr lang="en-US"/>
           </a:p>
@@ -6856,7 +6861,7 @@
           <a:p>
             <a:fld id="{8EB2B622-F04B-482C-AE28-7AF685AEC9C1}" type="datetimeFigureOut">
               <a:rPr lang="en-US" smtClean="0"/>
-              <a:t>4/14/2022</a:t>
+              <a:t>4/28/2022</a:t>
             </a:fld>
             <a:endParaRPr lang="en-US"/>
           </a:p>
@@ -7064,7 +7069,7 @@
           <a:p>
             <a:fld id="{8EB2B622-F04B-482C-AE28-7AF685AEC9C1}" type="datetimeFigureOut">
               <a:rPr lang="en-US" smtClean="0"/>
-              <a:t>4/14/2022</a:t>
+              <a:t>4/28/2022</a:t>
             </a:fld>
             <a:endParaRPr lang="en-US"/>
           </a:p>
@@ -7262,7 +7267,7 @@
           <a:p>
             <a:fld id="{8EB2B622-F04B-482C-AE28-7AF685AEC9C1}" type="datetimeFigureOut">
               <a:rPr lang="en-US" smtClean="0"/>
-              <a:t>4/14/2022</a:t>
+              <a:t>4/28/2022</a:t>
             </a:fld>
             <a:endParaRPr lang="en-US"/>
           </a:p>
@@ -7537,7 +7542,7 @@
           <a:p>
             <a:fld id="{8EB2B622-F04B-482C-AE28-7AF685AEC9C1}" type="datetimeFigureOut">
               <a:rPr lang="en-US" smtClean="0"/>
-              <a:t>4/14/2022</a:t>
+              <a:t>4/28/2022</a:t>
             </a:fld>
             <a:endParaRPr lang="en-US"/>
           </a:p>
@@ -7802,7 +7807,7 @@
           <a:p>
             <a:fld id="{8EB2B622-F04B-482C-AE28-7AF685AEC9C1}" type="datetimeFigureOut">
               <a:rPr lang="en-US" smtClean="0"/>
-              <a:t>4/14/2022</a:t>
+              <a:t>4/28/2022</a:t>
             </a:fld>
             <a:endParaRPr lang="en-US"/>
           </a:p>
@@ -8214,7 +8219,7 @@
           <a:p>
             <a:fld id="{8EB2B622-F04B-482C-AE28-7AF685AEC9C1}" type="datetimeFigureOut">
               <a:rPr lang="en-US" smtClean="0"/>
-              <a:t>4/14/2022</a:t>
+              <a:t>4/28/2022</a:t>
             </a:fld>
             <a:endParaRPr lang="en-US"/>
           </a:p>
@@ -8355,7 +8360,7 @@
           <a:p>
             <a:fld id="{8EB2B622-F04B-482C-AE28-7AF685AEC9C1}" type="datetimeFigureOut">
               <a:rPr lang="en-US" smtClean="0"/>
-              <a:t>4/14/2022</a:t>
+              <a:t>4/28/2022</a:t>
             </a:fld>
             <a:endParaRPr lang="en-US"/>
           </a:p>
@@ -8468,7 +8473,7 @@
           <a:p>
             <a:fld id="{8EB2B622-F04B-482C-AE28-7AF685AEC9C1}" type="datetimeFigureOut">
               <a:rPr lang="en-US" smtClean="0"/>
-              <a:t>4/14/2022</a:t>
+              <a:t>4/28/2022</a:t>
             </a:fld>
             <a:endParaRPr lang="en-US"/>
           </a:p>
@@ -8779,7 +8784,7 @@
           <a:p>
             <a:fld id="{8EB2B622-F04B-482C-AE28-7AF685AEC9C1}" type="datetimeFigureOut">
               <a:rPr lang="en-US" smtClean="0"/>
-              <a:t>4/14/2022</a:t>
+              <a:t>4/28/2022</a:t>
             </a:fld>
             <a:endParaRPr lang="en-US"/>
           </a:p>
@@ -9067,7 +9072,7 @@
           <a:p>
             <a:fld id="{8EB2B622-F04B-482C-AE28-7AF685AEC9C1}" type="datetimeFigureOut">
               <a:rPr lang="en-US" smtClean="0"/>
-              <a:t>4/14/2022</a:t>
+              <a:t>4/28/2022</a:t>
             </a:fld>
             <a:endParaRPr lang="en-US"/>
           </a:p>
@@ -9362,7 +9367,7 @@
           <a:p>
             <a:fld id="{8EB2B622-F04B-482C-AE28-7AF685AEC9C1}" type="datetimeFigureOut">
               <a:rPr lang="en-US" smtClean="0"/>
-              <a:t>4/14/2022</a:t>
+              <a:t>4/28/2022</a:t>
             </a:fld>
             <a:endParaRPr lang="en-US"/>
           </a:p>
@@ -9880,11 +9885,7 @@
           <a:p>
             <a:r>
               <a:rPr lang="en-US" dirty="0"/>
-              <a:t>Diffie </a:t>
-            </a:r>
-            <a:r>
-              <a:rPr lang="en-US"/>
-              <a:t>Hellman Parameters</a:t>
+              <a:t>Diffie Hellman</a:t>
             </a:r>
           </a:p>
         </p:txBody>
@@ -9910,7 +9911,22 @@
           <a:bodyPr/>
           <a:lstStyle/>
           <a:p>
-            <a:endParaRPr lang="en-US"/>
+            <a:r>
+              <a:rPr lang="en-US" dirty="0"/>
+              <a:t>Talk </a:t>
+            </a:r>
+            <a:r>
+              <a:rPr lang="en-US" dirty="0" err="1"/>
+              <a:t>abou</a:t>
+            </a:r>
+            <a:r>
+              <a:rPr lang="en-US" dirty="0"/>
+              <a:t> Parameters and look in </a:t>
+            </a:r>
+            <a:r>
+              <a:rPr lang="en-US"/>
+              <a:t>the book</a:t>
+            </a:r>
           </a:p>
         </p:txBody>
       </p:sp>
@@ -11848,6 +11864,36 @@
           </a:p>
         </p:txBody>
       </p:sp>
+      <p:pic>
+        <p:nvPicPr>
+          <p:cNvPr id="7" name="Picture 6">
+            <a:extLst>
+              <a:ext uri="{FF2B5EF4-FFF2-40B4-BE49-F238E27FC236}">
+                <a16:creationId xmlns:a16="http://schemas.microsoft.com/office/drawing/2014/main" id="{861CC003-C386-4BDC-9F5A-B5DC8C8290CD}"/>
+              </a:ext>
+            </a:extLst>
+          </p:cNvPr>
+          <p:cNvPicPr>
+            <a:picLocks noChangeAspect="1"/>
+          </p:cNvPicPr>
+          <p:nvPr/>
+        </p:nvPicPr>
+        <p:blipFill>
+          <a:blip r:embed="rId2"/>
+          <a:stretch>
+            <a:fillRect/>
+          </a:stretch>
+        </p:blipFill>
+        <p:spPr>
+          <a:xfrm>
+            <a:off x="1726370" y="4631591"/>
+            <a:ext cx="5010150" cy="714375"/>
+          </a:xfrm>
+          <a:prstGeom prst="rect">
+            <a:avLst/>
+          </a:prstGeom>
+        </p:spPr>
+      </p:pic>
     </p:spTree>
     <p:extLst>
       <p:ext uri="{BB962C8B-B14F-4D97-AF65-F5344CB8AC3E}">
@@ -11927,7 +11973,24 @@
           <a:bodyPr/>
           <a:lstStyle/>
           <a:p>
-            <a:endParaRPr lang="en-US"/>
+            <a:r>
+              <a:rPr lang="en-US" dirty="0"/>
+              <a:t>Authenticate </a:t>
+            </a:r>
+            <a:r>
+              <a:rPr lang="en-US" dirty="0" err="1"/>
+              <a:t>IPSec</a:t>
+            </a:r>
+            <a:r>
+              <a:rPr lang="en-US" dirty="0"/>
+              <a:t> Peers</a:t>
+            </a:r>
+          </a:p>
+          <a:p>
+            <a:r>
+              <a:rPr lang="en-US" dirty="0"/>
+              <a:t>Secure Channel between Peers</a:t>
+            </a:r>
           </a:p>
         </p:txBody>
       </p:sp>
@@ -12038,7 +12101,49 @@
           <a:bodyPr/>
           <a:lstStyle/>
           <a:p>
-            <a:endParaRPr lang="en-US"/>
+            <a:r>
+              <a:rPr lang="en-US" dirty="0"/>
+              <a:t>Choose a Mode </a:t>
+            </a:r>
+          </a:p>
+          <a:p>
+            <a:pPr lvl="1"/>
+            <a:r>
+              <a:rPr lang="en-US" dirty="0"/>
+              <a:t>Aggressive or Main</a:t>
+            </a:r>
+          </a:p>
+          <a:p>
+            <a:r>
+              <a:rPr lang="en-US" dirty="0"/>
+              <a:t>Authenticate and Protect </a:t>
+            </a:r>
+            <a:r>
+              <a:rPr lang="en-US" dirty="0" err="1"/>
+              <a:t>IPSec</a:t>
+            </a:r>
+            <a:r>
+              <a:rPr lang="en-US" dirty="0"/>
+              <a:t> Peers</a:t>
+            </a:r>
+          </a:p>
+          <a:p>
+            <a:r>
+              <a:rPr lang="en-US" dirty="0"/>
+              <a:t>Create Shared Secret Keys (Diffie-Hellman)</a:t>
+            </a:r>
+          </a:p>
+          <a:p>
+            <a:r>
+              <a:rPr lang="en-US" dirty="0"/>
+              <a:t>Establish secure tunnel for Phase 2 Parameters</a:t>
+            </a:r>
+          </a:p>
+          <a:p>
+            <a:endParaRPr lang="en-US" dirty="0"/>
+          </a:p>
+          <a:p>
+            <a:endParaRPr lang="en-US" dirty="0"/>
           </a:p>
         </p:txBody>
       </p:sp>
@@ -12070,6 +12175,42 @@
           </a:p>
         </p:txBody>
       </p:sp>
+      <p:pic>
+        <p:nvPicPr>
+          <p:cNvPr id="6" name="Picture 5">
+            <a:extLst>
+              <a:ext uri="{FF2B5EF4-FFF2-40B4-BE49-F238E27FC236}">
+                <a16:creationId xmlns:a16="http://schemas.microsoft.com/office/drawing/2014/main" id="{67080B2B-9160-4E19-84B1-20E43E867390}"/>
+              </a:ext>
+            </a:extLst>
+          </p:cNvPr>
+          <p:cNvPicPr>
+            <a:picLocks noChangeAspect="1"/>
+          </p:cNvPicPr>
+          <p:nvPr/>
+        </p:nvPicPr>
+        <p:blipFill>
+          <a:blip r:embed="rId2">
+            <a:extLst>
+              <a:ext uri="{28A0092B-C50C-407E-A947-70E740481C1C}">
+                <a14:useLocalDpi xmlns:a14="http://schemas.microsoft.com/office/drawing/2010/main" val="0"/>
+              </a:ext>
+            </a:extLst>
+          </a:blip>
+          <a:stretch>
+            <a:fillRect/>
+          </a:stretch>
+        </p:blipFill>
+        <p:spPr>
+          <a:xfrm>
+            <a:off x="1417262" y="4441024"/>
+            <a:ext cx="5582429" cy="1667108"/>
+          </a:xfrm>
+          <a:prstGeom prst="rect">
+            <a:avLst/>
+          </a:prstGeom>
+        </p:spPr>
+      </p:pic>
     </p:spTree>
     <p:extLst>
       <p:ext uri="{BB962C8B-B14F-4D97-AF65-F5344CB8AC3E}">
@@ -12144,7 +12285,12 @@
             <p:ph idx="1"/>
           </p:nvPr>
         </p:nvSpPr>
-        <p:spPr/>
+        <p:spPr>
+          <a:xfrm>
+            <a:off x="838200" y="1825625"/>
+            <a:ext cx="3440012" cy="4351338"/>
+          </a:xfrm>
+        </p:spPr>
         <p:txBody>
           <a:bodyPr/>
           <a:lstStyle/>
@@ -12155,10 +12301,15 @@
             </a:r>
           </a:p>
           <a:p>
+            <a:pPr lvl="1"/>
             <a:r>
               <a:rPr lang="en-US" dirty="0"/>
-              <a:t>Aggressive Mode</a:t>
+              <a:t>6 Messages</a:t>
             </a:r>
+          </a:p>
+          <a:p>
+            <a:pPr lvl="1"/>
+            <a:endParaRPr lang="en-US" dirty="0"/>
           </a:p>
         </p:txBody>
       </p:sp>
@@ -12190,6 +12341,336 @@
           </a:p>
         </p:txBody>
       </p:sp>
+      <p:pic>
+        <p:nvPicPr>
+          <p:cNvPr id="6" name="Picture 5">
+            <a:extLst>
+              <a:ext uri="{FF2B5EF4-FFF2-40B4-BE49-F238E27FC236}">
+                <a16:creationId xmlns:a16="http://schemas.microsoft.com/office/drawing/2014/main" id="{2CE3BEA2-FF2D-4299-BE8E-D244AB2E5EB6}"/>
+              </a:ext>
+            </a:extLst>
+          </p:cNvPr>
+          <p:cNvPicPr>
+            <a:picLocks noChangeAspect="1"/>
+          </p:cNvPicPr>
+          <p:nvPr/>
+        </p:nvPicPr>
+        <p:blipFill>
+          <a:blip r:embed="rId2"/>
+          <a:stretch>
+            <a:fillRect/>
+          </a:stretch>
+        </p:blipFill>
+        <p:spPr>
+          <a:xfrm>
+            <a:off x="1037657" y="1407977"/>
+            <a:ext cx="1895475" cy="438150"/>
+          </a:xfrm>
+          <a:prstGeom prst="rect">
+            <a:avLst/>
+          </a:prstGeom>
+        </p:spPr>
+      </p:pic>
+      <p:pic>
+        <p:nvPicPr>
+          <p:cNvPr id="8" name="Picture 7">
+            <a:extLst>
+              <a:ext uri="{FF2B5EF4-FFF2-40B4-BE49-F238E27FC236}">
+                <a16:creationId xmlns:a16="http://schemas.microsoft.com/office/drawing/2014/main" id="{51E06C00-5114-480D-8C95-0E6236B86B3B}"/>
+              </a:ext>
+            </a:extLst>
+          </p:cNvPr>
+          <p:cNvPicPr>
+            <a:picLocks noChangeAspect="1"/>
+          </p:cNvPicPr>
+          <p:nvPr/>
+        </p:nvPicPr>
+        <p:blipFill>
+          <a:blip r:embed="rId3"/>
+          <a:stretch>
+            <a:fillRect/>
+          </a:stretch>
+        </p:blipFill>
+        <p:spPr>
+          <a:xfrm>
+            <a:off x="7299121" y="1231280"/>
+            <a:ext cx="2606006" cy="791544"/>
+          </a:xfrm>
+          <a:prstGeom prst="rect">
+            <a:avLst/>
+          </a:prstGeom>
+        </p:spPr>
+      </p:pic>
+      <p:sp>
+        <p:nvSpPr>
+          <p:cNvPr id="9" name="Content Placeholder 2">
+            <a:extLst>
+              <a:ext uri="{FF2B5EF4-FFF2-40B4-BE49-F238E27FC236}">
+                <a16:creationId xmlns:a16="http://schemas.microsoft.com/office/drawing/2014/main" id="{596C64AE-D3BE-44B0-9B02-A1DBF8AEAAFE}"/>
+              </a:ext>
+            </a:extLst>
+          </p:cNvPr>
+          <p:cNvSpPr txBox="1">
+            <a:spLocks/>
+          </p:cNvSpPr>
+          <p:nvPr/>
+        </p:nvSpPr>
+        <p:spPr>
+          <a:xfrm>
+            <a:off x="7299121" y="1962441"/>
+            <a:ext cx="3440012" cy="4351338"/>
+          </a:xfrm>
+          <a:prstGeom prst="rect">
+            <a:avLst/>
+          </a:prstGeom>
+        </p:spPr>
+        <p:txBody>
+          <a:bodyPr vert="horz" lIns="91440" tIns="45720" rIns="91440" bIns="45720" rtlCol="0">
+            <a:normAutofit/>
+          </a:bodyPr>
+          <a:lstStyle>
+            <a:lvl1pPr marL="228600" indent="-228600" algn="l" defTabSz="914400" rtl="0" eaLnBrk="1" latinLnBrk="0" hangingPunct="1">
+              <a:lnSpc>
+                <a:spcPct val="90000"/>
+              </a:lnSpc>
+              <a:spcBef>
+                <a:spcPts val="1000"/>
+              </a:spcBef>
+              <a:buFont typeface="Arial" panose="020B0604020202020204" pitchFamily="34" charset="0"/>
+              <a:buChar char="•"/>
+              <a:defRPr sz="2800" kern="1200">
+                <a:solidFill>
+                  <a:schemeClr val="tx1"/>
+                </a:solidFill>
+                <a:latin typeface="+mn-lt"/>
+                <a:ea typeface="+mn-ea"/>
+                <a:cs typeface="+mn-cs"/>
+              </a:defRPr>
+            </a:lvl1pPr>
+            <a:lvl2pPr marL="685800" indent="-228600" algn="l" defTabSz="914400" rtl="0" eaLnBrk="1" latinLnBrk="0" hangingPunct="1">
+              <a:lnSpc>
+                <a:spcPct val="90000"/>
+              </a:lnSpc>
+              <a:spcBef>
+                <a:spcPts val="500"/>
+              </a:spcBef>
+              <a:buFont typeface="Arial" panose="020B0604020202020204" pitchFamily="34" charset="0"/>
+              <a:buChar char="•"/>
+              <a:defRPr sz="2400" kern="1200">
+                <a:solidFill>
+                  <a:schemeClr val="tx1"/>
+                </a:solidFill>
+                <a:latin typeface="+mn-lt"/>
+                <a:ea typeface="+mn-ea"/>
+                <a:cs typeface="+mn-cs"/>
+              </a:defRPr>
+            </a:lvl2pPr>
+            <a:lvl3pPr marL="1143000" indent="-228600" algn="l" defTabSz="914400" rtl="0" eaLnBrk="1" latinLnBrk="0" hangingPunct="1">
+              <a:lnSpc>
+                <a:spcPct val="90000"/>
+              </a:lnSpc>
+              <a:spcBef>
+                <a:spcPts val="500"/>
+              </a:spcBef>
+              <a:buFont typeface="Arial" panose="020B0604020202020204" pitchFamily="34" charset="0"/>
+              <a:buChar char="•"/>
+              <a:defRPr sz="2000" kern="1200">
+                <a:solidFill>
+                  <a:schemeClr val="tx1"/>
+                </a:solidFill>
+                <a:latin typeface="+mn-lt"/>
+                <a:ea typeface="+mn-ea"/>
+                <a:cs typeface="+mn-cs"/>
+              </a:defRPr>
+            </a:lvl3pPr>
+            <a:lvl4pPr marL="1600200" indent="-228600" algn="l" defTabSz="914400" rtl="0" eaLnBrk="1" latinLnBrk="0" hangingPunct="1">
+              <a:lnSpc>
+                <a:spcPct val="90000"/>
+              </a:lnSpc>
+              <a:spcBef>
+                <a:spcPts val="500"/>
+              </a:spcBef>
+              <a:buFont typeface="Arial" panose="020B0604020202020204" pitchFamily="34" charset="0"/>
+              <a:buChar char="•"/>
+              <a:defRPr sz="1800" kern="1200">
+                <a:solidFill>
+                  <a:schemeClr val="tx1"/>
+                </a:solidFill>
+                <a:latin typeface="+mn-lt"/>
+                <a:ea typeface="+mn-ea"/>
+                <a:cs typeface="+mn-cs"/>
+              </a:defRPr>
+            </a:lvl4pPr>
+            <a:lvl5pPr marL="2057400" indent="-228600" algn="l" defTabSz="914400" rtl="0" eaLnBrk="1" latinLnBrk="0" hangingPunct="1">
+              <a:lnSpc>
+                <a:spcPct val="90000"/>
+              </a:lnSpc>
+              <a:spcBef>
+                <a:spcPts val="500"/>
+              </a:spcBef>
+              <a:buFont typeface="Arial" panose="020B0604020202020204" pitchFamily="34" charset="0"/>
+              <a:buChar char="•"/>
+              <a:defRPr sz="1800" kern="1200">
+                <a:solidFill>
+                  <a:schemeClr val="tx1"/>
+                </a:solidFill>
+                <a:latin typeface="+mn-lt"/>
+                <a:ea typeface="+mn-ea"/>
+                <a:cs typeface="+mn-cs"/>
+              </a:defRPr>
+            </a:lvl5pPr>
+            <a:lvl6pPr marL="2514600" indent="-228600" algn="l" defTabSz="914400" rtl="0" eaLnBrk="1" latinLnBrk="0" hangingPunct="1">
+              <a:lnSpc>
+                <a:spcPct val="90000"/>
+              </a:lnSpc>
+              <a:spcBef>
+                <a:spcPts val="500"/>
+              </a:spcBef>
+              <a:buFont typeface="Arial" panose="020B0604020202020204" pitchFamily="34" charset="0"/>
+              <a:buChar char="•"/>
+              <a:defRPr sz="1800" kern="1200">
+                <a:solidFill>
+                  <a:schemeClr val="tx1"/>
+                </a:solidFill>
+                <a:latin typeface="+mn-lt"/>
+                <a:ea typeface="+mn-ea"/>
+                <a:cs typeface="+mn-cs"/>
+              </a:defRPr>
+            </a:lvl6pPr>
+            <a:lvl7pPr marL="2971800" indent="-228600" algn="l" defTabSz="914400" rtl="0" eaLnBrk="1" latinLnBrk="0" hangingPunct="1">
+              <a:lnSpc>
+                <a:spcPct val="90000"/>
+              </a:lnSpc>
+              <a:spcBef>
+                <a:spcPts val="500"/>
+              </a:spcBef>
+              <a:buFont typeface="Arial" panose="020B0604020202020204" pitchFamily="34" charset="0"/>
+              <a:buChar char="•"/>
+              <a:defRPr sz="1800" kern="1200">
+                <a:solidFill>
+                  <a:schemeClr val="tx1"/>
+                </a:solidFill>
+                <a:latin typeface="+mn-lt"/>
+                <a:ea typeface="+mn-ea"/>
+                <a:cs typeface="+mn-cs"/>
+              </a:defRPr>
+            </a:lvl7pPr>
+            <a:lvl8pPr marL="3429000" indent="-228600" algn="l" defTabSz="914400" rtl="0" eaLnBrk="1" latinLnBrk="0" hangingPunct="1">
+              <a:lnSpc>
+                <a:spcPct val="90000"/>
+              </a:lnSpc>
+              <a:spcBef>
+                <a:spcPts val="500"/>
+              </a:spcBef>
+              <a:buFont typeface="Arial" panose="020B0604020202020204" pitchFamily="34" charset="0"/>
+              <a:buChar char="•"/>
+              <a:defRPr sz="1800" kern="1200">
+                <a:solidFill>
+                  <a:schemeClr val="tx1"/>
+                </a:solidFill>
+                <a:latin typeface="+mn-lt"/>
+                <a:ea typeface="+mn-ea"/>
+                <a:cs typeface="+mn-cs"/>
+              </a:defRPr>
+            </a:lvl8pPr>
+            <a:lvl9pPr marL="3886200" indent="-228600" algn="l" defTabSz="914400" rtl="0" eaLnBrk="1" latinLnBrk="0" hangingPunct="1">
+              <a:lnSpc>
+                <a:spcPct val="90000"/>
+              </a:lnSpc>
+              <a:spcBef>
+                <a:spcPts val="500"/>
+              </a:spcBef>
+              <a:buFont typeface="Arial" panose="020B0604020202020204" pitchFamily="34" charset="0"/>
+              <a:buChar char="•"/>
+              <a:defRPr sz="1800" kern="1200">
+                <a:solidFill>
+                  <a:schemeClr val="tx1"/>
+                </a:solidFill>
+                <a:latin typeface="+mn-lt"/>
+                <a:ea typeface="+mn-ea"/>
+                <a:cs typeface="+mn-cs"/>
+              </a:defRPr>
+            </a:lvl9pPr>
+          </a:lstStyle>
+          <a:p>
+            <a:r>
+              <a:rPr lang="en-US" dirty="0"/>
+              <a:t>Aggressive Mode</a:t>
+            </a:r>
+          </a:p>
+          <a:p>
+            <a:pPr lvl="1"/>
+            <a:r>
+              <a:rPr lang="en-US" dirty="0"/>
+              <a:t>3 Messages</a:t>
+            </a:r>
+          </a:p>
+          <a:p>
+            <a:pPr lvl="1"/>
+            <a:endParaRPr lang="en-US" dirty="0"/>
+          </a:p>
+        </p:txBody>
+      </p:sp>
+      <p:pic>
+        <p:nvPicPr>
+          <p:cNvPr id="11" name="Picture 10">
+            <a:extLst>
+              <a:ext uri="{FF2B5EF4-FFF2-40B4-BE49-F238E27FC236}">
+                <a16:creationId xmlns:a16="http://schemas.microsoft.com/office/drawing/2014/main" id="{7F6B1D95-1839-46AF-8666-7F9D3D2D6A18}"/>
+              </a:ext>
+            </a:extLst>
+          </p:cNvPr>
+          <p:cNvPicPr>
+            <a:picLocks noChangeAspect="1"/>
+          </p:cNvPicPr>
+          <p:nvPr/>
+        </p:nvPicPr>
+        <p:blipFill>
+          <a:blip r:embed="rId4"/>
+          <a:stretch>
+            <a:fillRect/>
+          </a:stretch>
+        </p:blipFill>
+        <p:spPr>
+          <a:xfrm>
+            <a:off x="302266" y="2969703"/>
+            <a:ext cx="4511879" cy="2764892"/>
+          </a:xfrm>
+          <a:prstGeom prst="rect">
+            <a:avLst/>
+          </a:prstGeom>
+        </p:spPr>
+      </p:pic>
+      <p:pic>
+        <p:nvPicPr>
+          <p:cNvPr id="13" name="Picture 12">
+            <a:extLst>
+              <a:ext uri="{FF2B5EF4-FFF2-40B4-BE49-F238E27FC236}">
+                <a16:creationId xmlns:a16="http://schemas.microsoft.com/office/drawing/2014/main" id="{7AD8159B-A730-4732-A333-88511A987264}"/>
+              </a:ext>
+            </a:extLst>
+          </p:cNvPr>
+          <p:cNvPicPr>
+            <a:picLocks noChangeAspect="1"/>
+          </p:cNvPicPr>
+          <p:nvPr/>
+        </p:nvPicPr>
+        <p:blipFill>
+          <a:blip r:embed="rId5"/>
+          <a:stretch>
+            <a:fillRect/>
+          </a:stretch>
+        </p:blipFill>
+        <p:spPr>
+          <a:xfrm>
+            <a:off x="6723471" y="3097080"/>
+            <a:ext cx="4630329" cy="2082059"/>
+          </a:xfrm>
+          <a:prstGeom prst="rect">
+            <a:avLst/>
+          </a:prstGeom>
+        </p:spPr>
+      </p:pic>
     </p:spTree>
     <p:extLst>
       <p:ext uri="{BB962C8B-B14F-4D97-AF65-F5344CB8AC3E}">
@@ -12322,6 +12803,36 @@
           </a:p>
         </p:txBody>
       </p:sp>
+      <p:pic>
+        <p:nvPicPr>
+          <p:cNvPr id="8" name="Picture 7">
+            <a:extLst>
+              <a:ext uri="{FF2B5EF4-FFF2-40B4-BE49-F238E27FC236}">
+                <a16:creationId xmlns:a16="http://schemas.microsoft.com/office/drawing/2014/main" id="{9C65E693-A378-4A4B-87A8-BDBFAF292E80}"/>
+              </a:ext>
+            </a:extLst>
+          </p:cNvPr>
+          <p:cNvPicPr>
+            <a:picLocks noChangeAspect="1"/>
+          </p:cNvPicPr>
+          <p:nvPr/>
+        </p:nvPicPr>
+        <p:blipFill>
+          <a:blip r:embed="rId2"/>
+          <a:stretch>
+            <a:fillRect/>
+          </a:stretch>
+        </p:blipFill>
+        <p:spPr>
+          <a:xfrm>
+            <a:off x="8380602" y="4782262"/>
+            <a:ext cx="3311335" cy="1961438"/>
+          </a:xfrm>
+          <a:prstGeom prst="rect">
+            <a:avLst/>
+          </a:prstGeom>
+        </p:spPr>
+      </p:pic>
     </p:spTree>
     <p:extLst>
       <p:ext uri="{BB962C8B-B14F-4D97-AF65-F5344CB8AC3E}">

--- a/Assignments/InternetKeyExchange/Internet Key Exchange.pptx
+++ b/Assignments/InternetKeyExchange/Internet Key Exchange.pptx
@@ -1,24 +1,32 @@
 
 <file path=ppt/presentation.xml><?xml version="1.0" encoding="utf-8"?>
-<p:presentation xmlns:a="http://schemas.openxmlformats.org/drawingml/2006/main" xmlns:r="http://schemas.openxmlformats.org/officeDocument/2006/relationships" xmlns:p="http://schemas.openxmlformats.org/presentationml/2006/main" xmlns:m="http://schemas.openxmlformats.org/officeDocument/2006/math" xmlns:w="http://schemas.openxmlformats.org/wordprocessingml/2006/main" saveSubsetFonts="1">
+<p:presentation xmlns:a="http://schemas.openxmlformats.org/drawingml/2006/main" xmlns:r="http://schemas.openxmlformats.org/officeDocument/2006/relationships" xmlns:p="http://schemas.openxmlformats.org/presentationml/2006/main" saveSubsetFonts="1">
   <p:sldMasterIdLst>
     <p:sldMasterId id="2147483648" r:id="rId1"/>
   </p:sldMasterIdLst>
+  <p:notesMasterIdLst>
+    <p:notesMasterId r:id="rId18"/>
+  </p:notesMasterIdLst>
+  <p:handoutMasterIdLst>
+    <p:handoutMasterId r:id="rId19"/>
+  </p:handoutMasterIdLst>
   <p:sldIdLst>
-    <p:sldId id="256" r:id="rId3"/>
-    <p:sldId id="257" r:id="rId4"/>
-    <p:sldId id="258" r:id="rId5"/>
-    <p:sldId id="259" r:id="rId6"/>
-    <p:sldId id="260" r:id="rId7"/>
-    <p:sldId id="261" r:id="rId8"/>
-    <p:sldId id="262" r:id="rId9"/>
-    <p:sldId id="263" r:id="rId10"/>
+    <p:sldId id="256" r:id="rId2"/>
+    <p:sldId id="257" r:id="rId3"/>
+    <p:sldId id="258" r:id="rId4"/>
+    <p:sldId id="259" r:id="rId5"/>
+    <p:sldId id="260" r:id="rId6"/>
+    <p:sldId id="261" r:id="rId7"/>
+    <p:sldId id="262" r:id="rId8"/>
+    <p:sldId id="263" r:id="rId9"/>
+    <p:sldId id="265" r:id="rId10"/>
     <p:sldId id="264" r:id="rId11"/>
-    <p:sldId id="265" r:id="rId12"/>
-    <p:sldId id="266" r:id="rId13"/>
-    <p:sldId id="267" r:id="rId14"/>
-    <p:sldId id="268" r:id="rId15"/>
-    <p:sldId id="269" r:id="rId16"/>
+    <p:sldId id="266" r:id="rId12"/>
+    <p:sldId id="268" r:id="rId13"/>
+    <p:sldId id="270" r:id="rId14"/>
+    <p:sldId id="267" r:id="rId15"/>
+    <p:sldId id="271" r:id="rId16"/>
+    <p:sldId id="272" r:id="rId17"/>
   </p:sldIdLst>
   <p:sldSz cx="12192000" cy="6858000"/>
   <p:notesSz cx="12192000" cy="6858000"/>
@@ -117,17 +125,585 @@
       </a:defRPr>
     </a:lvl9pPr>
   </p:defaultTextStyle>
+  <p:extLst>
+    <p:ext uri="{EFAFB233-063F-42B5-8137-9DF3F51BA10A}">
+      <p15:sldGuideLst xmlns:p15="http://schemas.microsoft.com/office/powerpoint/2012/main">
+        <p15:guide id="1" orient="horz" pos="2160">
+          <p15:clr>
+            <a:srgbClr val="A4A3A4"/>
+          </p15:clr>
+        </p15:guide>
+        <p15:guide id="2" pos="2880">
+          <p15:clr>
+            <a:srgbClr val="A4A3A4"/>
+          </p15:clr>
+        </p15:guide>
+      </p15:sldGuideLst>
+    </p:ext>
+  </p:extLst>
 </p:presentation>
 </file>
 
+<file path=ppt/handoutMasters/handoutMaster1.xml><?xml version="1.0" encoding="utf-8"?>
+<p:handoutMaster xmlns:a="http://schemas.openxmlformats.org/drawingml/2006/main" xmlns:r="http://schemas.openxmlformats.org/officeDocument/2006/relationships" xmlns:p="http://schemas.openxmlformats.org/presentationml/2006/main">
+  <p:cSld>
+    <p:bg>
+      <p:bgRef idx="1001">
+        <a:schemeClr val="bg1"/>
+      </p:bgRef>
+    </p:bg>
+    <p:spTree>
+      <p:nvGrpSpPr>
+        <p:cNvPr id="1" name=""/>
+        <p:cNvGrpSpPr/>
+        <p:nvPr/>
+      </p:nvGrpSpPr>
+      <p:grpSpPr>
+        <a:xfrm>
+          <a:off x="0" y="0"/>
+          <a:ext cx="0" cy="0"/>
+          <a:chOff x="0" y="0"/>
+          <a:chExt cx="0" cy="0"/>
+        </a:xfrm>
+      </p:grpSpPr>
+      <p:sp>
+        <p:nvSpPr>
+          <p:cNvPr id="2" name="Header Placeholder 1">
+            <a:extLst>
+              <a:ext uri="{FF2B5EF4-FFF2-40B4-BE49-F238E27FC236}">
+                <a16:creationId xmlns:a16="http://schemas.microsoft.com/office/drawing/2014/main" id="{408C0004-0B4B-468C-BE4B-620747FEBAB3}"/>
+              </a:ext>
+            </a:extLst>
+          </p:cNvPr>
+          <p:cNvSpPr>
+            <a:spLocks noGrp="1"/>
+          </p:cNvSpPr>
+          <p:nvPr>
+            <p:ph type="hdr" sz="quarter"/>
+          </p:nvPr>
+        </p:nvSpPr>
+        <p:spPr>
+          <a:xfrm>
+            <a:off x="0" y="0"/>
+            <a:ext cx="5283200" cy="344488"/>
+          </a:xfrm>
+          <a:prstGeom prst="rect">
+            <a:avLst/>
+          </a:prstGeom>
+        </p:spPr>
+        <p:txBody>
+          <a:bodyPr vert="horz" lIns="91440" tIns="45720" rIns="91440" bIns="45720" rtlCol="0"/>
+          <a:lstStyle>
+            <a:lvl1pPr algn="l">
+              <a:defRPr sz="1200"/>
+            </a:lvl1pPr>
+          </a:lstStyle>
+          <a:p>
+            <a:endParaRPr lang="en-US"/>
+          </a:p>
+          <a:p>
+            <a:endParaRPr lang="en-US"/>
+          </a:p>
+        </p:txBody>
+      </p:sp>
+      <p:sp>
+        <p:nvSpPr>
+          <p:cNvPr id="3" name="Date Placeholder 2">
+            <a:extLst>
+              <a:ext uri="{FF2B5EF4-FFF2-40B4-BE49-F238E27FC236}">
+                <a16:creationId xmlns:a16="http://schemas.microsoft.com/office/drawing/2014/main" id="{7840F9F8-C27B-479C-BA8F-8F1DB9833D99}"/>
+              </a:ext>
+            </a:extLst>
+          </p:cNvPr>
+          <p:cNvSpPr>
+            <a:spLocks noGrp="1"/>
+          </p:cNvSpPr>
+          <p:nvPr>
+            <p:ph type="dt" sz="quarter" idx="1"/>
+          </p:nvPr>
+        </p:nvSpPr>
+        <p:spPr>
+          <a:xfrm>
+            <a:off x="6905625" y="0"/>
+            <a:ext cx="5283200" cy="344488"/>
+          </a:xfrm>
+          <a:prstGeom prst="rect">
+            <a:avLst/>
+          </a:prstGeom>
+        </p:spPr>
+        <p:txBody>
+          <a:bodyPr vert="horz" lIns="91440" tIns="45720" rIns="91440" bIns="45720" rtlCol="0"/>
+          <a:lstStyle>
+            <a:lvl1pPr algn="r">
+              <a:defRPr sz="1200"/>
+            </a:lvl1pPr>
+          </a:lstStyle>
+          <a:p>
+            <a:fld id="{089B4755-710A-482B-8D7F-C6ECEBBE0637}" type="datetimeFigureOut">
+              <a:rPr lang="en-US" smtClean="0"/>
+              <a:t>5/2/2022</a:t>
+            </a:fld>
+            <a:endParaRPr lang="en-US"/>
+          </a:p>
+        </p:txBody>
+      </p:sp>
+      <p:sp>
+        <p:nvSpPr>
+          <p:cNvPr id="4" name="Footer Placeholder 3">
+            <a:extLst>
+              <a:ext uri="{FF2B5EF4-FFF2-40B4-BE49-F238E27FC236}">
+                <a16:creationId xmlns:a16="http://schemas.microsoft.com/office/drawing/2014/main" id="{0C809D53-AB67-4C98-8FC8-60BBCD45920C}"/>
+              </a:ext>
+            </a:extLst>
+          </p:cNvPr>
+          <p:cNvSpPr>
+            <a:spLocks noGrp="1"/>
+          </p:cNvSpPr>
+          <p:nvPr>
+            <p:ph type="ftr" sz="quarter" idx="2"/>
+          </p:nvPr>
+        </p:nvSpPr>
+        <p:spPr>
+          <a:xfrm>
+            <a:off x="0" y="6513513"/>
+            <a:ext cx="5283200" cy="344487"/>
+          </a:xfrm>
+          <a:prstGeom prst="rect">
+            <a:avLst/>
+          </a:prstGeom>
+        </p:spPr>
+        <p:txBody>
+          <a:bodyPr vert="horz" lIns="91440" tIns="45720" rIns="91440" bIns="45720" rtlCol="0" anchor="b"/>
+          <a:lstStyle>
+            <a:lvl1pPr algn="l">
+              <a:defRPr sz="1200"/>
+            </a:lvl1pPr>
+          </a:lstStyle>
+          <a:p>
+            <a:endParaRPr lang="en-US"/>
+          </a:p>
+          <a:p>
+            <a:endParaRPr lang="en-US"/>
+          </a:p>
+        </p:txBody>
+      </p:sp>
+      <p:sp>
+        <p:nvSpPr>
+          <p:cNvPr id="5" name="Slide Number Placeholder 4">
+            <a:extLst>
+              <a:ext uri="{FF2B5EF4-FFF2-40B4-BE49-F238E27FC236}">
+                <a16:creationId xmlns:a16="http://schemas.microsoft.com/office/drawing/2014/main" id="{934AC3CB-3A47-4B93-ACD1-94D4E66763C0}"/>
+              </a:ext>
+            </a:extLst>
+          </p:cNvPr>
+          <p:cNvSpPr>
+            <a:spLocks noGrp="1"/>
+          </p:cNvSpPr>
+          <p:nvPr>
+            <p:ph type="sldNum" sz="quarter" idx="3"/>
+          </p:nvPr>
+        </p:nvSpPr>
+        <p:spPr>
+          <a:xfrm>
+            <a:off x="6905625" y="6513513"/>
+            <a:ext cx="5283200" cy="344487"/>
+          </a:xfrm>
+          <a:prstGeom prst="rect">
+            <a:avLst/>
+          </a:prstGeom>
+        </p:spPr>
+        <p:txBody>
+          <a:bodyPr vert="horz" lIns="91440" tIns="45720" rIns="91440" bIns="45720" rtlCol="0" anchor="b"/>
+          <a:lstStyle>
+            <a:lvl1pPr algn="r">
+              <a:defRPr sz="1200"/>
+            </a:lvl1pPr>
+          </a:lstStyle>
+          <a:p>
+            <a:fld id="{C06CC30D-64C7-413F-9432-5A0556610DCC}" type="slidenum">
+              <a:rPr lang="en-US" smtClean="0"/>
+              <a:t>‹#›</a:t>
+            </a:fld>
+            <a:endParaRPr lang="en-US"/>
+          </a:p>
+        </p:txBody>
+      </p:sp>
+    </p:spTree>
+    <p:extLst>
+      <p:ext uri="{BB962C8B-B14F-4D97-AF65-F5344CB8AC3E}">
+        <p14:creationId xmlns:p14="http://schemas.microsoft.com/office/powerpoint/2010/main" val="565974224"/>
+      </p:ext>
+    </p:extLst>
+  </p:cSld>
+  <p:clrMap bg1="lt1" tx1="dk1" bg2="lt2" tx2="dk2" accent1="accent1" accent2="accent2" accent3="accent3" accent4="accent4" accent5="accent5" accent6="accent6" hlink="hlink" folHlink="folHlink"/>
+  <p:hf dt="0"/>
+</p:handoutMaster>
+</file>
+
+<file path=ppt/notesMasters/notesMaster1.xml><?xml version="1.0" encoding="utf-8"?>
+<p:notesMaster xmlns:a="http://schemas.openxmlformats.org/drawingml/2006/main" xmlns:r="http://schemas.openxmlformats.org/officeDocument/2006/relationships" xmlns:p="http://schemas.openxmlformats.org/presentationml/2006/main">
+  <p:cSld>
+    <p:bg>
+      <p:bgRef idx="1001">
+        <a:schemeClr val="bg1"/>
+      </p:bgRef>
+    </p:bg>
+    <p:spTree>
+      <p:nvGrpSpPr>
+        <p:cNvPr id="1" name=""/>
+        <p:cNvGrpSpPr/>
+        <p:nvPr/>
+      </p:nvGrpSpPr>
+      <p:grpSpPr>
+        <a:xfrm>
+          <a:off x="0" y="0"/>
+          <a:ext cx="0" cy="0"/>
+          <a:chOff x="0" y="0"/>
+          <a:chExt cx="0" cy="0"/>
+        </a:xfrm>
+      </p:grpSpPr>
+      <p:sp>
+        <p:nvSpPr>
+          <p:cNvPr id="2" name="Header Placeholder 1"/>
+          <p:cNvSpPr>
+            <a:spLocks noGrp="1"/>
+          </p:cNvSpPr>
+          <p:nvPr>
+            <p:ph type="hdr" sz="quarter"/>
+          </p:nvPr>
+        </p:nvSpPr>
+        <p:spPr>
+          <a:xfrm>
+            <a:off x="0" y="0"/>
+            <a:ext cx="5283200" cy="344488"/>
+          </a:xfrm>
+          <a:prstGeom prst="rect">
+            <a:avLst/>
+          </a:prstGeom>
+        </p:spPr>
+        <p:txBody>
+          <a:bodyPr vert="horz" lIns="91440" tIns="45720" rIns="91440" bIns="45720" rtlCol="0"/>
+          <a:lstStyle>
+            <a:lvl1pPr algn="l">
+              <a:defRPr sz="1200"/>
+            </a:lvl1pPr>
+          </a:lstStyle>
+          <a:p>
+            <a:endParaRPr lang="en-US"/>
+          </a:p>
+          <a:p>
+            <a:endParaRPr lang="en-US"/>
+          </a:p>
+        </p:txBody>
+      </p:sp>
+      <p:sp>
+        <p:nvSpPr>
+          <p:cNvPr id="3" name="Date Placeholder 2"/>
+          <p:cNvSpPr>
+            <a:spLocks noGrp="1"/>
+          </p:cNvSpPr>
+          <p:nvPr>
+            <p:ph type="dt" idx="1"/>
+          </p:nvPr>
+        </p:nvSpPr>
+        <p:spPr>
+          <a:xfrm>
+            <a:off x="6905625" y="0"/>
+            <a:ext cx="5283200" cy="344488"/>
+          </a:xfrm>
+          <a:prstGeom prst="rect">
+            <a:avLst/>
+          </a:prstGeom>
+        </p:spPr>
+        <p:txBody>
+          <a:bodyPr vert="horz" lIns="91440" tIns="45720" rIns="91440" bIns="45720" rtlCol="0"/>
+          <a:lstStyle>
+            <a:lvl1pPr algn="r">
+              <a:defRPr sz="1200"/>
+            </a:lvl1pPr>
+          </a:lstStyle>
+          <a:p>
+            <a:fld id="{EAFED127-A477-4AE9-85C7-D139CDE34BE9}" type="datetimeFigureOut">
+              <a:rPr lang="en-US" smtClean="0"/>
+              <a:t>5/2/2022</a:t>
+            </a:fld>
+            <a:endParaRPr lang="en-US"/>
+          </a:p>
+        </p:txBody>
+      </p:sp>
+      <p:sp>
+        <p:nvSpPr>
+          <p:cNvPr id="4" name="Slide Image Placeholder 3"/>
+          <p:cNvSpPr>
+            <a:spLocks noGrp="1" noRot="1" noChangeAspect="1"/>
+          </p:cNvSpPr>
+          <p:nvPr>
+            <p:ph type="sldImg" idx="2"/>
+          </p:nvPr>
+        </p:nvSpPr>
+        <p:spPr>
+          <a:xfrm>
+            <a:off x="4038600" y="857250"/>
+            <a:ext cx="4114800" cy="2314575"/>
+          </a:xfrm>
+          <a:prstGeom prst="rect">
+            <a:avLst/>
+          </a:prstGeom>
+          <a:noFill/>
+          <a:ln w="12700">
+            <a:solidFill>
+              <a:prstClr val="black"/>
+            </a:solidFill>
+          </a:ln>
+        </p:spPr>
+        <p:txBody>
+          <a:bodyPr vert="horz" lIns="91440" tIns="45720" rIns="91440" bIns="45720" rtlCol="0" anchor="ctr"/>
+          <a:lstStyle/>
+          <a:p>
+            <a:endParaRPr lang="en-US"/>
+          </a:p>
+        </p:txBody>
+      </p:sp>
+      <p:sp>
+        <p:nvSpPr>
+          <p:cNvPr id="5" name="Notes Placeholder 4"/>
+          <p:cNvSpPr>
+            <a:spLocks noGrp="1"/>
+          </p:cNvSpPr>
+          <p:nvPr>
+            <p:ph type="body" sz="quarter" idx="3"/>
+          </p:nvPr>
+        </p:nvSpPr>
+        <p:spPr>
+          <a:xfrm>
+            <a:off x="1219200" y="3300413"/>
+            <a:ext cx="9753600" cy="2700337"/>
+          </a:xfrm>
+          <a:prstGeom prst="rect">
+            <a:avLst/>
+          </a:prstGeom>
+        </p:spPr>
+        <p:txBody>
+          <a:bodyPr vert="horz" lIns="91440" tIns="45720" rIns="91440" bIns="45720" rtlCol="0"/>
+          <a:lstStyle/>
+          <a:p>
+            <a:pPr lvl="0"/>
+            <a:r>
+              <a:rPr lang="en-US"/>
+              <a:t>Click to edit Master text styles</a:t>
+            </a:r>
+          </a:p>
+          <a:p>
+            <a:pPr lvl="1"/>
+            <a:r>
+              <a:rPr lang="en-US"/>
+              <a:t>Second level</a:t>
+            </a:r>
+          </a:p>
+          <a:p>
+            <a:pPr lvl="2"/>
+            <a:r>
+              <a:rPr lang="en-US"/>
+              <a:t>Third level</a:t>
+            </a:r>
+          </a:p>
+          <a:p>
+            <a:pPr lvl="3"/>
+            <a:r>
+              <a:rPr lang="en-US"/>
+              <a:t>Fourth level</a:t>
+            </a:r>
+          </a:p>
+          <a:p>
+            <a:pPr lvl="4"/>
+            <a:r>
+              <a:rPr lang="en-US"/>
+              <a:t>Fifth level</a:t>
+            </a:r>
+          </a:p>
+        </p:txBody>
+      </p:sp>
+      <p:sp>
+        <p:nvSpPr>
+          <p:cNvPr id="6" name="Footer Placeholder 5"/>
+          <p:cNvSpPr>
+            <a:spLocks noGrp="1"/>
+          </p:cNvSpPr>
+          <p:nvPr>
+            <p:ph type="ftr" sz="quarter" idx="4"/>
+          </p:nvPr>
+        </p:nvSpPr>
+        <p:spPr>
+          <a:xfrm>
+            <a:off x="0" y="6513513"/>
+            <a:ext cx="5283200" cy="344487"/>
+          </a:xfrm>
+          <a:prstGeom prst="rect">
+            <a:avLst/>
+          </a:prstGeom>
+        </p:spPr>
+        <p:txBody>
+          <a:bodyPr vert="horz" lIns="91440" tIns="45720" rIns="91440" bIns="45720" rtlCol="0" anchor="b"/>
+          <a:lstStyle>
+            <a:lvl1pPr algn="l">
+              <a:defRPr sz="1200"/>
+            </a:lvl1pPr>
+          </a:lstStyle>
+          <a:p>
+            <a:endParaRPr lang="en-US"/>
+          </a:p>
+          <a:p>
+            <a:endParaRPr lang="en-US"/>
+          </a:p>
+        </p:txBody>
+      </p:sp>
+      <p:sp>
+        <p:nvSpPr>
+          <p:cNvPr id="7" name="Slide Number Placeholder 6"/>
+          <p:cNvSpPr>
+            <a:spLocks noGrp="1"/>
+          </p:cNvSpPr>
+          <p:nvPr>
+            <p:ph type="sldNum" sz="quarter" idx="5"/>
+          </p:nvPr>
+        </p:nvSpPr>
+        <p:spPr>
+          <a:xfrm>
+            <a:off x="6905625" y="6513513"/>
+            <a:ext cx="5283200" cy="344487"/>
+          </a:xfrm>
+          <a:prstGeom prst="rect">
+            <a:avLst/>
+          </a:prstGeom>
+        </p:spPr>
+        <p:txBody>
+          <a:bodyPr vert="horz" lIns="91440" tIns="45720" rIns="91440" bIns="45720" rtlCol="0" anchor="b"/>
+          <a:lstStyle>
+            <a:lvl1pPr algn="r">
+              <a:defRPr sz="1200"/>
+            </a:lvl1pPr>
+          </a:lstStyle>
+          <a:p>
+            <a:fld id="{4A07E133-DB63-4188-9596-D7C86865F153}" type="slidenum">
+              <a:rPr lang="en-US" smtClean="0"/>
+              <a:t>‹#›</a:t>
+            </a:fld>
+            <a:endParaRPr lang="en-US"/>
+          </a:p>
+        </p:txBody>
+      </p:sp>
+    </p:spTree>
+    <p:extLst>
+      <p:ext uri="{BB962C8B-B14F-4D97-AF65-F5344CB8AC3E}">
+        <p14:creationId xmlns:p14="http://schemas.microsoft.com/office/powerpoint/2010/main" val="1721789653"/>
+      </p:ext>
+    </p:extLst>
+  </p:cSld>
+  <p:clrMap bg1="lt1" tx1="dk1" bg2="lt2" tx2="dk2" accent1="accent1" accent2="accent2" accent3="accent3" accent4="accent4" accent5="accent5" accent6="accent6" hlink="hlink" folHlink="folHlink"/>
+  <p:hf dt="0"/>
+  <p:notesStyle>
+    <a:lvl1pPr marL="0" algn="l" defTabSz="914400" rtl="0" eaLnBrk="1" latinLnBrk="0" hangingPunct="1">
+      <a:defRPr sz="1200" kern="1200">
+        <a:solidFill>
+          <a:schemeClr val="tx1"/>
+        </a:solidFill>
+        <a:latin typeface="+mn-lt"/>
+        <a:ea typeface="+mn-ea"/>
+        <a:cs typeface="+mn-cs"/>
+      </a:defRPr>
+    </a:lvl1pPr>
+    <a:lvl2pPr marL="457200" algn="l" defTabSz="914400" rtl="0" eaLnBrk="1" latinLnBrk="0" hangingPunct="1">
+      <a:defRPr sz="1200" kern="1200">
+        <a:solidFill>
+          <a:schemeClr val="tx1"/>
+        </a:solidFill>
+        <a:latin typeface="+mn-lt"/>
+        <a:ea typeface="+mn-ea"/>
+        <a:cs typeface="+mn-cs"/>
+      </a:defRPr>
+    </a:lvl2pPr>
+    <a:lvl3pPr marL="914400" algn="l" defTabSz="914400" rtl="0" eaLnBrk="1" latinLnBrk="0" hangingPunct="1">
+      <a:defRPr sz="1200" kern="1200">
+        <a:solidFill>
+          <a:schemeClr val="tx1"/>
+        </a:solidFill>
+        <a:latin typeface="+mn-lt"/>
+        <a:ea typeface="+mn-ea"/>
+        <a:cs typeface="+mn-cs"/>
+      </a:defRPr>
+    </a:lvl3pPr>
+    <a:lvl4pPr marL="1371600" algn="l" defTabSz="914400" rtl="0" eaLnBrk="1" latinLnBrk="0" hangingPunct="1">
+      <a:defRPr sz="1200" kern="1200">
+        <a:solidFill>
+          <a:schemeClr val="tx1"/>
+        </a:solidFill>
+        <a:latin typeface="+mn-lt"/>
+        <a:ea typeface="+mn-ea"/>
+        <a:cs typeface="+mn-cs"/>
+      </a:defRPr>
+    </a:lvl4pPr>
+    <a:lvl5pPr marL="1828800" algn="l" defTabSz="914400" rtl="0" eaLnBrk="1" latinLnBrk="0" hangingPunct="1">
+      <a:defRPr sz="1200" kern="1200">
+        <a:solidFill>
+          <a:schemeClr val="tx1"/>
+        </a:solidFill>
+        <a:latin typeface="+mn-lt"/>
+        <a:ea typeface="+mn-ea"/>
+        <a:cs typeface="+mn-cs"/>
+      </a:defRPr>
+    </a:lvl5pPr>
+    <a:lvl6pPr marL="2286000" algn="l" defTabSz="914400" rtl="0" eaLnBrk="1" latinLnBrk="0" hangingPunct="1">
+      <a:defRPr sz="1200" kern="1200">
+        <a:solidFill>
+          <a:schemeClr val="tx1"/>
+        </a:solidFill>
+        <a:latin typeface="+mn-lt"/>
+        <a:ea typeface="+mn-ea"/>
+        <a:cs typeface="+mn-cs"/>
+      </a:defRPr>
+    </a:lvl6pPr>
+    <a:lvl7pPr marL="2743200" algn="l" defTabSz="914400" rtl="0" eaLnBrk="1" latinLnBrk="0" hangingPunct="1">
+      <a:defRPr sz="1200" kern="1200">
+        <a:solidFill>
+          <a:schemeClr val="tx1"/>
+        </a:solidFill>
+        <a:latin typeface="+mn-lt"/>
+        <a:ea typeface="+mn-ea"/>
+        <a:cs typeface="+mn-cs"/>
+      </a:defRPr>
+    </a:lvl7pPr>
+    <a:lvl8pPr marL="3200400" algn="l" defTabSz="914400" rtl="0" eaLnBrk="1" latinLnBrk="0" hangingPunct="1">
+      <a:defRPr sz="1200" kern="1200">
+        <a:solidFill>
+          <a:schemeClr val="tx1"/>
+        </a:solidFill>
+        <a:latin typeface="+mn-lt"/>
+        <a:ea typeface="+mn-ea"/>
+        <a:cs typeface="+mn-cs"/>
+      </a:defRPr>
+    </a:lvl8pPr>
+    <a:lvl9pPr marL="3657600" algn="l" defTabSz="914400" rtl="0" eaLnBrk="1" latinLnBrk="0" hangingPunct="1">
+      <a:defRPr sz="1200" kern="1200">
+        <a:solidFill>
+          <a:schemeClr val="tx1"/>
+        </a:solidFill>
+        <a:latin typeface="+mn-lt"/>
+        <a:ea typeface="+mn-ea"/>
+        <a:cs typeface="+mn-cs"/>
+      </a:defRPr>
+    </a:lvl9pPr>
+  </p:notesStyle>
+</p:notesMaster>
+</file>
+
 <file path=ppt/slideLayouts/slideLayout1.xml><?xml version="1.0" encoding="utf-8"?>
-<p:sldLayout xmlns:a="http://schemas.openxmlformats.org/drawingml/2006/main" xmlns:r="http://schemas.openxmlformats.org/officeDocument/2006/relationships" xmlns:p="http://schemas.openxmlformats.org/presentationml/2006/main" xmlns:m="http://schemas.openxmlformats.org/officeDocument/2006/math" xmlns:w="http://schemas.openxmlformats.org/wordprocessingml/2006/main" matchingName="" preserve="1" showMasterPhAnim="0" type="title" userDrawn="1">
+<p:sldLayout xmlns:a="http://schemas.openxmlformats.org/drawingml/2006/main" xmlns:r="http://schemas.openxmlformats.org/officeDocument/2006/relationships" xmlns:p="http://schemas.openxmlformats.org/presentationml/2006/main" showMasterPhAnim="0" type="title" preserve="1" userDrawn="1">
   <p:cSld name="Title Slide">
     <p:spTree>
       <p:nvGrpSpPr>
-        <p:cNvPr id="1" name="" hidden="0"/>
+        <p:cNvPr id="1" name=""/>
         <p:cNvGrpSpPr/>
-        <p:nvPr isPhoto="0" userDrawn="0"/>
+        <p:nvPr/>
       </p:nvGrpSpPr>
       <p:grpSpPr bwMode="auto">
         <a:xfrm>
@@ -139,12 +715,12 @@
       </p:grpSpPr>
       <p:sp>
         <p:nvSpPr>
-          <p:cNvPr id="2" name="Title 1" hidden="0"/>
-          <p:cNvSpPr>
-            <a:spLocks noGrp="1"/>
-          </p:cNvSpPr>
-          <p:nvPr isPhoto="0" userDrawn="0">
-            <p:ph type="ctrTitle" hasCustomPrompt="0"/>
+          <p:cNvPr id="2" name="Title 1"/>
+          <p:cNvSpPr>
+            <a:spLocks noGrp="1"/>
+          </p:cNvSpPr>
+          <p:nvPr>
+            <p:ph type="ctrTitle"/>
           </p:nvPr>
         </p:nvSpPr>
         <p:spPr bwMode="auto">
@@ -174,12 +750,12 @@
       </p:sp>
       <p:sp>
         <p:nvSpPr>
-          <p:cNvPr id="3" name="Subtitle 2" hidden="0"/>
-          <p:cNvSpPr>
-            <a:spLocks noGrp="1"/>
-          </p:cNvSpPr>
-          <p:nvPr isPhoto="0" userDrawn="0">
-            <p:ph type="subTitle" idx="1" hasCustomPrompt="0"/>
+          <p:cNvPr id="3" name="Subtitle 2"/>
+          <p:cNvSpPr>
+            <a:spLocks noGrp="1"/>
+          </p:cNvSpPr>
+          <p:nvPr>
+            <p:ph type="subTitle" idx="1"/>
           </p:nvPr>
         </p:nvSpPr>
         <p:spPr bwMode="auto">
@@ -242,12 +818,12 @@
       </p:sp>
       <p:sp>
         <p:nvSpPr>
-          <p:cNvPr id="4" name="Date Placeholder 3" hidden="0"/>
-          <p:cNvSpPr>
-            <a:spLocks noGrp="1"/>
-          </p:cNvSpPr>
-          <p:nvPr isPhoto="0" userDrawn="0">
-            <p:ph type="dt" sz="half" idx="10" hasCustomPrompt="0"/>
+          <p:cNvPr id="4" name="Date Placeholder 3"/>
+          <p:cNvSpPr>
+            <a:spLocks noGrp="1"/>
+          </p:cNvSpPr>
+          <p:nvPr>
+            <p:ph type="dt" sz="half" idx="10"/>
           </p:nvPr>
         </p:nvSpPr>
         <p:spPr bwMode="auto"/>
@@ -260,7 +836,7 @@
             </a:pPr>
             <a:fld id="{8EB2B622-F04B-482C-AE28-7AF685AEC9C1}" type="datetimeFigureOut">
               <a:rPr lang="en-US"/>
-              <a:t/>
+              <a:t>5/2/2022</a:t>
             </a:fld>
             <a:endParaRPr lang="en-US"/>
           </a:p>
@@ -268,12 +844,12 @@
       </p:sp>
       <p:sp>
         <p:nvSpPr>
-          <p:cNvPr id="5" name="Footer Placeholder 4" hidden="0"/>
-          <p:cNvSpPr>
-            <a:spLocks noGrp="1"/>
-          </p:cNvSpPr>
-          <p:nvPr isPhoto="0" userDrawn="0">
-            <p:ph type="ftr" sz="quarter" idx="11" hasCustomPrompt="0"/>
+          <p:cNvPr id="5" name="Footer Placeholder 4"/>
+          <p:cNvSpPr>
+            <a:spLocks noGrp="1"/>
+          </p:cNvSpPr>
+          <p:nvPr>
+            <p:ph type="ftr" sz="quarter" idx="11"/>
           </p:nvPr>
         </p:nvSpPr>
         <p:spPr bwMode="auto"/>
@@ -290,12 +866,12 @@
       </p:sp>
       <p:sp>
         <p:nvSpPr>
-          <p:cNvPr id="6" name="Slide Number Placeholder 5" hidden="0"/>
-          <p:cNvSpPr>
-            <a:spLocks noGrp="1"/>
-          </p:cNvSpPr>
-          <p:nvPr isPhoto="0" userDrawn="0">
-            <p:ph type="sldNum" sz="quarter" idx="12" hasCustomPrompt="0"/>
+          <p:cNvPr id="6" name="Slide Number Placeholder 5"/>
+          <p:cNvSpPr>
+            <a:spLocks noGrp="1"/>
+          </p:cNvSpPr>
+          <p:nvPr>
+            <p:ph type="sldNum" sz="quarter" idx="12"/>
           </p:nvPr>
         </p:nvSpPr>
         <p:spPr bwMode="auto"/>
@@ -308,7 +884,7 @@
             </a:pPr>
             <a:fld id="{297D48F2-E856-4516-B86A-33E4404839BD}" type="slidenum">
               <a:rPr lang="en-US"/>
-              <a:t/>
+              <a:t>‹#›</a:t>
             </a:fld>
             <a:endParaRPr lang="en-US"/>
           </a:p>
@@ -323,13 +899,13 @@
 </file>
 
 <file path=ppt/slideLayouts/slideLayout10.xml><?xml version="1.0" encoding="utf-8"?>
-<p:sldLayout xmlns:a="http://schemas.openxmlformats.org/drawingml/2006/main" xmlns:r="http://schemas.openxmlformats.org/officeDocument/2006/relationships" xmlns:p="http://schemas.openxmlformats.org/presentationml/2006/main" xmlns:m="http://schemas.openxmlformats.org/officeDocument/2006/math" xmlns:w="http://schemas.openxmlformats.org/wordprocessingml/2006/main" matchingName="" preserve="1" showMasterPhAnim="0" type="vertTx" userDrawn="1">
+<p:sldLayout xmlns:a="http://schemas.openxmlformats.org/drawingml/2006/main" xmlns:r="http://schemas.openxmlformats.org/officeDocument/2006/relationships" xmlns:p="http://schemas.openxmlformats.org/presentationml/2006/main" showMasterPhAnim="0" type="vertTx" preserve="1" userDrawn="1">
   <p:cSld name="Title and Vertical Text">
     <p:spTree>
       <p:nvGrpSpPr>
-        <p:cNvPr id="1" name="" hidden="0"/>
+        <p:cNvPr id="1" name=""/>
         <p:cNvGrpSpPr/>
-        <p:nvPr isPhoto="0" userDrawn="0"/>
+        <p:nvPr/>
       </p:nvGrpSpPr>
       <p:grpSpPr bwMode="auto">
         <a:xfrm>
@@ -341,12 +917,12 @@
       </p:grpSpPr>
       <p:sp>
         <p:nvSpPr>
-          <p:cNvPr id="2" name="Title 1" hidden="0"/>
-          <p:cNvSpPr>
-            <a:spLocks noGrp="1"/>
-          </p:cNvSpPr>
-          <p:nvPr isPhoto="0" userDrawn="0">
-            <p:ph type="title" hasCustomPrompt="0"/>
+          <p:cNvPr id="2" name="Title 1"/>
+          <p:cNvSpPr>
+            <a:spLocks noGrp="1"/>
+          </p:cNvSpPr>
+          <p:nvPr>
+            <p:ph type="title"/>
           </p:nvPr>
         </p:nvSpPr>
         <p:spPr bwMode="auto"/>
@@ -367,12 +943,12 @@
       </p:sp>
       <p:sp>
         <p:nvSpPr>
-          <p:cNvPr id="3" name="Vertical Text Placeholder 2" hidden="0"/>
-          <p:cNvSpPr>
-            <a:spLocks noGrp="1"/>
-          </p:cNvSpPr>
-          <p:nvPr isPhoto="0" userDrawn="0">
-            <p:ph type="body" orient="vert" idx="1" hasCustomPrompt="0"/>
+          <p:cNvPr id="3" name="Vertical Text Placeholder 2"/>
+          <p:cNvSpPr>
+            <a:spLocks noGrp="1"/>
+          </p:cNvSpPr>
+          <p:nvPr>
+            <p:ph type="body" orient="vert" idx="1"/>
           </p:nvPr>
         </p:nvSpPr>
         <p:spPr bwMode="auto"/>
@@ -433,12 +1009,12 @@
       </p:sp>
       <p:sp>
         <p:nvSpPr>
-          <p:cNvPr id="4" name="Date Placeholder 3" hidden="0"/>
-          <p:cNvSpPr>
-            <a:spLocks noGrp="1"/>
-          </p:cNvSpPr>
-          <p:nvPr isPhoto="0" userDrawn="0">
-            <p:ph type="dt" sz="half" idx="10" hasCustomPrompt="0"/>
+          <p:cNvPr id="4" name="Date Placeholder 3"/>
+          <p:cNvSpPr>
+            <a:spLocks noGrp="1"/>
+          </p:cNvSpPr>
+          <p:nvPr>
+            <p:ph type="dt" sz="half" idx="10"/>
           </p:nvPr>
         </p:nvSpPr>
         <p:spPr bwMode="auto"/>
@@ -451,7 +1027,7 @@
             </a:pPr>
             <a:fld id="{8EB2B622-F04B-482C-AE28-7AF685AEC9C1}" type="datetimeFigureOut">
               <a:rPr lang="en-US"/>
-              <a:t/>
+              <a:t>5/2/2022</a:t>
             </a:fld>
             <a:endParaRPr lang="en-US"/>
           </a:p>
@@ -459,12 +1035,12 @@
       </p:sp>
       <p:sp>
         <p:nvSpPr>
-          <p:cNvPr id="5" name="Footer Placeholder 4" hidden="0"/>
-          <p:cNvSpPr>
-            <a:spLocks noGrp="1"/>
-          </p:cNvSpPr>
-          <p:nvPr isPhoto="0" userDrawn="0">
-            <p:ph type="ftr" sz="quarter" idx="11" hasCustomPrompt="0"/>
+          <p:cNvPr id="5" name="Footer Placeholder 4"/>
+          <p:cNvSpPr>
+            <a:spLocks noGrp="1"/>
+          </p:cNvSpPr>
+          <p:nvPr>
+            <p:ph type="ftr" sz="quarter" idx="11"/>
           </p:nvPr>
         </p:nvSpPr>
         <p:spPr bwMode="auto"/>
@@ -481,12 +1057,12 @@
       </p:sp>
       <p:sp>
         <p:nvSpPr>
-          <p:cNvPr id="6" name="Slide Number Placeholder 5" hidden="0"/>
-          <p:cNvSpPr>
-            <a:spLocks noGrp="1"/>
-          </p:cNvSpPr>
-          <p:nvPr isPhoto="0" userDrawn="0">
-            <p:ph type="sldNum" sz="quarter" idx="12" hasCustomPrompt="0"/>
+          <p:cNvPr id="6" name="Slide Number Placeholder 5"/>
+          <p:cNvSpPr>
+            <a:spLocks noGrp="1"/>
+          </p:cNvSpPr>
+          <p:nvPr>
+            <p:ph type="sldNum" sz="quarter" idx="12"/>
           </p:nvPr>
         </p:nvSpPr>
         <p:spPr bwMode="auto"/>
@@ -499,7 +1075,7 @@
             </a:pPr>
             <a:fld id="{297D48F2-E856-4516-B86A-33E4404839BD}" type="slidenum">
               <a:rPr lang="en-US"/>
-              <a:t/>
+              <a:t>‹#›</a:t>
             </a:fld>
             <a:endParaRPr lang="en-US"/>
           </a:p>
@@ -514,13 +1090,13 @@
 </file>
 
 <file path=ppt/slideLayouts/slideLayout11.xml><?xml version="1.0" encoding="utf-8"?>
-<p:sldLayout xmlns:a="http://schemas.openxmlformats.org/drawingml/2006/main" xmlns:r="http://schemas.openxmlformats.org/officeDocument/2006/relationships" xmlns:p="http://schemas.openxmlformats.org/presentationml/2006/main" xmlns:m="http://schemas.openxmlformats.org/officeDocument/2006/math" xmlns:w="http://schemas.openxmlformats.org/wordprocessingml/2006/main" matchingName="" preserve="1" showMasterPhAnim="0" type="vertTitleAndTx" userDrawn="1">
+<p:sldLayout xmlns:a="http://schemas.openxmlformats.org/drawingml/2006/main" xmlns:r="http://schemas.openxmlformats.org/officeDocument/2006/relationships" xmlns:p="http://schemas.openxmlformats.org/presentationml/2006/main" showMasterPhAnim="0" type="vertTitleAndTx" preserve="1" userDrawn="1">
   <p:cSld name="Vertical Title and Text">
     <p:spTree>
       <p:nvGrpSpPr>
-        <p:cNvPr id="1" name="" hidden="0"/>
+        <p:cNvPr id="1" name=""/>
         <p:cNvGrpSpPr/>
-        <p:nvPr isPhoto="0" userDrawn="0"/>
+        <p:nvPr/>
       </p:nvGrpSpPr>
       <p:grpSpPr bwMode="auto">
         <a:xfrm>
@@ -532,12 +1108,12 @@
       </p:grpSpPr>
       <p:sp>
         <p:nvSpPr>
-          <p:cNvPr id="2" name="Vertical Title 1" hidden="0"/>
-          <p:cNvSpPr>
-            <a:spLocks noGrp="1"/>
-          </p:cNvSpPr>
-          <p:nvPr isPhoto="0" userDrawn="0">
-            <p:ph type="title" orient="vert" hasCustomPrompt="0"/>
+          <p:cNvPr id="2" name="Vertical Title 1"/>
+          <p:cNvSpPr>
+            <a:spLocks noGrp="1"/>
+          </p:cNvSpPr>
+          <p:nvPr>
+            <p:ph type="title" orient="vert"/>
           </p:nvPr>
         </p:nvSpPr>
         <p:spPr bwMode="auto">
@@ -563,12 +1139,12 @@
       </p:sp>
       <p:sp>
         <p:nvSpPr>
-          <p:cNvPr id="3" name="Vertical Text Placeholder 2" hidden="0"/>
-          <p:cNvSpPr>
-            <a:spLocks noGrp="1"/>
-          </p:cNvSpPr>
-          <p:nvPr isPhoto="0" userDrawn="0">
-            <p:ph type="body" orient="vert" idx="1" hasCustomPrompt="0"/>
+          <p:cNvPr id="3" name="Vertical Text Placeholder 2"/>
+          <p:cNvSpPr>
+            <a:spLocks noGrp="1"/>
+          </p:cNvSpPr>
+          <p:nvPr>
+            <p:ph type="body" orient="vert" idx="1"/>
           </p:nvPr>
         </p:nvSpPr>
         <p:spPr bwMode="auto">
@@ -634,12 +1210,12 @@
       </p:sp>
       <p:sp>
         <p:nvSpPr>
-          <p:cNvPr id="4" name="Date Placeholder 3" hidden="0"/>
-          <p:cNvSpPr>
-            <a:spLocks noGrp="1"/>
-          </p:cNvSpPr>
-          <p:nvPr isPhoto="0" userDrawn="0">
-            <p:ph type="dt" sz="half" idx="10" hasCustomPrompt="0"/>
+          <p:cNvPr id="4" name="Date Placeholder 3"/>
+          <p:cNvSpPr>
+            <a:spLocks noGrp="1"/>
+          </p:cNvSpPr>
+          <p:nvPr>
+            <p:ph type="dt" sz="half" idx="10"/>
           </p:nvPr>
         </p:nvSpPr>
         <p:spPr bwMode="auto"/>
@@ -652,7 +1228,7 @@
             </a:pPr>
             <a:fld id="{8EB2B622-F04B-482C-AE28-7AF685AEC9C1}" type="datetimeFigureOut">
               <a:rPr lang="en-US"/>
-              <a:t/>
+              <a:t>5/2/2022</a:t>
             </a:fld>
             <a:endParaRPr lang="en-US"/>
           </a:p>
@@ -660,12 +1236,12 @@
       </p:sp>
       <p:sp>
         <p:nvSpPr>
-          <p:cNvPr id="5" name="Footer Placeholder 4" hidden="0"/>
-          <p:cNvSpPr>
-            <a:spLocks noGrp="1"/>
-          </p:cNvSpPr>
-          <p:nvPr isPhoto="0" userDrawn="0">
-            <p:ph type="ftr" sz="quarter" idx="11" hasCustomPrompt="0"/>
+          <p:cNvPr id="5" name="Footer Placeholder 4"/>
+          <p:cNvSpPr>
+            <a:spLocks noGrp="1"/>
+          </p:cNvSpPr>
+          <p:nvPr>
+            <p:ph type="ftr" sz="quarter" idx="11"/>
           </p:nvPr>
         </p:nvSpPr>
         <p:spPr bwMode="auto"/>
@@ -682,12 +1258,12 @@
       </p:sp>
       <p:sp>
         <p:nvSpPr>
-          <p:cNvPr id="6" name="Slide Number Placeholder 5" hidden="0"/>
-          <p:cNvSpPr>
-            <a:spLocks noGrp="1"/>
-          </p:cNvSpPr>
-          <p:nvPr isPhoto="0" userDrawn="0">
-            <p:ph type="sldNum" sz="quarter" idx="12" hasCustomPrompt="0"/>
+          <p:cNvPr id="6" name="Slide Number Placeholder 5"/>
+          <p:cNvSpPr>
+            <a:spLocks noGrp="1"/>
+          </p:cNvSpPr>
+          <p:nvPr>
+            <p:ph type="sldNum" sz="quarter" idx="12"/>
           </p:nvPr>
         </p:nvSpPr>
         <p:spPr bwMode="auto"/>
@@ -700,7 +1276,7 @@
             </a:pPr>
             <a:fld id="{297D48F2-E856-4516-B86A-33E4404839BD}" type="slidenum">
               <a:rPr lang="en-US"/>
-              <a:t/>
+              <a:t>‹#›</a:t>
             </a:fld>
             <a:endParaRPr lang="en-US"/>
           </a:p>
@@ -715,13 +1291,13 @@
 </file>
 
 <file path=ppt/slideLayouts/slideLayout2.xml><?xml version="1.0" encoding="utf-8"?>
-<p:sldLayout xmlns:a="http://schemas.openxmlformats.org/drawingml/2006/main" xmlns:r="http://schemas.openxmlformats.org/officeDocument/2006/relationships" xmlns:p="http://schemas.openxmlformats.org/presentationml/2006/main" xmlns:m="http://schemas.openxmlformats.org/officeDocument/2006/math" xmlns:w="http://schemas.openxmlformats.org/wordprocessingml/2006/main" matchingName="" preserve="1" showMasterPhAnim="0" type="obj" userDrawn="1">
+<p:sldLayout xmlns:a="http://schemas.openxmlformats.org/drawingml/2006/main" xmlns:r="http://schemas.openxmlformats.org/officeDocument/2006/relationships" xmlns:p="http://schemas.openxmlformats.org/presentationml/2006/main" showMasterPhAnim="0" type="obj" preserve="1" userDrawn="1">
   <p:cSld name="Title and Content">
     <p:spTree>
       <p:nvGrpSpPr>
-        <p:cNvPr id="1" name="" hidden="0"/>
+        <p:cNvPr id="1" name=""/>
         <p:cNvGrpSpPr/>
-        <p:nvPr isPhoto="0" userDrawn="0"/>
+        <p:nvPr/>
       </p:nvGrpSpPr>
       <p:grpSpPr bwMode="auto">
         <a:xfrm>
@@ -733,12 +1309,12 @@
       </p:grpSpPr>
       <p:sp>
         <p:nvSpPr>
-          <p:cNvPr id="2" name="Title 1" hidden="0"/>
-          <p:cNvSpPr>
-            <a:spLocks noGrp="1"/>
-          </p:cNvSpPr>
-          <p:nvPr isPhoto="0" userDrawn="0">
-            <p:ph type="title" hasCustomPrompt="0"/>
+          <p:cNvPr id="2" name="Title 1"/>
+          <p:cNvSpPr>
+            <a:spLocks noGrp="1"/>
+          </p:cNvSpPr>
+          <p:nvPr>
+            <p:ph type="title"/>
           </p:nvPr>
         </p:nvSpPr>
         <p:spPr bwMode="auto"/>
@@ -759,12 +1335,12 @@
       </p:sp>
       <p:sp>
         <p:nvSpPr>
-          <p:cNvPr id="3" name="Content Placeholder 2" hidden="0"/>
-          <p:cNvSpPr>
-            <a:spLocks noGrp="1"/>
-          </p:cNvSpPr>
-          <p:nvPr isPhoto="0" userDrawn="0">
-            <p:ph idx="1" hasCustomPrompt="0"/>
+          <p:cNvPr id="3" name="Content Placeholder 2"/>
+          <p:cNvSpPr>
+            <a:spLocks noGrp="1"/>
+          </p:cNvSpPr>
+          <p:nvPr>
+            <p:ph idx="1"/>
           </p:nvPr>
         </p:nvSpPr>
         <p:spPr bwMode="auto"/>
@@ -825,12 +1401,12 @@
       </p:sp>
       <p:sp>
         <p:nvSpPr>
-          <p:cNvPr id="4" name="Date Placeholder 3" hidden="0"/>
-          <p:cNvSpPr>
-            <a:spLocks noGrp="1"/>
-          </p:cNvSpPr>
-          <p:nvPr isPhoto="0" userDrawn="0">
-            <p:ph type="dt" sz="half" idx="10" hasCustomPrompt="0"/>
+          <p:cNvPr id="4" name="Date Placeholder 3"/>
+          <p:cNvSpPr>
+            <a:spLocks noGrp="1"/>
+          </p:cNvSpPr>
+          <p:nvPr>
+            <p:ph type="dt" sz="half" idx="10"/>
           </p:nvPr>
         </p:nvSpPr>
         <p:spPr bwMode="auto"/>
@@ -843,7 +1419,7 @@
             </a:pPr>
             <a:fld id="{8EB2B622-F04B-482C-AE28-7AF685AEC9C1}" type="datetimeFigureOut">
               <a:rPr lang="en-US"/>
-              <a:t/>
+              <a:t>5/2/2022</a:t>
             </a:fld>
             <a:endParaRPr lang="en-US"/>
           </a:p>
@@ -851,12 +1427,12 @@
       </p:sp>
       <p:sp>
         <p:nvSpPr>
-          <p:cNvPr id="5" name="Footer Placeholder 4" hidden="0"/>
-          <p:cNvSpPr>
-            <a:spLocks noGrp="1"/>
-          </p:cNvSpPr>
-          <p:nvPr isPhoto="0" userDrawn="0">
-            <p:ph type="ftr" sz="quarter" idx="11" hasCustomPrompt="0"/>
+          <p:cNvPr id="5" name="Footer Placeholder 4"/>
+          <p:cNvSpPr>
+            <a:spLocks noGrp="1"/>
+          </p:cNvSpPr>
+          <p:nvPr>
+            <p:ph type="ftr" sz="quarter" idx="11"/>
           </p:nvPr>
         </p:nvSpPr>
         <p:spPr bwMode="auto"/>
@@ -873,12 +1449,12 @@
       </p:sp>
       <p:sp>
         <p:nvSpPr>
-          <p:cNvPr id="6" name="Slide Number Placeholder 5" hidden="0"/>
-          <p:cNvSpPr>
-            <a:spLocks noGrp="1"/>
-          </p:cNvSpPr>
-          <p:nvPr isPhoto="0" userDrawn="0">
-            <p:ph type="sldNum" sz="quarter" idx="12" hasCustomPrompt="0"/>
+          <p:cNvPr id="6" name="Slide Number Placeholder 5"/>
+          <p:cNvSpPr>
+            <a:spLocks noGrp="1"/>
+          </p:cNvSpPr>
+          <p:nvPr>
+            <p:ph type="sldNum" sz="quarter" idx="12"/>
           </p:nvPr>
         </p:nvSpPr>
         <p:spPr bwMode="auto"/>
@@ -891,7 +1467,7 @@
             </a:pPr>
             <a:fld id="{297D48F2-E856-4516-B86A-33E4404839BD}" type="slidenum">
               <a:rPr lang="en-US"/>
-              <a:t/>
+              <a:t>‹#›</a:t>
             </a:fld>
             <a:endParaRPr lang="en-US"/>
           </a:p>
@@ -906,13 +1482,13 @@
 </file>
 
 <file path=ppt/slideLayouts/slideLayout3.xml><?xml version="1.0" encoding="utf-8"?>
-<p:sldLayout xmlns:a="http://schemas.openxmlformats.org/drawingml/2006/main" xmlns:r="http://schemas.openxmlformats.org/officeDocument/2006/relationships" xmlns:p="http://schemas.openxmlformats.org/presentationml/2006/main" xmlns:m="http://schemas.openxmlformats.org/officeDocument/2006/math" xmlns:w="http://schemas.openxmlformats.org/wordprocessingml/2006/main" matchingName="" preserve="1" showMasterPhAnim="0" type="secHead" userDrawn="1">
+<p:sldLayout xmlns:a="http://schemas.openxmlformats.org/drawingml/2006/main" xmlns:r="http://schemas.openxmlformats.org/officeDocument/2006/relationships" xmlns:p="http://schemas.openxmlformats.org/presentationml/2006/main" showMasterPhAnim="0" type="secHead" preserve="1" userDrawn="1">
   <p:cSld name="Section Header">
     <p:spTree>
       <p:nvGrpSpPr>
-        <p:cNvPr id="1" name="" hidden="0"/>
+        <p:cNvPr id="1" name=""/>
         <p:cNvGrpSpPr/>
-        <p:nvPr isPhoto="0" userDrawn="0"/>
+        <p:nvPr/>
       </p:nvGrpSpPr>
       <p:grpSpPr bwMode="auto">
         <a:xfrm>
@@ -924,12 +1500,12 @@
       </p:grpSpPr>
       <p:sp>
         <p:nvSpPr>
-          <p:cNvPr id="2" name="Title 1" hidden="0"/>
-          <p:cNvSpPr>
-            <a:spLocks noGrp="1"/>
-          </p:cNvSpPr>
-          <p:nvPr isPhoto="0" userDrawn="0">
-            <p:ph type="title" hasCustomPrompt="0"/>
+          <p:cNvPr id="2" name="Title 1"/>
+          <p:cNvSpPr>
+            <a:spLocks noGrp="1"/>
+          </p:cNvSpPr>
+          <p:nvPr>
+            <p:ph type="title"/>
           </p:nvPr>
         </p:nvSpPr>
         <p:spPr bwMode="auto">
@@ -959,12 +1535,12 @@
       </p:sp>
       <p:sp>
         <p:nvSpPr>
-          <p:cNvPr id="3" name="Text Placeholder 2" hidden="0"/>
-          <p:cNvSpPr>
-            <a:spLocks noGrp="1"/>
-          </p:cNvSpPr>
-          <p:nvPr isPhoto="0" userDrawn="0">
-            <p:ph type="body" idx="1" hasCustomPrompt="0"/>
+          <p:cNvPr id="3" name="Text Placeholder 2"/>
+          <p:cNvSpPr>
+            <a:spLocks noGrp="1"/>
+          </p:cNvSpPr>
+          <p:nvPr>
+            <p:ph type="body" idx="1"/>
           </p:nvPr>
         </p:nvSpPr>
         <p:spPr bwMode="auto">
@@ -1081,12 +1657,12 @@
       </p:sp>
       <p:sp>
         <p:nvSpPr>
-          <p:cNvPr id="4" name="Date Placeholder 3" hidden="0"/>
-          <p:cNvSpPr>
-            <a:spLocks noGrp="1"/>
-          </p:cNvSpPr>
-          <p:nvPr isPhoto="0" userDrawn="0">
-            <p:ph type="dt" sz="half" idx="10" hasCustomPrompt="0"/>
+          <p:cNvPr id="4" name="Date Placeholder 3"/>
+          <p:cNvSpPr>
+            <a:spLocks noGrp="1"/>
+          </p:cNvSpPr>
+          <p:nvPr>
+            <p:ph type="dt" sz="half" idx="10"/>
           </p:nvPr>
         </p:nvSpPr>
         <p:spPr bwMode="auto"/>
@@ -1099,7 +1675,7 @@
             </a:pPr>
             <a:fld id="{8EB2B622-F04B-482C-AE28-7AF685AEC9C1}" type="datetimeFigureOut">
               <a:rPr lang="en-US"/>
-              <a:t/>
+              <a:t>5/2/2022</a:t>
             </a:fld>
             <a:endParaRPr lang="en-US"/>
           </a:p>
@@ -1107,12 +1683,12 @@
       </p:sp>
       <p:sp>
         <p:nvSpPr>
-          <p:cNvPr id="5" name="Footer Placeholder 4" hidden="0"/>
-          <p:cNvSpPr>
-            <a:spLocks noGrp="1"/>
-          </p:cNvSpPr>
-          <p:nvPr isPhoto="0" userDrawn="0">
-            <p:ph type="ftr" sz="quarter" idx="11" hasCustomPrompt="0"/>
+          <p:cNvPr id="5" name="Footer Placeholder 4"/>
+          <p:cNvSpPr>
+            <a:spLocks noGrp="1"/>
+          </p:cNvSpPr>
+          <p:nvPr>
+            <p:ph type="ftr" sz="quarter" idx="11"/>
           </p:nvPr>
         </p:nvSpPr>
         <p:spPr bwMode="auto"/>
@@ -1129,12 +1705,12 @@
       </p:sp>
       <p:sp>
         <p:nvSpPr>
-          <p:cNvPr id="6" name="Slide Number Placeholder 5" hidden="0"/>
-          <p:cNvSpPr>
-            <a:spLocks noGrp="1"/>
-          </p:cNvSpPr>
-          <p:nvPr isPhoto="0" userDrawn="0">
-            <p:ph type="sldNum" sz="quarter" idx="12" hasCustomPrompt="0"/>
+          <p:cNvPr id="6" name="Slide Number Placeholder 5"/>
+          <p:cNvSpPr>
+            <a:spLocks noGrp="1"/>
+          </p:cNvSpPr>
+          <p:nvPr>
+            <p:ph type="sldNum" sz="quarter" idx="12"/>
           </p:nvPr>
         </p:nvSpPr>
         <p:spPr bwMode="auto"/>
@@ -1147,7 +1723,7 @@
             </a:pPr>
             <a:fld id="{297D48F2-E856-4516-B86A-33E4404839BD}" type="slidenum">
               <a:rPr lang="en-US"/>
-              <a:t/>
+              <a:t>‹#›</a:t>
             </a:fld>
             <a:endParaRPr lang="en-US"/>
           </a:p>
@@ -1162,13 +1738,13 @@
 </file>
 
 <file path=ppt/slideLayouts/slideLayout4.xml><?xml version="1.0" encoding="utf-8"?>
-<p:sldLayout xmlns:a="http://schemas.openxmlformats.org/drawingml/2006/main" xmlns:r="http://schemas.openxmlformats.org/officeDocument/2006/relationships" xmlns:p="http://schemas.openxmlformats.org/presentationml/2006/main" xmlns:m="http://schemas.openxmlformats.org/officeDocument/2006/math" xmlns:w="http://schemas.openxmlformats.org/wordprocessingml/2006/main" matchingName="" preserve="1" showMasterPhAnim="0" type="twoObj" userDrawn="1">
+<p:sldLayout xmlns:a="http://schemas.openxmlformats.org/drawingml/2006/main" xmlns:r="http://schemas.openxmlformats.org/officeDocument/2006/relationships" xmlns:p="http://schemas.openxmlformats.org/presentationml/2006/main" showMasterPhAnim="0" type="twoObj" preserve="1" userDrawn="1">
   <p:cSld name="Two Content">
     <p:spTree>
       <p:nvGrpSpPr>
-        <p:cNvPr id="1" name="" hidden="0"/>
+        <p:cNvPr id="1" name=""/>
         <p:cNvGrpSpPr/>
-        <p:nvPr isPhoto="0" userDrawn="0"/>
+        <p:nvPr/>
       </p:nvGrpSpPr>
       <p:grpSpPr bwMode="auto">
         <a:xfrm>
@@ -1180,12 +1756,12 @@
       </p:grpSpPr>
       <p:sp>
         <p:nvSpPr>
-          <p:cNvPr id="2" name="Title 1" hidden="0"/>
-          <p:cNvSpPr>
-            <a:spLocks noGrp="1"/>
-          </p:cNvSpPr>
-          <p:nvPr isPhoto="0" userDrawn="0">
-            <p:ph type="title" hasCustomPrompt="0"/>
+          <p:cNvPr id="2" name="Title 1"/>
+          <p:cNvSpPr>
+            <a:spLocks noGrp="1"/>
+          </p:cNvSpPr>
+          <p:nvPr>
+            <p:ph type="title"/>
           </p:nvPr>
         </p:nvSpPr>
         <p:spPr bwMode="auto"/>
@@ -1206,12 +1782,12 @@
       </p:sp>
       <p:sp>
         <p:nvSpPr>
-          <p:cNvPr id="3" name="Content Placeholder 2" hidden="0"/>
-          <p:cNvSpPr>
-            <a:spLocks noGrp="1"/>
-          </p:cNvSpPr>
-          <p:nvPr isPhoto="0" userDrawn="0">
-            <p:ph sz="half" idx="1" hasCustomPrompt="0"/>
+          <p:cNvPr id="3" name="Content Placeholder 2"/>
+          <p:cNvSpPr>
+            <a:spLocks noGrp="1"/>
+          </p:cNvSpPr>
+          <p:nvPr>
+            <p:ph sz="half" idx="1"/>
           </p:nvPr>
         </p:nvSpPr>
         <p:spPr bwMode="auto">
@@ -1277,12 +1853,12 @@
       </p:sp>
       <p:sp>
         <p:nvSpPr>
-          <p:cNvPr id="4" name="Content Placeholder 3" hidden="0"/>
-          <p:cNvSpPr>
-            <a:spLocks noGrp="1"/>
-          </p:cNvSpPr>
-          <p:nvPr isPhoto="0" userDrawn="0">
-            <p:ph sz="half" idx="2" hasCustomPrompt="0"/>
+          <p:cNvPr id="4" name="Content Placeholder 3"/>
+          <p:cNvSpPr>
+            <a:spLocks noGrp="1"/>
+          </p:cNvSpPr>
+          <p:nvPr>
+            <p:ph sz="half" idx="2"/>
           </p:nvPr>
         </p:nvSpPr>
         <p:spPr bwMode="auto">
@@ -1348,12 +1924,12 @@
       </p:sp>
       <p:sp>
         <p:nvSpPr>
-          <p:cNvPr id="5" name="Date Placeholder 4" hidden="0"/>
-          <p:cNvSpPr>
-            <a:spLocks noGrp="1"/>
-          </p:cNvSpPr>
-          <p:nvPr isPhoto="0" userDrawn="0">
-            <p:ph type="dt" sz="half" idx="10" hasCustomPrompt="0"/>
+          <p:cNvPr id="5" name="Date Placeholder 4"/>
+          <p:cNvSpPr>
+            <a:spLocks noGrp="1"/>
+          </p:cNvSpPr>
+          <p:nvPr>
+            <p:ph type="dt" sz="half" idx="10"/>
           </p:nvPr>
         </p:nvSpPr>
         <p:spPr bwMode="auto"/>
@@ -1366,7 +1942,7 @@
             </a:pPr>
             <a:fld id="{8EB2B622-F04B-482C-AE28-7AF685AEC9C1}" type="datetimeFigureOut">
               <a:rPr lang="en-US"/>
-              <a:t/>
+              <a:t>5/2/2022</a:t>
             </a:fld>
             <a:endParaRPr lang="en-US"/>
           </a:p>
@@ -1374,12 +1950,12 @@
       </p:sp>
       <p:sp>
         <p:nvSpPr>
-          <p:cNvPr id="6" name="Footer Placeholder 5" hidden="0"/>
-          <p:cNvSpPr>
-            <a:spLocks noGrp="1"/>
-          </p:cNvSpPr>
-          <p:nvPr isPhoto="0" userDrawn="0">
-            <p:ph type="ftr" sz="quarter" idx="11" hasCustomPrompt="0"/>
+          <p:cNvPr id="6" name="Footer Placeholder 5"/>
+          <p:cNvSpPr>
+            <a:spLocks noGrp="1"/>
+          </p:cNvSpPr>
+          <p:nvPr>
+            <p:ph type="ftr" sz="quarter" idx="11"/>
           </p:nvPr>
         </p:nvSpPr>
         <p:spPr bwMode="auto"/>
@@ -1396,12 +1972,12 @@
       </p:sp>
       <p:sp>
         <p:nvSpPr>
-          <p:cNvPr id="7" name="Slide Number Placeholder 6" hidden="0"/>
-          <p:cNvSpPr>
-            <a:spLocks noGrp="1"/>
-          </p:cNvSpPr>
-          <p:nvPr isPhoto="0" userDrawn="0">
-            <p:ph type="sldNum" sz="quarter" idx="12" hasCustomPrompt="0"/>
+          <p:cNvPr id="7" name="Slide Number Placeholder 6"/>
+          <p:cNvSpPr>
+            <a:spLocks noGrp="1"/>
+          </p:cNvSpPr>
+          <p:nvPr>
+            <p:ph type="sldNum" sz="quarter" idx="12"/>
           </p:nvPr>
         </p:nvSpPr>
         <p:spPr bwMode="auto"/>
@@ -1414,7 +1990,7 @@
             </a:pPr>
             <a:fld id="{297D48F2-E856-4516-B86A-33E4404839BD}" type="slidenum">
               <a:rPr lang="en-US"/>
-              <a:t/>
+              <a:t>‹#›</a:t>
             </a:fld>
             <a:endParaRPr lang="en-US"/>
           </a:p>
@@ -1429,13 +2005,13 @@
 </file>
 
 <file path=ppt/slideLayouts/slideLayout5.xml><?xml version="1.0" encoding="utf-8"?>
-<p:sldLayout xmlns:a="http://schemas.openxmlformats.org/drawingml/2006/main" xmlns:r="http://schemas.openxmlformats.org/officeDocument/2006/relationships" xmlns:p="http://schemas.openxmlformats.org/presentationml/2006/main" xmlns:m="http://schemas.openxmlformats.org/officeDocument/2006/math" xmlns:w="http://schemas.openxmlformats.org/wordprocessingml/2006/main" matchingName="" preserve="1" showMasterPhAnim="0" type="twoTxTwoObj" userDrawn="1">
+<p:sldLayout xmlns:a="http://schemas.openxmlformats.org/drawingml/2006/main" xmlns:r="http://schemas.openxmlformats.org/officeDocument/2006/relationships" xmlns:p="http://schemas.openxmlformats.org/presentationml/2006/main" showMasterPhAnim="0" type="twoTxTwoObj" preserve="1" userDrawn="1">
   <p:cSld name="Comparison">
     <p:spTree>
       <p:nvGrpSpPr>
-        <p:cNvPr id="1" name="" hidden="0"/>
+        <p:cNvPr id="1" name=""/>
         <p:cNvGrpSpPr/>
-        <p:nvPr isPhoto="0" userDrawn="0"/>
+        <p:nvPr/>
       </p:nvGrpSpPr>
       <p:grpSpPr bwMode="auto">
         <a:xfrm>
@@ -1447,12 +2023,12 @@
       </p:grpSpPr>
       <p:sp>
         <p:nvSpPr>
-          <p:cNvPr id="2" name="Title 1" hidden="0"/>
-          <p:cNvSpPr>
-            <a:spLocks noGrp="1"/>
-          </p:cNvSpPr>
-          <p:nvPr isPhoto="0" userDrawn="0">
-            <p:ph type="title" hasCustomPrompt="0"/>
+          <p:cNvPr id="2" name="Title 1"/>
+          <p:cNvSpPr>
+            <a:spLocks noGrp="1"/>
+          </p:cNvSpPr>
+          <p:nvPr>
+            <p:ph type="title"/>
           </p:nvPr>
         </p:nvSpPr>
         <p:spPr bwMode="auto">
@@ -1478,12 +2054,12 @@
       </p:sp>
       <p:sp>
         <p:nvSpPr>
-          <p:cNvPr id="3" name="Text Placeholder 2" hidden="0"/>
-          <p:cNvSpPr>
-            <a:spLocks noGrp="1"/>
-          </p:cNvSpPr>
-          <p:nvPr isPhoto="0" userDrawn="0">
-            <p:ph type="body" idx="1" hasCustomPrompt="0"/>
+          <p:cNvPr id="3" name="Text Placeholder 2"/>
+          <p:cNvSpPr>
+            <a:spLocks noGrp="1"/>
+          </p:cNvSpPr>
+          <p:nvPr>
+            <p:ph type="body" idx="1"/>
           </p:nvPr>
         </p:nvSpPr>
         <p:spPr bwMode="auto">
@@ -1546,12 +2122,12 @@
       </p:sp>
       <p:sp>
         <p:nvSpPr>
-          <p:cNvPr id="4" name="Content Placeholder 3" hidden="0"/>
-          <p:cNvSpPr>
-            <a:spLocks noGrp="1"/>
-          </p:cNvSpPr>
-          <p:nvPr isPhoto="0" userDrawn="0">
-            <p:ph sz="half" idx="2" hasCustomPrompt="0"/>
+          <p:cNvPr id="4" name="Content Placeholder 3"/>
+          <p:cNvSpPr>
+            <a:spLocks noGrp="1"/>
+          </p:cNvSpPr>
+          <p:nvPr>
+            <p:ph sz="half" idx="2"/>
           </p:nvPr>
         </p:nvSpPr>
         <p:spPr bwMode="auto">
@@ -1617,12 +2193,12 @@
       </p:sp>
       <p:sp>
         <p:nvSpPr>
-          <p:cNvPr id="5" name="Text Placeholder 4" hidden="0"/>
-          <p:cNvSpPr>
-            <a:spLocks noGrp="1"/>
-          </p:cNvSpPr>
-          <p:nvPr isPhoto="0" userDrawn="0">
-            <p:ph type="body" sz="quarter" idx="3" hasCustomPrompt="0"/>
+          <p:cNvPr id="5" name="Text Placeholder 4"/>
+          <p:cNvSpPr>
+            <a:spLocks noGrp="1"/>
+          </p:cNvSpPr>
+          <p:nvPr>
+            <p:ph type="body" sz="quarter" idx="3"/>
           </p:nvPr>
         </p:nvSpPr>
         <p:spPr bwMode="auto">
@@ -1685,12 +2261,12 @@
       </p:sp>
       <p:sp>
         <p:nvSpPr>
-          <p:cNvPr id="6" name="Content Placeholder 5" hidden="0"/>
-          <p:cNvSpPr>
-            <a:spLocks noGrp="1"/>
-          </p:cNvSpPr>
-          <p:nvPr isPhoto="0" userDrawn="0">
-            <p:ph sz="quarter" idx="4" hasCustomPrompt="0"/>
+          <p:cNvPr id="6" name="Content Placeholder 5"/>
+          <p:cNvSpPr>
+            <a:spLocks noGrp="1"/>
+          </p:cNvSpPr>
+          <p:nvPr>
+            <p:ph sz="quarter" idx="4"/>
           </p:nvPr>
         </p:nvSpPr>
         <p:spPr bwMode="auto">
@@ -1756,12 +2332,12 @@
       </p:sp>
       <p:sp>
         <p:nvSpPr>
-          <p:cNvPr id="7" name="Date Placeholder 6" hidden="0"/>
-          <p:cNvSpPr>
-            <a:spLocks noGrp="1"/>
-          </p:cNvSpPr>
-          <p:nvPr isPhoto="0" userDrawn="0">
-            <p:ph type="dt" sz="half" idx="10" hasCustomPrompt="0"/>
+          <p:cNvPr id="7" name="Date Placeholder 6"/>
+          <p:cNvSpPr>
+            <a:spLocks noGrp="1"/>
+          </p:cNvSpPr>
+          <p:nvPr>
+            <p:ph type="dt" sz="half" idx="10"/>
           </p:nvPr>
         </p:nvSpPr>
         <p:spPr bwMode="auto"/>
@@ -1774,7 +2350,7 @@
             </a:pPr>
             <a:fld id="{8EB2B622-F04B-482C-AE28-7AF685AEC9C1}" type="datetimeFigureOut">
               <a:rPr lang="en-US"/>
-              <a:t/>
+              <a:t>5/2/2022</a:t>
             </a:fld>
             <a:endParaRPr lang="en-US"/>
           </a:p>
@@ -1782,12 +2358,12 @@
       </p:sp>
       <p:sp>
         <p:nvSpPr>
-          <p:cNvPr id="8" name="Footer Placeholder 7" hidden="0"/>
-          <p:cNvSpPr>
-            <a:spLocks noGrp="1"/>
-          </p:cNvSpPr>
-          <p:nvPr isPhoto="0" userDrawn="0">
-            <p:ph type="ftr" sz="quarter" idx="11" hasCustomPrompt="0"/>
+          <p:cNvPr id="8" name="Footer Placeholder 7"/>
+          <p:cNvSpPr>
+            <a:spLocks noGrp="1"/>
+          </p:cNvSpPr>
+          <p:nvPr>
+            <p:ph type="ftr" sz="quarter" idx="11"/>
           </p:nvPr>
         </p:nvSpPr>
         <p:spPr bwMode="auto"/>
@@ -1804,12 +2380,12 @@
       </p:sp>
       <p:sp>
         <p:nvSpPr>
-          <p:cNvPr id="9" name="Slide Number Placeholder 8" hidden="0"/>
-          <p:cNvSpPr>
-            <a:spLocks noGrp="1"/>
-          </p:cNvSpPr>
-          <p:nvPr isPhoto="0" userDrawn="0">
-            <p:ph type="sldNum" sz="quarter" idx="12" hasCustomPrompt="0"/>
+          <p:cNvPr id="9" name="Slide Number Placeholder 8"/>
+          <p:cNvSpPr>
+            <a:spLocks noGrp="1"/>
+          </p:cNvSpPr>
+          <p:nvPr>
+            <p:ph type="sldNum" sz="quarter" idx="12"/>
           </p:nvPr>
         </p:nvSpPr>
         <p:spPr bwMode="auto"/>
@@ -1822,7 +2398,7 @@
             </a:pPr>
             <a:fld id="{297D48F2-E856-4516-B86A-33E4404839BD}" type="slidenum">
               <a:rPr lang="en-US"/>
-              <a:t/>
+              <a:t>‹#›</a:t>
             </a:fld>
             <a:endParaRPr lang="en-US"/>
           </a:p>
@@ -1837,13 +2413,13 @@
 </file>
 
 <file path=ppt/slideLayouts/slideLayout6.xml><?xml version="1.0" encoding="utf-8"?>
-<p:sldLayout xmlns:a="http://schemas.openxmlformats.org/drawingml/2006/main" xmlns:r="http://schemas.openxmlformats.org/officeDocument/2006/relationships" xmlns:p="http://schemas.openxmlformats.org/presentationml/2006/main" xmlns:m="http://schemas.openxmlformats.org/officeDocument/2006/math" xmlns:w="http://schemas.openxmlformats.org/wordprocessingml/2006/main" matchingName="" preserve="1" showMasterPhAnim="0" type="titleOnly" userDrawn="1">
+<p:sldLayout xmlns:a="http://schemas.openxmlformats.org/drawingml/2006/main" xmlns:r="http://schemas.openxmlformats.org/officeDocument/2006/relationships" xmlns:p="http://schemas.openxmlformats.org/presentationml/2006/main" showMasterPhAnim="0" type="titleOnly" preserve="1" userDrawn="1">
   <p:cSld name="Title Only">
     <p:spTree>
       <p:nvGrpSpPr>
-        <p:cNvPr id="1" name="" hidden="0"/>
+        <p:cNvPr id="1" name=""/>
         <p:cNvGrpSpPr/>
-        <p:nvPr isPhoto="0" userDrawn="0"/>
+        <p:nvPr/>
       </p:nvGrpSpPr>
       <p:grpSpPr bwMode="auto">
         <a:xfrm>
@@ -1855,12 +2431,12 @@
       </p:grpSpPr>
       <p:sp>
         <p:nvSpPr>
-          <p:cNvPr id="2" name="Title 1" hidden="0"/>
-          <p:cNvSpPr>
-            <a:spLocks noGrp="1"/>
-          </p:cNvSpPr>
-          <p:nvPr isPhoto="0" userDrawn="0">
-            <p:ph type="title" hasCustomPrompt="0"/>
+          <p:cNvPr id="2" name="Title 1"/>
+          <p:cNvSpPr>
+            <a:spLocks noGrp="1"/>
+          </p:cNvSpPr>
+          <p:nvPr>
+            <p:ph type="title"/>
           </p:nvPr>
         </p:nvSpPr>
         <p:spPr bwMode="auto"/>
@@ -1881,12 +2457,12 @@
       </p:sp>
       <p:sp>
         <p:nvSpPr>
-          <p:cNvPr id="3" name="Date Placeholder 2" hidden="0"/>
-          <p:cNvSpPr>
-            <a:spLocks noGrp="1"/>
-          </p:cNvSpPr>
-          <p:nvPr isPhoto="0" userDrawn="0">
-            <p:ph type="dt" sz="half" idx="10" hasCustomPrompt="0"/>
+          <p:cNvPr id="3" name="Date Placeholder 2"/>
+          <p:cNvSpPr>
+            <a:spLocks noGrp="1"/>
+          </p:cNvSpPr>
+          <p:nvPr>
+            <p:ph type="dt" sz="half" idx="10"/>
           </p:nvPr>
         </p:nvSpPr>
         <p:spPr bwMode="auto"/>
@@ -1899,7 +2475,7 @@
             </a:pPr>
             <a:fld id="{8EB2B622-F04B-482C-AE28-7AF685AEC9C1}" type="datetimeFigureOut">
               <a:rPr lang="en-US"/>
-              <a:t/>
+              <a:t>5/2/2022</a:t>
             </a:fld>
             <a:endParaRPr lang="en-US"/>
           </a:p>
@@ -1907,12 +2483,12 @@
       </p:sp>
       <p:sp>
         <p:nvSpPr>
-          <p:cNvPr id="4" name="Footer Placeholder 3" hidden="0"/>
-          <p:cNvSpPr>
-            <a:spLocks noGrp="1"/>
-          </p:cNvSpPr>
-          <p:nvPr isPhoto="0" userDrawn="0">
-            <p:ph type="ftr" sz="quarter" idx="11" hasCustomPrompt="0"/>
+          <p:cNvPr id="4" name="Footer Placeholder 3"/>
+          <p:cNvSpPr>
+            <a:spLocks noGrp="1"/>
+          </p:cNvSpPr>
+          <p:nvPr>
+            <p:ph type="ftr" sz="quarter" idx="11"/>
           </p:nvPr>
         </p:nvSpPr>
         <p:spPr bwMode="auto"/>
@@ -1929,12 +2505,12 @@
       </p:sp>
       <p:sp>
         <p:nvSpPr>
-          <p:cNvPr id="5" name="Slide Number Placeholder 4" hidden="0"/>
-          <p:cNvSpPr>
-            <a:spLocks noGrp="1"/>
-          </p:cNvSpPr>
-          <p:nvPr isPhoto="0" userDrawn="0">
-            <p:ph type="sldNum" sz="quarter" idx="12" hasCustomPrompt="0"/>
+          <p:cNvPr id="5" name="Slide Number Placeholder 4"/>
+          <p:cNvSpPr>
+            <a:spLocks noGrp="1"/>
+          </p:cNvSpPr>
+          <p:nvPr>
+            <p:ph type="sldNum" sz="quarter" idx="12"/>
           </p:nvPr>
         </p:nvSpPr>
         <p:spPr bwMode="auto"/>
@@ -1947,7 +2523,7 @@
             </a:pPr>
             <a:fld id="{297D48F2-E856-4516-B86A-33E4404839BD}" type="slidenum">
               <a:rPr lang="en-US"/>
-              <a:t/>
+              <a:t>‹#›</a:t>
             </a:fld>
             <a:endParaRPr lang="en-US"/>
           </a:p>
@@ -1962,13 +2538,13 @@
 </file>
 
 <file path=ppt/slideLayouts/slideLayout7.xml><?xml version="1.0" encoding="utf-8"?>
-<p:sldLayout xmlns:a="http://schemas.openxmlformats.org/drawingml/2006/main" xmlns:r="http://schemas.openxmlformats.org/officeDocument/2006/relationships" xmlns:p="http://schemas.openxmlformats.org/presentationml/2006/main" xmlns:m="http://schemas.openxmlformats.org/officeDocument/2006/math" xmlns:w="http://schemas.openxmlformats.org/wordprocessingml/2006/main" matchingName="" preserve="1" showMasterPhAnim="0" type="blank" userDrawn="1">
+<p:sldLayout xmlns:a="http://schemas.openxmlformats.org/drawingml/2006/main" xmlns:r="http://schemas.openxmlformats.org/officeDocument/2006/relationships" xmlns:p="http://schemas.openxmlformats.org/presentationml/2006/main" showMasterPhAnim="0" type="blank" preserve="1" userDrawn="1">
   <p:cSld name="Blank">
     <p:spTree>
       <p:nvGrpSpPr>
-        <p:cNvPr id="1" name="" hidden="0"/>
+        <p:cNvPr id="1" name=""/>
         <p:cNvGrpSpPr/>
-        <p:nvPr isPhoto="0" userDrawn="0"/>
+        <p:nvPr/>
       </p:nvGrpSpPr>
       <p:grpSpPr bwMode="auto">
         <a:xfrm>
@@ -1980,12 +2556,12 @@
       </p:grpSpPr>
       <p:sp>
         <p:nvSpPr>
-          <p:cNvPr id="2" name="Date Placeholder 1" hidden="0"/>
-          <p:cNvSpPr>
-            <a:spLocks noGrp="1"/>
-          </p:cNvSpPr>
-          <p:nvPr isPhoto="0" userDrawn="0">
-            <p:ph type="dt" sz="half" idx="10" hasCustomPrompt="0"/>
+          <p:cNvPr id="2" name="Date Placeholder 1"/>
+          <p:cNvSpPr>
+            <a:spLocks noGrp="1"/>
+          </p:cNvSpPr>
+          <p:nvPr>
+            <p:ph type="dt" sz="half" idx="10"/>
           </p:nvPr>
         </p:nvSpPr>
         <p:spPr bwMode="auto"/>
@@ -1998,7 +2574,7 @@
             </a:pPr>
             <a:fld id="{8EB2B622-F04B-482C-AE28-7AF685AEC9C1}" type="datetimeFigureOut">
               <a:rPr lang="en-US"/>
-              <a:t/>
+              <a:t>5/2/2022</a:t>
             </a:fld>
             <a:endParaRPr lang="en-US"/>
           </a:p>
@@ -2006,12 +2582,12 @@
       </p:sp>
       <p:sp>
         <p:nvSpPr>
-          <p:cNvPr id="3" name="Footer Placeholder 2" hidden="0"/>
-          <p:cNvSpPr>
-            <a:spLocks noGrp="1"/>
-          </p:cNvSpPr>
-          <p:nvPr isPhoto="0" userDrawn="0">
-            <p:ph type="ftr" sz="quarter" idx="11" hasCustomPrompt="0"/>
+          <p:cNvPr id="3" name="Footer Placeholder 2"/>
+          <p:cNvSpPr>
+            <a:spLocks noGrp="1"/>
+          </p:cNvSpPr>
+          <p:nvPr>
+            <p:ph type="ftr" sz="quarter" idx="11"/>
           </p:nvPr>
         </p:nvSpPr>
         <p:spPr bwMode="auto"/>
@@ -2028,12 +2604,12 @@
       </p:sp>
       <p:sp>
         <p:nvSpPr>
-          <p:cNvPr id="4" name="Slide Number Placeholder 3" hidden="0"/>
-          <p:cNvSpPr>
-            <a:spLocks noGrp="1"/>
-          </p:cNvSpPr>
-          <p:nvPr isPhoto="0" userDrawn="0">
-            <p:ph type="sldNum" sz="quarter" idx="12" hasCustomPrompt="0"/>
+          <p:cNvPr id="4" name="Slide Number Placeholder 3"/>
+          <p:cNvSpPr>
+            <a:spLocks noGrp="1"/>
+          </p:cNvSpPr>
+          <p:nvPr>
+            <p:ph type="sldNum" sz="quarter" idx="12"/>
           </p:nvPr>
         </p:nvSpPr>
         <p:spPr bwMode="auto"/>
@@ -2046,7 +2622,7 @@
             </a:pPr>
             <a:fld id="{297D48F2-E856-4516-B86A-33E4404839BD}" type="slidenum">
               <a:rPr lang="en-US"/>
-              <a:t/>
+              <a:t>‹#›</a:t>
             </a:fld>
             <a:endParaRPr lang="en-US"/>
           </a:p>
@@ -2061,13 +2637,13 @@
 </file>
 
 <file path=ppt/slideLayouts/slideLayout8.xml><?xml version="1.0" encoding="utf-8"?>
-<p:sldLayout xmlns:a="http://schemas.openxmlformats.org/drawingml/2006/main" xmlns:r="http://schemas.openxmlformats.org/officeDocument/2006/relationships" xmlns:p="http://schemas.openxmlformats.org/presentationml/2006/main" xmlns:m="http://schemas.openxmlformats.org/officeDocument/2006/math" xmlns:w="http://schemas.openxmlformats.org/wordprocessingml/2006/main" matchingName="" preserve="1" showMasterPhAnim="0" type="objTx" userDrawn="1">
+<p:sldLayout xmlns:a="http://schemas.openxmlformats.org/drawingml/2006/main" xmlns:r="http://schemas.openxmlformats.org/officeDocument/2006/relationships" xmlns:p="http://schemas.openxmlformats.org/presentationml/2006/main" showMasterPhAnim="0" type="objTx" preserve="1" userDrawn="1">
   <p:cSld name="Content with Caption">
     <p:spTree>
       <p:nvGrpSpPr>
-        <p:cNvPr id="1" name="" hidden="0"/>
+        <p:cNvPr id="1" name=""/>
         <p:cNvGrpSpPr/>
-        <p:nvPr isPhoto="0" userDrawn="0"/>
+        <p:nvPr/>
       </p:nvGrpSpPr>
       <p:grpSpPr bwMode="auto">
         <a:xfrm>
@@ -2079,12 +2655,12 @@
       </p:grpSpPr>
       <p:sp>
         <p:nvSpPr>
-          <p:cNvPr id="2" name="Title 1" hidden="0"/>
-          <p:cNvSpPr>
-            <a:spLocks noGrp="1"/>
-          </p:cNvSpPr>
-          <p:nvPr isPhoto="0" userDrawn="0">
-            <p:ph type="title" hasCustomPrompt="0"/>
+          <p:cNvPr id="2" name="Title 1"/>
+          <p:cNvSpPr>
+            <a:spLocks noGrp="1"/>
+          </p:cNvSpPr>
+          <p:nvPr>
+            <p:ph type="title"/>
           </p:nvPr>
         </p:nvSpPr>
         <p:spPr bwMode="auto">
@@ -2114,12 +2690,12 @@
       </p:sp>
       <p:sp>
         <p:nvSpPr>
-          <p:cNvPr id="3" name="Content Placeholder 2" hidden="0"/>
-          <p:cNvSpPr>
-            <a:spLocks noGrp="1"/>
-          </p:cNvSpPr>
-          <p:nvPr isPhoto="0" userDrawn="0">
-            <p:ph idx="1" hasCustomPrompt="0"/>
+          <p:cNvPr id="3" name="Content Placeholder 2"/>
+          <p:cNvSpPr>
+            <a:spLocks noGrp="1"/>
+          </p:cNvSpPr>
+          <p:nvPr>
+            <p:ph idx="1"/>
           </p:nvPr>
         </p:nvSpPr>
         <p:spPr bwMode="auto">
@@ -2213,12 +2789,12 @@
       </p:sp>
       <p:sp>
         <p:nvSpPr>
-          <p:cNvPr id="4" name="Text Placeholder 3" hidden="0"/>
-          <p:cNvSpPr>
-            <a:spLocks noGrp="1"/>
-          </p:cNvSpPr>
-          <p:nvPr isPhoto="0" userDrawn="0">
-            <p:ph type="body" sz="half" idx="2" hasCustomPrompt="0"/>
+          <p:cNvPr id="4" name="Text Placeholder 3"/>
+          <p:cNvSpPr>
+            <a:spLocks noGrp="1"/>
+          </p:cNvSpPr>
+          <p:nvPr>
+            <p:ph type="body" sz="half" idx="2"/>
           </p:nvPr>
         </p:nvSpPr>
         <p:spPr bwMode="auto">
@@ -2281,12 +2857,12 @@
       </p:sp>
       <p:sp>
         <p:nvSpPr>
-          <p:cNvPr id="5" name="Date Placeholder 4" hidden="0"/>
-          <p:cNvSpPr>
-            <a:spLocks noGrp="1"/>
-          </p:cNvSpPr>
-          <p:nvPr isPhoto="0" userDrawn="0">
-            <p:ph type="dt" sz="half" idx="10" hasCustomPrompt="0"/>
+          <p:cNvPr id="5" name="Date Placeholder 4"/>
+          <p:cNvSpPr>
+            <a:spLocks noGrp="1"/>
+          </p:cNvSpPr>
+          <p:nvPr>
+            <p:ph type="dt" sz="half" idx="10"/>
           </p:nvPr>
         </p:nvSpPr>
         <p:spPr bwMode="auto"/>
@@ -2299,7 +2875,7 @@
             </a:pPr>
             <a:fld id="{8EB2B622-F04B-482C-AE28-7AF685AEC9C1}" type="datetimeFigureOut">
               <a:rPr lang="en-US"/>
-              <a:t/>
+              <a:t>5/2/2022</a:t>
             </a:fld>
             <a:endParaRPr lang="en-US"/>
           </a:p>
@@ -2307,12 +2883,12 @@
       </p:sp>
       <p:sp>
         <p:nvSpPr>
-          <p:cNvPr id="6" name="Footer Placeholder 5" hidden="0"/>
-          <p:cNvSpPr>
-            <a:spLocks noGrp="1"/>
-          </p:cNvSpPr>
-          <p:nvPr isPhoto="0" userDrawn="0">
-            <p:ph type="ftr" sz="quarter" idx="11" hasCustomPrompt="0"/>
+          <p:cNvPr id="6" name="Footer Placeholder 5"/>
+          <p:cNvSpPr>
+            <a:spLocks noGrp="1"/>
+          </p:cNvSpPr>
+          <p:nvPr>
+            <p:ph type="ftr" sz="quarter" idx="11"/>
           </p:nvPr>
         </p:nvSpPr>
         <p:spPr bwMode="auto"/>
@@ -2329,12 +2905,12 @@
       </p:sp>
       <p:sp>
         <p:nvSpPr>
-          <p:cNvPr id="7" name="Slide Number Placeholder 6" hidden="0"/>
-          <p:cNvSpPr>
-            <a:spLocks noGrp="1"/>
-          </p:cNvSpPr>
-          <p:nvPr isPhoto="0" userDrawn="0">
-            <p:ph type="sldNum" sz="quarter" idx="12" hasCustomPrompt="0"/>
+          <p:cNvPr id="7" name="Slide Number Placeholder 6"/>
+          <p:cNvSpPr>
+            <a:spLocks noGrp="1"/>
+          </p:cNvSpPr>
+          <p:nvPr>
+            <p:ph type="sldNum" sz="quarter" idx="12"/>
           </p:nvPr>
         </p:nvSpPr>
         <p:spPr bwMode="auto"/>
@@ -2347,7 +2923,7 @@
             </a:pPr>
             <a:fld id="{297D48F2-E856-4516-B86A-33E4404839BD}" type="slidenum">
               <a:rPr lang="en-US"/>
-              <a:t/>
+              <a:t>‹#›</a:t>
             </a:fld>
             <a:endParaRPr lang="en-US"/>
           </a:p>
@@ -2362,13 +2938,13 @@
 </file>
 
 <file path=ppt/slideLayouts/slideLayout9.xml><?xml version="1.0" encoding="utf-8"?>
-<p:sldLayout xmlns:a="http://schemas.openxmlformats.org/drawingml/2006/main" xmlns:r="http://schemas.openxmlformats.org/officeDocument/2006/relationships" xmlns:p="http://schemas.openxmlformats.org/presentationml/2006/main" xmlns:m="http://schemas.openxmlformats.org/officeDocument/2006/math" xmlns:w="http://schemas.openxmlformats.org/wordprocessingml/2006/main" matchingName="" preserve="1" showMasterPhAnim="0" type="picTx" userDrawn="1">
+<p:sldLayout xmlns:a="http://schemas.openxmlformats.org/drawingml/2006/main" xmlns:r="http://schemas.openxmlformats.org/officeDocument/2006/relationships" xmlns:p="http://schemas.openxmlformats.org/presentationml/2006/main" showMasterPhAnim="0" type="picTx" preserve="1" userDrawn="1">
   <p:cSld name="Picture with Caption">
     <p:spTree>
       <p:nvGrpSpPr>
-        <p:cNvPr id="1" name="" hidden="0"/>
+        <p:cNvPr id="1" name=""/>
         <p:cNvGrpSpPr/>
-        <p:nvPr isPhoto="0" userDrawn="0"/>
+        <p:nvPr/>
       </p:nvGrpSpPr>
       <p:grpSpPr bwMode="auto">
         <a:xfrm>
@@ -2380,12 +2956,12 @@
       </p:grpSpPr>
       <p:sp>
         <p:nvSpPr>
-          <p:cNvPr id="2" name="Title 1" hidden="0"/>
-          <p:cNvSpPr>
-            <a:spLocks noGrp="1"/>
-          </p:cNvSpPr>
-          <p:nvPr isPhoto="0" userDrawn="0">
-            <p:ph type="title" hasCustomPrompt="0"/>
+          <p:cNvPr id="2" name="Title 1"/>
+          <p:cNvSpPr>
+            <a:spLocks noGrp="1"/>
+          </p:cNvSpPr>
+          <p:nvPr>
+            <p:ph type="title"/>
           </p:nvPr>
         </p:nvSpPr>
         <p:spPr bwMode="auto">
@@ -2415,12 +2991,12 @@
       </p:sp>
       <p:sp>
         <p:nvSpPr>
-          <p:cNvPr id="3" name="Picture Placeholder 2" hidden="0"/>
-          <p:cNvSpPr>
-            <a:spLocks noGrp="1"/>
-          </p:cNvSpPr>
-          <p:nvPr isPhoto="0" userDrawn="0">
-            <p:ph type="pic" idx="1" hasCustomPrompt="0"/>
+          <p:cNvPr id="3" name="Picture Placeholder 2"/>
+          <p:cNvSpPr>
+            <a:spLocks noGrp="1"/>
+          </p:cNvSpPr>
+          <p:nvPr>
+            <p:ph type="pic" idx="1"/>
           </p:nvPr>
         </p:nvSpPr>
         <p:spPr bwMode="auto">
@@ -2479,12 +3055,12 @@
       </p:sp>
       <p:sp>
         <p:nvSpPr>
-          <p:cNvPr id="4" name="Text Placeholder 3" hidden="0"/>
-          <p:cNvSpPr>
-            <a:spLocks noGrp="1"/>
-          </p:cNvSpPr>
-          <p:nvPr isPhoto="0" userDrawn="0">
-            <p:ph type="body" sz="half" idx="2" hasCustomPrompt="0"/>
+          <p:cNvPr id="4" name="Text Placeholder 3"/>
+          <p:cNvSpPr>
+            <a:spLocks noGrp="1"/>
+          </p:cNvSpPr>
+          <p:nvPr>
+            <p:ph type="body" sz="half" idx="2"/>
           </p:nvPr>
         </p:nvSpPr>
         <p:spPr bwMode="auto">
@@ -2547,12 +3123,12 @@
       </p:sp>
       <p:sp>
         <p:nvSpPr>
-          <p:cNvPr id="5" name="Date Placeholder 4" hidden="0"/>
-          <p:cNvSpPr>
-            <a:spLocks noGrp="1"/>
-          </p:cNvSpPr>
-          <p:nvPr isPhoto="0" userDrawn="0">
-            <p:ph type="dt" sz="half" idx="10" hasCustomPrompt="0"/>
+          <p:cNvPr id="5" name="Date Placeholder 4"/>
+          <p:cNvSpPr>
+            <a:spLocks noGrp="1"/>
+          </p:cNvSpPr>
+          <p:nvPr>
+            <p:ph type="dt" sz="half" idx="10"/>
           </p:nvPr>
         </p:nvSpPr>
         <p:spPr bwMode="auto"/>
@@ -2565,7 +3141,7 @@
             </a:pPr>
             <a:fld id="{8EB2B622-F04B-482C-AE28-7AF685AEC9C1}" type="datetimeFigureOut">
               <a:rPr lang="en-US"/>
-              <a:t/>
+              <a:t>5/2/2022</a:t>
             </a:fld>
             <a:endParaRPr lang="en-US"/>
           </a:p>
@@ -2573,12 +3149,12 @@
       </p:sp>
       <p:sp>
         <p:nvSpPr>
-          <p:cNvPr id="6" name="Footer Placeholder 5" hidden="0"/>
-          <p:cNvSpPr>
-            <a:spLocks noGrp="1"/>
-          </p:cNvSpPr>
-          <p:nvPr isPhoto="0" userDrawn="0">
-            <p:ph type="ftr" sz="quarter" idx="11" hasCustomPrompt="0"/>
+          <p:cNvPr id="6" name="Footer Placeholder 5"/>
+          <p:cNvSpPr>
+            <a:spLocks noGrp="1"/>
+          </p:cNvSpPr>
+          <p:nvPr>
+            <p:ph type="ftr" sz="quarter" idx="11"/>
           </p:nvPr>
         </p:nvSpPr>
         <p:spPr bwMode="auto"/>
@@ -2595,12 +3171,12 @@
       </p:sp>
       <p:sp>
         <p:nvSpPr>
-          <p:cNvPr id="7" name="Slide Number Placeholder 6" hidden="0"/>
-          <p:cNvSpPr>
-            <a:spLocks noGrp="1"/>
-          </p:cNvSpPr>
-          <p:nvPr isPhoto="0" userDrawn="0">
-            <p:ph type="sldNum" sz="quarter" idx="12" hasCustomPrompt="0"/>
+          <p:cNvPr id="7" name="Slide Number Placeholder 6"/>
+          <p:cNvSpPr>
+            <a:spLocks noGrp="1"/>
+          </p:cNvSpPr>
+          <p:nvPr>
+            <p:ph type="sldNum" sz="quarter" idx="12"/>
           </p:nvPr>
         </p:nvSpPr>
         <p:spPr bwMode="auto"/>
@@ -2613,7 +3189,7 @@
             </a:pPr>
             <a:fld id="{297D48F2-E856-4516-B86A-33E4404839BD}" type="slidenum">
               <a:rPr lang="en-US"/>
-              <a:t/>
+              <a:t>‹#›</a:t>
             </a:fld>
             <a:endParaRPr lang="en-US"/>
           </a:p>
@@ -2628,8 +3204,8 @@
 </file>
 
 <file path=ppt/slideMasters/slideMaster1.xml><?xml version="1.0" encoding="utf-8"?>
-<p:sldMaster xmlns:a="http://schemas.openxmlformats.org/drawingml/2006/main" xmlns:r="http://schemas.openxmlformats.org/officeDocument/2006/relationships" xmlns:p="http://schemas.openxmlformats.org/presentationml/2006/main" xmlns:m="http://schemas.openxmlformats.org/officeDocument/2006/math" xmlns:w="http://schemas.openxmlformats.org/wordprocessingml/2006/main" preserve="0">
-  <p:cSld name="">
+<p:sldMaster xmlns:a="http://schemas.openxmlformats.org/drawingml/2006/main" xmlns:r="http://schemas.openxmlformats.org/officeDocument/2006/relationships" xmlns:p="http://schemas.openxmlformats.org/presentationml/2006/main">
+  <p:cSld>
     <p:bg>
       <p:bgRef idx="1001">
         <a:schemeClr val="bg1"/>
@@ -2637,9 +3213,9 @@
     </p:bg>
     <p:spTree>
       <p:nvGrpSpPr>
-        <p:cNvPr id="1" name="" hidden="0"/>
+        <p:cNvPr id="1" name=""/>
         <p:cNvGrpSpPr/>
-        <p:nvPr isPhoto="0" userDrawn="0"/>
+        <p:nvPr/>
       </p:nvGrpSpPr>
       <p:grpSpPr bwMode="auto">
         <a:xfrm>
@@ -2651,18 +3227,18 @@
       </p:grpSpPr>
       <p:sp>
         <p:nvSpPr>
-          <p:cNvPr id="5" name="Footer Placeholder 4" hidden="0"/>
-          <p:cNvSpPr>
-            <a:spLocks noGrp="1"/>
-          </p:cNvSpPr>
-          <p:nvPr isPhoto="0" userDrawn="0">
-            <p:ph type="ftr" sz="quarter" idx="3" hasCustomPrompt="0"/>
+          <p:cNvPr id="5" name="Footer Placeholder 4"/>
+          <p:cNvSpPr>
+            <a:spLocks noGrp="1"/>
+          </p:cNvSpPr>
+          <p:nvPr>
+            <p:ph type="ftr" sz="quarter" idx="3"/>
           </p:nvPr>
         </p:nvSpPr>
         <p:spPr bwMode="auto">
           <a:xfrm>
-            <a:off x="6003633" y="5976202"/>
-            <a:ext cx="184730" cy="830997"/>
+            <a:off x="6003634" y="5976203"/>
+            <a:ext cx="184731" cy="830997"/>
           </a:xfrm>
           <a:prstGeom prst="rect">
             <a:avLst/>
@@ -2711,12 +3287,12 @@
       </p:sp>
       <p:sp>
         <p:nvSpPr>
-          <p:cNvPr id="2" name="Title Placeholder 1" hidden="0"/>
-          <p:cNvSpPr>
-            <a:spLocks noGrp="1"/>
-          </p:cNvSpPr>
-          <p:nvPr isPhoto="0" userDrawn="0">
-            <p:ph type="title" hasCustomPrompt="0"/>
+          <p:cNvPr id="2" name="Title Placeholder 1"/>
+          <p:cNvSpPr>
+            <a:spLocks noGrp="1"/>
+          </p:cNvSpPr>
+          <p:nvPr>
+            <p:ph type="title"/>
           </p:nvPr>
         </p:nvSpPr>
         <p:spPr bwMode="auto">
@@ -2747,12 +3323,12 @@
       </p:sp>
       <p:sp>
         <p:nvSpPr>
-          <p:cNvPr id="3" name="Text Placeholder 2" hidden="0"/>
-          <p:cNvSpPr>
-            <a:spLocks noGrp="1"/>
-          </p:cNvSpPr>
-          <p:nvPr isPhoto="0" userDrawn="0">
-            <p:ph type="body" idx="1" hasCustomPrompt="0"/>
+          <p:cNvPr id="3" name="Text Placeholder 2"/>
+          <p:cNvSpPr>
+            <a:spLocks noGrp="1"/>
+          </p:cNvSpPr>
+          <p:nvPr>
+            <p:ph type="body" idx="1"/>
           </p:nvPr>
         </p:nvSpPr>
         <p:spPr bwMode="auto">
@@ -2823,12 +3399,12 @@
       </p:sp>
       <p:sp>
         <p:nvSpPr>
-          <p:cNvPr id="4" name="Date Placeholder 3" hidden="0"/>
-          <p:cNvSpPr>
-            <a:spLocks noGrp="1"/>
-          </p:cNvSpPr>
-          <p:nvPr isPhoto="0" userDrawn="0">
-            <p:ph type="dt" sz="half" idx="2" hasCustomPrompt="0"/>
+          <p:cNvPr id="4" name="Date Placeholder 3"/>
+          <p:cNvSpPr>
+            <a:spLocks noGrp="1"/>
+          </p:cNvSpPr>
+          <p:nvPr>
+            <p:ph type="dt" sz="half" idx="2"/>
           </p:nvPr>
         </p:nvSpPr>
         <p:spPr bwMode="auto">
@@ -2859,7 +3435,7 @@
             </a:pPr>
             <a:fld id="{8EB2B622-F04B-482C-AE28-7AF685AEC9C1}" type="datetimeFigureOut">
               <a:rPr lang="en-US"/>
-              <a:t/>
+              <a:t>5/2/2022</a:t>
             </a:fld>
             <a:endParaRPr lang="en-US"/>
           </a:p>
@@ -2867,12 +3443,12 @@
       </p:sp>
       <p:sp>
         <p:nvSpPr>
-          <p:cNvPr id="6" name="Slide Number Placeholder 5" hidden="0"/>
-          <p:cNvSpPr>
-            <a:spLocks noGrp="1"/>
-          </p:cNvSpPr>
-          <p:nvPr isPhoto="0" userDrawn="0">
-            <p:ph type="sldNum" sz="quarter" idx="4" hasCustomPrompt="0"/>
+          <p:cNvPr id="6" name="Slide Number Placeholder 5"/>
+          <p:cNvSpPr>
+            <a:spLocks noGrp="1"/>
+          </p:cNvSpPr>
+          <p:nvPr>
+            <p:ph type="sldNum" sz="quarter" idx="4"/>
           </p:nvPr>
         </p:nvSpPr>
         <p:spPr bwMode="auto">
@@ -2903,7 +3479,7 @@
             </a:pPr>
             <a:fld id="{297D48F2-E856-4516-B86A-33E4404839BD}" type="slidenum">
               <a:rPr lang="en-US"/>
-              <a:t/>
+              <a:t>‹#›</a:t>
             </a:fld>
             <a:endParaRPr lang="en-US"/>
           </a:p>
@@ -3209,13 +3785,13 @@
 </file>
 
 <file path=ppt/slides/slide1.xml><?xml version="1.0" encoding="utf-8"?>
-<p:sld xmlns:a="http://schemas.openxmlformats.org/drawingml/2006/main" xmlns:r="http://schemas.openxmlformats.org/officeDocument/2006/relationships" xmlns:p="http://schemas.openxmlformats.org/presentationml/2006/main" xmlns:m="http://schemas.openxmlformats.org/officeDocument/2006/math" xmlns:w="http://schemas.openxmlformats.org/wordprocessingml/2006/main" showMasterPhAnim="0" show="1">
-  <p:cSld name="">
+<p:sld xmlns:a="http://schemas.openxmlformats.org/drawingml/2006/main" xmlns:r="http://schemas.openxmlformats.org/officeDocument/2006/relationships" xmlns:p="http://schemas.openxmlformats.org/presentationml/2006/main" showMasterPhAnim="0">
+  <p:cSld>
     <p:spTree>
       <p:nvGrpSpPr>
-        <p:cNvPr id="1" name="" hidden="0"/>
+        <p:cNvPr id="1" name=""/>
         <p:cNvGrpSpPr/>
-        <p:nvPr isPhoto="0" userDrawn="0"/>
+        <p:nvPr/>
       </p:nvGrpSpPr>
       <p:grpSpPr bwMode="auto">
         <a:xfrm>
@@ -3227,12 +3803,12 @@
       </p:grpSpPr>
       <p:sp>
         <p:nvSpPr>
-          <p:cNvPr id="4" name="Footer Placeholder 3" hidden="0"/>
-          <p:cNvSpPr>
-            <a:spLocks noGrp="1"/>
-          </p:cNvSpPr>
-          <p:nvPr isPhoto="0" userDrawn="0">
-            <p:ph type="ftr" sz="quarter" idx="11" hasCustomPrompt="0"/>
+          <p:cNvPr id="4" name="Footer Placeholder 3"/>
+          <p:cNvSpPr>
+            <a:spLocks noGrp="1"/>
+          </p:cNvSpPr>
+          <p:nvPr>
+            <p:ph type="ftr" sz="quarter" idx="11"/>
           </p:nvPr>
         </p:nvSpPr>
         <p:spPr bwMode="auto">
@@ -3262,12 +3838,12 @@
       </p:sp>
       <p:sp>
         <p:nvSpPr>
-          <p:cNvPr id="2" name="Title 1" hidden="0"/>
-          <p:cNvSpPr>
-            <a:spLocks noGrp="1"/>
-          </p:cNvSpPr>
-          <p:nvPr isPhoto="0" userDrawn="0">
-            <p:ph type="ctrTitle" hasCustomPrompt="0"/>
+          <p:cNvPr id="2" name="Title 1"/>
+          <p:cNvSpPr>
+            <a:spLocks noGrp="1"/>
+          </p:cNvSpPr>
+          <p:nvPr>
+            <p:ph type="ctrTitle"/>
           </p:nvPr>
         </p:nvSpPr>
         <p:spPr bwMode="auto"/>
@@ -3288,12 +3864,12 @@
       </p:sp>
       <p:sp>
         <p:nvSpPr>
-          <p:cNvPr id="3" name="Subtitle 2" hidden="0"/>
-          <p:cNvSpPr>
-            <a:spLocks noGrp="1"/>
-          </p:cNvSpPr>
-          <p:nvPr isPhoto="0" userDrawn="0">
-            <p:ph type="subTitle" idx="1" hasCustomPrompt="0"/>
+          <p:cNvPr id="3" name="Subtitle 2"/>
+          <p:cNvSpPr>
+            <a:spLocks noGrp="1"/>
+          </p:cNvSpPr>
+          <p:nvPr>
+            <p:ph type="subTitle" idx="1"/>
           </p:nvPr>
         </p:nvSpPr>
         <p:spPr bwMode="auto"/>
@@ -3305,10 +3881,19 @@
               <a:defRPr/>
             </a:pPr>
             <a:r>
-              <a:rPr lang="en-US"/>
+              <a:rPr lang="en-US" dirty="0"/>
+              <a:t>RFC 2409/4306</a:t>
+            </a:r>
+          </a:p>
+          <a:p>
+            <a:pPr>
+              <a:defRPr/>
+            </a:pPr>
+            <a:r>
+              <a:rPr lang="en-US" dirty="0"/>
               <a:t>Nathan Bellew</a:t>
             </a:r>
-            <a:endParaRPr/>
+            <a:endParaRPr dirty="0"/>
           </a:p>
         </p:txBody>
       </p:sp>
@@ -3317,25 +3902,17 @@
   <p:clrMapOvr>
     <a:masterClrMapping/>
   </p:clrMapOvr>
-  <mc:AlternateContent xmlns:mc="http://schemas.openxmlformats.org/markup-compatibility/2006">
-    <mc:Choice xmlns:p14="http://schemas.microsoft.com/office/powerpoint/2010/main" Requires="p14">
-      <p:transition p14:dur="2000" advClick="1"/>
-    </mc:Choice>
-    <mc:Fallback>
-      <p:transition advClick="1"/>
-    </mc:Fallback>
-  </mc:AlternateContent>
 </p:sld>
 </file>
 
 <file path=ppt/slides/slide10.xml><?xml version="1.0" encoding="utf-8"?>
-<p:sld xmlns:a="http://schemas.openxmlformats.org/drawingml/2006/main" xmlns:r="http://schemas.openxmlformats.org/officeDocument/2006/relationships" xmlns:p="http://schemas.openxmlformats.org/presentationml/2006/main" xmlns:m="http://schemas.openxmlformats.org/officeDocument/2006/math" xmlns:w="http://schemas.openxmlformats.org/wordprocessingml/2006/main" showMasterPhAnim="0" show="1">
-  <p:cSld name="">
+<p:sld xmlns:a="http://schemas.openxmlformats.org/drawingml/2006/main" xmlns:r="http://schemas.openxmlformats.org/officeDocument/2006/relationships" xmlns:p="http://schemas.openxmlformats.org/presentationml/2006/main" showMasterPhAnim="0">
+  <p:cSld>
     <p:spTree>
       <p:nvGrpSpPr>
-        <p:cNvPr id="1" name="" hidden="0"/>
+        <p:cNvPr id="1" name=""/>
         <p:cNvGrpSpPr/>
-        <p:nvPr isPhoto="0" userDrawn="0"/>
+        <p:nvPr/>
       </p:nvGrpSpPr>
       <p:grpSpPr bwMode="auto">
         <a:xfrm>
@@ -3347,12 +3924,12 @@
       </p:grpSpPr>
       <p:sp>
         <p:nvSpPr>
-          <p:cNvPr id="1398164675" name="Title 1" hidden="0"/>
-          <p:cNvSpPr>
-            <a:spLocks noGrp="1"/>
-          </p:cNvSpPr>
-          <p:nvPr isPhoto="0" userDrawn="0">
-            <p:ph type="title" hasCustomPrompt="0"/>
+          <p:cNvPr id="2" name="Title 1"/>
+          <p:cNvSpPr>
+            <a:spLocks noGrp="1"/>
+          </p:cNvSpPr>
+          <p:nvPr>
+            <p:ph type="title"/>
           </p:nvPr>
         </p:nvSpPr>
         <p:spPr bwMode="auto"/>
@@ -3364,21 +3941,476 @@
               <a:defRPr/>
             </a:pPr>
             <a:r>
-              <a:rPr/>
-              <a:t>Key Determination</a:t>
-            </a:r>
-            <a:endParaRPr/>
-          </a:p>
-        </p:txBody>
-      </p:sp>
-      <p:sp>
-        <p:nvSpPr>
-          <p:cNvPr id="1750446148" name="Content Placeholder 2" hidden="0"/>
-          <p:cNvSpPr>
-            <a:spLocks noGrp="1"/>
-          </p:cNvSpPr>
-          <p:nvPr isPhoto="0" userDrawn="0">
-            <p:ph idx="1" hasCustomPrompt="0"/>
+              <a:rPr lang="en-US" dirty="0"/>
+              <a:t>Key Determination – Diffie Hellman</a:t>
+            </a:r>
+            <a:endParaRPr dirty="0"/>
+          </a:p>
+        </p:txBody>
+      </p:sp>
+      <mc:AlternateContent xmlns:mc="http://schemas.openxmlformats.org/markup-compatibility/2006">
+        <mc:Choice xmlns:a14="http://schemas.microsoft.com/office/drawing/2010/main" Requires="a14">
+          <p:sp>
+            <p:nvSpPr>
+              <p:cNvPr id="3" name="Content Placeholder 2"/>
+              <p:cNvSpPr>
+                <a:spLocks noGrp="1"/>
+              </p:cNvSpPr>
+              <p:nvPr>
+                <p:ph idx="1"/>
+              </p:nvPr>
+            </p:nvSpPr>
+            <p:spPr bwMode="auto"/>
+            <p:txBody>
+              <a:bodyPr/>
+              <a:lstStyle/>
+              <a:p>
+                <a:pPr>
+                  <a:defRPr/>
+                </a:pPr>
+                <a:r>
+                  <a:rPr lang="en-US" dirty="0"/>
+                  <a:t>Oakley Key Determination </a:t>
+                </a:r>
+              </a:p>
+              <a:p>
+                <a:pPr>
+                  <a:defRPr/>
+                </a:pPr>
+                <a:r>
+                  <a:rPr lang="en-US" dirty="0"/>
+                  <a:t>Secret Session Key </a:t>
+                </a:r>
+                <a:r>
+                  <a:rPr lang="en-US" dirty="0">
+                    <a:sym typeface="Symbol" panose="05050102010706020507" pitchFamily="18" charset="2"/>
+                  </a:rPr>
+                  <a:t></a:t>
+                </a:r>
+                <a:endParaRPr lang="en-US" i="1" dirty="0">
+                  <a:latin typeface="Cambria Math" panose="02040503050406030204" pitchFamily="18" charset="0"/>
+                  <a:sym typeface="Symbol" panose="05050102010706020507" pitchFamily="18" charset="2"/>
+                </a:endParaRPr>
+              </a:p>
+              <a:p>
+                <a:pPr>
+                  <a:defRPr/>
+                </a:pPr>
+                <a14:m>
+                  <m:oMath xmlns:m="http://schemas.openxmlformats.org/officeDocument/2006/math">
+                    <m:r>
+                      <a:rPr lang="en-US" b="0" i="1" smtClean="0">
+                        <a:latin typeface="Cambria Math" panose="02040503050406030204" pitchFamily="18" charset="0"/>
+                        <a:sym typeface="Symbol" panose="05050102010706020507" pitchFamily="18" charset="2"/>
+                      </a:rPr>
+                      <m:t>𝐾</m:t>
+                    </m:r>
+                    <m:r>
+                      <a:rPr lang="en-US" b="0" i="1" smtClean="0">
+                        <a:latin typeface="Cambria Math" panose="02040503050406030204" pitchFamily="18" charset="0"/>
+                        <a:sym typeface="Symbol" panose="05050102010706020507" pitchFamily="18" charset="2"/>
+                      </a:rPr>
+                      <m:t>= </m:t>
+                    </m:r>
+                    <m:sSup>
+                      <m:sSupPr>
+                        <m:ctrlPr>
+                          <a:rPr lang="en-US" b="0" i="1" smtClean="0">
+                            <a:latin typeface="Cambria Math" panose="02040503050406030204" pitchFamily="18" charset="0"/>
+                            <a:sym typeface="Symbol" panose="05050102010706020507" pitchFamily="18" charset="2"/>
+                          </a:rPr>
+                        </m:ctrlPr>
+                      </m:sSupPr>
+                      <m:e>
+                        <m:r>
+                          <a:rPr lang="en-US" b="0" i="1" smtClean="0">
+                            <a:latin typeface="Cambria Math" panose="02040503050406030204" pitchFamily="18" charset="0"/>
+                            <a:sym typeface="Symbol" panose="05050102010706020507" pitchFamily="18" charset="2"/>
+                          </a:rPr>
+                          <m:t>(</m:t>
+                        </m:r>
+                        <m:sSub>
+                          <m:sSubPr>
+                            <m:ctrlPr>
+                              <a:rPr lang="en-US" b="0" i="1" smtClean="0">
+                                <a:latin typeface="Cambria Math" panose="02040503050406030204" pitchFamily="18" charset="0"/>
+                                <a:sym typeface="Symbol" panose="05050102010706020507" pitchFamily="18" charset="2"/>
+                              </a:rPr>
+                            </m:ctrlPr>
+                          </m:sSubPr>
+                          <m:e>
+                            <m:r>
+                              <a:rPr lang="en-US" b="0" i="1" smtClean="0">
+                                <a:latin typeface="Cambria Math" panose="02040503050406030204" pitchFamily="18" charset="0"/>
+                                <a:ea typeface="Cambria Math" panose="02040503050406030204" pitchFamily="18" charset="0"/>
+                                <a:sym typeface="Symbol" panose="05050102010706020507" pitchFamily="18" charset="2"/>
+                              </a:rPr>
+                              <m:t>𝛾</m:t>
+                            </m:r>
+                          </m:e>
+                          <m:sub>
+                            <m:r>
+                              <a:rPr lang="en-US" b="0" i="1" smtClean="0">
+                                <a:latin typeface="Cambria Math" panose="02040503050406030204" pitchFamily="18" charset="0"/>
+                                <a:sym typeface="Symbol" panose="05050102010706020507" pitchFamily="18" charset="2"/>
+                              </a:rPr>
+                              <m:t>𝐵𝑜𝑏</m:t>
+                            </m:r>
+                          </m:sub>
+                        </m:sSub>
+                        <m:r>
+                          <a:rPr lang="en-US" b="0" i="1" smtClean="0">
+                            <a:latin typeface="Cambria Math" panose="02040503050406030204" pitchFamily="18" charset="0"/>
+                            <a:sym typeface="Symbol" panose="05050102010706020507" pitchFamily="18" charset="2"/>
+                          </a:rPr>
+                          <m:t>)</m:t>
+                        </m:r>
+                      </m:e>
+                      <m:sup>
+                        <m:sSub>
+                          <m:sSubPr>
+                            <m:ctrlPr>
+                              <a:rPr lang="en-US" b="0" i="1" smtClean="0">
+                                <a:latin typeface="Cambria Math" panose="02040503050406030204" pitchFamily="18" charset="0"/>
+                                <a:sym typeface="Symbol" panose="05050102010706020507" pitchFamily="18" charset="2"/>
+                              </a:rPr>
+                            </m:ctrlPr>
+                          </m:sSubPr>
+                          <m:e>
+                            <m:r>
+                              <a:rPr lang="en-US" b="0" i="1" smtClean="0">
+                                <a:latin typeface="Cambria Math" panose="02040503050406030204" pitchFamily="18" charset="0"/>
+                                <a:sym typeface="Symbol" panose="05050102010706020507" pitchFamily="18" charset="2"/>
+                              </a:rPr>
+                              <m:t>𝑋</m:t>
+                            </m:r>
+                          </m:e>
+                          <m:sub>
+                            <m:r>
+                              <a:rPr lang="en-US" b="0" i="1" smtClean="0">
+                                <a:latin typeface="Cambria Math" panose="02040503050406030204" pitchFamily="18" charset="0"/>
+                                <a:sym typeface="Symbol" panose="05050102010706020507" pitchFamily="18" charset="2"/>
+                              </a:rPr>
+                              <m:t>𝐴𝑙𝑖𝑐𝑒</m:t>
+                            </m:r>
+                          </m:sub>
+                        </m:sSub>
+                      </m:sup>
+                    </m:sSup>
+                    <m:r>
+                      <a:rPr lang="en-US" b="0" i="1" smtClean="0">
+                        <a:latin typeface="Cambria Math" panose="02040503050406030204" pitchFamily="18" charset="0"/>
+                        <a:sym typeface="Symbol" panose="05050102010706020507" pitchFamily="18" charset="2"/>
+                      </a:rPr>
+                      <m:t>𝑚𝑜𝑑</m:t>
+                    </m:r>
+                    <m:r>
+                      <a:rPr lang="en-US" b="0" i="1" smtClean="0">
+                        <a:latin typeface="Cambria Math" panose="02040503050406030204" pitchFamily="18" charset="0"/>
+                        <a:sym typeface="Symbol" panose="05050102010706020507" pitchFamily="18" charset="2"/>
+                      </a:rPr>
+                      <m:t> </m:t>
+                    </m:r>
+                    <m:r>
+                      <a:rPr lang="en-US" b="0" i="1" smtClean="0">
+                        <a:latin typeface="Cambria Math" panose="02040503050406030204" pitchFamily="18" charset="0"/>
+                        <a:sym typeface="Symbol" panose="05050102010706020507" pitchFamily="18" charset="2"/>
+                      </a:rPr>
+                      <m:t>𝑞</m:t>
+                    </m:r>
+                    <m:r>
+                      <a:rPr lang="en-US" b="0" i="1" smtClean="0">
+                        <a:latin typeface="Cambria Math" panose="02040503050406030204" pitchFamily="18" charset="0"/>
+                        <a:sym typeface="Symbol" panose="05050102010706020507" pitchFamily="18" charset="2"/>
+                      </a:rPr>
+                      <m:t>=</m:t>
+                    </m:r>
+                    <m:sSup>
+                      <m:sSupPr>
+                        <m:ctrlPr>
+                          <a:rPr lang="en-US" i="1">
+                            <a:latin typeface="Cambria Math" panose="02040503050406030204" pitchFamily="18" charset="0"/>
+                            <a:sym typeface="Symbol" panose="05050102010706020507" pitchFamily="18" charset="2"/>
+                          </a:rPr>
+                        </m:ctrlPr>
+                      </m:sSupPr>
+                      <m:e>
+                        <m:r>
+                          <a:rPr lang="en-US" i="1">
+                            <a:latin typeface="Cambria Math" panose="02040503050406030204" pitchFamily="18" charset="0"/>
+                            <a:sym typeface="Symbol" panose="05050102010706020507" pitchFamily="18" charset="2"/>
+                          </a:rPr>
+                          <m:t>(</m:t>
+                        </m:r>
+                        <m:sSub>
+                          <m:sSubPr>
+                            <m:ctrlPr>
+                              <a:rPr lang="en-US" i="1">
+                                <a:latin typeface="Cambria Math" panose="02040503050406030204" pitchFamily="18" charset="0"/>
+                                <a:sym typeface="Symbol" panose="05050102010706020507" pitchFamily="18" charset="2"/>
+                              </a:rPr>
+                            </m:ctrlPr>
+                          </m:sSubPr>
+                          <m:e>
+                            <m:r>
+                              <a:rPr lang="en-US" i="1">
+                                <a:latin typeface="Cambria Math" panose="02040503050406030204" pitchFamily="18" charset="0"/>
+                                <a:ea typeface="Cambria Math" panose="02040503050406030204" pitchFamily="18" charset="0"/>
+                                <a:sym typeface="Symbol" panose="05050102010706020507" pitchFamily="18" charset="2"/>
+                              </a:rPr>
+                              <m:t>𝛾</m:t>
+                            </m:r>
+                          </m:e>
+                          <m:sub>
+                            <m:r>
+                              <a:rPr lang="en-US" b="0" i="1" smtClean="0">
+                                <a:latin typeface="Cambria Math" panose="02040503050406030204" pitchFamily="18" charset="0"/>
+                                <a:ea typeface="Cambria Math" panose="02040503050406030204" pitchFamily="18" charset="0"/>
+                                <a:sym typeface="Symbol" panose="05050102010706020507" pitchFamily="18" charset="2"/>
+                              </a:rPr>
+                              <m:t>𝐴𝑙𝑖𝑐𝑒</m:t>
+                            </m:r>
+                          </m:sub>
+                        </m:sSub>
+                        <m:r>
+                          <a:rPr lang="en-US" i="1">
+                            <a:latin typeface="Cambria Math" panose="02040503050406030204" pitchFamily="18" charset="0"/>
+                            <a:sym typeface="Symbol" panose="05050102010706020507" pitchFamily="18" charset="2"/>
+                          </a:rPr>
+                          <m:t>)</m:t>
+                        </m:r>
+                      </m:e>
+                      <m:sup>
+                        <m:sSub>
+                          <m:sSubPr>
+                            <m:ctrlPr>
+                              <a:rPr lang="en-US" i="1">
+                                <a:latin typeface="Cambria Math" panose="02040503050406030204" pitchFamily="18" charset="0"/>
+                                <a:sym typeface="Symbol" panose="05050102010706020507" pitchFamily="18" charset="2"/>
+                              </a:rPr>
+                            </m:ctrlPr>
+                          </m:sSubPr>
+                          <m:e>
+                            <m:r>
+                              <a:rPr lang="en-US" i="1">
+                                <a:latin typeface="Cambria Math" panose="02040503050406030204" pitchFamily="18" charset="0"/>
+                                <a:sym typeface="Symbol" panose="05050102010706020507" pitchFamily="18" charset="2"/>
+                              </a:rPr>
+                              <m:t>𝑋</m:t>
+                            </m:r>
+                          </m:e>
+                          <m:sub>
+                            <m:r>
+                              <a:rPr lang="en-US" b="0" i="1" smtClean="0">
+                                <a:latin typeface="Cambria Math" panose="02040503050406030204" pitchFamily="18" charset="0"/>
+                                <a:sym typeface="Symbol" panose="05050102010706020507" pitchFamily="18" charset="2"/>
+                              </a:rPr>
+                              <m:t>𝐵𝑜𝑏</m:t>
+                            </m:r>
+                          </m:sub>
+                        </m:sSub>
+                      </m:sup>
+                    </m:sSup>
+                    <m:r>
+                      <a:rPr lang="en-US" i="1">
+                        <a:latin typeface="Cambria Math" panose="02040503050406030204" pitchFamily="18" charset="0"/>
+                        <a:sym typeface="Symbol" panose="05050102010706020507" pitchFamily="18" charset="2"/>
+                      </a:rPr>
+                      <m:t>𝑚𝑜𝑑</m:t>
+                    </m:r>
+                    <m:r>
+                      <a:rPr lang="en-US" i="1">
+                        <a:latin typeface="Cambria Math" panose="02040503050406030204" pitchFamily="18" charset="0"/>
+                        <a:sym typeface="Symbol" panose="05050102010706020507" pitchFamily="18" charset="2"/>
+                      </a:rPr>
+                      <m:t> </m:t>
+                    </m:r>
+                    <m:r>
+                      <a:rPr lang="en-US" i="1">
+                        <a:latin typeface="Cambria Math" panose="02040503050406030204" pitchFamily="18" charset="0"/>
+                        <a:sym typeface="Symbol" panose="05050102010706020507" pitchFamily="18" charset="2"/>
+                      </a:rPr>
+                      <m:t>𝑞</m:t>
+                    </m:r>
+                    <m:r>
+                      <a:rPr lang="en-US" b="0" i="1" smtClean="0">
+                        <a:latin typeface="Cambria Math" panose="02040503050406030204" pitchFamily="18" charset="0"/>
+                        <a:sym typeface="Symbol" panose="05050102010706020507" pitchFamily="18" charset="2"/>
+                      </a:rPr>
+                      <m:t>=</m:t>
+                    </m:r>
+                  </m:oMath>
+                </a14:m>
+                <a:r>
+                  <a:rPr lang="en-US" dirty="0"/>
+                  <a:t> </a:t>
+                </a:r>
+                <a14:m>
+                  <m:oMath xmlns:m="http://schemas.openxmlformats.org/officeDocument/2006/math">
+                    <m:sSup>
+                      <m:sSupPr>
+                        <m:ctrlPr>
+                          <a:rPr lang="en-US" i="1">
+                            <a:latin typeface="Cambria Math" panose="02040503050406030204" pitchFamily="18" charset="0"/>
+                            <a:sym typeface="Symbol" panose="05050102010706020507" pitchFamily="18" charset="2"/>
+                          </a:rPr>
+                        </m:ctrlPr>
+                      </m:sSupPr>
+                      <m:e>
+                        <m:r>
+                          <a:rPr lang="en-US" i="1" smtClean="0">
+                            <a:latin typeface="Cambria Math" panose="02040503050406030204" pitchFamily="18" charset="0"/>
+                            <a:sym typeface="Symbol" panose="05050102010706020507" pitchFamily="18" charset="2"/>
+                          </a:rPr>
+                          <m:t></m:t>
+                        </m:r>
+                      </m:e>
+                      <m:sup>
+                        <m:sSub>
+                          <m:sSubPr>
+                            <m:ctrlPr>
+                              <a:rPr lang="en-US" i="1">
+                                <a:latin typeface="Cambria Math" panose="02040503050406030204" pitchFamily="18" charset="0"/>
+                                <a:sym typeface="Symbol" panose="05050102010706020507" pitchFamily="18" charset="2"/>
+                              </a:rPr>
+                            </m:ctrlPr>
+                          </m:sSubPr>
+                          <m:e>
+                            <m:r>
+                              <a:rPr lang="en-US" i="1">
+                                <a:latin typeface="Cambria Math" panose="02040503050406030204" pitchFamily="18" charset="0"/>
+                                <a:sym typeface="Symbol" panose="05050102010706020507" pitchFamily="18" charset="2"/>
+                              </a:rPr>
+                              <m:t>𝑋</m:t>
+                            </m:r>
+                          </m:e>
+                          <m:sub>
+                            <m:r>
+                              <a:rPr lang="en-US" b="0" i="1" smtClean="0">
+                                <a:latin typeface="Cambria Math" panose="02040503050406030204" pitchFamily="18" charset="0"/>
+                                <a:sym typeface="Symbol" panose="05050102010706020507" pitchFamily="18" charset="2"/>
+                              </a:rPr>
+                              <m:t>𝐴𝑙𝑖𝑐𝑒</m:t>
+                            </m:r>
+                          </m:sub>
+                        </m:sSub>
+                        <m:sSub>
+                          <m:sSubPr>
+                            <m:ctrlPr>
+                              <a:rPr lang="en-US" i="1">
+                                <a:latin typeface="Cambria Math" panose="02040503050406030204" pitchFamily="18" charset="0"/>
+                                <a:sym typeface="Symbol" panose="05050102010706020507" pitchFamily="18" charset="2"/>
+                              </a:rPr>
+                            </m:ctrlPr>
+                          </m:sSubPr>
+                          <m:e>
+                            <m:r>
+                              <a:rPr lang="en-US" i="1">
+                                <a:latin typeface="Cambria Math" panose="02040503050406030204" pitchFamily="18" charset="0"/>
+                                <a:sym typeface="Symbol" panose="05050102010706020507" pitchFamily="18" charset="2"/>
+                              </a:rPr>
+                              <m:t>𝑋</m:t>
+                            </m:r>
+                          </m:e>
+                          <m:sub>
+                            <m:r>
+                              <a:rPr lang="en-US" i="1">
+                                <a:latin typeface="Cambria Math" panose="02040503050406030204" pitchFamily="18" charset="0"/>
+                                <a:sym typeface="Symbol" panose="05050102010706020507" pitchFamily="18" charset="2"/>
+                              </a:rPr>
+                              <m:t>𝐵𝑜𝑏</m:t>
+                            </m:r>
+                          </m:sub>
+                        </m:sSub>
+                      </m:sup>
+                    </m:sSup>
+                    <m:r>
+                      <a:rPr lang="en-US" i="1">
+                        <a:latin typeface="Cambria Math" panose="02040503050406030204" pitchFamily="18" charset="0"/>
+                        <a:sym typeface="Symbol" panose="05050102010706020507" pitchFamily="18" charset="2"/>
+                      </a:rPr>
+                      <m:t>𝑚𝑜𝑑</m:t>
+                    </m:r>
+                    <m:r>
+                      <a:rPr lang="en-US" i="1">
+                        <a:latin typeface="Cambria Math" panose="02040503050406030204" pitchFamily="18" charset="0"/>
+                        <a:sym typeface="Symbol" panose="05050102010706020507" pitchFamily="18" charset="2"/>
+                      </a:rPr>
+                      <m:t> </m:t>
+                    </m:r>
+                    <m:r>
+                      <a:rPr lang="en-US" i="1">
+                        <a:latin typeface="Cambria Math" panose="02040503050406030204" pitchFamily="18" charset="0"/>
+                        <a:sym typeface="Symbol" panose="05050102010706020507" pitchFamily="18" charset="2"/>
+                      </a:rPr>
+                      <m:t>𝑞</m:t>
+                    </m:r>
+                  </m:oMath>
+                </a14:m>
+                <a:endParaRPr lang="en-US" dirty="0">
+                  <a:sym typeface="Symbol" panose="05050102010706020507" pitchFamily="18" charset="2"/>
+                </a:endParaRPr>
+              </a:p>
+              <a:p>
+                <a:pPr>
+                  <a:defRPr/>
+                </a:pPr>
+                <a:r>
+                  <a:rPr lang="en-US" dirty="0"/>
+                  <a:t>Group Identifiers RFC 2412</a:t>
+                </a:r>
+              </a:p>
+              <a:p>
+                <a:pPr>
+                  <a:defRPr/>
+                </a:pPr>
+                <a:endParaRPr dirty="0"/>
+              </a:p>
+            </p:txBody>
+          </p:sp>
+        </mc:Choice>
+        <mc:Fallback>
+          <p:sp>
+            <p:nvSpPr>
+              <p:cNvPr id="3" name="Content Placeholder 2"/>
+              <p:cNvSpPr>
+                <a:spLocks noGrp="1" noRot="1" noChangeAspect="1" noMove="1" noResize="1" noEditPoints="1" noAdjustHandles="1" noChangeArrowheads="1" noChangeShapeType="1" noTextEdit="1"/>
+              </p:cNvSpPr>
+              <p:nvPr>
+                <p:ph idx="1"/>
+              </p:nvPr>
+            </p:nvSpPr>
+            <p:spPr bwMode="auto">
+              <a:blipFill>
+                <a:blip r:embed="rId2"/>
+                <a:stretch>
+                  <a:fillRect l="-986" t="-2241"/>
+                </a:stretch>
+              </a:blipFill>
+            </p:spPr>
+            <p:txBody>
+              <a:bodyPr/>
+              <a:lstStyle/>
+              <a:p>
+                <a:r>
+                  <a:rPr lang="en-US">
+                    <a:noFill/>
+                  </a:rPr>
+                  <a:t> </a:t>
+                </a:r>
+              </a:p>
+            </p:txBody>
+          </p:sp>
+        </mc:Fallback>
+      </mc:AlternateContent>
+      <p:sp>
+        <p:nvSpPr>
+          <p:cNvPr id="4" name="Footer Placeholder 3"/>
+          <p:cNvSpPr>
+            <a:spLocks noGrp="1"/>
+          </p:cNvSpPr>
+          <p:nvPr>
+            <p:ph type="ftr" sz="quarter" idx="11"/>
           </p:nvPr>
         </p:nvSpPr>
         <p:spPr bwMode="auto"/>
@@ -3389,34 +4421,392 @@
             <a:pPr>
               <a:defRPr/>
             </a:pPr>
-            <a:endParaRPr/>
-          </a:p>
-        </p:txBody>
-      </p:sp>
+            <a:endParaRPr lang="en-US"/>
+          </a:p>
+          <a:p>
+            <a:pPr>
+              <a:defRPr/>
+            </a:pPr>
+            <a:endParaRPr lang="en-US"/>
+          </a:p>
+        </p:txBody>
+      </p:sp>
+      <p:pic>
+        <p:nvPicPr>
+          <p:cNvPr id="6" name="Picture 5">
+            <a:extLst>
+              <a:ext uri="{FF2B5EF4-FFF2-40B4-BE49-F238E27FC236}">
+                <a16:creationId xmlns:a16="http://schemas.microsoft.com/office/drawing/2014/main" id="{1C2629EC-D025-4F8B-9465-EF638FDEA471}"/>
+              </a:ext>
+            </a:extLst>
+          </p:cNvPr>
+          <p:cNvPicPr>
+            <a:picLocks noChangeAspect="1"/>
+          </p:cNvPicPr>
+          <p:nvPr/>
+        </p:nvPicPr>
+        <p:blipFill>
+          <a:blip r:embed="rId3"/>
+          <a:stretch>
+            <a:fillRect/>
+          </a:stretch>
+        </p:blipFill>
+        <p:spPr>
+          <a:xfrm>
+            <a:off x="1055440" y="4032117"/>
+            <a:ext cx="5724525" cy="1038225"/>
+          </a:xfrm>
+          <a:prstGeom prst="rect">
+            <a:avLst/>
+          </a:prstGeom>
+        </p:spPr>
+      </p:pic>
+      <mc:AlternateContent xmlns:mc="http://schemas.openxmlformats.org/markup-compatibility/2006">
+        <mc:Choice xmlns:a14="http://schemas.microsoft.com/office/drawing/2010/main" Requires="a14">
+          <p:sp>
+            <p:nvSpPr>
+              <p:cNvPr id="7" name="TextBox 6">
+                <a:extLst>
+                  <a:ext uri="{FF2B5EF4-FFF2-40B4-BE49-F238E27FC236}">
+                    <a16:creationId xmlns:a16="http://schemas.microsoft.com/office/drawing/2014/main" id="{B32909C4-A045-4227-9D96-2B76FF1D36F4}"/>
+                  </a:ext>
+                </a:extLst>
+              </p:cNvPr>
+              <p:cNvSpPr txBox="1"/>
+              <p:nvPr/>
+            </p:nvSpPr>
+            <p:spPr>
+              <a:xfrm>
+                <a:off x="1199456" y="5157192"/>
+                <a:ext cx="9073008" cy="1200329"/>
+              </a:xfrm>
+              <a:prstGeom prst="rect">
+                <a:avLst/>
+              </a:prstGeom>
+              <a:noFill/>
+            </p:spPr>
+            <p:txBody>
+              <a:bodyPr wrap="square" rtlCol="0">
+                <a:spAutoFit/>
+              </a:bodyPr>
+              <a:lstStyle/>
+              <a:p>
+                <a:pPr algn="ctr"/>
+                <a:r>
+                  <a:rPr lang="en-US" b="0" dirty="0">
+                    <a:latin typeface="Cambria Math" panose="02040503050406030204" pitchFamily="18" charset="0"/>
+                  </a:rPr>
+                  <a:t>Oakley First Default Group</a:t>
+                </a:r>
+              </a:p>
+              <a:p>
+                <a14:m>
+                  <m:oMathPara xmlns:m="http://schemas.openxmlformats.org/officeDocument/2006/math">
+                    <m:oMathParaPr>
+                      <m:jc m:val="centerGroup"/>
+                    </m:oMathParaPr>
+                    <m:oMath xmlns:m="http://schemas.openxmlformats.org/officeDocument/2006/math">
+                      <m:r>
+                        <a:rPr lang="en-US" b="0" i="1" smtClean="0">
+                          <a:latin typeface="Cambria Math" panose="02040503050406030204" pitchFamily="18" charset="0"/>
+                        </a:rPr>
+                        <m:t>𝑞</m:t>
+                      </m:r>
+                      <m:r>
+                        <a:rPr lang="en-US" b="0" i="1" smtClean="0">
+                          <a:latin typeface="Cambria Math" panose="02040503050406030204" pitchFamily="18" charset="0"/>
+                        </a:rPr>
+                        <m:t>= </m:t>
+                      </m:r>
+                      <m:sSup>
+                        <m:sSupPr>
+                          <m:ctrlPr>
+                            <a:rPr lang="en-US" b="0" i="1" smtClean="0">
+                              <a:latin typeface="Cambria Math" panose="02040503050406030204" pitchFamily="18" charset="0"/>
+                            </a:rPr>
+                          </m:ctrlPr>
+                        </m:sSupPr>
+                        <m:e>
+                          <m:r>
+                            <a:rPr lang="en-US" b="0" i="1" smtClean="0">
+                              <a:latin typeface="Cambria Math" panose="02040503050406030204" pitchFamily="18" charset="0"/>
+                            </a:rPr>
+                            <m:t>2</m:t>
+                          </m:r>
+                        </m:e>
+                        <m:sup>
+                          <m:r>
+                            <a:rPr lang="en-US" b="0" i="1" smtClean="0">
+                              <a:latin typeface="Cambria Math" panose="02040503050406030204" pitchFamily="18" charset="0"/>
+                            </a:rPr>
+                            <m:t>768</m:t>
+                          </m:r>
+                        </m:sup>
+                      </m:sSup>
+                      <m:r>
+                        <a:rPr lang="en-US" b="0" i="1" smtClean="0">
+                          <a:latin typeface="Cambria Math" panose="02040503050406030204" pitchFamily="18" charset="0"/>
+                        </a:rPr>
+                        <m:t>−</m:t>
+                      </m:r>
+                      <m:sSup>
+                        <m:sSupPr>
+                          <m:ctrlPr>
+                            <a:rPr lang="en-US" b="0" i="1" smtClean="0">
+                              <a:latin typeface="Cambria Math" panose="02040503050406030204" pitchFamily="18" charset="0"/>
+                            </a:rPr>
+                          </m:ctrlPr>
+                        </m:sSupPr>
+                        <m:e>
+                          <m:r>
+                            <a:rPr lang="en-US" b="0" i="1" smtClean="0">
+                              <a:latin typeface="Cambria Math" panose="02040503050406030204" pitchFamily="18" charset="0"/>
+                            </a:rPr>
+                            <m:t>2</m:t>
+                          </m:r>
+                        </m:e>
+                        <m:sup>
+                          <m:r>
+                            <a:rPr lang="en-US" b="0" i="1" smtClean="0">
+                              <a:latin typeface="Cambria Math" panose="02040503050406030204" pitchFamily="18" charset="0"/>
+                            </a:rPr>
+                            <m:t>704</m:t>
+                          </m:r>
+                        </m:sup>
+                      </m:sSup>
+                      <m:r>
+                        <a:rPr lang="en-US" b="0" i="1" smtClean="0">
+                          <a:latin typeface="Cambria Math" panose="02040503050406030204" pitchFamily="18" charset="0"/>
+                        </a:rPr>
+                        <m:t>−1+</m:t>
+                      </m:r>
+                      <m:sSup>
+                        <m:sSupPr>
+                          <m:ctrlPr>
+                            <a:rPr lang="en-US" b="0" i="1" smtClean="0">
+                              <a:latin typeface="Cambria Math" panose="02040503050406030204" pitchFamily="18" charset="0"/>
+                            </a:rPr>
+                          </m:ctrlPr>
+                        </m:sSupPr>
+                        <m:e>
+                          <m:r>
+                            <a:rPr lang="en-US" b="0" i="1" smtClean="0">
+                              <a:latin typeface="Cambria Math" panose="02040503050406030204" pitchFamily="18" charset="0"/>
+                            </a:rPr>
+                            <m:t>2</m:t>
+                          </m:r>
+                        </m:e>
+                        <m:sup>
+                          <m:r>
+                            <a:rPr lang="en-US" b="0" i="1" smtClean="0">
+                              <a:latin typeface="Cambria Math" panose="02040503050406030204" pitchFamily="18" charset="0"/>
+                            </a:rPr>
+                            <m:t>64</m:t>
+                          </m:r>
+                        </m:sup>
+                      </m:sSup>
+                      <m:r>
+                        <a:rPr lang="en-US" b="0" i="1" smtClean="0">
+                          <a:latin typeface="Cambria Math" panose="02040503050406030204" pitchFamily="18" charset="0"/>
+                          <a:ea typeface="Cambria Math" panose="02040503050406030204" pitchFamily="18" charset="0"/>
+                        </a:rPr>
+                        <m:t>×</m:t>
+                      </m:r>
+                      <m:d>
+                        <m:dPr>
+                          <m:ctrlPr>
+                            <a:rPr lang="en-US" b="0" i="1" smtClean="0">
+                              <a:latin typeface="Cambria Math" panose="02040503050406030204" pitchFamily="18" charset="0"/>
+                              <a:ea typeface="Cambria Math" panose="02040503050406030204" pitchFamily="18" charset="0"/>
+                            </a:rPr>
+                          </m:ctrlPr>
+                        </m:dPr>
+                        <m:e>
+                          <m:d>
+                            <m:dPr>
+                              <m:begChr m:val="["/>
+                              <m:endChr m:val="]"/>
+                              <m:ctrlPr>
+                                <a:rPr lang="en-US" b="0" i="1" smtClean="0">
+                                  <a:latin typeface="Cambria Math" panose="02040503050406030204" pitchFamily="18" charset="0"/>
+                                  <a:ea typeface="Cambria Math" panose="02040503050406030204" pitchFamily="18" charset="0"/>
+                                </a:rPr>
+                              </m:ctrlPr>
+                            </m:dPr>
+                            <m:e>
+                              <m:sSup>
+                                <m:sSupPr>
+                                  <m:ctrlPr>
+                                    <a:rPr lang="en-US" b="0" i="1" smtClean="0">
+                                      <a:latin typeface="Cambria Math" panose="02040503050406030204" pitchFamily="18" charset="0"/>
+                                      <a:ea typeface="Cambria Math" panose="02040503050406030204" pitchFamily="18" charset="0"/>
+                                    </a:rPr>
+                                  </m:ctrlPr>
+                                </m:sSupPr>
+                                <m:e>
+                                  <m:r>
+                                    <a:rPr lang="en-US" b="0" i="1" smtClean="0">
+                                      <a:latin typeface="Cambria Math" panose="02040503050406030204" pitchFamily="18" charset="0"/>
+                                      <a:ea typeface="Cambria Math" panose="02040503050406030204" pitchFamily="18" charset="0"/>
+                                    </a:rPr>
+                                    <m:t>2</m:t>
+                                  </m:r>
+                                </m:e>
+                                <m:sup>
+                                  <m:r>
+                                    <a:rPr lang="en-US" b="0" i="1" smtClean="0">
+                                      <a:latin typeface="Cambria Math" panose="02040503050406030204" pitchFamily="18" charset="0"/>
+                                      <a:ea typeface="Cambria Math" panose="02040503050406030204" pitchFamily="18" charset="0"/>
+                                    </a:rPr>
+                                    <m:t>638</m:t>
+                                  </m:r>
+                                </m:sup>
+                              </m:sSup>
+                              <m:r>
+                                <a:rPr lang="en-US" b="0" i="1" smtClean="0">
+                                  <a:latin typeface="Cambria Math" panose="02040503050406030204" pitchFamily="18" charset="0"/>
+                                  <a:ea typeface="Cambria Math" panose="02040503050406030204" pitchFamily="18" charset="0"/>
+                                </a:rPr>
+                                <m:t>×</m:t>
+                              </m:r>
+                              <m:r>
+                                <a:rPr lang="en-US" b="0" i="1" smtClean="0">
+                                  <a:latin typeface="Cambria Math" panose="02040503050406030204" pitchFamily="18" charset="0"/>
+                                  <a:ea typeface="Cambria Math" panose="02040503050406030204" pitchFamily="18" charset="0"/>
+                                </a:rPr>
+                                <m:t>𝜋</m:t>
+                              </m:r>
+                            </m:e>
+                          </m:d>
+                          <m:r>
+                            <a:rPr lang="en-US" b="0" i="1" smtClean="0">
+                              <a:latin typeface="Cambria Math" panose="02040503050406030204" pitchFamily="18" charset="0"/>
+                              <a:ea typeface="Cambria Math" panose="02040503050406030204" pitchFamily="18" charset="0"/>
+                            </a:rPr>
+                            <m:t>+149689</m:t>
+                          </m:r>
+                        </m:e>
+                      </m:d>
+                    </m:oMath>
+                  </m:oMathPara>
+                </a14:m>
+                <a:endParaRPr lang="en-US" b="0" dirty="0">
+                  <a:ea typeface="Cambria Math" panose="02040503050406030204" pitchFamily="18" charset="0"/>
+                </a:endParaRPr>
+              </a:p>
+              <a:p>
+                <a:pPr algn="ctr"/>
+                <a:r>
+                  <a:rPr lang="en-US" dirty="0">
+                    <a:sym typeface="Symbol" panose="05050102010706020507" pitchFamily="18" charset="2"/>
+                  </a:rPr>
+                  <a:t>=2</a:t>
+                </a:r>
+              </a:p>
+              <a:p>
+                <a:pPr algn="ctr"/>
+                <a:endParaRPr lang="en-US" dirty="0"/>
+              </a:p>
+            </p:txBody>
+          </p:sp>
+        </mc:Choice>
+        <mc:Fallback>
+          <p:sp>
+            <p:nvSpPr>
+              <p:cNvPr id="7" name="TextBox 6">
+                <a:extLst>
+                  <a:ext uri="{FF2B5EF4-FFF2-40B4-BE49-F238E27FC236}">
+                    <a16:creationId xmlns:a16="http://schemas.microsoft.com/office/drawing/2014/main" id="{B32909C4-A045-4227-9D96-2B76FF1D36F4}"/>
+                  </a:ext>
+                </a:extLst>
+              </p:cNvPr>
+              <p:cNvSpPr txBox="1">
+                <a:spLocks noRot="1" noChangeAspect="1" noMove="1" noResize="1" noEditPoints="1" noAdjustHandles="1" noChangeArrowheads="1" noChangeShapeType="1" noTextEdit="1"/>
+              </p:cNvSpPr>
+              <p:nvPr/>
+            </p:nvSpPr>
+            <p:spPr>
+              <a:xfrm>
+                <a:off x="1199456" y="5157192"/>
+                <a:ext cx="9073008" cy="1200329"/>
+              </a:xfrm>
+              <a:prstGeom prst="rect">
+                <a:avLst/>
+              </a:prstGeom>
+              <a:blipFill>
+                <a:blip r:embed="rId4"/>
+                <a:stretch>
+                  <a:fillRect t="-3553"/>
+                </a:stretch>
+              </a:blipFill>
+            </p:spPr>
+            <p:txBody>
+              <a:bodyPr/>
+              <a:lstStyle/>
+              <a:p>
+                <a:r>
+                  <a:rPr lang="en-US">
+                    <a:noFill/>
+                  </a:rPr>
+                  <a:t> </a:t>
+                </a:r>
+              </a:p>
+            </p:txBody>
+          </p:sp>
+        </mc:Fallback>
+      </mc:AlternateContent>
+      <p:pic>
+        <p:nvPicPr>
+          <p:cNvPr id="9" name="Picture 8">
+            <a:extLst>
+              <a:ext uri="{FF2B5EF4-FFF2-40B4-BE49-F238E27FC236}">
+                <a16:creationId xmlns:a16="http://schemas.microsoft.com/office/drawing/2014/main" id="{183A37F8-3C37-4A7B-81C6-81EE2D76BDF0}"/>
+              </a:ext>
+            </a:extLst>
+          </p:cNvPr>
+          <p:cNvPicPr>
+            <a:picLocks noChangeAspect="1"/>
+          </p:cNvPicPr>
+          <p:nvPr/>
+        </p:nvPicPr>
+        <p:blipFill>
+          <a:blip r:embed="rId5">
+            <a:extLst>
+              <a:ext uri="{28A0092B-C50C-407E-A947-70E740481C1C}">
+                <a14:useLocalDpi xmlns:a14="http://schemas.microsoft.com/office/drawing/2010/main" val="0"/>
+              </a:ext>
+            </a:extLst>
+          </a:blip>
+          <a:stretch>
+            <a:fillRect/>
+          </a:stretch>
+        </p:blipFill>
+        <p:spPr>
+          <a:xfrm>
+            <a:off x="10051509" y="5157192"/>
+            <a:ext cx="1842958" cy="1019770"/>
+          </a:xfrm>
+          <a:prstGeom prst="rect">
+            <a:avLst/>
+          </a:prstGeom>
+        </p:spPr>
+      </p:pic>
     </p:spTree>
   </p:cSld>
   <p:clrMapOvr>
     <a:masterClrMapping/>
   </p:clrMapOvr>
-  <mc:AlternateContent xmlns:mc="http://schemas.openxmlformats.org/markup-compatibility/2006">
-    <mc:Choice xmlns:p14="http://schemas.microsoft.com/office/powerpoint/2010/main" Requires="p14">
-      <p:transition p14:dur="2000" advClick="1"/>
-    </mc:Choice>
-    <mc:Fallback>
-      <p:transition advClick="1"/>
-    </mc:Fallback>
-  </mc:AlternateContent>
 </p:sld>
 </file>
 
 <file path=ppt/slides/slide11.xml><?xml version="1.0" encoding="utf-8"?>
-<p:sld xmlns:a="http://schemas.openxmlformats.org/drawingml/2006/main" xmlns:r="http://schemas.openxmlformats.org/officeDocument/2006/relationships" xmlns:p="http://schemas.openxmlformats.org/presentationml/2006/main" xmlns:m="http://schemas.openxmlformats.org/officeDocument/2006/math" xmlns:w="http://schemas.openxmlformats.org/wordprocessingml/2006/main" showMasterPhAnim="0" show="1">
-  <p:cSld name="">
+<p:sld xmlns:a="http://schemas.openxmlformats.org/drawingml/2006/main" xmlns:r="http://schemas.openxmlformats.org/officeDocument/2006/relationships" xmlns:p="http://schemas.openxmlformats.org/presentationml/2006/main" showMasterPhAnim="0">
+  <p:cSld>
     <p:spTree>
       <p:nvGrpSpPr>
-        <p:cNvPr id="1" name="" hidden="0"/>
+        <p:cNvPr id="1" name=""/>
         <p:cNvGrpSpPr/>
-        <p:nvPr isPhoto="0" userDrawn="0"/>
+        <p:nvPr/>
       </p:nvGrpSpPr>
       <p:grpSpPr bwMode="auto">
         <a:xfrm>
@@ -3428,12 +4818,12 @@
       </p:grpSpPr>
       <p:sp>
         <p:nvSpPr>
-          <p:cNvPr id="1739395374" name="Title 1" hidden="0"/>
-          <p:cNvSpPr>
-            <a:spLocks noGrp="1"/>
-          </p:cNvSpPr>
-          <p:nvPr isPhoto="0" userDrawn="0">
-            <p:ph type="title" hasCustomPrompt="0"/>
+          <p:cNvPr id="1739395374" name="Title 1"/>
+          <p:cNvSpPr>
+            <a:spLocks noGrp="1"/>
+          </p:cNvSpPr>
+          <p:nvPr>
+            <p:ph type="title"/>
           </p:nvPr>
         </p:nvSpPr>
         <p:spPr bwMode="auto"/>
@@ -3445,24 +4835,29 @@
               <a:defRPr/>
             </a:pPr>
             <a:r>
-              <a:rPr/>
+              <a:rPr dirty="0"/>
               <a:t>Session Keys</a:t>
             </a:r>
-            <a:endParaRPr/>
-          </a:p>
-        </p:txBody>
-      </p:sp>
-      <p:sp>
-        <p:nvSpPr>
-          <p:cNvPr id="1551159359" name="Content Placeholder 2" hidden="0"/>
-          <p:cNvSpPr>
-            <a:spLocks noGrp="1"/>
-          </p:cNvSpPr>
-          <p:nvPr isPhoto="0" userDrawn="0">
-            <p:ph idx="1" hasCustomPrompt="0"/>
-          </p:nvPr>
-        </p:nvSpPr>
-        <p:spPr bwMode="auto"/>
+          </a:p>
+        </p:txBody>
+      </p:sp>
+      <p:sp>
+        <p:nvSpPr>
+          <p:cNvPr id="2" name="Footer Placeholder 1">
+            <a:extLst>
+              <a:ext uri="{FF2B5EF4-FFF2-40B4-BE49-F238E27FC236}">
+                <a16:creationId xmlns:a16="http://schemas.microsoft.com/office/drawing/2014/main" id="{BFC91DE4-74FB-4625-ABF1-F8F9F6FE35B2}"/>
+              </a:ext>
+            </a:extLst>
+          </p:cNvPr>
+          <p:cNvSpPr>
+            <a:spLocks noGrp="1"/>
+          </p:cNvSpPr>
+          <p:nvPr>
+            <p:ph type="ftr" sz="quarter" idx="11"/>
+          </p:nvPr>
+        </p:nvSpPr>
+        <p:spPr/>
         <p:txBody>
           <a:bodyPr/>
           <a:lstStyle/>
@@ -3470,34 +4865,150 @@
             <a:pPr>
               <a:defRPr/>
             </a:pPr>
-            <a:endParaRPr/>
-          </a:p>
-        </p:txBody>
-      </p:sp>
+            <a:endParaRPr lang="en-US"/>
+          </a:p>
+          <a:p>
+            <a:pPr>
+              <a:defRPr/>
+            </a:pPr>
+            <a:endParaRPr lang="en-US"/>
+          </a:p>
+        </p:txBody>
+      </p:sp>
+      <p:sp>
+        <p:nvSpPr>
+          <p:cNvPr id="1551159359" name="Content Placeholder 2"/>
+          <p:cNvSpPr>
+            <a:spLocks noGrp="1"/>
+          </p:cNvSpPr>
+          <p:nvPr>
+            <p:ph idx="1"/>
+          </p:nvPr>
+        </p:nvSpPr>
+        <p:spPr bwMode="auto">
+          <a:xfrm>
+            <a:off x="930564" y="1554587"/>
+            <a:ext cx="10515600" cy="4351338"/>
+          </a:xfrm>
+        </p:spPr>
+        <p:txBody>
+          <a:bodyPr/>
+          <a:lstStyle/>
+          <a:p>
+            <a:pPr>
+              <a:defRPr/>
+            </a:pPr>
+            <a:r>
+              <a:rPr lang="en-US" dirty="0"/>
+              <a:t>SKEYID = hash (DH values, nonces, cookies, etc.) Key Seeds</a:t>
+            </a:r>
+          </a:p>
+          <a:p>
+            <a:pPr>
+              <a:defRPr/>
+            </a:pPr>
+            <a:r>
+              <a:rPr lang="en-US" dirty="0"/>
+              <a:t>Phase 1 - SKEYID last message</a:t>
+            </a:r>
+          </a:p>
+          <a:p>
+            <a:pPr>
+              <a:defRPr/>
+            </a:pPr>
+            <a:r>
+              <a:rPr lang="en-US" dirty="0"/>
+              <a:t>Phase 2 – SKEYID all Messages</a:t>
+            </a:r>
+          </a:p>
+          <a:p>
+            <a:pPr>
+              <a:defRPr/>
+            </a:pPr>
+            <a:r>
+              <a:rPr lang="en-US" dirty="0"/>
+              <a:t>Pseudo Random Function (</a:t>
+            </a:r>
+            <a:r>
+              <a:rPr lang="en-US" dirty="0" err="1"/>
+              <a:t>prf</a:t>
+            </a:r>
+            <a:r>
+              <a:rPr lang="en-US" dirty="0"/>
+              <a:t>) -with two parameters key and data (Think DES CBC or HMAC)</a:t>
+            </a:r>
+          </a:p>
+          <a:p>
+            <a:pPr>
+              <a:defRPr/>
+            </a:pPr>
+            <a:endParaRPr dirty="0"/>
+          </a:p>
+        </p:txBody>
+      </p:sp>
+      <p:pic>
+        <p:nvPicPr>
+          <p:cNvPr id="1026" name="Picture 2" descr="Maths is Hard – Change Meme">
+            <a:extLst>
+              <a:ext uri="{FF2B5EF4-FFF2-40B4-BE49-F238E27FC236}">
+                <a16:creationId xmlns:a16="http://schemas.microsoft.com/office/drawing/2014/main" id="{E24C11F0-DA6C-4C85-B757-5A27EEED308C}"/>
+              </a:ext>
+            </a:extLst>
+          </p:cNvPr>
+          <p:cNvPicPr>
+            <a:picLocks noChangeAspect="1" noChangeArrowheads="1"/>
+          </p:cNvPicPr>
+          <p:nvPr/>
+        </p:nvPicPr>
+        <p:blipFill>
+          <a:blip r:embed="rId2">
+            <a:extLst>
+              <a:ext uri="{28A0092B-C50C-407E-A947-70E740481C1C}">
+                <a14:useLocalDpi xmlns:a14="http://schemas.microsoft.com/office/drawing/2010/main" val="0"/>
+              </a:ext>
+            </a:extLst>
+          </a:blip>
+          <a:srcRect/>
+          <a:stretch>
+            <a:fillRect/>
+          </a:stretch>
+        </p:blipFill>
+        <p:spPr bwMode="auto">
+          <a:xfrm>
+            <a:off x="8256240" y="127595"/>
+            <a:ext cx="3566220" cy="1356714"/>
+          </a:xfrm>
+          <a:prstGeom prst="rect">
+            <a:avLst/>
+          </a:prstGeom>
+          <a:noFill/>
+          <a:extLst>
+            <a:ext uri="{909E8E84-426E-40DD-AFC4-6F175D3DCCD1}">
+              <a14:hiddenFill xmlns:a14="http://schemas.microsoft.com/office/drawing/2010/main">
+                <a:solidFill>
+                  <a:srgbClr val="FFFFFF"/>
+                </a:solidFill>
+              </a14:hiddenFill>
+            </a:ext>
+          </a:extLst>
+        </p:spPr>
+      </p:pic>
     </p:spTree>
   </p:cSld>
   <p:clrMapOvr>
     <a:masterClrMapping/>
   </p:clrMapOvr>
-  <mc:AlternateContent xmlns:mc="http://schemas.openxmlformats.org/markup-compatibility/2006">
-    <mc:Choice xmlns:p14="http://schemas.microsoft.com/office/powerpoint/2010/main" Requires="p14">
-      <p:transition p14:dur="2000" advClick="1"/>
-    </mc:Choice>
-    <mc:Fallback>
-      <p:transition advClick="1"/>
-    </mc:Fallback>
-  </mc:AlternateContent>
 </p:sld>
 </file>
 
 <file path=ppt/slides/slide12.xml><?xml version="1.0" encoding="utf-8"?>
-<p:sld xmlns:a="http://schemas.openxmlformats.org/drawingml/2006/main" xmlns:r="http://schemas.openxmlformats.org/officeDocument/2006/relationships" xmlns:p="http://schemas.openxmlformats.org/presentationml/2006/main" xmlns:m="http://schemas.openxmlformats.org/officeDocument/2006/math" xmlns:w="http://schemas.openxmlformats.org/wordprocessingml/2006/main" showMasterPhAnim="0" show="1">
-  <p:cSld name="">
+<p:sld xmlns:a="http://schemas.openxmlformats.org/drawingml/2006/main" xmlns:r="http://schemas.openxmlformats.org/officeDocument/2006/relationships" xmlns:p="http://schemas.openxmlformats.org/presentationml/2006/main" showMasterPhAnim="0">
+  <p:cSld>
     <p:spTree>
       <p:nvGrpSpPr>
-        <p:cNvPr id="1" name="" hidden="0"/>
+        <p:cNvPr id="1" name=""/>
         <p:cNvGrpSpPr/>
-        <p:nvPr isPhoto="0" userDrawn="0"/>
+        <p:nvPr/>
       </p:nvGrpSpPr>
       <p:grpSpPr bwMode="auto">
         <a:xfrm>
@@ -3509,12 +5020,12 @@
       </p:grpSpPr>
       <p:sp>
         <p:nvSpPr>
-          <p:cNvPr id="1187059497" name="Title 1" hidden="0"/>
-          <p:cNvSpPr>
-            <a:spLocks noGrp="1"/>
-          </p:cNvSpPr>
-          <p:nvPr isPhoto="0" userDrawn="0">
-            <p:ph type="title" hasCustomPrompt="0"/>
+          <p:cNvPr id="2" name="Title 1"/>
+          <p:cNvSpPr>
+            <a:spLocks noGrp="1"/>
+          </p:cNvSpPr>
+          <p:nvPr>
+            <p:ph type="title"/>
           </p:nvPr>
         </p:nvSpPr>
         <p:spPr bwMode="auto"/>
@@ -3526,8 +5037,8 @@
               <a:defRPr/>
             </a:pPr>
             <a:r>
-              <a:rPr/>
-              <a:t>Header Formats</a:t>
+              <a:rPr lang="en-US"/>
+              <a:t>IKE Phase 2</a:t>
             </a:r>
             <a:endParaRPr/>
           </a:p>
@@ -3535,12 +5046,12 @@
       </p:sp>
       <p:sp>
         <p:nvSpPr>
-          <p:cNvPr id="1393582075" name="Content Placeholder 2" hidden="0"/>
-          <p:cNvSpPr>
-            <a:spLocks noGrp="1"/>
-          </p:cNvSpPr>
-          <p:nvPr isPhoto="0" userDrawn="0">
-            <p:ph idx="1" hasCustomPrompt="0"/>
+          <p:cNvPr id="3" name="Content Placeholder 2"/>
+          <p:cNvSpPr>
+            <a:spLocks noGrp="1"/>
+          </p:cNvSpPr>
+          <p:nvPr>
+            <p:ph idx="1"/>
           </p:nvPr>
         </p:nvSpPr>
         <p:spPr bwMode="auto"/>
@@ -3551,34 +5062,385 @@
             <a:pPr>
               <a:defRPr/>
             </a:pPr>
-            <a:endParaRPr/>
-          </a:p>
-        </p:txBody>
-      </p:sp>
+            <a:r>
+              <a:rPr lang="en-US" dirty="0"/>
+              <a:t>Quick Mode – Negotiation and Nonce Exchange</a:t>
+            </a:r>
+          </a:p>
+          <a:p>
+            <a:pPr>
+              <a:defRPr/>
+            </a:pPr>
+            <a:r>
+              <a:rPr lang="en-US" dirty="0"/>
+              <a:t>IPsec (AH or ESP) SA – Crypto Parameters and Traffic Selectors</a:t>
+            </a:r>
+          </a:p>
+          <a:p>
+            <a:pPr>
+              <a:defRPr/>
+            </a:pPr>
+            <a:r>
+              <a:rPr lang="en-US" dirty="0"/>
+              <a:t>Traffic Selectors – IP address/mask, IP protocol type and port</a:t>
+            </a:r>
+          </a:p>
+        </p:txBody>
+      </p:sp>
+      <p:pic>
+        <p:nvPicPr>
+          <p:cNvPr id="7" name="Picture 6"/>
+          <p:cNvPicPr>
+            <a:picLocks noChangeAspect="1"/>
+          </p:cNvPicPr>
+          <p:nvPr/>
+        </p:nvPicPr>
+        <p:blipFill>
+          <a:blip r:embed="rId2"/>
+          <a:stretch/>
+        </p:blipFill>
+        <p:spPr bwMode="auto">
+          <a:xfrm>
+            <a:off x="9408368" y="244243"/>
+            <a:ext cx="2353225" cy="1448976"/>
+          </a:xfrm>
+          <a:prstGeom prst="rect">
+            <a:avLst/>
+          </a:prstGeom>
+        </p:spPr>
+      </p:pic>
+      <p:sp>
+        <p:nvSpPr>
+          <p:cNvPr id="8" name="Footer Placeholder 7"/>
+          <p:cNvSpPr>
+            <a:spLocks noGrp="1"/>
+          </p:cNvSpPr>
+          <p:nvPr>
+            <p:ph type="ftr" sz="quarter" idx="11"/>
+          </p:nvPr>
+        </p:nvSpPr>
+        <p:spPr bwMode="auto"/>
+        <p:txBody>
+          <a:bodyPr/>
+          <a:lstStyle/>
+          <a:p>
+            <a:pPr>
+              <a:defRPr/>
+            </a:pPr>
+            <a:endParaRPr lang="en-US"/>
+          </a:p>
+          <a:p>
+            <a:pPr>
+              <a:defRPr/>
+            </a:pPr>
+            <a:endParaRPr lang="en-US"/>
+          </a:p>
+        </p:txBody>
+      </p:sp>
+      <p:pic>
+        <p:nvPicPr>
+          <p:cNvPr id="6" name="Picture 5">
+            <a:extLst>
+              <a:ext uri="{FF2B5EF4-FFF2-40B4-BE49-F238E27FC236}">
+                <a16:creationId xmlns:a16="http://schemas.microsoft.com/office/drawing/2014/main" id="{FE634A1D-15A8-42D7-B60C-7FBC1E38AB91}"/>
+              </a:ext>
+            </a:extLst>
+          </p:cNvPr>
+          <p:cNvPicPr>
+            <a:picLocks noChangeAspect="1"/>
+          </p:cNvPicPr>
+          <p:nvPr/>
+        </p:nvPicPr>
+        <p:blipFill>
+          <a:blip r:embed="rId3"/>
+          <a:stretch>
+            <a:fillRect/>
+          </a:stretch>
+        </p:blipFill>
+        <p:spPr>
+          <a:xfrm>
+            <a:off x="2207568" y="4365104"/>
+            <a:ext cx="6315075" cy="1314450"/>
+          </a:xfrm>
+          <a:prstGeom prst="rect">
+            <a:avLst/>
+          </a:prstGeom>
+        </p:spPr>
+      </p:pic>
+      <p:pic>
+        <p:nvPicPr>
+          <p:cNvPr id="10" name="Picture 9">
+            <a:extLst>
+              <a:ext uri="{FF2B5EF4-FFF2-40B4-BE49-F238E27FC236}">
+                <a16:creationId xmlns:a16="http://schemas.microsoft.com/office/drawing/2014/main" id="{810868A0-D500-40D0-BA3A-5FE5F4AE7AE7}"/>
+              </a:ext>
+            </a:extLst>
+          </p:cNvPr>
+          <p:cNvPicPr>
+            <a:picLocks noChangeAspect="1"/>
+          </p:cNvPicPr>
+          <p:nvPr/>
+        </p:nvPicPr>
+        <p:blipFill>
+          <a:blip r:embed="rId4" cstate="print">
+            <a:extLst>
+              <a:ext uri="{28A0092B-C50C-407E-A947-70E740481C1C}">
+                <a14:useLocalDpi xmlns:a14="http://schemas.microsoft.com/office/drawing/2010/main" val="0"/>
+              </a:ext>
+            </a:extLst>
+          </a:blip>
+          <a:stretch>
+            <a:fillRect/>
+          </a:stretch>
+        </p:blipFill>
+        <p:spPr>
+          <a:xfrm>
+            <a:off x="10992544" y="5515759"/>
+            <a:ext cx="959768" cy="1187713"/>
+          </a:xfrm>
+          <a:prstGeom prst="rect">
+            <a:avLst/>
+          </a:prstGeom>
+        </p:spPr>
+      </p:pic>
     </p:spTree>
   </p:cSld>
   <p:clrMapOvr>
     <a:masterClrMapping/>
   </p:clrMapOvr>
-  <mc:AlternateContent xmlns:mc="http://schemas.openxmlformats.org/markup-compatibility/2006">
-    <mc:Choice xmlns:p14="http://schemas.microsoft.com/office/powerpoint/2010/main" Requires="p14">
-      <p:transition p14:dur="2000" advClick="1"/>
-    </mc:Choice>
-    <mc:Fallback>
-      <p:transition advClick="1"/>
-    </mc:Fallback>
-  </mc:AlternateContent>
 </p:sld>
 </file>
 
 <file path=ppt/slides/slide13.xml><?xml version="1.0" encoding="utf-8"?>
-<p:sld xmlns:a="http://schemas.openxmlformats.org/drawingml/2006/main" xmlns:r="http://schemas.openxmlformats.org/officeDocument/2006/relationships" xmlns:p="http://schemas.openxmlformats.org/presentationml/2006/main" xmlns:m="http://schemas.openxmlformats.org/officeDocument/2006/math" xmlns:w="http://schemas.openxmlformats.org/wordprocessingml/2006/main" showMasterPhAnim="0" show="1">
-  <p:cSld name="">
+<p:sld xmlns:a="http://schemas.openxmlformats.org/drawingml/2006/main" xmlns:r="http://schemas.openxmlformats.org/officeDocument/2006/relationships" xmlns:p="http://schemas.openxmlformats.org/presentationml/2006/main">
+  <p:cSld>
     <p:spTree>
       <p:nvGrpSpPr>
-        <p:cNvPr id="1" name="" hidden="0"/>
+        <p:cNvPr id="1" name=""/>
         <p:cNvGrpSpPr/>
-        <p:nvPr isPhoto="0" userDrawn="0"/>
+        <p:nvPr/>
+      </p:nvGrpSpPr>
+      <p:grpSpPr>
+        <a:xfrm>
+          <a:off x="0" y="0"/>
+          <a:ext cx="0" cy="0"/>
+          <a:chOff x="0" y="0"/>
+          <a:chExt cx="0" cy="0"/>
+        </a:xfrm>
+      </p:grpSpPr>
+      <p:sp>
+        <p:nvSpPr>
+          <p:cNvPr id="2" name="Title 1">
+            <a:extLst>
+              <a:ext uri="{FF2B5EF4-FFF2-40B4-BE49-F238E27FC236}">
+                <a16:creationId xmlns:a16="http://schemas.microsoft.com/office/drawing/2014/main" id="{D61524F2-B2C2-4ADE-BEE7-08FB4604E3FE}"/>
+              </a:ext>
+            </a:extLst>
+          </p:cNvPr>
+          <p:cNvSpPr>
+            <a:spLocks noGrp="1"/>
+          </p:cNvSpPr>
+          <p:nvPr>
+            <p:ph type="title"/>
+          </p:nvPr>
+        </p:nvSpPr>
+        <p:spPr/>
+        <p:txBody>
+          <a:bodyPr/>
+          <a:lstStyle/>
+          <a:p>
+            <a:r>
+              <a:rPr lang="en-US" dirty="0"/>
+              <a:t>IKE Phase 2 Cont.</a:t>
+            </a:r>
+          </a:p>
+        </p:txBody>
+      </p:sp>
+      <p:sp>
+        <p:nvSpPr>
+          <p:cNvPr id="3" name="Content Placeholder 2">
+            <a:extLst>
+              <a:ext uri="{FF2B5EF4-FFF2-40B4-BE49-F238E27FC236}">
+                <a16:creationId xmlns:a16="http://schemas.microsoft.com/office/drawing/2014/main" id="{0483954D-A3E3-470C-9551-5454C825414E}"/>
+              </a:ext>
+            </a:extLst>
+          </p:cNvPr>
+          <p:cNvSpPr>
+            <a:spLocks noGrp="1"/>
+          </p:cNvSpPr>
+          <p:nvPr>
+            <p:ph idx="1"/>
+          </p:nvPr>
+        </p:nvSpPr>
+        <p:spPr/>
+        <p:txBody>
+          <a:bodyPr/>
+          <a:lstStyle/>
+          <a:p>
+            <a:r>
+              <a:rPr lang="en-US" dirty="0"/>
+              <a:t>X = pair of cookies from Phase 1</a:t>
+            </a:r>
+          </a:p>
+          <a:p>
+            <a:r>
+              <a:rPr lang="en-US" dirty="0"/>
+              <a:t>Y = 32 bit number to distinguish phase 2 sessions</a:t>
+            </a:r>
+          </a:p>
+          <a:p>
+            <a:r>
+              <a:rPr lang="en-US" dirty="0"/>
+              <a:t>CP – Crypto Proposal, CPA – Accepted proposal</a:t>
+            </a:r>
+          </a:p>
+          <a:p>
+            <a:r>
+              <a:rPr lang="en-US" dirty="0"/>
+              <a:t>SPI (from ISAKMP) – Security Parameter Index – IP SA Details</a:t>
+            </a:r>
+          </a:p>
+          <a:p>
+            <a:r>
+              <a:rPr lang="en-US" dirty="0"/>
+              <a:t>Nonce – random number</a:t>
+            </a:r>
+          </a:p>
+          <a:p>
+            <a:r>
+              <a:rPr lang="en-US" dirty="0"/>
+              <a:t>Diffie Hellman (optional) – For PFS</a:t>
+            </a:r>
+          </a:p>
+          <a:p>
+            <a:pPr marL="0" indent="0">
+              <a:buNone/>
+            </a:pPr>
+            <a:endParaRPr lang="en-US" dirty="0"/>
+          </a:p>
+        </p:txBody>
+      </p:sp>
+      <p:pic>
+        <p:nvPicPr>
+          <p:cNvPr id="5" name="Picture 4">
+            <a:extLst>
+              <a:ext uri="{FF2B5EF4-FFF2-40B4-BE49-F238E27FC236}">
+                <a16:creationId xmlns:a16="http://schemas.microsoft.com/office/drawing/2014/main" id="{86861FBF-A64D-4309-B7A6-670AA63A764F}"/>
+              </a:ext>
+            </a:extLst>
+          </p:cNvPr>
+          <p:cNvPicPr>
+            <a:picLocks noChangeAspect="1"/>
+          </p:cNvPicPr>
+          <p:nvPr/>
+        </p:nvPicPr>
+        <p:blipFill>
+          <a:blip r:embed="rId2"/>
+          <a:stretch>
+            <a:fillRect/>
+          </a:stretch>
+        </p:blipFill>
+        <p:spPr>
+          <a:xfrm>
+            <a:off x="6456040" y="116632"/>
+            <a:ext cx="5300464" cy="1950272"/>
+          </a:xfrm>
+          <a:prstGeom prst="rect">
+            <a:avLst/>
+          </a:prstGeom>
+        </p:spPr>
+      </p:pic>
+      <p:sp>
+        <p:nvSpPr>
+          <p:cNvPr id="6" name="Footer Placeholder 5">
+            <a:extLst>
+              <a:ext uri="{FF2B5EF4-FFF2-40B4-BE49-F238E27FC236}">
+                <a16:creationId xmlns:a16="http://schemas.microsoft.com/office/drawing/2014/main" id="{79F8EB9F-287A-4DD1-8DE3-BA758250F89D}"/>
+              </a:ext>
+            </a:extLst>
+          </p:cNvPr>
+          <p:cNvSpPr>
+            <a:spLocks noGrp="1"/>
+          </p:cNvSpPr>
+          <p:nvPr>
+            <p:ph type="ftr" sz="quarter" idx="11"/>
+          </p:nvPr>
+        </p:nvSpPr>
+        <p:spPr/>
+        <p:txBody>
+          <a:bodyPr/>
+          <a:lstStyle/>
+          <a:p>
+            <a:pPr>
+              <a:defRPr/>
+            </a:pPr>
+            <a:endParaRPr lang="en-US"/>
+          </a:p>
+          <a:p>
+            <a:pPr>
+              <a:defRPr/>
+            </a:pPr>
+            <a:endParaRPr lang="en-US"/>
+          </a:p>
+        </p:txBody>
+      </p:sp>
+      <p:pic>
+        <p:nvPicPr>
+          <p:cNvPr id="8" name="Picture 7">
+            <a:extLst>
+              <a:ext uri="{FF2B5EF4-FFF2-40B4-BE49-F238E27FC236}">
+                <a16:creationId xmlns:a16="http://schemas.microsoft.com/office/drawing/2014/main" id="{E442556E-F9CB-4083-8025-A63E580D4999}"/>
+              </a:ext>
+            </a:extLst>
+          </p:cNvPr>
+          <p:cNvPicPr>
+            <a:picLocks noChangeAspect="1"/>
+          </p:cNvPicPr>
+          <p:nvPr/>
+        </p:nvPicPr>
+        <p:blipFill>
+          <a:blip r:embed="rId3" cstate="print">
+            <a:extLst>
+              <a:ext uri="{28A0092B-C50C-407E-A947-70E740481C1C}">
+                <a14:useLocalDpi xmlns:a14="http://schemas.microsoft.com/office/drawing/2010/main" val="0"/>
+              </a:ext>
+            </a:extLst>
+          </a:blip>
+          <a:stretch>
+            <a:fillRect/>
+          </a:stretch>
+        </p:blipFill>
+        <p:spPr>
+          <a:xfrm>
+            <a:off x="10488488" y="5748469"/>
+            <a:ext cx="1489348" cy="992899"/>
+          </a:xfrm>
+          <a:prstGeom prst="rect">
+            <a:avLst/>
+          </a:prstGeom>
+        </p:spPr>
+      </p:pic>
+    </p:spTree>
+    <p:extLst>
+      <p:ext uri="{BB962C8B-B14F-4D97-AF65-F5344CB8AC3E}">
+        <p14:creationId xmlns:p14="http://schemas.microsoft.com/office/powerpoint/2010/main" val="3741987859"/>
+      </p:ext>
+    </p:extLst>
+  </p:cSld>
+  <p:clrMapOvr>
+    <a:masterClrMapping/>
+  </p:clrMapOvr>
+</p:sld>
+</file>
+
+<file path=ppt/slides/slide14.xml><?xml version="1.0" encoding="utf-8"?>
+<p:sld xmlns:a="http://schemas.openxmlformats.org/drawingml/2006/main" xmlns:r="http://schemas.openxmlformats.org/officeDocument/2006/relationships" xmlns:p="http://schemas.openxmlformats.org/presentationml/2006/main" showMasterPhAnim="0">
+  <p:cSld>
+    <p:spTree>
+      <p:nvGrpSpPr>
+        <p:cNvPr id="1" name=""/>
+        <p:cNvGrpSpPr/>
+        <p:nvPr/>
       </p:nvGrpSpPr>
       <p:grpSpPr bwMode="auto">
         <a:xfrm>
@@ -3590,12 +5452,12 @@
       </p:grpSpPr>
       <p:sp>
         <p:nvSpPr>
-          <p:cNvPr id="2" name="Title 1" hidden="0"/>
-          <p:cNvSpPr>
-            <a:spLocks noGrp="1"/>
-          </p:cNvSpPr>
-          <p:nvPr isPhoto="0" userDrawn="0">
-            <p:ph type="title" hasCustomPrompt="0"/>
+          <p:cNvPr id="1187059497" name="Title 1"/>
+          <p:cNvSpPr>
+            <a:spLocks noGrp="1"/>
+          </p:cNvSpPr>
+          <p:nvPr>
+            <p:ph type="title"/>
           </p:nvPr>
         </p:nvSpPr>
         <p:spPr bwMode="auto"/>
@@ -3607,51 +5469,99 @@
               <a:defRPr/>
             </a:pPr>
             <a:r>
-              <a:rPr lang="en-US"/>
-              <a:t>IKE Phase 2</a:t>
-            </a:r>
-            <a:endParaRPr/>
-          </a:p>
-        </p:txBody>
-      </p:sp>
-      <p:sp>
-        <p:nvSpPr>
-          <p:cNvPr id="3" name="Content Placeholder 2" hidden="0"/>
-          <p:cNvSpPr>
-            <a:spLocks noGrp="1"/>
-          </p:cNvSpPr>
-          <p:nvPr isPhoto="0" userDrawn="0">
-            <p:ph idx="1" hasCustomPrompt="0"/>
-          </p:nvPr>
-        </p:nvSpPr>
-        <p:spPr bwMode="auto"/>
-        <p:txBody>
-          <a:bodyPr/>
-          <a:lstStyle/>
-          <a:p>
-            <a:pPr>
-              <a:defRPr/>
-            </a:pPr>
-            <a:endParaRPr lang="en-US"/>
+              <a:rPr dirty="0"/>
+              <a:t>Header Formats</a:t>
+            </a:r>
           </a:p>
         </p:txBody>
       </p:sp>
       <p:pic>
         <p:nvPicPr>
-          <p:cNvPr id="5" name="Picture 4" hidden="0"/>
+          <p:cNvPr id="8" name="Content Placeholder 7">
+            <a:extLst>
+              <a:ext uri="{FF2B5EF4-FFF2-40B4-BE49-F238E27FC236}">
+                <a16:creationId xmlns:a16="http://schemas.microsoft.com/office/drawing/2014/main" id="{AD504BCE-F9B9-4A95-B409-069181043C75}"/>
+              </a:ext>
+            </a:extLst>
+          </p:cNvPr>
+          <p:cNvPicPr>
+            <a:picLocks noGrp="1" noChangeAspect="1"/>
+          </p:cNvPicPr>
+          <p:nvPr>
+            <p:ph idx="1"/>
+          </p:nvPr>
+        </p:nvPicPr>
+        <p:blipFill>
+          <a:blip r:embed="rId2"/>
+          <a:stretch>
+            <a:fillRect/>
+          </a:stretch>
+        </p:blipFill>
+        <p:spPr bwMode="auto">
+          <a:xfrm>
+            <a:off x="1127448" y="1657776"/>
+            <a:ext cx="4413059" cy="4351338"/>
+          </a:xfrm>
+        </p:spPr>
+      </p:pic>
+      <p:sp>
+        <p:nvSpPr>
+          <p:cNvPr id="2" name="Footer Placeholder 1">
+            <a:extLst>
+              <a:ext uri="{FF2B5EF4-FFF2-40B4-BE49-F238E27FC236}">
+                <a16:creationId xmlns:a16="http://schemas.microsoft.com/office/drawing/2014/main" id="{DEF0B08F-1516-4DBC-A45D-86B204406DCF}"/>
+              </a:ext>
+            </a:extLst>
+          </p:cNvPr>
+          <p:cNvSpPr>
+            <a:spLocks noGrp="1"/>
+          </p:cNvSpPr>
+          <p:nvPr>
+            <p:ph type="ftr" sz="quarter" idx="11"/>
+          </p:nvPr>
+        </p:nvSpPr>
+        <p:spPr/>
+        <p:txBody>
+          <a:bodyPr/>
+          <a:lstStyle/>
+          <a:p>
+            <a:pPr>
+              <a:defRPr/>
+            </a:pPr>
+            <a:endParaRPr lang="en-US"/>
+          </a:p>
+          <a:p>
+            <a:pPr>
+              <a:defRPr/>
+            </a:pPr>
+            <a:endParaRPr lang="en-US"/>
+          </a:p>
+        </p:txBody>
+      </p:sp>
+      <p:pic>
+        <p:nvPicPr>
+          <p:cNvPr id="6" name="Picture 5">
+            <a:extLst>
+              <a:ext uri="{FF2B5EF4-FFF2-40B4-BE49-F238E27FC236}">
+                <a16:creationId xmlns:a16="http://schemas.microsoft.com/office/drawing/2014/main" id="{E98C302E-F142-413A-944F-5413D2CB4FD0}"/>
+              </a:ext>
+            </a:extLst>
+          </p:cNvPr>
           <p:cNvPicPr>
             <a:picLocks noChangeAspect="1"/>
           </p:cNvPicPr>
-          <p:nvPr isPhoto="0" userDrawn="0"/>
+          <p:nvPr/>
         </p:nvPicPr>
         <p:blipFill>
-          <a:blip r:embed="rId2"/>
-          <a:stretch/>
+          <a:blip r:embed="rId3"/>
+          <a:stretch>
+            <a:fillRect/>
+          </a:stretch>
         </p:blipFill>
-        <p:spPr bwMode="auto">
+        <p:spPr>
           <a:xfrm>
-            <a:off x="5470967" y="3044142"/>
-            <a:ext cx="1250066" cy="769716"/>
+            <a:off x="6382444" y="317560"/>
+            <a:ext cx="5277694" cy="4191560"/>
           </a:xfrm>
           <a:prstGeom prst="rect">
             <a:avLst/>
@@ -3660,78 +5570,472 @@
       </p:pic>
       <p:pic>
         <p:nvPicPr>
-          <p:cNvPr id="7" name="Picture 6" hidden="0"/>
+          <p:cNvPr id="10" name="Picture 9">
+            <a:extLst>
+              <a:ext uri="{FF2B5EF4-FFF2-40B4-BE49-F238E27FC236}">
+                <a16:creationId xmlns:a16="http://schemas.microsoft.com/office/drawing/2014/main" id="{8B436E7C-9AB5-4250-8AE2-020BF71E3774}"/>
+              </a:ext>
+            </a:extLst>
+          </p:cNvPr>
           <p:cNvPicPr>
             <a:picLocks noChangeAspect="1"/>
           </p:cNvPicPr>
-          <p:nvPr isPhoto="0" userDrawn="0"/>
+          <p:nvPr/>
         </p:nvPicPr>
         <p:blipFill>
-          <a:blip r:embed="rId2"/>
-          <a:stretch/>
+          <a:blip r:embed="rId4" cstate="print">
+            <a:extLst>
+              <a:ext uri="{28A0092B-C50C-407E-A947-70E740481C1C}">
+                <a14:useLocalDpi xmlns:a14="http://schemas.microsoft.com/office/drawing/2010/main" val="0"/>
+              </a:ext>
+            </a:extLst>
+          </a:blip>
+          <a:stretch>
+            <a:fillRect/>
+          </a:stretch>
         </p:blipFill>
-        <p:spPr bwMode="auto">
+        <p:spPr>
           <a:xfrm>
-            <a:off x="5470967" y="3044142"/>
-            <a:ext cx="1250066" cy="769716"/>
+            <a:off x="10776520" y="6117606"/>
+            <a:ext cx="1294482" cy="643201"/>
           </a:xfrm>
           <a:prstGeom prst="rect">
             <a:avLst/>
           </a:prstGeom>
         </p:spPr>
       </p:pic>
-      <p:sp>
-        <p:nvSpPr>
-          <p:cNvPr id="8" name="Footer Placeholder 7" hidden="0"/>
-          <p:cNvSpPr>
-            <a:spLocks noGrp="1"/>
-          </p:cNvSpPr>
-          <p:nvPr isPhoto="0" userDrawn="0">
-            <p:ph type="ftr" sz="quarter" idx="11" hasCustomPrompt="0"/>
-          </p:nvPr>
-        </p:nvSpPr>
-        <p:spPr bwMode="auto"/>
-        <p:txBody>
-          <a:bodyPr/>
-          <a:lstStyle/>
-          <a:p>
-            <a:pPr>
-              <a:defRPr/>
-            </a:pPr>
-            <a:endParaRPr lang="en-US"/>
-          </a:p>
-          <a:p>
-            <a:pPr>
-              <a:defRPr/>
-            </a:pPr>
-            <a:endParaRPr lang="en-US"/>
-          </a:p>
-        </p:txBody>
-      </p:sp>
     </p:spTree>
   </p:cSld>
   <p:clrMapOvr>
     <a:masterClrMapping/>
   </p:clrMapOvr>
-  <mc:AlternateContent xmlns:mc="http://schemas.openxmlformats.org/markup-compatibility/2006">
-    <mc:Choice xmlns:p14="http://schemas.microsoft.com/office/powerpoint/2010/main" Requires="p14">
-      <p:transition p14:dur="2000" advClick="1"/>
-    </mc:Choice>
-    <mc:Fallback>
-      <p:transition advClick="1"/>
-    </mc:Fallback>
-  </mc:AlternateContent>
 </p:sld>
 </file>
 
-<file path=ppt/slides/slide14.xml><?xml version="1.0" encoding="utf-8"?>
-<p:sld xmlns:a="http://schemas.openxmlformats.org/drawingml/2006/main" xmlns:r="http://schemas.openxmlformats.org/officeDocument/2006/relationships" xmlns:p="http://schemas.openxmlformats.org/presentationml/2006/main" xmlns:m="http://schemas.openxmlformats.org/officeDocument/2006/math" xmlns:w="http://schemas.openxmlformats.org/wordprocessingml/2006/main" showMasterPhAnim="0" show="1">
-  <p:cSld name="">
+<file path=ppt/slides/slide15.xml><?xml version="1.0" encoding="utf-8"?>
+<p:sld xmlns:a="http://schemas.openxmlformats.org/drawingml/2006/main" xmlns:r="http://schemas.openxmlformats.org/officeDocument/2006/relationships" xmlns:p="http://schemas.openxmlformats.org/presentationml/2006/main">
+  <p:cSld>
     <p:spTree>
       <p:nvGrpSpPr>
-        <p:cNvPr id="1" name="" hidden="0"/>
+        <p:cNvPr id="1" name=""/>
         <p:cNvGrpSpPr/>
-        <p:nvPr isPhoto="0" userDrawn="0"/>
+        <p:nvPr/>
+      </p:nvGrpSpPr>
+      <p:grpSpPr>
+        <a:xfrm>
+          <a:off x="0" y="0"/>
+          <a:ext cx="0" cy="0"/>
+          <a:chOff x="0" y="0"/>
+          <a:chExt cx="0" cy="0"/>
+        </a:xfrm>
+      </p:grpSpPr>
+      <p:sp>
+        <p:nvSpPr>
+          <p:cNvPr id="2" name="Title 1">
+            <a:extLst>
+              <a:ext uri="{FF2B5EF4-FFF2-40B4-BE49-F238E27FC236}">
+                <a16:creationId xmlns:a16="http://schemas.microsoft.com/office/drawing/2014/main" id="{D5DD0E82-8F51-42F6-805C-5962C6D5444F}"/>
+              </a:ext>
+            </a:extLst>
+          </p:cNvPr>
+          <p:cNvSpPr>
+            <a:spLocks noGrp="1"/>
+          </p:cNvSpPr>
+          <p:nvPr>
+            <p:ph type="title"/>
+          </p:nvPr>
+        </p:nvSpPr>
+        <p:spPr/>
+        <p:txBody>
+          <a:bodyPr/>
+          <a:lstStyle/>
+          <a:p>
+            <a:r>
+              <a:rPr lang="en-US" dirty="0"/>
+              <a:t>IKEv2 The New One</a:t>
+            </a:r>
+          </a:p>
+        </p:txBody>
+      </p:sp>
+      <p:sp>
+        <p:nvSpPr>
+          <p:cNvPr id="3" name="Content Placeholder 2">
+            <a:extLst>
+              <a:ext uri="{FF2B5EF4-FFF2-40B4-BE49-F238E27FC236}">
+                <a16:creationId xmlns:a16="http://schemas.microsoft.com/office/drawing/2014/main" id="{5D04474E-AF38-4176-BE6C-56B1EB368A94}"/>
+              </a:ext>
+            </a:extLst>
+          </p:cNvPr>
+          <p:cNvSpPr>
+            <a:spLocks noGrp="1"/>
+          </p:cNvSpPr>
+          <p:nvPr>
+            <p:ph idx="1"/>
+          </p:nvPr>
+        </p:nvSpPr>
+        <p:spPr/>
+        <p:txBody>
+          <a:bodyPr/>
+          <a:lstStyle/>
+          <a:p>
+            <a:r>
+              <a:rPr lang="en-US" dirty="0"/>
+              <a:t>RFC 4306 – Goodreads rating 9.5/10</a:t>
+            </a:r>
+          </a:p>
+          <a:p>
+            <a:r>
+              <a:rPr lang="en-US" dirty="0"/>
+              <a:t>Replaced RFCs 2407, 2408, 2409</a:t>
+            </a:r>
+          </a:p>
+          <a:p>
+            <a:r>
+              <a:rPr lang="en-US" dirty="0"/>
+              <a:t>Simplifies Key Exchange</a:t>
+            </a:r>
+          </a:p>
+          <a:p>
+            <a:r>
+              <a:rPr lang="en-US" dirty="0"/>
+              <a:t>Easier to implement</a:t>
+            </a:r>
+          </a:p>
+          <a:p>
+            <a:r>
+              <a:rPr lang="en-US" dirty="0"/>
+              <a:t>Less vulnerable to DoS</a:t>
+            </a:r>
+          </a:p>
+          <a:p>
+            <a:endParaRPr lang="en-US" dirty="0"/>
+          </a:p>
+          <a:p>
+            <a:endParaRPr lang="en-US" dirty="0"/>
+          </a:p>
+        </p:txBody>
+      </p:sp>
+      <p:pic>
+        <p:nvPicPr>
+          <p:cNvPr id="5" name="Picture 4">
+            <a:extLst>
+              <a:ext uri="{FF2B5EF4-FFF2-40B4-BE49-F238E27FC236}">
+                <a16:creationId xmlns:a16="http://schemas.microsoft.com/office/drawing/2014/main" id="{AA5FB853-3FE1-4F24-92BA-BF8AC3E8FF4D}"/>
+              </a:ext>
+            </a:extLst>
+          </p:cNvPr>
+          <p:cNvPicPr>
+            <a:picLocks noChangeAspect="1"/>
+          </p:cNvPicPr>
+          <p:nvPr/>
+        </p:nvPicPr>
+        <p:blipFill>
+          <a:blip r:embed="rId2"/>
+          <a:stretch>
+            <a:fillRect/>
+          </a:stretch>
+        </p:blipFill>
+        <p:spPr>
+          <a:xfrm>
+            <a:off x="7320136" y="622272"/>
+            <a:ext cx="4490170" cy="5058769"/>
+          </a:xfrm>
+          <a:prstGeom prst="rect">
+            <a:avLst/>
+          </a:prstGeom>
+        </p:spPr>
+      </p:pic>
+      <p:sp>
+        <p:nvSpPr>
+          <p:cNvPr id="6" name="Footer Placeholder 5">
+            <a:extLst>
+              <a:ext uri="{FF2B5EF4-FFF2-40B4-BE49-F238E27FC236}">
+                <a16:creationId xmlns:a16="http://schemas.microsoft.com/office/drawing/2014/main" id="{CB41A529-FC88-422C-B36E-B86484311CFA}"/>
+              </a:ext>
+            </a:extLst>
+          </p:cNvPr>
+          <p:cNvSpPr>
+            <a:spLocks noGrp="1"/>
+          </p:cNvSpPr>
+          <p:nvPr>
+            <p:ph type="ftr" sz="quarter" idx="11"/>
+          </p:nvPr>
+        </p:nvSpPr>
+        <p:spPr/>
+        <p:txBody>
+          <a:bodyPr/>
+          <a:lstStyle/>
+          <a:p>
+            <a:pPr>
+              <a:defRPr/>
+            </a:pPr>
+            <a:endParaRPr lang="en-US"/>
+          </a:p>
+          <a:p>
+            <a:pPr>
+              <a:defRPr/>
+            </a:pPr>
+            <a:endParaRPr lang="en-US"/>
+          </a:p>
+        </p:txBody>
+      </p:sp>
+      <p:pic>
+        <p:nvPicPr>
+          <p:cNvPr id="8" name="Picture 7">
+            <a:extLst>
+              <a:ext uri="{FF2B5EF4-FFF2-40B4-BE49-F238E27FC236}">
+                <a16:creationId xmlns:a16="http://schemas.microsoft.com/office/drawing/2014/main" id="{24C01195-A64B-4C97-B2F1-C3E494ADEF00}"/>
+              </a:ext>
+            </a:extLst>
+          </p:cNvPr>
+          <p:cNvPicPr>
+            <a:picLocks noChangeAspect="1"/>
+          </p:cNvPicPr>
+          <p:nvPr/>
+        </p:nvPicPr>
+        <p:blipFill>
+          <a:blip r:embed="rId3" cstate="print">
+            <a:extLst>
+              <a:ext uri="{28A0092B-C50C-407E-A947-70E740481C1C}">
+                <a14:useLocalDpi xmlns:a14="http://schemas.microsoft.com/office/drawing/2010/main" val="0"/>
+              </a:ext>
+            </a:extLst>
+          </a:blip>
+          <a:stretch>
+            <a:fillRect/>
+          </a:stretch>
+        </p:blipFill>
+        <p:spPr>
+          <a:xfrm>
+            <a:off x="376770" y="5519561"/>
+            <a:ext cx="1217712" cy="913284"/>
+          </a:xfrm>
+          <a:prstGeom prst="rect">
+            <a:avLst/>
+          </a:prstGeom>
+        </p:spPr>
+      </p:pic>
+    </p:spTree>
+    <p:extLst>
+      <p:ext uri="{BB962C8B-B14F-4D97-AF65-F5344CB8AC3E}">
+        <p14:creationId xmlns:p14="http://schemas.microsoft.com/office/powerpoint/2010/main" val="170378134"/>
+      </p:ext>
+    </p:extLst>
+  </p:cSld>
+  <p:clrMapOvr>
+    <a:masterClrMapping/>
+  </p:clrMapOvr>
+</p:sld>
+</file>
+
+<file path=ppt/slides/slide16.xml><?xml version="1.0" encoding="utf-8"?>
+<p:sld xmlns:a="http://schemas.openxmlformats.org/drawingml/2006/main" xmlns:r="http://schemas.openxmlformats.org/officeDocument/2006/relationships" xmlns:p="http://schemas.openxmlformats.org/presentationml/2006/main">
+  <p:cSld>
+    <p:spTree>
+      <p:nvGrpSpPr>
+        <p:cNvPr id="1" name=""/>
+        <p:cNvGrpSpPr/>
+        <p:nvPr/>
+      </p:nvGrpSpPr>
+      <p:grpSpPr>
+        <a:xfrm>
+          <a:off x="0" y="0"/>
+          <a:ext cx="0" cy="0"/>
+          <a:chOff x="0" y="0"/>
+          <a:chExt cx="0" cy="0"/>
+        </a:xfrm>
+      </p:grpSpPr>
+      <p:sp>
+        <p:nvSpPr>
+          <p:cNvPr id="2" name="Title 1">
+            <a:extLst>
+              <a:ext uri="{FF2B5EF4-FFF2-40B4-BE49-F238E27FC236}">
+                <a16:creationId xmlns:a16="http://schemas.microsoft.com/office/drawing/2014/main" id="{6D096CD2-4B15-4CD4-A9DF-F1BC376401AC}"/>
+              </a:ext>
+            </a:extLst>
+          </p:cNvPr>
+          <p:cNvSpPr>
+            <a:spLocks noGrp="1"/>
+          </p:cNvSpPr>
+          <p:nvPr>
+            <p:ph type="title"/>
+          </p:nvPr>
+        </p:nvSpPr>
+        <p:spPr/>
+        <p:txBody>
+          <a:bodyPr/>
+          <a:lstStyle/>
+          <a:p>
+            <a:r>
+              <a:rPr lang="en-US" dirty="0"/>
+              <a:t>Summary</a:t>
+            </a:r>
+          </a:p>
+        </p:txBody>
+      </p:sp>
+      <p:sp>
+        <p:nvSpPr>
+          <p:cNvPr id="3" name="Content Placeholder 2">
+            <a:extLst>
+              <a:ext uri="{FF2B5EF4-FFF2-40B4-BE49-F238E27FC236}">
+                <a16:creationId xmlns:a16="http://schemas.microsoft.com/office/drawing/2014/main" id="{F0F4DA39-5318-4B41-9153-B47599EA6F13}"/>
+              </a:ext>
+            </a:extLst>
+          </p:cNvPr>
+          <p:cNvSpPr>
+            <a:spLocks noGrp="1"/>
+          </p:cNvSpPr>
+          <p:nvPr>
+            <p:ph idx="1"/>
+          </p:nvPr>
+        </p:nvSpPr>
+        <p:spPr/>
+        <p:txBody>
+          <a:bodyPr/>
+          <a:lstStyle/>
+          <a:p>
+            <a:r>
+              <a:rPr lang="en-US" dirty="0"/>
+              <a:t>IKE Is really cool</a:t>
+            </a:r>
+          </a:p>
+          <a:p>
+            <a:r>
+              <a:rPr lang="en-US" dirty="0"/>
+              <a:t>IKE is made from ISAKMP, SKEME, and Oakley protocol</a:t>
+            </a:r>
+          </a:p>
+          <a:p>
+            <a:r>
+              <a:rPr lang="en-US" dirty="0"/>
+              <a:t>IKE consists of 2 phases</a:t>
+            </a:r>
+          </a:p>
+          <a:p>
+            <a:pPr lvl="1"/>
+            <a:r>
+              <a:rPr lang="en-US" dirty="0"/>
+              <a:t>Big connection from A to B</a:t>
+            </a:r>
+          </a:p>
+          <a:p>
+            <a:pPr lvl="1"/>
+            <a:r>
+              <a:rPr lang="en-US" dirty="0"/>
+              <a:t>Small connections from each node from A to B</a:t>
+            </a:r>
+          </a:p>
+          <a:p>
+            <a:r>
+              <a:rPr lang="en-US" dirty="0"/>
+              <a:t>Aggressive and Main – For IKEv1 but not for IKEv2</a:t>
+            </a:r>
+          </a:p>
+          <a:p>
+            <a:r>
+              <a:rPr lang="en-US" dirty="0"/>
+              <a:t>IKEv2 made this whole thing way easier</a:t>
+            </a:r>
+          </a:p>
+          <a:p>
+            <a:r>
+              <a:rPr lang="en-US" dirty="0"/>
+              <a:t>Reading RFCs for fun is really cool.</a:t>
+            </a:r>
+          </a:p>
+        </p:txBody>
+      </p:sp>
+      <p:sp>
+        <p:nvSpPr>
+          <p:cNvPr id="4" name="Footer Placeholder 3">
+            <a:extLst>
+              <a:ext uri="{FF2B5EF4-FFF2-40B4-BE49-F238E27FC236}">
+                <a16:creationId xmlns:a16="http://schemas.microsoft.com/office/drawing/2014/main" id="{E2A2AF7B-41EF-4F7B-B911-0D52AC332FF8}"/>
+              </a:ext>
+            </a:extLst>
+          </p:cNvPr>
+          <p:cNvSpPr>
+            <a:spLocks noGrp="1"/>
+          </p:cNvSpPr>
+          <p:nvPr>
+            <p:ph type="ftr" sz="quarter" idx="11"/>
+          </p:nvPr>
+        </p:nvSpPr>
+        <p:spPr/>
+        <p:txBody>
+          <a:bodyPr/>
+          <a:lstStyle/>
+          <a:p>
+            <a:pPr>
+              <a:defRPr/>
+            </a:pPr>
+            <a:endParaRPr lang="en-US"/>
+          </a:p>
+          <a:p>
+            <a:pPr>
+              <a:defRPr/>
+            </a:pPr>
+            <a:endParaRPr lang="en-US"/>
+          </a:p>
+        </p:txBody>
+      </p:sp>
+      <p:pic>
+        <p:nvPicPr>
+          <p:cNvPr id="6" name="Picture 5">
+            <a:extLst>
+              <a:ext uri="{FF2B5EF4-FFF2-40B4-BE49-F238E27FC236}">
+                <a16:creationId xmlns:a16="http://schemas.microsoft.com/office/drawing/2014/main" id="{61D5E72B-4921-4077-8EA2-E2B0D3A02FCB}"/>
+              </a:ext>
+            </a:extLst>
+          </p:cNvPr>
+          <p:cNvPicPr>
+            <a:picLocks noChangeAspect="1"/>
+          </p:cNvPicPr>
+          <p:nvPr/>
+        </p:nvPicPr>
+        <p:blipFill>
+          <a:blip r:embed="rId2" cstate="print">
+            <a:extLst>
+              <a:ext uri="{28A0092B-C50C-407E-A947-70E740481C1C}">
+                <a14:useLocalDpi xmlns:a14="http://schemas.microsoft.com/office/drawing/2010/main" val="0"/>
+              </a:ext>
+            </a:extLst>
+          </a:blip>
+          <a:stretch>
+            <a:fillRect/>
+          </a:stretch>
+        </p:blipFill>
+        <p:spPr>
+          <a:xfrm>
+            <a:off x="9768408" y="5517232"/>
+            <a:ext cx="2137420" cy="1164894"/>
+          </a:xfrm>
+          <a:prstGeom prst="rect">
+            <a:avLst/>
+          </a:prstGeom>
+        </p:spPr>
+      </p:pic>
+    </p:spTree>
+    <p:extLst>
+      <p:ext uri="{BB962C8B-B14F-4D97-AF65-F5344CB8AC3E}">
+        <p14:creationId xmlns:p14="http://schemas.microsoft.com/office/powerpoint/2010/main" val="2104078394"/>
+      </p:ext>
+    </p:extLst>
+  </p:cSld>
+  <p:clrMapOvr>
+    <a:masterClrMapping/>
+  </p:clrMapOvr>
+</p:sld>
+</file>
+
+<file path=ppt/slides/slide2.xml><?xml version="1.0" encoding="utf-8"?>
+<p:sld xmlns:a="http://schemas.openxmlformats.org/drawingml/2006/main" xmlns:r="http://schemas.openxmlformats.org/officeDocument/2006/relationships" xmlns:p="http://schemas.openxmlformats.org/presentationml/2006/main" showMasterPhAnim="0">
+  <p:cSld>
+    <p:spTree>
+      <p:nvGrpSpPr>
+        <p:cNvPr id="1" name=""/>
+        <p:cNvGrpSpPr/>
+        <p:nvPr/>
       </p:nvGrpSpPr>
       <p:grpSpPr bwMode="auto">
         <a:xfrm>
@@ -3743,12 +6047,12 @@
       </p:grpSpPr>
       <p:sp>
         <p:nvSpPr>
-          <p:cNvPr id="2" name="Title 1" hidden="0"/>
-          <p:cNvSpPr>
-            <a:spLocks noGrp="1"/>
-          </p:cNvSpPr>
-          <p:nvPr isPhoto="0" userDrawn="0">
-            <p:ph type="title" hasCustomPrompt="0"/>
+          <p:cNvPr id="2" name="Title 1"/>
+          <p:cNvSpPr>
+            <a:spLocks noGrp="1"/>
+          </p:cNvSpPr>
+          <p:nvPr>
+            <p:ph type="title"/>
           </p:nvPr>
         </p:nvSpPr>
         <p:spPr bwMode="auto"/>
@@ -3761,7 +6065,7 @@
             </a:pPr>
             <a:r>
               <a:rPr lang="en-US"/>
-              <a:t>What is a Message</a:t>
+              <a:t>Overview</a:t>
             </a:r>
             <a:endParaRPr/>
           </a:p>
@@ -3769,12 +6073,12 @@
       </p:sp>
       <p:sp>
         <p:nvSpPr>
-          <p:cNvPr id="3" name="Content Placeholder 2" hidden="0"/>
-          <p:cNvSpPr>
-            <a:spLocks noGrp="1"/>
-          </p:cNvSpPr>
-          <p:nvPr isPhoto="0" userDrawn="0">
-            <p:ph idx="1" hasCustomPrompt="0"/>
+          <p:cNvPr id="3" name="Content Placeholder 2"/>
+          <p:cNvSpPr>
+            <a:spLocks noGrp="1"/>
+          </p:cNvSpPr>
+          <p:nvPr>
+            <p:ph idx="1"/>
           </p:nvPr>
         </p:nvSpPr>
         <p:spPr bwMode="auto"/>
@@ -3785,18 +6089,98 @@
             <a:pPr>
               <a:defRPr/>
             </a:pPr>
+            <a:r>
+              <a:rPr lang="en-US"/>
+              <a:t>History of IKE</a:t>
+            </a:r>
+            <a:endParaRPr/>
+          </a:p>
+          <a:p>
+            <a:pPr>
+              <a:defRPr/>
+            </a:pPr>
+            <a:r>
+              <a:rPr lang="en-US"/>
+              <a:t>Why IKE is used</a:t>
+            </a:r>
+            <a:endParaRPr/>
+          </a:p>
+          <a:p>
+            <a:pPr>
+              <a:defRPr/>
+            </a:pPr>
+            <a:r>
+              <a:rPr lang="en-US"/>
+              <a:t>What is IKE</a:t>
+            </a:r>
+            <a:endParaRPr/>
+          </a:p>
+          <a:p>
+            <a:pPr lvl="1">
+              <a:defRPr/>
+            </a:pPr>
+            <a:r>
+              <a:rPr lang="en-US"/>
+              <a:t>IKE Phases</a:t>
+            </a:r>
+            <a:endParaRPr/>
+          </a:p>
+          <a:p>
+            <a:pPr lvl="1">
+              <a:defRPr/>
+            </a:pPr>
+            <a:r>
+              <a:rPr lang="en-US"/>
+              <a:t>Mode of Operation</a:t>
+            </a:r>
+            <a:endParaRPr/>
+          </a:p>
+          <a:p>
+            <a:pPr lvl="1">
+              <a:defRPr/>
+            </a:pPr>
+            <a:r>
+              <a:rPr lang="en-US"/>
+              <a:t>Authentication Methods</a:t>
+            </a:r>
+            <a:endParaRPr/>
+          </a:p>
+          <a:p>
+            <a:pPr lvl="1">
+              <a:defRPr/>
+            </a:pPr>
+            <a:r>
+              <a:rPr lang="en-US"/>
+              <a:t>Session Keys</a:t>
+            </a:r>
+            <a:endParaRPr/>
+          </a:p>
+          <a:p>
+            <a:pPr lvl="1">
+              <a:defRPr/>
+            </a:pPr>
+            <a:r>
+              <a:rPr lang="en-US"/>
+              <a:t>ISAKMP/IKE</a:t>
+            </a:r>
+            <a:endParaRPr/>
+          </a:p>
+          <a:p>
+            <a:pPr lvl="1">
+              <a:defRPr/>
+            </a:pPr>
             <a:endParaRPr lang="en-US"/>
           </a:p>
         </p:txBody>
       </p:sp>
       <p:sp>
         <p:nvSpPr>
-          <p:cNvPr id="4" name="Footer Placeholder 3" hidden="0"/>
-          <p:cNvSpPr>
-            <a:spLocks noGrp="1"/>
-          </p:cNvSpPr>
-          <p:nvPr isPhoto="0" userDrawn="0">
-            <p:ph type="ftr" sz="quarter" idx="11" hasCustomPrompt="0"/>
+          <p:cNvPr id="4" name="Footer Placeholder 3"/>
+          <p:cNvSpPr>
+            <a:spLocks noGrp="1"/>
+          </p:cNvSpPr>
+          <p:nvPr>
+            <p:ph type="ftr" sz="quarter" idx="11"/>
           </p:nvPr>
         </p:nvSpPr>
         <p:spPr bwMode="auto"/>
@@ -3822,25 +6206,17 @@
   <p:clrMapOvr>
     <a:masterClrMapping/>
   </p:clrMapOvr>
-  <mc:AlternateContent xmlns:mc="http://schemas.openxmlformats.org/markup-compatibility/2006">
-    <mc:Choice xmlns:p14="http://schemas.microsoft.com/office/powerpoint/2010/main" Requires="p14">
-      <p:transition p14:dur="2000" advClick="1"/>
-    </mc:Choice>
-    <mc:Fallback>
-      <p:transition advClick="1"/>
-    </mc:Fallback>
-  </mc:AlternateContent>
 </p:sld>
 </file>
 
-<file path=ppt/slides/slide2.xml><?xml version="1.0" encoding="utf-8"?>
-<p:sld xmlns:a="http://schemas.openxmlformats.org/drawingml/2006/main" xmlns:r="http://schemas.openxmlformats.org/officeDocument/2006/relationships" xmlns:p="http://schemas.openxmlformats.org/presentationml/2006/main" xmlns:m="http://schemas.openxmlformats.org/officeDocument/2006/math" xmlns:w="http://schemas.openxmlformats.org/wordprocessingml/2006/main" showMasterPhAnim="0" show="1">
-  <p:cSld name="">
+<file path=ppt/slides/slide3.xml><?xml version="1.0" encoding="utf-8"?>
+<p:sld xmlns:a="http://schemas.openxmlformats.org/drawingml/2006/main" xmlns:r="http://schemas.openxmlformats.org/officeDocument/2006/relationships" xmlns:p="http://schemas.openxmlformats.org/presentationml/2006/main" showMasterPhAnim="0">
+  <p:cSld>
     <p:spTree>
       <p:nvGrpSpPr>
-        <p:cNvPr id="1" name="" hidden="0"/>
+        <p:cNvPr id="1" name=""/>
         <p:cNvGrpSpPr/>
-        <p:nvPr isPhoto="0" userDrawn="0"/>
+        <p:nvPr/>
       </p:nvGrpSpPr>
       <p:grpSpPr bwMode="auto">
         <a:xfrm>
@@ -3852,201 +6228,12 @@
       </p:grpSpPr>
       <p:sp>
         <p:nvSpPr>
-          <p:cNvPr id="2" name="Title 1" hidden="0"/>
-          <p:cNvSpPr>
-            <a:spLocks noGrp="1"/>
-          </p:cNvSpPr>
-          <p:nvPr isPhoto="0" userDrawn="0">
-            <p:ph type="title" hasCustomPrompt="0"/>
-          </p:nvPr>
-        </p:nvSpPr>
-        <p:spPr bwMode="auto"/>
-        <p:txBody>
-          <a:bodyPr/>
-          <a:lstStyle/>
-          <a:p>
-            <a:pPr>
-              <a:defRPr/>
-            </a:pPr>
-            <a:r>
-              <a:rPr lang="en-US"/>
-              <a:t>Overview</a:t>
-            </a:r>
-            <a:endParaRPr/>
-          </a:p>
-        </p:txBody>
-      </p:sp>
-      <p:sp>
-        <p:nvSpPr>
-          <p:cNvPr id="3" name="Content Placeholder 2" hidden="0"/>
-          <p:cNvSpPr>
-            <a:spLocks noGrp="1"/>
-          </p:cNvSpPr>
-          <p:nvPr isPhoto="0" userDrawn="0">
-            <p:ph idx="1" hasCustomPrompt="0"/>
-          </p:nvPr>
-        </p:nvSpPr>
-        <p:spPr bwMode="auto"/>
-        <p:txBody>
-          <a:bodyPr/>
-          <a:lstStyle/>
-          <a:p>
-            <a:pPr>
-              <a:defRPr/>
-            </a:pPr>
-            <a:r>
-              <a:rPr lang="en-US"/>
-              <a:t>History of IKE</a:t>
-            </a:r>
-            <a:endParaRPr/>
-          </a:p>
-          <a:p>
-            <a:pPr>
-              <a:defRPr/>
-            </a:pPr>
-            <a:r>
-              <a:rPr lang="en-US"/>
-              <a:t>Why IKE is used</a:t>
-            </a:r>
-            <a:endParaRPr/>
-          </a:p>
-          <a:p>
-            <a:pPr>
-              <a:defRPr/>
-            </a:pPr>
-            <a:r>
-              <a:rPr lang="en-US"/>
-              <a:t>What is IKE</a:t>
-            </a:r>
-            <a:endParaRPr/>
-          </a:p>
-          <a:p>
-            <a:pPr lvl="1">
-              <a:defRPr/>
-            </a:pPr>
-            <a:r>
-              <a:rPr lang="en-US"/>
-              <a:t>IKE Phases</a:t>
-            </a:r>
-            <a:endParaRPr/>
-          </a:p>
-          <a:p>
-            <a:pPr lvl="1">
-              <a:defRPr/>
-            </a:pPr>
-            <a:r>
-              <a:rPr lang="en-US"/>
-              <a:t>Mode of Operation</a:t>
-            </a:r>
-            <a:endParaRPr/>
-          </a:p>
-          <a:p>
-            <a:pPr lvl="1">
-              <a:defRPr/>
-            </a:pPr>
-            <a:r>
-              <a:rPr lang="en-US"/>
-              <a:t>Authentication Methods</a:t>
-            </a:r>
-            <a:endParaRPr/>
-          </a:p>
-          <a:p>
-            <a:pPr lvl="1">
-              <a:defRPr/>
-            </a:pPr>
-            <a:r>
-              <a:rPr lang="en-US"/>
-              <a:t>Session Keys</a:t>
-            </a:r>
-            <a:endParaRPr/>
-          </a:p>
-          <a:p>
-            <a:pPr lvl="1">
-              <a:defRPr/>
-            </a:pPr>
-            <a:r>
-              <a:rPr lang="en-US"/>
-              <a:t>ISAKMP/IKE</a:t>
-            </a:r>
-            <a:endParaRPr/>
-          </a:p>
-          <a:p>
-            <a:pPr lvl="1">
-              <a:defRPr/>
-            </a:pPr>
-            <a:endParaRPr lang="en-US"/>
-          </a:p>
-        </p:txBody>
-      </p:sp>
-      <p:sp>
-        <p:nvSpPr>
-          <p:cNvPr id="4" name="Footer Placeholder 3" hidden="0"/>
-          <p:cNvSpPr>
-            <a:spLocks noGrp="1"/>
-          </p:cNvSpPr>
-          <p:nvPr isPhoto="0" userDrawn="0">
-            <p:ph type="ftr" sz="quarter" idx="11" hasCustomPrompt="0"/>
-          </p:nvPr>
-        </p:nvSpPr>
-        <p:spPr bwMode="auto"/>
-        <p:txBody>
-          <a:bodyPr/>
-          <a:lstStyle/>
-          <a:p>
-            <a:pPr>
-              <a:defRPr/>
-            </a:pPr>
-            <a:endParaRPr lang="en-US"/>
-          </a:p>
-          <a:p>
-            <a:pPr>
-              <a:defRPr/>
-            </a:pPr>
-            <a:endParaRPr lang="en-US"/>
-          </a:p>
-        </p:txBody>
-      </p:sp>
-    </p:spTree>
-  </p:cSld>
-  <p:clrMapOvr>
-    <a:masterClrMapping/>
-  </p:clrMapOvr>
-  <mc:AlternateContent xmlns:mc="http://schemas.openxmlformats.org/markup-compatibility/2006">
-    <mc:Choice xmlns:p14="http://schemas.microsoft.com/office/powerpoint/2010/main" Requires="p14">
-      <p:transition p14:dur="2000" advClick="1"/>
-    </mc:Choice>
-    <mc:Fallback>
-      <p:transition advClick="1"/>
-    </mc:Fallback>
-  </mc:AlternateContent>
-</p:sld>
-</file>
-
-<file path=ppt/slides/slide3.xml><?xml version="1.0" encoding="utf-8"?>
-<p:sld xmlns:a="http://schemas.openxmlformats.org/drawingml/2006/main" xmlns:r="http://schemas.openxmlformats.org/officeDocument/2006/relationships" xmlns:p="http://schemas.openxmlformats.org/presentationml/2006/main" xmlns:m="http://schemas.openxmlformats.org/officeDocument/2006/math" xmlns:w="http://schemas.openxmlformats.org/wordprocessingml/2006/main" showMasterPhAnim="0" show="1">
-  <p:cSld name="">
-    <p:spTree>
-      <p:nvGrpSpPr>
-        <p:cNvPr id="1" name="" hidden="0"/>
-        <p:cNvGrpSpPr/>
-        <p:nvPr isPhoto="0" userDrawn="0"/>
-      </p:nvGrpSpPr>
-      <p:grpSpPr bwMode="auto">
-        <a:xfrm>
-          <a:off x="0" y="0"/>
-          <a:ext cx="0" cy="0"/>
-          <a:chOff x="0" y="0"/>
-          <a:chExt cx="0" cy="0"/>
-        </a:xfrm>
-      </p:grpSpPr>
-      <p:sp>
-        <p:nvSpPr>
-          <p:cNvPr id="2" name="Title 1" hidden="0"/>
-          <p:cNvSpPr>
-            <a:spLocks noGrp="1"/>
-          </p:cNvSpPr>
-          <p:nvPr isPhoto="0" userDrawn="0">
-            <p:ph type="title" hasCustomPrompt="0"/>
+          <p:cNvPr id="2" name="Title 1"/>
+          <p:cNvSpPr>
+            <a:spLocks noGrp="1"/>
+          </p:cNvSpPr>
+          <p:nvPr>
+            <p:ph type="title"/>
           </p:nvPr>
         </p:nvSpPr>
         <p:spPr bwMode="auto">
@@ -4072,12 +6259,12 @@
       </p:sp>
       <p:sp>
         <p:nvSpPr>
-          <p:cNvPr id="4" name="Footer Placeholder 3" hidden="0"/>
-          <p:cNvSpPr>
-            <a:spLocks noGrp="1"/>
-          </p:cNvSpPr>
-          <p:nvPr isPhoto="0" userDrawn="0">
-            <p:ph type="ftr" sz="quarter" idx="11" hasCustomPrompt="0"/>
+          <p:cNvPr id="4" name="Footer Placeholder 3"/>
+          <p:cNvSpPr>
+            <a:spLocks noGrp="1"/>
+          </p:cNvSpPr>
+          <p:nvPr>
+            <p:ph type="ftr" sz="quarter" idx="11"/>
           </p:nvPr>
         </p:nvSpPr>
         <p:spPr bwMode="auto"/>
@@ -4100,21 +6287,23 @@
       </p:sp>
       <p:grpSp>
         <p:nvGrpSpPr>
-          <p:cNvPr id="5" name="Diagram 4" hidden="0"/>
+          <p:cNvPr id="5" name="Diagram 4"/>
           <p:cNvGrpSpPr/>
-          <p:nvPr isPhoto="0" userDrawn="0"/>
+          <p:nvPr/>
         </p:nvGrpSpPr>
         <p:grpSpPr bwMode="auto">
           <a:xfrm>
             <a:off x="5849817" y="1843087"/>
             <a:ext cx="5663952" cy="3458437"/>
+            <a:chOff x="0" y="0"/>
+            <a:chExt cx="0" cy="0"/>
           </a:xfrm>
         </p:grpSpPr>
         <p:sp>
           <p:nvSpPr>
-            <p:cNvPr id="0" name="" hidden="0"/>
+            <p:cNvPr id="3" name="Arrow: Bent-Up 2"/>
             <p:cNvSpPr/>
-            <p:nvPr isPhoto="0" userDrawn="0"/>
+            <p:nvPr/>
           </p:nvSpPr>
           <p:spPr bwMode="auto">
             <a:xfrm rot="16199999" flipH="1">
@@ -4141,7 +6330,7 @@
               <a:noFill/>
             </a:ln>
             <a:effectLst>
-              <a:outerShdw blurRad="57150" dist="19050" dir="5400000" rotWithShape="0" algn="ctr">
+              <a:outerShdw blurRad="57150" dist="19050" dir="5400000" algn="ctr" rotWithShape="0">
                 <a:srgbClr val="000000">
                   <a:alpha val="63000"/>
                 </a:srgbClr>
@@ -4163,9 +6352,9 @@
         </p:sp>
         <p:sp>
           <p:nvSpPr>
-            <p:cNvPr id="0" name="" hidden="0"/>
+            <p:cNvPr id="6" name="Rectangle: Rounded Corners 5"/>
             <p:cNvSpPr/>
-            <p:nvPr isPhoto="0" userDrawn="0"/>
+            <p:nvPr/>
           </p:nvSpPr>
           <p:spPr bwMode="auto">
             <a:xfrm>
@@ -4219,7 +6408,7 @@
               <a:noFill/>
             </a:ln>
             <a:effectLst>
-              <a:outerShdw blurRad="57150" dist="19050" dir="5400000" rotWithShape="0" algn="ctr">
+              <a:outerShdw blurRad="57150" dist="19050" dir="5400000" algn="ctr" rotWithShape="0">
                 <a:srgbClr val="000000">
                   <a:alpha val="63000"/>
                 </a:srgbClr>
@@ -4269,9 +6458,9 @@
         </p:sp>
         <p:sp>
           <p:nvSpPr>
-            <p:cNvPr id="0" name="" hidden="0"/>
+            <p:cNvPr id="7" name="Rectangle 6"/>
             <p:cNvSpPr/>
-            <p:nvPr isPhoto="0" userDrawn="0"/>
+            <p:nvPr/>
           </p:nvSpPr>
           <p:spPr bwMode="auto">
             <a:xfrm>
@@ -4328,9 +6517,9 @@
         </p:sp>
         <p:sp>
           <p:nvSpPr>
-            <p:cNvPr id="0" name="" hidden="0"/>
+            <p:cNvPr id="8" name="Rectangle: Rounded Corners 7"/>
             <p:cNvSpPr/>
-            <p:nvPr isPhoto="0" userDrawn="0"/>
+            <p:nvPr/>
           </p:nvSpPr>
           <p:spPr bwMode="auto">
             <a:xfrm>
@@ -4384,7 +6573,7 @@
               <a:noFill/>
             </a:ln>
             <a:effectLst>
-              <a:outerShdw blurRad="57150" dist="19050" dir="5400000" rotWithShape="0" algn="ctr">
+              <a:outerShdw blurRad="57150" dist="19050" dir="5400000" algn="ctr" rotWithShape="0">
                 <a:srgbClr val="000000">
                   <a:alpha val="63000"/>
                 </a:srgbClr>
@@ -4428,15 +6617,14 @@
                 <a:rPr lang="en-US" sz="2200"/>
                 <a:t>IPSec</a:t>
               </a:r>
-              <a:endParaRPr lang="en-US" sz="2200"/>
             </a:p>
           </p:txBody>
         </p:sp>
         <p:sp>
           <p:nvSpPr>
-            <p:cNvPr id="0" name="" hidden="0"/>
+            <p:cNvPr id="18" name="Rectangle 17"/>
             <p:cNvSpPr/>
-            <p:nvPr isPhoto="0" userDrawn="0"/>
+            <p:nvPr/>
           </p:nvSpPr>
           <p:spPr bwMode="auto">
             <a:xfrm>
@@ -4494,21 +6682,23 @@
       </p:grpSp>
       <p:grpSp>
         <p:nvGrpSpPr>
-          <p:cNvPr id="9" name="Diagram 8" hidden="0"/>
+          <p:cNvPr id="9" name="Diagram 8"/>
           <p:cNvGrpSpPr/>
-          <p:nvPr isPhoto="0" userDrawn="0"/>
+          <p:nvPr/>
         </p:nvGrpSpPr>
         <p:grpSpPr bwMode="auto">
           <a:xfrm>
             <a:off x="524413" y="1843087"/>
             <a:ext cx="5325403" cy="3458437"/>
+            <a:chOff x="0" y="0"/>
+            <a:chExt cx="0" cy="0"/>
           </a:xfrm>
         </p:grpSpPr>
         <p:sp>
           <p:nvSpPr>
-            <p:cNvPr id="0" name="" hidden="0"/>
+            <p:cNvPr id="21" name="Arrow: Bent-Up 20"/>
             <p:cNvSpPr/>
-            <p:nvPr isPhoto="0" userDrawn="0"/>
+            <p:nvPr/>
           </p:nvSpPr>
           <p:spPr bwMode="auto">
             <a:xfrm rot="5400000">
@@ -4535,7 +6725,7 @@
               <a:noFill/>
             </a:ln>
             <a:effectLst>
-              <a:outerShdw blurRad="57150" dist="19050" dir="5400000" rotWithShape="0" algn="ctr">
+              <a:outerShdw blurRad="57150" dist="19050" dir="5400000" algn="ctr" rotWithShape="0">
                 <a:srgbClr val="000000">
                   <a:alpha val="63000"/>
                 </a:srgbClr>
@@ -4557,9 +6747,9 @@
         </p:sp>
         <p:sp>
           <p:nvSpPr>
-            <p:cNvPr id="0" name="" hidden="0"/>
+            <p:cNvPr id="22" name="Rectangle: Rounded Corners 21"/>
             <p:cNvSpPr/>
-            <p:nvPr isPhoto="0" userDrawn="0"/>
+            <p:nvPr/>
           </p:nvSpPr>
           <p:spPr bwMode="auto">
             <a:xfrm>
@@ -4613,7 +6803,7 @@
               <a:noFill/>
             </a:ln>
             <a:effectLst>
-              <a:outerShdw blurRad="57150" dist="19050" dir="5400000" rotWithShape="0" algn="ctr">
+              <a:outerShdw blurRad="57150" dist="19050" dir="5400000" algn="ctr" rotWithShape="0">
                 <a:srgbClr val="000000">
                   <a:alpha val="63000"/>
                 </a:srgbClr>
@@ -4663,9 +6853,9 @@
         </p:sp>
         <p:sp>
           <p:nvSpPr>
-            <p:cNvPr id="0" name="" hidden="0"/>
+            <p:cNvPr id="23" name="Rectangle 22"/>
             <p:cNvSpPr/>
-            <p:nvPr isPhoto="0" userDrawn="0"/>
+            <p:nvPr/>
           </p:nvSpPr>
           <p:spPr bwMode="auto">
             <a:xfrm>
@@ -4722,9 +6912,9 @@
         </p:sp>
         <p:sp>
           <p:nvSpPr>
-            <p:cNvPr id="0" name="" hidden="0"/>
+            <p:cNvPr id="26" name="Arrow: Bent-Up 25"/>
             <p:cNvSpPr/>
-            <p:nvPr isPhoto="0" userDrawn="0"/>
+            <p:nvPr/>
           </p:nvSpPr>
           <p:spPr bwMode="auto">
             <a:xfrm rot="5400000">
@@ -4751,7 +6941,7 @@
               <a:noFill/>
             </a:ln>
             <a:effectLst>
-              <a:outerShdw blurRad="57150" dist="19050" dir="5400000" rotWithShape="0" algn="ctr">
+              <a:outerShdw blurRad="57150" dist="19050" dir="5400000" algn="ctr" rotWithShape="0">
                 <a:srgbClr val="000000">
                   <a:alpha val="63000"/>
                 </a:srgbClr>
@@ -4773,9 +6963,9 @@
         </p:sp>
         <p:sp>
           <p:nvSpPr>
-            <p:cNvPr id="0" name="" hidden="0"/>
+            <p:cNvPr id="27" name="Rectangle: Rounded Corners 26"/>
             <p:cNvSpPr/>
-            <p:nvPr isPhoto="0" userDrawn="0"/>
+            <p:nvPr/>
           </p:nvSpPr>
           <p:spPr bwMode="auto">
             <a:xfrm>
@@ -4829,7 +7019,7 @@
               <a:noFill/>
             </a:ln>
             <a:effectLst>
-              <a:outerShdw blurRad="57150" dist="19050" dir="5400000" rotWithShape="0" algn="ctr">
+              <a:outerShdw blurRad="57150" dist="19050" dir="5400000" algn="ctr" rotWithShape="0">
                 <a:srgbClr val="000000">
                   <a:alpha val="63000"/>
                 </a:srgbClr>
@@ -4873,15 +7063,14 @@
                 <a:rPr lang="en-US" sz="2300"/>
                 <a:t>Photuris</a:t>
               </a:r>
-              <a:endParaRPr lang="en-US" sz="2300"/>
             </a:p>
           </p:txBody>
         </p:sp>
         <p:sp>
           <p:nvSpPr>
-            <p:cNvPr id="0" name="" hidden="0"/>
+            <p:cNvPr id="28" name="Rectangle 27"/>
             <p:cNvSpPr/>
-            <p:nvPr isPhoto="0" userDrawn="0"/>
+            <p:nvPr/>
           </p:nvSpPr>
           <p:spPr bwMode="auto">
             <a:xfrm>
@@ -4938,9 +7127,9 @@
         </p:sp>
         <p:sp>
           <p:nvSpPr>
-            <p:cNvPr id="0" name="" hidden="0"/>
+            <p:cNvPr id="29" name="Rectangle: Rounded Corners 28"/>
             <p:cNvSpPr/>
-            <p:nvPr isPhoto="0" userDrawn="0"/>
+            <p:nvPr/>
           </p:nvSpPr>
           <p:spPr bwMode="auto">
             <a:xfrm>
@@ -4994,7 +7183,7 @@
               <a:noFill/>
             </a:ln>
             <a:effectLst>
-              <a:outerShdw blurRad="57150" dist="19050" dir="5400000" rotWithShape="0" algn="ctr">
+              <a:outerShdw blurRad="57150" dist="19050" dir="5400000" algn="ctr" rotWithShape="0">
                 <a:srgbClr val="000000">
                   <a:alpha val="63000"/>
                 </a:srgbClr>
@@ -5044,9 +7233,9 @@
         </p:sp>
         <p:sp>
           <p:nvSpPr>
-            <p:cNvPr id="0" name="" hidden="0"/>
+            <p:cNvPr id="30" name="Rectangle 29"/>
             <p:cNvSpPr/>
-            <p:nvPr isPhoto="0" userDrawn="0"/>
+            <p:nvPr/>
           </p:nvSpPr>
           <p:spPr bwMode="auto">
             <a:xfrm>
@@ -5104,9 +7293,9 @@
       </p:grpSp>
       <p:grpSp>
         <p:nvGrpSpPr>
-          <p:cNvPr id="10" name="Group 9" hidden="0"/>
+          <p:cNvPr id="10" name="Group 9"/>
           <p:cNvGrpSpPr/>
-          <p:nvPr isPhoto="0" userDrawn="0"/>
+          <p:nvPr/>
         </p:nvGrpSpPr>
         <p:grpSpPr bwMode="auto">
           <a:xfrm>
@@ -5118,9 +7307,9 @@
         </p:grpSpPr>
         <p:sp>
           <p:nvSpPr>
-            <p:cNvPr id="11" name="Rectangle: Rounded Corners 10" hidden="0"/>
+            <p:cNvPr id="11" name="Rectangle: Rounded Corners 10"/>
             <p:cNvSpPr/>
-            <p:nvPr isPhoto="0" userDrawn="0"/>
+            <p:nvPr/>
           </p:nvSpPr>
           <p:spPr bwMode="auto">
             <a:xfrm>
@@ -5165,9 +7354,9 @@
         </p:sp>
         <p:sp>
           <p:nvSpPr>
-            <p:cNvPr id="12" name="Rectangle: Rounded Corners 4" hidden="0"/>
+            <p:cNvPr id="12" name="Rectangle: Rounded Corners 4"/>
             <p:cNvSpPr txBox="1"/>
-            <p:nvPr isPhoto="0" userDrawn="0"/>
+            <p:nvPr/>
           </p:nvSpPr>
           <p:spPr bwMode="auto">
             <a:xfrm>
@@ -5222,9 +7411,9 @@
       </p:grpSp>
       <p:grpSp>
         <p:nvGrpSpPr>
-          <p:cNvPr id="13" name="Group 12" hidden="0"/>
+          <p:cNvPr id="13" name="Group 12"/>
           <p:cNvGrpSpPr/>
-          <p:nvPr isPhoto="0" userDrawn="0"/>
+          <p:nvPr/>
         </p:nvGrpSpPr>
         <p:grpSpPr bwMode="auto">
           <a:xfrm>
@@ -5236,9 +7425,9 @@
         </p:grpSpPr>
         <p:sp>
           <p:nvSpPr>
-            <p:cNvPr id="14" name="Rectangle: Rounded Corners 13" hidden="0"/>
+            <p:cNvPr id="14" name="Rectangle: Rounded Corners 13"/>
             <p:cNvSpPr/>
-            <p:nvPr isPhoto="0" userDrawn="0"/>
+            <p:nvPr/>
           </p:nvSpPr>
           <p:spPr bwMode="auto">
             <a:xfrm>
@@ -5283,9 +7472,9 @@
         </p:sp>
         <p:sp>
           <p:nvSpPr>
-            <p:cNvPr id="15" name="Rectangle: Rounded Corners 4" hidden="0"/>
+            <p:cNvPr id="15" name="Rectangle: Rounded Corners 4"/>
             <p:cNvSpPr txBox="1"/>
-            <p:nvPr isPhoto="0" userDrawn="0"/>
+            <p:nvPr/>
           </p:nvSpPr>
           <p:spPr bwMode="auto">
             <a:xfrm>
@@ -5340,9 +7529,9 @@
       </p:grpSp>
       <p:sp>
         <p:nvSpPr>
-          <p:cNvPr id="16" name="Arrow: Bent-Up 15" hidden="0"/>
+          <p:cNvPr id="16" name="Arrow: Bent-Up 15"/>
           <p:cNvSpPr/>
-          <p:nvPr isPhoto="0" userDrawn="0"/>
+          <p:nvPr/>
         </p:nvSpPr>
         <p:spPr bwMode="auto">
           <a:xfrm rot="16199999" flipH="1">
@@ -5406,9 +7595,9 @@
       </p:sp>
       <p:sp>
         <p:nvSpPr>
-          <p:cNvPr id="17" name="Arrow: Bent-Up 16" hidden="0"/>
+          <p:cNvPr id="17" name="Arrow: Bent-Up 16"/>
           <p:cNvSpPr/>
-          <p:nvPr isPhoto="0" userDrawn="0"/>
+          <p:nvPr/>
         </p:nvSpPr>
         <p:spPr bwMode="auto">
           <a:xfrm rot="5400000">
@@ -5462,9 +7651,9 @@
       </p:sp>
       <p:sp>
         <p:nvSpPr>
-          <p:cNvPr id="19" name="Arrow: Down 18" hidden="0"/>
+          <p:cNvPr id="19" name="Arrow: Down 18"/>
           <p:cNvSpPr/>
-          <p:nvPr isPhoto="0" userDrawn="0"/>
+          <p:nvPr/>
         </p:nvSpPr>
         <p:spPr bwMode="auto">
           <a:xfrm>
@@ -5490,7 +7679,7 @@
             <a:noFill/>
           </a:ln>
           <a:effectLst>
-            <a:outerShdw blurRad="57150" dist="19050" dir="5400000" rotWithShape="0" algn="ctr">
+            <a:outerShdw blurRad="57150" dist="19050" dir="5400000" algn="ctr" rotWithShape="0">
               <a:srgbClr val="000000">
                 <a:alpha val="63000"/>
               </a:srgbClr>
@@ -5510,9 +7699,9 @@
       </p:sp>
       <p:sp>
         <p:nvSpPr>
-          <p:cNvPr id="20" name="TextBox 19" hidden="0"/>
+          <p:cNvPr id="20" name="TextBox 19"/>
           <p:cNvSpPr txBox="1"/>
-          <p:nvPr isPhoto="0" userDrawn="0"/>
+          <p:nvPr/>
         </p:nvSpPr>
         <p:spPr bwMode="auto">
           <a:xfrm>
@@ -5563,9 +7752,9 @@
       </p:sp>
       <p:sp>
         <p:nvSpPr>
-          <p:cNvPr id="24" name="Arrow: Bent-Up 23" hidden="0"/>
+          <p:cNvPr id="24" name="Arrow: Bent-Up 23"/>
           <p:cNvSpPr/>
-          <p:nvPr isPhoto="0" userDrawn="0"/>
+          <p:nvPr/>
         </p:nvSpPr>
         <p:spPr bwMode="auto">
           <a:xfrm rot="16199999" flipH="1">
@@ -5619,9 +7808,9 @@
       </p:sp>
       <p:sp>
         <p:nvSpPr>
-          <p:cNvPr id="25" name="Arrow: Right 24" hidden="0"/>
+          <p:cNvPr id="25" name="Arrow: Right 24"/>
           <p:cNvSpPr/>
-          <p:nvPr isPhoto="0" userDrawn="0"/>
+          <p:nvPr/>
         </p:nvSpPr>
         <p:spPr bwMode="auto">
           <a:xfrm flipH="1">
@@ -5687,25 +7876,17 @@
   <p:clrMapOvr>
     <a:masterClrMapping/>
   </p:clrMapOvr>
-  <mc:AlternateContent xmlns:mc="http://schemas.openxmlformats.org/markup-compatibility/2006">
-    <mc:Choice xmlns:p14="http://schemas.microsoft.com/office/powerpoint/2010/main" Requires="p14">
-      <p:transition p14:dur="2000" advClick="1"/>
-    </mc:Choice>
-    <mc:Fallback>
-      <p:transition advClick="1"/>
-    </mc:Fallback>
-  </mc:AlternateContent>
 </p:sld>
 </file>
 
 <file path=ppt/slides/slide4.xml><?xml version="1.0" encoding="utf-8"?>
-<p:sld xmlns:a="http://schemas.openxmlformats.org/drawingml/2006/main" xmlns:r="http://schemas.openxmlformats.org/officeDocument/2006/relationships" xmlns:p="http://schemas.openxmlformats.org/presentationml/2006/main" xmlns:m="http://schemas.openxmlformats.org/officeDocument/2006/math" xmlns:w="http://schemas.openxmlformats.org/wordprocessingml/2006/main" showMasterPhAnim="0" show="1">
-  <p:cSld name="">
+<p:sld xmlns:a="http://schemas.openxmlformats.org/drawingml/2006/main" xmlns:r="http://schemas.openxmlformats.org/officeDocument/2006/relationships" xmlns:p="http://schemas.openxmlformats.org/presentationml/2006/main" showMasterPhAnim="0">
+  <p:cSld>
     <p:spTree>
       <p:nvGrpSpPr>
-        <p:cNvPr id="1" name="" hidden="0"/>
+        <p:cNvPr id="1" name=""/>
         <p:cNvGrpSpPr/>
-        <p:nvPr isPhoto="0" userDrawn="0"/>
+        <p:nvPr/>
       </p:nvGrpSpPr>
       <p:grpSpPr bwMode="auto">
         <a:xfrm>
@@ -5717,12 +7898,12 @@
       </p:grpSpPr>
       <p:sp>
         <p:nvSpPr>
-          <p:cNvPr id="2" name="Title 1" hidden="0"/>
-          <p:cNvSpPr>
-            <a:spLocks noGrp="1"/>
-          </p:cNvSpPr>
-          <p:nvPr isPhoto="0" userDrawn="0">
-            <p:ph type="title" hasCustomPrompt="0"/>
+          <p:cNvPr id="2" name="Title 1"/>
+          <p:cNvSpPr>
+            <a:spLocks noGrp="1"/>
+          </p:cNvSpPr>
+          <p:nvPr>
+            <p:ph type="title"/>
           </p:nvPr>
         </p:nvSpPr>
         <p:spPr bwMode="auto"/>
@@ -5743,12 +7924,12 @@
       </p:sp>
       <p:sp>
         <p:nvSpPr>
-          <p:cNvPr id="3" name="Content Placeholder 2" hidden="0"/>
-          <p:cNvSpPr>
-            <a:spLocks noGrp="1"/>
-          </p:cNvSpPr>
-          <p:nvPr isPhoto="0" userDrawn="0">
-            <p:ph idx="1" hasCustomPrompt="0"/>
+          <p:cNvPr id="3" name="Content Placeholder 2"/>
+          <p:cNvSpPr>
+            <a:spLocks noGrp="1"/>
+          </p:cNvSpPr>
+          <p:nvPr>
+            <p:ph idx="1"/>
           </p:nvPr>
         </p:nvSpPr>
         <p:spPr bwMode="auto"/>
@@ -5805,12 +7986,12 @@
       </p:sp>
       <p:sp>
         <p:nvSpPr>
-          <p:cNvPr id="5" name="Footer Placeholder 4" hidden="0"/>
-          <p:cNvSpPr>
-            <a:spLocks noGrp="1"/>
-          </p:cNvSpPr>
-          <p:nvPr isPhoto="0" userDrawn="0">
-            <p:ph type="ftr" sz="quarter" idx="11" hasCustomPrompt="0"/>
+          <p:cNvPr id="5" name="Footer Placeholder 4"/>
+          <p:cNvSpPr>
+            <a:spLocks noGrp="1"/>
+          </p:cNvSpPr>
+          <p:nvPr>
+            <p:ph type="ftr" sz="quarter" idx="11"/>
           </p:nvPr>
         </p:nvSpPr>
         <p:spPr bwMode="auto"/>
@@ -5833,11 +8014,11 @@
       </p:sp>
       <p:pic>
         <p:nvPicPr>
-          <p:cNvPr id="7" name="Picture 6" hidden="0"/>
+          <p:cNvPr id="7" name="Picture 6"/>
           <p:cNvPicPr>
             <a:picLocks noChangeAspect="1"/>
           </p:cNvPicPr>
-          <p:nvPr isPhoto="0" userDrawn="0"/>
+          <p:nvPr/>
         </p:nvPicPr>
         <p:blipFill>
           <a:blip r:embed="rId2"/>
@@ -5855,9 +8036,9 @@
       </p:pic>
       <p:sp>
         <p:nvSpPr>
-          <p:cNvPr id="8" name="TextBox 7" hidden="0"/>
+          <p:cNvPr id="8" name="TextBox 7"/>
           <p:cNvSpPr txBox="1"/>
-          <p:nvPr isPhoto="0" userDrawn="0"/>
+          <p:nvPr/>
         </p:nvSpPr>
         <p:spPr bwMode="auto">
           <a:xfrm rot="1453306">
@@ -5888,11 +8069,11 @@
       </p:sp>
       <p:pic>
         <p:nvPicPr>
-          <p:cNvPr id="17" name="Picture 16" hidden="0"/>
+          <p:cNvPr id="17" name="Picture 16"/>
           <p:cNvPicPr>
             <a:picLocks noChangeAspect="1"/>
           </p:cNvPicPr>
-          <p:nvPr isPhoto="0" userDrawn="0"/>
+          <p:nvPr/>
         </p:nvPicPr>
         <p:blipFill>
           <a:blip r:embed="rId3"/>
@@ -5910,9 +8091,9 @@
       </p:pic>
       <p:sp>
         <p:nvSpPr>
-          <p:cNvPr id="14" name="TextBox 13" hidden="0"/>
+          <p:cNvPr id="14" name="TextBox 13"/>
           <p:cNvSpPr txBox="1"/>
-          <p:nvPr isPhoto="0" userDrawn="0"/>
+          <p:nvPr/>
         </p:nvSpPr>
         <p:spPr bwMode="auto">
           <a:xfrm rot="17322485">
@@ -5943,9 +8124,9 @@
       </p:sp>
       <p:sp>
         <p:nvSpPr>
-          <p:cNvPr id="21" name="TextBox 20" hidden="0"/>
+          <p:cNvPr id="21" name="TextBox 20"/>
           <p:cNvSpPr txBox="1"/>
-          <p:nvPr isPhoto="0" userDrawn="0"/>
+          <p:nvPr/>
         </p:nvSpPr>
         <p:spPr bwMode="auto">
           <a:xfrm rot="21192561">
@@ -5976,9 +8157,9 @@
       </p:sp>
       <p:sp>
         <p:nvSpPr>
-          <p:cNvPr id="22" name="TextBox 21" hidden="0"/>
+          <p:cNvPr id="22" name="TextBox 21"/>
           <p:cNvSpPr txBox="1"/>
-          <p:nvPr isPhoto="0" userDrawn="0"/>
+          <p:nvPr/>
         </p:nvSpPr>
         <p:spPr bwMode="auto">
           <a:xfrm>
@@ -6013,11 +8194,11 @@
       </p:sp>
       <p:pic>
         <p:nvPicPr>
-          <p:cNvPr id="23" name="Picture 22" hidden="0"/>
+          <p:cNvPr id="23" name="Picture 22"/>
           <p:cNvPicPr>
             <a:picLocks noChangeAspect="1"/>
           </p:cNvPicPr>
-          <p:nvPr isPhoto="0" userDrawn="0"/>
+          <p:nvPr/>
         </p:nvPicPr>
         <p:blipFill>
           <a:blip r:embed="rId4"/>
@@ -6038,25 +8219,17 @@
   <p:clrMapOvr>
     <a:masterClrMapping/>
   </p:clrMapOvr>
-  <mc:AlternateContent xmlns:mc="http://schemas.openxmlformats.org/markup-compatibility/2006">
-    <mc:Choice xmlns:p14="http://schemas.microsoft.com/office/powerpoint/2010/main" Requires="p14">
-      <p:transition p14:dur="2000" advClick="1"/>
-    </mc:Choice>
-    <mc:Fallback>
-      <p:transition advClick="1"/>
-    </mc:Fallback>
-  </mc:AlternateContent>
 </p:sld>
 </file>
 
 <file path=ppt/slides/slide5.xml><?xml version="1.0" encoding="utf-8"?>
-<p:sld xmlns:a="http://schemas.openxmlformats.org/drawingml/2006/main" xmlns:r="http://schemas.openxmlformats.org/officeDocument/2006/relationships" xmlns:p="http://schemas.openxmlformats.org/presentationml/2006/main" xmlns:m="http://schemas.openxmlformats.org/officeDocument/2006/math" xmlns:w="http://schemas.openxmlformats.org/wordprocessingml/2006/main" showMasterPhAnim="0" show="1">
-  <p:cSld name="">
+<p:sld xmlns:a="http://schemas.openxmlformats.org/drawingml/2006/main" xmlns:r="http://schemas.openxmlformats.org/officeDocument/2006/relationships" xmlns:p="http://schemas.openxmlformats.org/presentationml/2006/main" showMasterPhAnim="0">
+  <p:cSld>
     <p:spTree>
       <p:nvGrpSpPr>
-        <p:cNvPr id="1" name="" hidden="0"/>
+        <p:cNvPr id="1" name=""/>
         <p:cNvGrpSpPr/>
-        <p:nvPr isPhoto="0" userDrawn="0"/>
+        <p:nvPr/>
       </p:nvGrpSpPr>
       <p:grpSpPr bwMode="auto">
         <a:xfrm>
@@ -6068,12 +8241,12 @@
       </p:grpSpPr>
       <p:sp>
         <p:nvSpPr>
-          <p:cNvPr id="2" name="Title 1" hidden="0"/>
-          <p:cNvSpPr>
-            <a:spLocks noGrp="1"/>
-          </p:cNvSpPr>
-          <p:nvPr isPhoto="0" userDrawn="0">
-            <p:ph type="title" hasCustomPrompt="0"/>
+          <p:cNvPr id="2" name="Title 1"/>
+          <p:cNvSpPr>
+            <a:spLocks noGrp="1"/>
+          </p:cNvSpPr>
+          <p:nvPr>
+            <p:ph type="title"/>
           </p:nvPr>
         </p:nvSpPr>
         <p:spPr bwMode="auto"/>
@@ -6094,12 +8267,12 @@
       </p:sp>
       <p:sp>
         <p:nvSpPr>
-          <p:cNvPr id="3" name="Content Placeholder 2" hidden="0"/>
-          <p:cNvSpPr>
-            <a:spLocks noGrp="1"/>
-          </p:cNvSpPr>
-          <p:nvPr isPhoto="0" userDrawn="0">
-            <p:ph idx="1" hasCustomPrompt="0"/>
+          <p:cNvPr id="3" name="Content Placeholder 2"/>
+          <p:cNvSpPr>
+            <a:spLocks noGrp="1"/>
+          </p:cNvSpPr>
+          <p:nvPr>
+            <p:ph idx="1"/>
           </p:nvPr>
         </p:nvSpPr>
         <p:spPr bwMode="auto"/>
@@ -6122,15 +8295,7 @@
             </a:pPr>
             <a:r>
               <a:rPr lang="en-US"/>
-              <a:t>Phase 1: Mutual </a:t>
-            </a:r>
-            <a:r>
-              <a:rPr lang="en-US"/>
-              <a:t>Authenticaiton</a:t>
-            </a:r>
-            <a:r>
-              <a:rPr lang="en-US"/>
-              <a:t> and Session Keys = IKE SA</a:t>
+              <a:t>Phase 1: Mutual Authenticaiton and Session Keys = IKE SA</a:t>
             </a:r>
             <a:endParaRPr/>
           </a:p>
@@ -6148,12 +8313,12 @@
       </p:sp>
       <p:sp>
         <p:nvSpPr>
-          <p:cNvPr id="4" name="Footer Placeholder 3" hidden="0"/>
-          <p:cNvSpPr>
-            <a:spLocks noGrp="1"/>
-          </p:cNvSpPr>
-          <p:nvPr isPhoto="0" userDrawn="0">
-            <p:ph type="ftr" sz="quarter" idx="11" hasCustomPrompt="0"/>
+          <p:cNvPr id="4" name="Footer Placeholder 3"/>
+          <p:cNvSpPr>
+            <a:spLocks noGrp="1"/>
+          </p:cNvSpPr>
+          <p:nvPr>
+            <p:ph type="ftr" sz="quarter" idx="11"/>
           </p:nvPr>
         </p:nvSpPr>
         <p:spPr bwMode="auto"/>
@@ -6176,9 +8341,9 @@
       </p:sp>
       <p:sp>
         <p:nvSpPr>
-          <p:cNvPr id="5" name="TextBox 4" hidden="0"/>
+          <p:cNvPr id="5" name="TextBox 4"/>
           <p:cNvSpPr txBox="1"/>
-          <p:nvPr isPhoto="0" userDrawn="0"/>
+          <p:nvPr/>
         </p:nvSpPr>
         <p:spPr bwMode="auto">
           <a:xfrm>
@@ -6239,11 +8404,11 @@
       </p:sp>
       <p:pic>
         <p:nvPicPr>
-          <p:cNvPr id="7" name="Picture 6" hidden="0"/>
+          <p:cNvPr id="7" name="Picture 6"/>
           <p:cNvPicPr>
             <a:picLocks noChangeAspect="1"/>
           </p:cNvPicPr>
-          <p:nvPr isPhoto="0" userDrawn="0"/>
+          <p:nvPr/>
         </p:nvPicPr>
         <p:blipFill>
           <a:blip r:embed="rId2"/>
@@ -6264,25 +8429,17 @@
   <p:clrMapOvr>
     <a:masterClrMapping/>
   </p:clrMapOvr>
-  <mc:AlternateContent xmlns:mc="http://schemas.openxmlformats.org/markup-compatibility/2006">
-    <mc:Choice xmlns:p14="http://schemas.microsoft.com/office/powerpoint/2010/main" Requires="p14">
-      <p:transition p14:dur="2000" advClick="1"/>
-    </mc:Choice>
-    <mc:Fallback>
-      <p:transition advClick="1"/>
-    </mc:Fallback>
-  </mc:AlternateContent>
 </p:sld>
 </file>
 
 <file path=ppt/slides/slide6.xml><?xml version="1.0" encoding="utf-8"?>
-<p:sld xmlns:a="http://schemas.openxmlformats.org/drawingml/2006/main" xmlns:r="http://schemas.openxmlformats.org/officeDocument/2006/relationships" xmlns:p="http://schemas.openxmlformats.org/presentationml/2006/main" xmlns:m="http://schemas.openxmlformats.org/officeDocument/2006/math" xmlns:w="http://schemas.openxmlformats.org/wordprocessingml/2006/main" showMasterPhAnim="0" show="1">
-  <p:cSld name="">
+<p:sld xmlns:a="http://schemas.openxmlformats.org/drawingml/2006/main" xmlns:r="http://schemas.openxmlformats.org/officeDocument/2006/relationships" xmlns:p="http://schemas.openxmlformats.org/presentationml/2006/main" showMasterPhAnim="0">
+  <p:cSld>
     <p:spTree>
       <p:nvGrpSpPr>
-        <p:cNvPr id="1" name="" hidden="0"/>
+        <p:cNvPr id="1" name=""/>
         <p:cNvGrpSpPr/>
-        <p:nvPr isPhoto="0" userDrawn="0"/>
+        <p:nvPr/>
       </p:nvGrpSpPr>
       <p:grpSpPr bwMode="auto">
         <a:xfrm>
@@ -6294,12 +8451,12 @@
       </p:grpSpPr>
       <p:sp>
         <p:nvSpPr>
-          <p:cNvPr id="2" name="Title 1" hidden="0"/>
-          <p:cNvSpPr>
-            <a:spLocks noGrp="1"/>
-          </p:cNvSpPr>
-          <p:nvPr isPhoto="0" userDrawn="0">
-            <p:ph type="title" hasCustomPrompt="0"/>
+          <p:cNvPr id="2" name="Title 1"/>
+          <p:cNvSpPr>
+            <a:spLocks noGrp="1"/>
+          </p:cNvSpPr>
+          <p:nvPr>
+            <p:ph type="title"/>
           </p:nvPr>
         </p:nvSpPr>
         <p:spPr bwMode="auto"/>
@@ -6320,12 +8477,12 @@
       </p:sp>
       <p:sp>
         <p:nvSpPr>
-          <p:cNvPr id="3" name="Content Placeholder 2" hidden="0"/>
-          <p:cNvSpPr>
-            <a:spLocks noGrp="1"/>
-          </p:cNvSpPr>
-          <p:nvPr isPhoto="0" userDrawn="0">
-            <p:ph idx="1" hasCustomPrompt="0"/>
+          <p:cNvPr id="3" name="Content Placeholder 2"/>
+          <p:cNvSpPr>
+            <a:spLocks noGrp="1"/>
+          </p:cNvSpPr>
+          <p:nvPr>
+            <p:ph idx="1"/>
           </p:nvPr>
         </p:nvSpPr>
         <p:spPr bwMode="auto">
@@ -6367,12 +8524,12 @@
       </p:sp>
       <p:sp>
         <p:nvSpPr>
-          <p:cNvPr id="4" name="Footer Placeholder 3" hidden="0"/>
-          <p:cNvSpPr>
-            <a:spLocks noGrp="1"/>
-          </p:cNvSpPr>
-          <p:nvPr isPhoto="0" userDrawn="0">
-            <p:ph type="ftr" sz="quarter" idx="11" hasCustomPrompt="0"/>
+          <p:cNvPr id="4" name="Footer Placeholder 3"/>
+          <p:cNvSpPr>
+            <a:spLocks noGrp="1"/>
+          </p:cNvSpPr>
+          <p:nvPr>
+            <p:ph type="ftr" sz="quarter" idx="11"/>
           </p:nvPr>
         </p:nvSpPr>
         <p:spPr bwMode="auto"/>
@@ -6395,11 +8552,11 @@
       </p:sp>
       <p:pic>
         <p:nvPicPr>
-          <p:cNvPr id="6" name="Picture 5" hidden="0"/>
+          <p:cNvPr id="6" name="Picture 5"/>
           <p:cNvPicPr>
             <a:picLocks noChangeAspect="1"/>
           </p:cNvPicPr>
-          <p:nvPr isPhoto="0" userDrawn="0"/>
+          <p:nvPr/>
         </p:nvPicPr>
         <p:blipFill>
           <a:blip r:embed="rId2"/>
@@ -6417,11 +8574,11 @@
       </p:pic>
       <p:pic>
         <p:nvPicPr>
-          <p:cNvPr id="8" name="Picture 7" hidden="0"/>
+          <p:cNvPr id="8" name="Picture 7"/>
           <p:cNvPicPr>
             <a:picLocks noChangeAspect="1"/>
           </p:cNvPicPr>
-          <p:nvPr isPhoto="0" userDrawn="0"/>
+          <p:nvPr/>
         </p:nvPicPr>
         <p:blipFill>
           <a:blip r:embed="rId3"/>
@@ -6439,9 +8596,9 @@
       </p:pic>
       <p:sp>
         <p:nvSpPr>
-          <p:cNvPr id="9" name="Content Placeholder 2" hidden="0"/>
+          <p:cNvPr id="9" name="Content Placeholder 2"/>
           <p:cNvSpPr txBox="1"/>
-          <p:nvPr isPhoto="0" userDrawn="0"/>
+          <p:nvPr/>
         </p:nvSpPr>
         <p:spPr bwMode="auto">
           <a:xfrm>
@@ -6650,11 +8807,11 @@
       </p:sp>
       <p:pic>
         <p:nvPicPr>
-          <p:cNvPr id="11" name="Picture 10" hidden="0"/>
+          <p:cNvPr id="11" name="Picture 10"/>
           <p:cNvPicPr>
             <a:picLocks noChangeAspect="1"/>
           </p:cNvPicPr>
-          <p:nvPr isPhoto="0" userDrawn="0"/>
+          <p:nvPr/>
         </p:nvPicPr>
         <p:blipFill>
           <a:blip r:embed="rId4"/>
@@ -6672,11 +8829,11 @@
       </p:pic>
       <p:pic>
         <p:nvPicPr>
-          <p:cNvPr id="13" name="Picture 12" hidden="0"/>
+          <p:cNvPr id="13" name="Picture 12"/>
           <p:cNvPicPr>
             <a:picLocks noChangeAspect="1"/>
           </p:cNvPicPr>
-          <p:nvPr isPhoto="0" userDrawn="0"/>
+          <p:nvPr/>
         </p:nvPicPr>
         <p:blipFill>
           <a:blip r:embed="rId5"/>
@@ -6697,25 +8854,17 @@
   <p:clrMapOvr>
     <a:masterClrMapping/>
   </p:clrMapOvr>
-  <mc:AlternateContent xmlns:mc="http://schemas.openxmlformats.org/markup-compatibility/2006">
-    <mc:Choice xmlns:p14="http://schemas.microsoft.com/office/powerpoint/2010/main" Requires="p14">
-      <p:transition p14:dur="2000" advClick="1"/>
-    </mc:Choice>
-    <mc:Fallback>
-      <p:transition advClick="1"/>
-    </mc:Fallback>
-  </mc:AlternateContent>
 </p:sld>
 </file>
 
 <file path=ppt/slides/slide7.xml><?xml version="1.0" encoding="utf-8"?>
-<p:sld xmlns:a="http://schemas.openxmlformats.org/drawingml/2006/main" xmlns:r="http://schemas.openxmlformats.org/officeDocument/2006/relationships" xmlns:p="http://schemas.openxmlformats.org/presentationml/2006/main" xmlns:m="http://schemas.openxmlformats.org/officeDocument/2006/math" xmlns:w="http://schemas.openxmlformats.org/wordprocessingml/2006/main" showMasterPhAnim="0" show="1">
-  <p:cSld name="">
+<p:sld xmlns:a="http://schemas.openxmlformats.org/drawingml/2006/main" xmlns:r="http://schemas.openxmlformats.org/officeDocument/2006/relationships" xmlns:p="http://schemas.openxmlformats.org/presentationml/2006/main" showMasterPhAnim="0">
+  <p:cSld>
     <p:spTree>
       <p:nvGrpSpPr>
-        <p:cNvPr id="1" name="" hidden="0"/>
+        <p:cNvPr id="1" name=""/>
         <p:cNvGrpSpPr/>
-        <p:nvPr isPhoto="0" userDrawn="0"/>
+        <p:nvPr/>
       </p:nvGrpSpPr>
       <p:grpSpPr bwMode="auto">
         <a:xfrm>
@@ -6727,12 +8876,12 @@
       </p:grpSpPr>
       <p:sp>
         <p:nvSpPr>
-          <p:cNvPr id="2" name="Title 1" hidden="0"/>
-          <p:cNvSpPr>
-            <a:spLocks noGrp="1"/>
-          </p:cNvSpPr>
-          <p:nvPr isPhoto="0" userDrawn="0">
-            <p:ph type="title" hasCustomPrompt="0"/>
+          <p:cNvPr id="2" name="Title 1"/>
+          <p:cNvSpPr>
+            <a:spLocks noGrp="1"/>
+          </p:cNvSpPr>
+          <p:nvPr>
+            <p:ph type="title"/>
           </p:nvPr>
         </p:nvSpPr>
         <p:spPr bwMode="auto"/>
@@ -6753,12 +8902,12 @@
       </p:sp>
       <p:sp>
         <p:nvSpPr>
-          <p:cNvPr id="3" name="Content Placeholder 2" hidden="0"/>
-          <p:cNvSpPr>
-            <a:spLocks noGrp="1"/>
-          </p:cNvSpPr>
-          <p:nvPr isPhoto="0" userDrawn="0">
-            <p:ph idx="1" hasCustomPrompt="0"/>
+          <p:cNvPr id="3" name="Content Placeholder 2"/>
+          <p:cNvSpPr>
+            <a:spLocks noGrp="1"/>
+          </p:cNvSpPr>
+          <p:nvPr>
+            <p:ph idx="1"/>
           </p:nvPr>
         </p:nvSpPr>
         <p:spPr bwMode="auto"/>
@@ -6770,51 +8919,50 @@
               <a:defRPr/>
             </a:pPr>
             <a:r>
-              <a:rPr lang="en-US"/>
+              <a:rPr lang="en-US" dirty="0"/>
+              <a:t>Public Key Signature</a:t>
+            </a:r>
+          </a:p>
+          <a:p>
+            <a:pPr>
+              <a:defRPr/>
+            </a:pPr>
+            <a:r>
+              <a:rPr lang="en-US" dirty="0"/>
               <a:t>Original Public Key Encryption</a:t>
             </a:r>
-            <a:endParaRPr/>
-          </a:p>
-          <a:p>
-            <a:pPr>
-              <a:defRPr/>
-            </a:pPr>
-            <a:r>
-              <a:rPr lang="en-US"/>
+            <a:endParaRPr dirty="0"/>
+          </a:p>
+          <a:p>
+            <a:pPr>
+              <a:defRPr/>
+            </a:pPr>
+            <a:r>
+              <a:rPr lang="en-US" dirty="0"/>
               <a:t>Revised Public Key Encryption</a:t>
             </a:r>
-            <a:endParaRPr/>
-          </a:p>
-          <a:p>
-            <a:pPr>
-              <a:defRPr/>
-            </a:pPr>
-            <a:r>
-              <a:rPr lang="en-US"/>
-              <a:t>Public Key Signature</a:t>
-            </a:r>
-            <a:endParaRPr/>
-          </a:p>
-          <a:p>
-            <a:pPr>
-              <a:defRPr/>
-            </a:pPr>
-            <a:r>
-              <a:rPr lang="en-US"/>
+            <a:endParaRPr dirty="0"/>
+          </a:p>
+          <a:p>
+            <a:pPr>
+              <a:defRPr/>
+            </a:pPr>
+            <a:r>
+              <a:rPr lang="en-US" dirty="0"/>
               <a:t>Pre-shared secret Key</a:t>
             </a:r>
-            <a:endParaRPr/>
-          </a:p>
-        </p:txBody>
-      </p:sp>
-      <p:sp>
-        <p:nvSpPr>
-          <p:cNvPr id="4" name="Footer Placeholder 3" hidden="0"/>
-          <p:cNvSpPr>
-            <a:spLocks noGrp="1"/>
-          </p:cNvSpPr>
-          <p:nvPr isPhoto="0" userDrawn="0">
-            <p:ph type="ftr" sz="quarter" idx="11" hasCustomPrompt="0"/>
+            <a:endParaRPr dirty="0"/>
+          </a:p>
+        </p:txBody>
+      </p:sp>
+      <p:sp>
+        <p:nvSpPr>
+          <p:cNvPr id="4" name="Footer Placeholder 3"/>
+          <p:cNvSpPr>
+            <a:spLocks noGrp="1"/>
+          </p:cNvSpPr>
+          <p:nvPr>
+            <p:ph type="ftr" sz="quarter" idx="11"/>
           </p:nvPr>
         </p:nvSpPr>
         <p:spPr bwMode="auto"/>
@@ -6837,11 +8985,11 @@
       </p:sp>
       <p:pic>
         <p:nvPicPr>
-          <p:cNvPr id="8" name="Picture 7" hidden="0"/>
+          <p:cNvPr id="8" name="Picture 7"/>
           <p:cNvPicPr>
             <a:picLocks noChangeAspect="1"/>
           </p:cNvPicPr>
-          <p:nvPr isPhoto="0" userDrawn="0"/>
+          <p:nvPr/>
         </p:nvPicPr>
         <p:blipFill>
           <a:blip r:embed="rId2"/>
@@ -6862,25 +9010,17 @@
   <p:clrMapOvr>
     <a:masterClrMapping/>
   </p:clrMapOvr>
-  <mc:AlternateContent xmlns:mc="http://schemas.openxmlformats.org/markup-compatibility/2006">
-    <mc:Choice xmlns:p14="http://schemas.microsoft.com/office/powerpoint/2010/main" Requires="p14">
-      <p:transition p14:dur="2000" advClick="1"/>
-    </mc:Choice>
-    <mc:Fallback>
-      <p:transition advClick="1"/>
-    </mc:Fallback>
-  </mc:AlternateContent>
 </p:sld>
 </file>
 
 <file path=ppt/slides/slide8.xml><?xml version="1.0" encoding="utf-8"?>
-<p:sld xmlns:a="http://schemas.openxmlformats.org/drawingml/2006/main" xmlns:r="http://schemas.openxmlformats.org/officeDocument/2006/relationships" xmlns:p="http://schemas.openxmlformats.org/presentationml/2006/main" xmlns:m="http://schemas.openxmlformats.org/officeDocument/2006/math" xmlns:w="http://schemas.openxmlformats.org/wordprocessingml/2006/main" showMasterPhAnim="0" show="1">
-  <p:cSld name="">
+<p:sld xmlns:a="http://schemas.openxmlformats.org/drawingml/2006/main" xmlns:r="http://schemas.openxmlformats.org/officeDocument/2006/relationships" xmlns:p="http://schemas.openxmlformats.org/presentationml/2006/main" showMasterPhAnim="0">
+  <p:cSld>
     <p:spTree>
       <p:nvGrpSpPr>
-        <p:cNvPr id="1" name="" hidden="0"/>
+        <p:cNvPr id="1" name=""/>
         <p:cNvGrpSpPr/>
-        <p:nvPr isPhoto="0" userDrawn="0"/>
+        <p:nvPr/>
       </p:nvGrpSpPr>
       <p:grpSpPr bwMode="auto">
         <a:xfrm>
@@ -6892,12 +9032,12 @@
       </p:grpSpPr>
       <p:sp>
         <p:nvSpPr>
-          <p:cNvPr id="2" name="Title 1" hidden="0"/>
-          <p:cNvSpPr>
-            <a:spLocks noGrp="1"/>
-          </p:cNvSpPr>
-          <p:nvPr isPhoto="0" userDrawn="0">
-            <p:ph type="title" hasCustomPrompt="0"/>
+          <p:cNvPr id="2" name="Title 1"/>
+          <p:cNvSpPr>
+            <a:spLocks noGrp="1"/>
+          </p:cNvSpPr>
+          <p:nvPr>
+            <p:ph type="title"/>
           </p:nvPr>
         </p:nvSpPr>
         <p:spPr bwMode="auto"/>
@@ -6918,12 +9058,12 @@
       </p:sp>
       <p:sp>
         <p:nvSpPr>
-          <p:cNvPr id="3" name="Content Placeholder 2" hidden="0"/>
-          <p:cNvSpPr>
-            <a:spLocks noGrp="1"/>
-          </p:cNvSpPr>
-          <p:nvPr isPhoto="0" userDrawn="0">
-            <p:ph idx="1" hasCustomPrompt="0"/>
+          <p:cNvPr id="3" name="Content Placeholder 2"/>
+          <p:cNvSpPr>
+            <a:spLocks noGrp="1"/>
+          </p:cNvSpPr>
+          <p:nvPr>
+            <p:ph idx="1"/>
           </p:nvPr>
         </p:nvSpPr>
         <p:spPr bwMode="auto"/>
@@ -6935,81 +9075,81 @@
               <a:defRPr/>
             </a:pPr>
             <a:r>
-              <a:rPr lang="en-US"/>
+              <a:rPr lang="en-US" dirty="0"/>
               <a:t>Choose a Mode </a:t>
             </a:r>
-            <a:endParaRPr/>
+            <a:endParaRPr dirty="0"/>
           </a:p>
           <a:p>
             <a:pPr lvl="1">
               <a:defRPr/>
             </a:pPr>
             <a:r>
-              <a:rPr lang="en-US"/>
+              <a:rPr lang="en-US" dirty="0"/>
               <a:t>Aggressive or Main</a:t>
             </a:r>
-            <a:endParaRPr/>
-          </a:p>
-          <a:p>
-            <a:pPr>
-              <a:defRPr/>
-            </a:pPr>
-            <a:r>
-              <a:rPr lang="en-US"/>
+            <a:endParaRPr dirty="0"/>
+          </a:p>
+          <a:p>
+            <a:pPr>
+              <a:defRPr/>
+            </a:pPr>
+            <a:r>
+              <a:rPr lang="en-US" dirty="0"/>
               <a:t>Authenticate and Protect </a:t>
             </a:r>
             <a:r>
-              <a:rPr lang="en-US"/>
+              <a:rPr lang="en-US" dirty="0" err="1"/>
               <a:t>IPSec</a:t>
             </a:r>
             <a:r>
-              <a:rPr lang="en-US"/>
+              <a:rPr lang="en-US" dirty="0"/>
               <a:t> Peers</a:t>
             </a:r>
-            <a:endParaRPr/>
-          </a:p>
-          <a:p>
-            <a:pPr>
-              <a:defRPr/>
-            </a:pPr>
-            <a:r>
-              <a:rPr lang="en-US"/>
-              <a:t>Create Shared Secret Keys (Diffie-Hellman)</a:t>
-            </a:r>
-            <a:endParaRPr/>
-          </a:p>
-          <a:p>
-            <a:pPr>
-              <a:defRPr/>
-            </a:pPr>
-            <a:r>
-              <a:rPr lang="en-US"/>
+            <a:endParaRPr dirty="0"/>
+          </a:p>
+          <a:p>
+            <a:pPr>
+              <a:defRPr/>
+            </a:pPr>
+            <a:r>
+              <a:rPr lang="en-US" dirty="0"/>
+              <a:t>Create Shared Secret Keys (Diffie-Hellman) and Cookies (ISAKMP)</a:t>
+            </a:r>
+            <a:endParaRPr dirty="0"/>
+          </a:p>
+          <a:p>
+            <a:pPr>
+              <a:defRPr/>
+            </a:pPr>
+            <a:r>
+              <a:rPr lang="en-US" dirty="0"/>
               <a:t>Establish secure tunnel for Phase 2 Parameters</a:t>
             </a:r>
-            <a:endParaRPr/>
-          </a:p>
-          <a:p>
-            <a:pPr>
-              <a:defRPr/>
-            </a:pPr>
-            <a:endParaRPr lang="en-US"/>
-          </a:p>
-          <a:p>
-            <a:pPr>
-              <a:defRPr/>
-            </a:pPr>
-            <a:endParaRPr lang="en-US"/>
-          </a:p>
-        </p:txBody>
-      </p:sp>
-      <p:sp>
-        <p:nvSpPr>
-          <p:cNvPr id="4" name="Footer Placeholder 3" hidden="0"/>
-          <p:cNvSpPr>
-            <a:spLocks noGrp="1"/>
-          </p:cNvSpPr>
-          <p:nvPr isPhoto="0" userDrawn="0">
-            <p:ph type="ftr" sz="quarter" idx="11" hasCustomPrompt="0"/>
+            <a:endParaRPr dirty="0"/>
+          </a:p>
+          <a:p>
+            <a:pPr>
+              <a:defRPr/>
+            </a:pPr>
+            <a:endParaRPr lang="en-US" dirty="0"/>
+          </a:p>
+          <a:p>
+            <a:pPr>
+              <a:defRPr/>
+            </a:pPr>
+            <a:endParaRPr lang="en-US" dirty="0"/>
+          </a:p>
+        </p:txBody>
+      </p:sp>
+      <p:sp>
+        <p:nvSpPr>
+          <p:cNvPr id="4" name="Footer Placeholder 3"/>
+          <p:cNvSpPr>
+            <a:spLocks noGrp="1"/>
+          </p:cNvSpPr>
+          <p:nvPr>
+            <p:ph type="ftr" sz="quarter" idx="11"/>
           </p:nvPr>
         </p:nvSpPr>
         <p:spPr bwMode="auto"/>
@@ -7032,11 +9172,11 @@
       </p:sp>
       <p:pic>
         <p:nvPicPr>
-          <p:cNvPr id="6" name="Picture 5" hidden="0"/>
+          <p:cNvPr id="6" name="Picture 5"/>
           <p:cNvPicPr>
             <a:picLocks noChangeAspect="1"/>
           </p:cNvPicPr>
-          <p:nvPr isPhoto="0" userDrawn="0"/>
+          <p:nvPr/>
         </p:nvPicPr>
         <p:blipFill>
           <a:blip r:embed="rId2"/>
@@ -7045,7 +9185,7 @@
         <p:spPr bwMode="auto">
           <a:xfrm>
             <a:off x="1417262" y="4441024"/>
-            <a:ext cx="5582429" cy="1667108"/>
+            <a:ext cx="6738369" cy="2012312"/>
           </a:xfrm>
           <a:prstGeom prst="rect">
             <a:avLst/>
@@ -7057,25 +9197,17 @@
   <p:clrMapOvr>
     <a:masterClrMapping/>
   </p:clrMapOvr>
-  <mc:AlternateContent xmlns:mc="http://schemas.openxmlformats.org/markup-compatibility/2006">
-    <mc:Choice xmlns:p14="http://schemas.microsoft.com/office/powerpoint/2010/main" Requires="p14">
-      <p:transition p14:dur="2000" advClick="1"/>
-    </mc:Choice>
-    <mc:Fallback>
-      <p:transition advClick="1"/>
-    </mc:Fallback>
-  </mc:AlternateContent>
 </p:sld>
 </file>
 
 <file path=ppt/slides/slide9.xml><?xml version="1.0" encoding="utf-8"?>
-<p:sld xmlns:a="http://schemas.openxmlformats.org/drawingml/2006/main" xmlns:r="http://schemas.openxmlformats.org/officeDocument/2006/relationships" xmlns:p="http://schemas.openxmlformats.org/presentationml/2006/main" xmlns:m="http://schemas.openxmlformats.org/officeDocument/2006/math" xmlns:w="http://schemas.openxmlformats.org/wordprocessingml/2006/main" showMasterPhAnim="0" show="1">
-  <p:cSld name="">
+<p:sld xmlns:a="http://schemas.openxmlformats.org/drawingml/2006/main" xmlns:r="http://schemas.openxmlformats.org/officeDocument/2006/relationships" xmlns:p="http://schemas.openxmlformats.org/presentationml/2006/main" showMasterPhAnim="0">
+  <p:cSld>
     <p:spTree>
       <p:nvGrpSpPr>
-        <p:cNvPr id="1" name="" hidden="0"/>
+        <p:cNvPr id="1" name=""/>
         <p:cNvGrpSpPr/>
-        <p:nvPr isPhoto="0" userDrawn="0"/>
+        <p:nvPr/>
       </p:nvGrpSpPr>
       <p:grpSpPr bwMode="auto">
         <a:xfrm>
@@ -7087,12 +9219,12 @@
       </p:grpSpPr>
       <p:sp>
         <p:nvSpPr>
-          <p:cNvPr id="2" name="Title 1" hidden="0"/>
-          <p:cNvSpPr>
-            <a:spLocks noGrp="1"/>
-          </p:cNvSpPr>
-          <p:nvPr isPhoto="0" userDrawn="0">
-            <p:ph type="title" hasCustomPrompt="0"/>
+          <p:cNvPr id="1398164675" name="Title 1"/>
+          <p:cNvSpPr>
+            <a:spLocks noGrp="1"/>
+          </p:cNvSpPr>
+          <p:nvPr>
+            <p:ph type="title"/>
           </p:nvPr>
         </p:nvSpPr>
         <p:spPr bwMode="auto"/>
@@ -7104,24 +9236,29 @@
               <a:defRPr/>
             </a:pPr>
             <a:r>
-              <a:rPr lang="en-US"/>
-              <a:t>Diffie Hellman</a:t>
-            </a:r>
-            <a:endParaRPr/>
-          </a:p>
-        </p:txBody>
-      </p:sp>
-      <p:sp>
-        <p:nvSpPr>
-          <p:cNvPr id="3" name="Content Placeholder 2" hidden="0"/>
-          <p:cNvSpPr>
-            <a:spLocks noGrp="1"/>
-          </p:cNvSpPr>
-          <p:nvPr isPhoto="0" userDrawn="0">
-            <p:ph idx="1" hasCustomPrompt="0"/>
-          </p:nvPr>
-        </p:nvSpPr>
-        <p:spPr bwMode="auto"/>
+              <a:rPr lang="en-US" dirty="0"/>
+              <a:t>Key Determination - Cookies</a:t>
+            </a:r>
+            <a:endParaRPr dirty="0"/>
+          </a:p>
+        </p:txBody>
+      </p:sp>
+      <p:sp>
+        <p:nvSpPr>
+          <p:cNvPr id="1750446148" name="Content Placeholder 2"/>
+          <p:cNvSpPr>
+            <a:spLocks noGrp="1"/>
+          </p:cNvSpPr>
+          <p:nvPr>
+            <p:ph idx="1"/>
+          </p:nvPr>
+        </p:nvSpPr>
+        <p:spPr bwMode="auto">
+          <a:xfrm>
+            <a:off x="838199" y="1439688"/>
+            <a:ext cx="10515600" cy="4351338"/>
+          </a:xfrm>
+        </p:spPr>
         <p:txBody>
           <a:bodyPr/>
           <a:lstStyle/>
@@ -7130,36 +9267,70 @@
               <a:defRPr/>
             </a:pPr>
             <a:r>
-              <a:rPr lang="en-US"/>
-              <a:t>Talk </a:t>
-            </a:r>
-            <a:r>
-              <a:rPr lang="en-US"/>
-              <a:t>abou</a:t>
-            </a:r>
-            <a:r>
-              <a:rPr lang="en-US"/>
-              <a:t> Parameters and look in </a:t>
-            </a:r>
-            <a:r>
-              <a:rPr lang="en-US"/>
-              <a:t>the book</a:t>
-            </a:r>
-            <a:endParaRPr/>
-          </a:p>
-        </p:txBody>
-      </p:sp>
-      <p:sp>
-        <p:nvSpPr>
-          <p:cNvPr id="4" name="Footer Placeholder 3" hidden="0"/>
-          <p:cNvSpPr>
-            <a:spLocks noGrp="1"/>
-          </p:cNvSpPr>
-          <p:nvPr isPhoto="0" userDrawn="0">
-            <p:ph type="ftr" sz="quarter" idx="11" hasCustomPrompt="0"/>
-          </p:nvPr>
-        </p:nvSpPr>
-        <p:spPr bwMode="auto"/>
+              <a:rPr lang="en-US" dirty="0"/>
+              <a:t>Anti Clogging Technology </a:t>
+            </a:r>
+          </a:p>
+          <a:p>
+            <a:pPr>
+              <a:defRPr/>
+            </a:pPr>
+            <a:r>
+              <a:rPr lang="en-US" dirty="0"/>
+              <a:t>Preps Diffie-Hellman</a:t>
+            </a:r>
+          </a:p>
+          <a:p>
+            <a:pPr>
+              <a:defRPr/>
+            </a:pPr>
+            <a:r>
+              <a:rPr lang="en-US" dirty="0"/>
+              <a:t>Anti-Replay Technology</a:t>
+            </a:r>
+          </a:p>
+          <a:p>
+            <a:pPr>
+              <a:defRPr/>
+            </a:pPr>
+            <a:r>
+              <a:rPr lang="en-US" dirty="0"/>
+              <a:t>Stops Man from being in Middle</a:t>
+            </a:r>
+          </a:p>
+          <a:p>
+            <a:pPr>
+              <a:defRPr/>
+            </a:pPr>
+            <a:r>
+              <a:rPr lang="en-US"/>
+              <a:t>The Cookie </a:t>
+            </a:r>
+            <a:r>
+              <a:rPr lang="en-US" dirty="0"/>
+              <a:t>Exchange </a:t>
+            </a:r>
+            <a:endParaRPr dirty="0"/>
+          </a:p>
+        </p:txBody>
+      </p:sp>
+      <p:sp>
+        <p:nvSpPr>
+          <p:cNvPr id="2" name="Footer Placeholder 1">
+            <a:extLst>
+              <a:ext uri="{FF2B5EF4-FFF2-40B4-BE49-F238E27FC236}">
+                <a16:creationId xmlns:a16="http://schemas.microsoft.com/office/drawing/2014/main" id="{1E7BBEBC-BB42-4E93-9776-E5D7D58933DE}"/>
+              </a:ext>
+            </a:extLst>
+          </p:cNvPr>
+          <p:cNvSpPr>
+            <a:spLocks noGrp="1"/>
+          </p:cNvSpPr>
+          <p:nvPr>
+            <p:ph type="ftr" sz="quarter" idx="11"/>
+          </p:nvPr>
+        </p:nvSpPr>
+        <p:spPr/>
         <p:txBody>
           <a:bodyPr/>
           <a:lstStyle/>
@@ -7177,24 +9348,99 @@
           </a:p>
         </p:txBody>
       </p:sp>
+      <p:pic>
+        <p:nvPicPr>
+          <p:cNvPr id="2050" name="Picture 2" descr="Muppet History on Twitter: &quot;Now just to clarify, he wasn't always the Cookie  Monster. Before Sesame Street, Cookie was first a “Wheel Stealer” then he  was an unnamed monster, and for Munchos">
+            <a:extLst>
+              <a:ext uri="{FF2B5EF4-FFF2-40B4-BE49-F238E27FC236}">
+                <a16:creationId xmlns:a16="http://schemas.microsoft.com/office/drawing/2014/main" id="{3B1DD47E-68A3-45D0-9BA1-B7A100246F0F}"/>
+              </a:ext>
+            </a:extLst>
+          </p:cNvPr>
+          <p:cNvPicPr>
+            <a:picLocks noChangeAspect="1" noChangeArrowheads="1"/>
+          </p:cNvPicPr>
+          <p:nvPr/>
+        </p:nvPicPr>
+        <p:blipFill>
+          <a:blip r:embed="rId2">
+            <a:extLst>
+              <a:ext uri="{28A0092B-C50C-407E-A947-70E740481C1C}">
+                <a14:useLocalDpi xmlns:a14="http://schemas.microsoft.com/office/drawing/2010/main" val="0"/>
+              </a:ext>
+            </a:extLst>
+          </a:blip>
+          <a:srcRect/>
+          <a:stretch>
+            <a:fillRect/>
+          </a:stretch>
+        </p:blipFill>
+        <p:spPr bwMode="auto">
+          <a:xfrm>
+            <a:off x="1271464" y="3933056"/>
+            <a:ext cx="1303040" cy="796302"/>
+          </a:xfrm>
+          <a:prstGeom prst="rect">
+            <a:avLst/>
+          </a:prstGeom>
+          <a:noFill/>
+          <a:extLst>
+            <a:ext uri="{909E8E84-426E-40DD-AFC4-6F175D3DCCD1}">
+              <a14:hiddenFill xmlns:a14="http://schemas.microsoft.com/office/drawing/2010/main">
+                <a:solidFill>
+                  <a:srgbClr val="FFFFFF"/>
+                </a:solidFill>
+              </a14:hiddenFill>
+            </a:ext>
+          </a:extLst>
+        </p:spPr>
+      </p:pic>
+      <p:pic>
+        <p:nvPicPr>
+          <p:cNvPr id="4" name="Picture 3">
+            <a:extLst>
+              <a:ext uri="{FF2B5EF4-FFF2-40B4-BE49-F238E27FC236}">
+                <a16:creationId xmlns:a16="http://schemas.microsoft.com/office/drawing/2014/main" id="{9A272E19-5F8A-413D-936F-12735CD76441}"/>
+              </a:ext>
+            </a:extLst>
+          </p:cNvPr>
+          <p:cNvPicPr>
+            <a:picLocks noChangeAspect="1"/>
+          </p:cNvPicPr>
+          <p:nvPr/>
+        </p:nvPicPr>
+        <p:blipFill>
+          <a:blip r:embed="rId3" cstate="print">
+            <a:extLst>
+              <a:ext uri="{28A0092B-C50C-407E-A947-70E740481C1C}">
+                <a14:useLocalDpi xmlns:a14="http://schemas.microsoft.com/office/drawing/2010/main" val="0"/>
+              </a:ext>
+            </a:extLst>
+          </a:blip>
+          <a:stretch>
+            <a:fillRect/>
+          </a:stretch>
+        </p:blipFill>
+        <p:spPr>
+          <a:xfrm>
+            <a:off x="8688288" y="88006"/>
+            <a:ext cx="3212976" cy="3212976"/>
+          </a:xfrm>
+          <a:prstGeom prst="rect">
+            <a:avLst/>
+          </a:prstGeom>
+        </p:spPr>
+      </p:pic>
     </p:spTree>
   </p:cSld>
   <p:clrMapOvr>
     <a:masterClrMapping/>
   </p:clrMapOvr>
-  <mc:AlternateContent xmlns:mc="http://schemas.openxmlformats.org/markup-compatibility/2006">
-    <mc:Choice xmlns:p14="http://schemas.microsoft.com/office/powerpoint/2010/main" Requires="p14">
-      <p:transition p14:dur="2000" advClick="1"/>
-    </mc:Choice>
-    <mc:Fallback>
-      <p:transition advClick="1"/>
-    </mc:Fallback>
-  </mc:AlternateContent>
 </p:sld>
 </file>
 
 <file path=ppt/theme/theme1.xml><?xml version="1.0" encoding="utf-8"?>
-<a:theme xmlns:a="http://schemas.openxmlformats.org/drawingml/2006/main" xmlns:r="http://schemas.openxmlformats.org/officeDocument/2006/relationships" xmlns:p="http://schemas.openxmlformats.org/presentationml/2006/main" name="Office Theme">
+<a:theme xmlns:a="http://schemas.openxmlformats.org/drawingml/2006/main" name="Office Theme">
   <a:themeElements>
     <a:clrScheme name="Office">
       <a:dk1>
@@ -7397,5 +9643,596 @@
     </a:fmtScheme>
   </a:themeElements>
   <a:objectDefaults/>
+  <a:extraClrSchemeLst/>
+</a:theme>
+</file>
+
+<file path=ppt/theme/theme2.xml><?xml version="1.0" encoding="utf-8"?>
+<a:theme xmlns:a="http://schemas.openxmlformats.org/drawingml/2006/main" name="Office Theme">
+  <a:themeElements>
+    <a:clrScheme name="Office">
+      <a:dk1>
+        <a:sysClr val="windowText" lastClr="000000"/>
+      </a:dk1>
+      <a:lt1>
+        <a:sysClr val="window" lastClr="FFFFFF"/>
+      </a:lt1>
+      <a:dk2>
+        <a:srgbClr val="44546A"/>
+      </a:dk2>
+      <a:lt2>
+        <a:srgbClr val="E7E6E6"/>
+      </a:lt2>
+      <a:accent1>
+        <a:srgbClr val="4472C4"/>
+      </a:accent1>
+      <a:accent2>
+        <a:srgbClr val="ED7D31"/>
+      </a:accent2>
+      <a:accent3>
+        <a:srgbClr val="A5A5A5"/>
+      </a:accent3>
+      <a:accent4>
+        <a:srgbClr val="FFC000"/>
+      </a:accent4>
+      <a:accent5>
+        <a:srgbClr val="5B9BD5"/>
+      </a:accent5>
+      <a:accent6>
+        <a:srgbClr val="70AD47"/>
+      </a:accent6>
+      <a:hlink>
+        <a:srgbClr val="0563C1"/>
+      </a:hlink>
+      <a:folHlink>
+        <a:srgbClr val="954F72"/>
+      </a:folHlink>
+    </a:clrScheme>
+    <a:fontScheme name="Office">
+      <a:majorFont>
+        <a:latin typeface="Calibri Light" panose="020F0302020204030204"/>
+        <a:ea typeface=""/>
+        <a:cs typeface=""/>
+        <a:font script="Jpan" typeface="游ゴシック Light"/>
+        <a:font script="Hang" typeface="맑은 고딕"/>
+        <a:font script="Hans" typeface="等线 Light"/>
+        <a:font script="Hant" typeface="新細明體"/>
+        <a:font script="Arab" typeface="Times New Roman"/>
+        <a:font script="Hebr" typeface="Times New Roman"/>
+        <a:font script="Thai" typeface="Angsana New"/>
+        <a:font script="Ethi" typeface="Nyala"/>
+        <a:font script="Beng" typeface="Vrinda"/>
+        <a:font script="Gujr" typeface="Shruti"/>
+        <a:font script="Khmr" typeface="MoolBoran"/>
+        <a:font script="Knda" typeface="Tunga"/>
+        <a:font script="Guru" typeface="Raavi"/>
+        <a:font script="Cans" typeface="Euphemia"/>
+        <a:font script="Cher" typeface="Plantagenet Cherokee"/>
+        <a:font script="Yiii" typeface="Microsoft Yi Baiti"/>
+        <a:font script="Tibt" typeface="Microsoft Himalaya"/>
+        <a:font script="Thaa" typeface="MV Boli"/>
+        <a:font script="Deva" typeface="Mangal"/>
+        <a:font script="Telu" typeface="Gautami"/>
+        <a:font script="Taml" typeface="Latha"/>
+        <a:font script="Syrc" typeface="Estrangelo Edessa"/>
+        <a:font script="Orya" typeface="Kalinga"/>
+        <a:font script="Mlym" typeface="Kartika"/>
+        <a:font script="Laoo" typeface="DokChampa"/>
+        <a:font script="Sinh" typeface="Iskoola Pota"/>
+        <a:font script="Mong" typeface="Mongolian Baiti"/>
+        <a:font script="Viet" typeface="Times New Roman"/>
+        <a:font script="Uigh" typeface="Microsoft Uighur"/>
+        <a:font script="Geor" typeface="Sylfaen"/>
+        <a:font script="Armn" typeface="Arial"/>
+        <a:font script="Bugi" typeface="Leelawadee UI"/>
+        <a:font script="Bopo" typeface="Microsoft JhengHei"/>
+        <a:font script="Java" typeface="Javanese Text"/>
+        <a:font script="Lisu" typeface="Segoe UI"/>
+        <a:font script="Mymr" typeface="Myanmar Text"/>
+        <a:font script="Nkoo" typeface="Ebrima"/>
+        <a:font script="Olck" typeface="Nirmala UI"/>
+        <a:font script="Osma" typeface="Ebrima"/>
+        <a:font script="Phag" typeface="Phagspa"/>
+        <a:font script="Syrn" typeface="Estrangelo Edessa"/>
+        <a:font script="Syrj" typeface="Estrangelo Edessa"/>
+        <a:font script="Syre" typeface="Estrangelo Edessa"/>
+        <a:font script="Sora" typeface="Nirmala UI"/>
+        <a:font script="Tale" typeface="Microsoft Tai Le"/>
+        <a:font script="Talu" typeface="Microsoft New Tai Lue"/>
+        <a:font script="Tfng" typeface="Ebrima"/>
+      </a:majorFont>
+      <a:minorFont>
+        <a:latin typeface="Calibri" panose="020F0502020204030204"/>
+        <a:ea typeface=""/>
+        <a:cs typeface=""/>
+        <a:font script="Jpan" typeface="游ゴシック"/>
+        <a:font script="Hang" typeface="맑은 고딕"/>
+        <a:font script="Hans" typeface="等线"/>
+        <a:font script="Hant" typeface="新細明體"/>
+        <a:font script="Arab" typeface="Arial"/>
+        <a:font script="Hebr" typeface="Arial"/>
+        <a:font script="Thai" typeface="Cordia New"/>
+        <a:font script="Ethi" typeface="Nyala"/>
+        <a:font script="Beng" typeface="Vrinda"/>
+        <a:font script="Gujr" typeface="Shruti"/>
+        <a:font script="Khmr" typeface="DaunPenh"/>
+        <a:font script="Knda" typeface="Tunga"/>
+        <a:font script="Guru" typeface="Raavi"/>
+        <a:font script="Cans" typeface="Euphemia"/>
+        <a:font script="Cher" typeface="Plantagenet Cherokee"/>
+        <a:font script="Yiii" typeface="Microsoft Yi Baiti"/>
+        <a:font script="Tibt" typeface="Microsoft Himalaya"/>
+        <a:font script="Thaa" typeface="MV Boli"/>
+        <a:font script="Deva" typeface="Mangal"/>
+        <a:font script="Telu" typeface="Gautami"/>
+        <a:font script="Taml" typeface="Latha"/>
+        <a:font script="Syrc" typeface="Estrangelo Edessa"/>
+        <a:font script="Orya" typeface="Kalinga"/>
+        <a:font script="Mlym" typeface="Kartika"/>
+        <a:font script="Laoo" typeface="DokChampa"/>
+        <a:font script="Sinh" typeface="Iskoola Pota"/>
+        <a:font script="Mong" typeface="Mongolian Baiti"/>
+        <a:font script="Viet" typeface="Arial"/>
+        <a:font script="Uigh" typeface="Microsoft Uighur"/>
+        <a:font script="Geor" typeface="Sylfaen"/>
+        <a:font script="Armn" typeface="Arial"/>
+        <a:font script="Bugi" typeface="Leelawadee UI"/>
+        <a:font script="Bopo" typeface="Microsoft JhengHei"/>
+        <a:font script="Java" typeface="Javanese Text"/>
+        <a:font script="Lisu" typeface="Segoe UI"/>
+        <a:font script="Mymr" typeface="Myanmar Text"/>
+        <a:font script="Nkoo" typeface="Ebrima"/>
+        <a:font script="Olck" typeface="Nirmala UI"/>
+        <a:font script="Osma" typeface="Ebrima"/>
+        <a:font script="Phag" typeface="Phagspa"/>
+        <a:font script="Syrn" typeface="Estrangelo Edessa"/>
+        <a:font script="Syrj" typeface="Estrangelo Edessa"/>
+        <a:font script="Syre" typeface="Estrangelo Edessa"/>
+        <a:font script="Sora" typeface="Nirmala UI"/>
+        <a:font script="Tale" typeface="Microsoft Tai Le"/>
+        <a:font script="Talu" typeface="Microsoft New Tai Lue"/>
+        <a:font script="Tfng" typeface="Ebrima"/>
+      </a:minorFont>
+    </a:fontScheme>
+    <a:fmtScheme name="Office">
+      <a:fillStyleLst>
+        <a:solidFill>
+          <a:schemeClr val="phClr"/>
+        </a:solidFill>
+        <a:gradFill rotWithShape="1">
+          <a:gsLst>
+            <a:gs pos="0">
+              <a:schemeClr val="phClr">
+                <a:lumMod val="110000"/>
+                <a:satMod val="105000"/>
+                <a:tint val="67000"/>
+              </a:schemeClr>
+            </a:gs>
+            <a:gs pos="50000">
+              <a:schemeClr val="phClr">
+                <a:lumMod val="105000"/>
+                <a:satMod val="103000"/>
+                <a:tint val="73000"/>
+              </a:schemeClr>
+            </a:gs>
+            <a:gs pos="100000">
+              <a:schemeClr val="phClr">
+                <a:lumMod val="105000"/>
+                <a:satMod val="109000"/>
+                <a:tint val="81000"/>
+              </a:schemeClr>
+            </a:gs>
+          </a:gsLst>
+          <a:lin ang="5400000" scaled="0"/>
+        </a:gradFill>
+        <a:gradFill rotWithShape="1">
+          <a:gsLst>
+            <a:gs pos="0">
+              <a:schemeClr val="phClr">
+                <a:satMod val="103000"/>
+                <a:lumMod val="102000"/>
+                <a:tint val="94000"/>
+              </a:schemeClr>
+            </a:gs>
+            <a:gs pos="50000">
+              <a:schemeClr val="phClr">
+                <a:satMod val="110000"/>
+                <a:lumMod val="100000"/>
+                <a:shade val="100000"/>
+              </a:schemeClr>
+            </a:gs>
+            <a:gs pos="100000">
+              <a:schemeClr val="phClr">
+                <a:lumMod val="99000"/>
+                <a:satMod val="120000"/>
+                <a:shade val="78000"/>
+              </a:schemeClr>
+            </a:gs>
+          </a:gsLst>
+          <a:lin ang="5400000" scaled="0"/>
+        </a:gradFill>
+      </a:fillStyleLst>
+      <a:lnStyleLst>
+        <a:ln w="6350" cap="flat" cmpd="sng" algn="ctr">
+          <a:solidFill>
+            <a:schemeClr val="phClr"/>
+          </a:solidFill>
+          <a:prstDash val="solid"/>
+          <a:miter lim="800000"/>
+        </a:ln>
+        <a:ln w="12700" cap="flat" cmpd="sng" algn="ctr">
+          <a:solidFill>
+            <a:schemeClr val="phClr"/>
+          </a:solidFill>
+          <a:prstDash val="solid"/>
+          <a:miter lim="800000"/>
+        </a:ln>
+        <a:ln w="19050" cap="flat" cmpd="sng" algn="ctr">
+          <a:solidFill>
+            <a:schemeClr val="phClr"/>
+          </a:solidFill>
+          <a:prstDash val="solid"/>
+          <a:miter lim="800000"/>
+        </a:ln>
+      </a:lnStyleLst>
+      <a:effectStyleLst>
+        <a:effectStyle>
+          <a:effectLst/>
+        </a:effectStyle>
+        <a:effectStyle>
+          <a:effectLst/>
+        </a:effectStyle>
+        <a:effectStyle>
+          <a:effectLst>
+            <a:outerShdw blurRad="57150" dist="19050" dir="5400000" algn="ctr" rotWithShape="0">
+              <a:srgbClr val="000000">
+                <a:alpha val="63000"/>
+              </a:srgbClr>
+            </a:outerShdw>
+          </a:effectLst>
+        </a:effectStyle>
+      </a:effectStyleLst>
+      <a:bgFillStyleLst>
+        <a:solidFill>
+          <a:schemeClr val="phClr"/>
+        </a:solidFill>
+        <a:solidFill>
+          <a:schemeClr val="phClr">
+            <a:tint val="95000"/>
+            <a:satMod val="170000"/>
+          </a:schemeClr>
+        </a:solidFill>
+        <a:gradFill rotWithShape="1">
+          <a:gsLst>
+            <a:gs pos="0">
+              <a:schemeClr val="phClr">
+                <a:tint val="93000"/>
+                <a:satMod val="150000"/>
+                <a:shade val="98000"/>
+                <a:lumMod val="102000"/>
+              </a:schemeClr>
+            </a:gs>
+            <a:gs pos="50000">
+              <a:schemeClr val="phClr">
+                <a:tint val="98000"/>
+                <a:satMod val="130000"/>
+                <a:shade val="90000"/>
+                <a:lumMod val="103000"/>
+              </a:schemeClr>
+            </a:gs>
+            <a:gs pos="100000">
+              <a:schemeClr val="phClr">
+                <a:shade val="63000"/>
+                <a:satMod val="120000"/>
+              </a:schemeClr>
+            </a:gs>
+          </a:gsLst>
+          <a:lin ang="5400000" scaled="0"/>
+        </a:gradFill>
+      </a:bgFillStyleLst>
+    </a:fmtScheme>
+  </a:themeElements>
+  <a:objectDefaults/>
+  <a:extraClrSchemeLst/>
+  <a:extLst>
+    <a:ext uri="{05A4C25C-085E-4340-85A3-A5531E510DB2}">
+      <thm15:themeFamily xmlns:thm15="http://schemas.microsoft.com/office/thememl/2012/main" name="Office Theme" id="{62F939B6-93AF-4DB8-9C6B-D6C7DFDC589F}" vid="{4A3C46E8-61CC-4603-A589-7422A47A8E4A}"/>
+    </a:ext>
+  </a:extLst>
+</a:theme>
+</file>
+
+<file path=ppt/theme/theme3.xml><?xml version="1.0" encoding="utf-8"?>
+<a:theme xmlns:a="http://schemas.openxmlformats.org/drawingml/2006/main" name="Office Theme">
+  <a:themeElements>
+    <a:clrScheme name="Office">
+      <a:dk1>
+        <a:sysClr val="windowText" lastClr="000000"/>
+      </a:dk1>
+      <a:lt1>
+        <a:sysClr val="window" lastClr="FFFFFF"/>
+      </a:lt1>
+      <a:dk2>
+        <a:srgbClr val="44546A"/>
+      </a:dk2>
+      <a:lt2>
+        <a:srgbClr val="E7E6E6"/>
+      </a:lt2>
+      <a:accent1>
+        <a:srgbClr val="4472C4"/>
+      </a:accent1>
+      <a:accent2>
+        <a:srgbClr val="ED7D31"/>
+      </a:accent2>
+      <a:accent3>
+        <a:srgbClr val="A5A5A5"/>
+      </a:accent3>
+      <a:accent4>
+        <a:srgbClr val="FFC000"/>
+      </a:accent4>
+      <a:accent5>
+        <a:srgbClr val="5B9BD5"/>
+      </a:accent5>
+      <a:accent6>
+        <a:srgbClr val="70AD47"/>
+      </a:accent6>
+      <a:hlink>
+        <a:srgbClr val="0563C1"/>
+      </a:hlink>
+      <a:folHlink>
+        <a:srgbClr val="954F72"/>
+      </a:folHlink>
+    </a:clrScheme>
+    <a:fontScheme name="Office">
+      <a:majorFont>
+        <a:latin typeface="Calibri Light" panose="020F0302020204030204"/>
+        <a:ea typeface=""/>
+        <a:cs typeface=""/>
+        <a:font script="Jpan" typeface="游ゴシック Light"/>
+        <a:font script="Hang" typeface="맑은 고딕"/>
+        <a:font script="Hans" typeface="等线 Light"/>
+        <a:font script="Hant" typeface="新細明體"/>
+        <a:font script="Arab" typeface="Times New Roman"/>
+        <a:font script="Hebr" typeface="Times New Roman"/>
+        <a:font script="Thai" typeface="Angsana New"/>
+        <a:font script="Ethi" typeface="Nyala"/>
+        <a:font script="Beng" typeface="Vrinda"/>
+        <a:font script="Gujr" typeface="Shruti"/>
+        <a:font script="Khmr" typeface="MoolBoran"/>
+        <a:font script="Knda" typeface="Tunga"/>
+        <a:font script="Guru" typeface="Raavi"/>
+        <a:font script="Cans" typeface="Euphemia"/>
+        <a:font script="Cher" typeface="Plantagenet Cherokee"/>
+        <a:font script="Yiii" typeface="Microsoft Yi Baiti"/>
+        <a:font script="Tibt" typeface="Microsoft Himalaya"/>
+        <a:font script="Thaa" typeface="MV Boli"/>
+        <a:font script="Deva" typeface="Mangal"/>
+        <a:font script="Telu" typeface="Gautami"/>
+        <a:font script="Taml" typeface="Latha"/>
+        <a:font script="Syrc" typeface="Estrangelo Edessa"/>
+        <a:font script="Orya" typeface="Kalinga"/>
+        <a:font script="Mlym" typeface="Kartika"/>
+        <a:font script="Laoo" typeface="DokChampa"/>
+        <a:font script="Sinh" typeface="Iskoola Pota"/>
+        <a:font script="Mong" typeface="Mongolian Baiti"/>
+        <a:font script="Viet" typeface="Times New Roman"/>
+        <a:font script="Uigh" typeface="Microsoft Uighur"/>
+        <a:font script="Geor" typeface="Sylfaen"/>
+        <a:font script="Armn" typeface="Arial"/>
+        <a:font script="Bugi" typeface="Leelawadee UI"/>
+        <a:font script="Bopo" typeface="Microsoft JhengHei"/>
+        <a:font script="Java" typeface="Javanese Text"/>
+        <a:font script="Lisu" typeface="Segoe UI"/>
+        <a:font script="Mymr" typeface="Myanmar Text"/>
+        <a:font script="Nkoo" typeface="Ebrima"/>
+        <a:font script="Olck" typeface="Nirmala UI"/>
+        <a:font script="Osma" typeface="Ebrima"/>
+        <a:font script="Phag" typeface="Phagspa"/>
+        <a:font script="Syrn" typeface="Estrangelo Edessa"/>
+        <a:font script="Syrj" typeface="Estrangelo Edessa"/>
+        <a:font script="Syre" typeface="Estrangelo Edessa"/>
+        <a:font script="Sora" typeface="Nirmala UI"/>
+        <a:font script="Tale" typeface="Microsoft Tai Le"/>
+        <a:font script="Talu" typeface="Microsoft New Tai Lue"/>
+        <a:font script="Tfng" typeface="Ebrima"/>
+      </a:majorFont>
+      <a:minorFont>
+        <a:latin typeface="Calibri" panose="020F0502020204030204"/>
+        <a:ea typeface=""/>
+        <a:cs typeface=""/>
+        <a:font script="Jpan" typeface="游ゴシック"/>
+        <a:font script="Hang" typeface="맑은 고딕"/>
+        <a:font script="Hans" typeface="等线"/>
+        <a:font script="Hant" typeface="新細明體"/>
+        <a:font script="Arab" typeface="Arial"/>
+        <a:font script="Hebr" typeface="Arial"/>
+        <a:font script="Thai" typeface="Cordia New"/>
+        <a:font script="Ethi" typeface="Nyala"/>
+        <a:font script="Beng" typeface="Vrinda"/>
+        <a:font script="Gujr" typeface="Shruti"/>
+        <a:font script="Khmr" typeface="DaunPenh"/>
+        <a:font script="Knda" typeface="Tunga"/>
+        <a:font script="Guru" typeface="Raavi"/>
+        <a:font script="Cans" typeface="Euphemia"/>
+        <a:font script="Cher" typeface="Plantagenet Cherokee"/>
+        <a:font script="Yiii" typeface="Microsoft Yi Baiti"/>
+        <a:font script="Tibt" typeface="Microsoft Himalaya"/>
+        <a:font script="Thaa" typeface="MV Boli"/>
+        <a:font script="Deva" typeface="Mangal"/>
+        <a:font script="Telu" typeface="Gautami"/>
+        <a:font script="Taml" typeface="Latha"/>
+        <a:font script="Syrc" typeface="Estrangelo Edessa"/>
+        <a:font script="Orya" typeface="Kalinga"/>
+        <a:font script="Mlym" typeface="Kartika"/>
+        <a:font script="Laoo" typeface="DokChampa"/>
+        <a:font script="Sinh" typeface="Iskoola Pota"/>
+        <a:font script="Mong" typeface="Mongolian Baiti"/>
+        <a:font script="Viet" typeface="Arial"/>
+        <a:font script="Uigh" typeface="Microsoft Uighur"/>
+        <a:font script="Geor" typeface="Sylfaen"/>
+        <a:font script="Armn" typeface="Arial"/>
+        <a:font script="Bugi" typeface="Leelawadee UI"/>
+        <a:font script="Bopo" typeface="Microsoft JhengHei"/>
+        <a:font script="Java" typeface="Javanese Text"/>
+        <a:font script="Lisu" typeface="Segoe UI"/>
+        <a:font script="Mymr" typeface="Myanmar Text"/>
+        <a:font script="Nkoo" typeface="Ebrima"/>
+        <a:font script="Olck" typeface="Nirmala UI"/>
+        <a:font script="Osma" typeface="Ebrima"/>
+        <a:font script="Phag" typeface="Phagspa"/>
+        <a:font script="Syrn" typeface="Estrangelo Edessa"/>
+        <a:font script="Syrj" typeface="Estrangelo Edessa"/>
+        <a:font script="Syre" typeface="Estrangelo Edessa"/>
+        <a:font script="Sora" typeface="Nirmala UI"/>
+        <a:font script="Tale" typeface="Microsoft Tai Le"/>
+        <a:font script="Talu" typeface="Microsoft New Tai Lue"/>
+        <a:font script="Tfng" typeface="Ebrima"/>
+      </a:minorFont>
+    </a:fontScheme>
+    <a:fmtScheme name="Office">
+      <a:fillStyleLst>
+        <a:solidFill>
+          <a:schemeClr val="phClr"/>
+        </a:solidFill>
+        <a:gradFill rotWithShape="1">
+          <a:gsLst>
+            <a:gs pos="0">
+              <a:schemeClr val="phClr">
+                <a:lumMod val="110000"/>
+                <a:satMod val="105000"/>
+                <a:tint val="67000"/>
+              </a:schemeClr>
+            </a:gs>
+            <a:gs pos="50000">
+              <a:schemeClr val="phClr">
+                <a:lumMod val="105000"/>
+                <a:satMod val="103000"/>
+                <a:tint val="73000"/>
+              </a:schemeClr>
+            </a:gs>
+            <a:gs pos="100000">
+              <a:schemeClr val="phClr">
+                <a:lumMod val="105000"/>
+                <a:satMod val="109000"/>
+                <a:tint val="81000"/>
+              </a:schemeClr>
+            </a:gs>
+          </a:gsLst>
+          <a:lin ang="5400000" scaled="0"/>
+        </a:gradFill>
+        <a:gradFill rotWithShape="1">
+          <a:gsLst>
+            <a:gs pos="0">
+              <a:schemeClr val="phClr">
+                <a:satMod val="103000"/>
+                <a:lumMod val="102000"/>
+                <a:tint val="94000"/>
+              </a:schemeClr>
+            </a:gs>
+            <a:gs pos="50000">
+              <a:schemeClr val="phClr">
+                <a:satMod val="110000"/>
+                <a:lumMod val="100000"/>
+                <a:shade val="100000"/>
+              </a:schemeClr>
+            </a:gs>
+            <a:gs pos="100000">
+              <a:schemeClr val="phClr">
+                <a:lumMod val="99000"/>
+                <a:satMod val="120000"/>
+                <a:shade val="78000"/>
+              </a:schemeClr>
+            </a:gs>
+          </a:gsLst>
+          <a:lin ang="5400000" scaled="0"/>
+        </a:gradFill>
+      </a:fillStyleLst>
+      <a:lnStyleLst>
+        <a:ln w="6350" cap="flat" cmpd="sng" algn="ctr">
+          <a:solidFill>
+            <a:schemeClr val="phClr"/>
+          </a:solidFill>
+          <a:prstDash val="solid"/>
+          <a:miter lim="800000"/>
+        </a:ln>
+        <a:ln w="12700" cap="flat" cmpd="sng" algn="ctr">
+          <a:solidFill>
+            <a:schemeClr val="phClr"/>
+          </a:solidFill>
+          <a:prstDash val="solid"/>
+          <a:miter lim="800000"/>
+        </a:ln>
+        <a:ln w="19050" cap="flat" cmpd="sng" algn="ctr">
+          <a:solidFill>
+            <a:schemeClr val="phClr"/>
+          </a:solidFill>
+          <a:prstDash val="solid"/>
+          <a:miter lim="800000"/>
+        </a:ln>
+      </a:lnStyleLst>
+      <a:effectStyleLst>
+        <a:effectStyle>
+          <a:effectLst/>
+        </a:effectStyle>
+        <a:effectStyle>
+          <a:effectLst/>
+        </a:effectStyle>
+        <a:effectStyle>
+          <a:effectLst>
+            <a:outerShdw blurRad="57150" dist="19050" dir="5400000" algn="ctr" rotWithShape="0">
+              <a:srgbClr val="000000">
+                <a:alpha val="63000"/>
+              </a:srgbClr>
+            </a:outerShdw>
+          </a:effectLst>
+        </a:effectStyle>
+      </a:effectStyleLst>
+      <a:bgFillStyleLst>
+        <a:solidFill>
+          <a:schemeClr val="phClr"/>
+        </a:solidFill>
+        <a:solidFill>
+          <a:schemeClr val="phClr">
+            <a:tint val="95000"/>
+            <a:satMod val="170000"/>
+          </a:schemeClr>
+        </a:solidFill>
+        <a:gradFill rotWithShape="1">
+          <a:gsLst>
+            <a:gs pos="0">
+              <a:schemeClr val="phClr">
+                <a:tint val="93000"/>
+                <a:satMod val="150000"/>
+                <a:shade val="98000"/>
+                <a:lumMod val="102000"/>
+              </a:schemeClr>
+            </a:gs>
+            <a:gs pos="50000">
+              <a:schemeClr val="phClr">
+                <a:tint val="98000"/>
+                <a:satMod val="130000"/>
+                <a:shade val="90000"/>
+                <a:lumMod val="103000"/>
+              </a:schemeClr>
+            </a:gs>
+            <a:gs pos="100000">
+              <a:schemeClr val="phClr">
+                <a:shade val="63000"/>
+                <a:satMod val="120000"/>
+              </a:schemeClr>
+            </a:gs>
+          </a:gsLst>
+          <a:lin ang="5400000" scaled="0"/>
+        </a:gradFill>
+      </a:bgFillStyleLst>
+    </a:fmtScheme>
+  </a:themeElements>
+  <a:objectDefaults/>
+  <a:extraClrSchemeLst/>
+  <a:extLst>
+    <a:ext uri="{05A4C25C-085E-4340-85A3-A5531E510DB2}">
+      <thm15:themeFamily xmlns:thm15="http://schemas.microsoft.com/office/thememl/2012/main" name="Office Theme" id="{62F939B6-93AF-4DB8-9C6B-D6C7DFDC589F}" vid="{4A3C46E8-61CC-4603-A589-7422A47A8E4A}"/>
+    </a:ext>
+  </a:extLst>
 </a:theme>
 </file>
--- a/Assignments/InternetKeyExchange/Internet Key Exchange.pptx
+++ b/Assignments/InternetKeyExchange/Internet Key Exchange.pptx
@@ -6083,124 +6083,180 @@
         </p:nvSpPr>
         <p:spPr bwMode="auto"/>
         <p:txBody>
+          <a:bodyPr>
+            <a:normAutofit lnSpcReduction="10000"/>
+          </a:bodyPr>
+          <a:lstStyle/>
+          <a:p>
+            <a:pPr>
+              <a:defRPr/>
+            </a:pPr>
+            <a:r>
+              <a:rPr lang="en-US" dirty="0"/>
+              <a:t>History of IKE</a:t>
+            </a:r>
+            <a:endParaRPr dirty="0"/>
+          </a:p>
+          <a:p>
+            <a:pPr>
+              <a:defRPr/>
+            </a:pPr>
+            <a:r>
+              <a:rPr lang="en-US" dirty="0"/>
+              <a:t>Why IKE is used</a:t>
+            </a:r>
+            <a:endParaRPr dirty="0"/>
+          </a:p>
+          <a:p>
+            <a:pPr>
+              <a:defRPr/>
+            </a:pPr>
+            <a:r>
+              <a:rPr lang="en-US" dirty="0"/>
+              <a:t>What is IKE</a:t>
+            </a:r>
+            <a:endParaRPr dirty="0"/>
+          </a:p>
+          <a:p>
+            <a:pPr lvl="1">
+              <a:defRPr/>
+            </a:pPr>
+            <a:r>
+              <a:rPr lang="en-US" dirty="0"/>
+              <a:t>IKE Phases</a:t>
+            </a:r>
+            <a:endParaRPr dirty="0"/>
+          </a:p>
+          <a:p>
+            <a:pPr lvl="1">
+              <a:defRPr/>
+            </a:pPr>
+            <a:r>
+              <a:rPr lang="en-US" dirty="0"/>
+              <a:t>Mode of Operation</a:t>
+            </a:r>
+            <a:endParaRPr dirty="0"/>
+          </a:p>
+          <a:p>
+            <a:pPr lvl="1">
+              <a:defRPr/>
+            </a:pPr>
+            <a:r>
+              <a:rPr lang="en-US" dirty="0"/>
+              <a:t>Authentication Methods</a:t>
+            </a:r>
+          </a:p>
+          <a:p>
+            <a:pPr lvl="1">
+              <a:defRPr/>
+            </a:pPr>
+            <a:r>
+              <a:rPr lang="en-US" dirty="0"/>
+              <a:t>Key Determination and Cookies</a:t>
+            </a:r>
+            <a:endParaRPr dirty="0"/>
+          </a:p>
+          <a:p>
+            <a:pPr lvl="1">
+              <a:defRPr/>
+            </a:pPr>
+            <a:r>
+              <a:rPr lang="en-US" dirty="0"/>
+              <a:t>Session Keys</a:t>
+            </a:r>
+            <a:endParaRPr dirty="0"/>
+          </a:p>
+          <a:p>
+            <a:pPr lvl="1">
+              <a:defRPr/>
+            </a:pPr>
+            <a:r>
+              <a:rPr lang="en-US" dirty="0"/>
+              <a:t>ISAKMP/IKE</a:t>
+            </a:r>
+          </a:p>
+          <a:p>
+            <a:pPr>
+              <a:defRPr/>
+            </a:pPr>
+            <a:r>
+              <a:rPr lang="en-US" dirty="0"/>
+              <a:t>IKEv2</a:t>
+            </a:r>
+            <a:endParaRPr dirty="0"/>
+          </a:p>
+          <a:p>
+            <a:pPr lvl="1">
+              <a:defRPr/>
+            </a:pPr>
+            <a:endParaRPr lang="en-US" dirty="0"/>
+          </a:p>
+        </p:txBody>
+      </p:sp>
+      <p:sp>
+        <p:nvSpPr>
+          <p:cNvPr id="4" name="Footer Placeholder 3"/>
+          <p:cNvSpPr>
+            <a:spLocks noGrp="1"/>
+          </p:cNvSpPr>
+          <p:nvPr>
+            <p:ph type="ftr" sz="quarter" idx="11"/>
+          </p:nvPr>
+        </p:nvSpPr>
+        <p:spPr bwMode="auto"/>
+        <p:txBody>
           <a:bodyPr/>
           <a:lstStyle/>
           <a:p>
             <a:pPr>
               <a:defRPr/>
             </a:pPr>
-            <a:r>
-              <a:rPr lang="en-US"/>
-              <a:t>History of IKE</a:t>
-            </a:r>
-            <a:endParaRPr/>
-          </a:p>
-          <a:p>
-            <a:pPr>
-              <a:defRPr/>
-            </a:pPr>
-            <a:r>
-              <a:rPr lang="en-US"/>
-              <a:t>Why IKE is used</a:t>
-            </a:r>
-            <a:endParaRPr/>
-          </a:p>
-          <a:p>
-            <a:pPr>
-              <a:defRPr/>
-            </a:pPr>
-            <a:r>
-              <a:rPr lang="en-US"/>
-              <a:t>What is IKE</a:t>
-            </a:r>
-            <a:endParaRPr/>
-          </a:p>
-          <a:p>
-            <a:pPr lvl="1">
-              <a:defRPr/>
-            </a:pPr>
-            <a:r>
-              <a:rPr lang="en-US"/>
-              <a:t>IKE Phases</a:t>
-            </a:r>
-            <a:endParaRPr/>
-          </a:p>
-          <a:p>
-            <a:pPr lvl="1">
-              <a:defRPr/>
-            </a:pPr>
-            <a:r>
-              <a:rPr lang="en-US"/>
-              <a:t>Mode of Operation</a:t>
-            </a:r>
-            <a:endParaRPr/>
-          </a:p>
-          <a:p>
-            <a:pPr lvl="1">
-              <a:defRPr/>
-            </a:pPr>
-            <a:r>
-              <a:rPr lang="en-US"/>
-              <a:t>Authentication Methods</a:t>
-            </a:r>
-            <a:endParaRPr/>
-          </a:p>
-          <a:p>
-            <a:pPr lvl="1">
-              <a:defRPr/>
-            </a:pPr>
-            <a:r>
-              <a:rPr lang="en-US"/>
-              <a:t>Session Keys</a:t>
-            </a:r>
-            <a:endParaRPr/>
-          </a:p>
-          <a:p>
-            <a:pPr lvl="1">
-              <a:defRPr/>
-            </a:pPr>
-            <a:r>
-              <a:rPr lang="en-US"/>
-              <a:t>ISAKMP/IKE</a:t>
-            </a:r>
-            <a:endParaRPr/>
-          </a:p>
-          <a:p>
-            <a:pPr lvl="1">
-              <a:defRPr/>
-            </a:pPr>
             <a:endParaRPr lang="en-US"/>
           </a:p>
-        </p:txBody>
-      </p:sp>
-      <p:sp>
-        <p:nvSpPr>
-          <p:cNvPr id="4" name="Footer Placeholder 3"/>
-          <p:cNvSpPr>
-            <a:spLocks noGrp="1"/>
-          </p:cNvSpPr>
-          <p:nvPr>
-            <p:ph type="ftr" sz="quarter" idx="11"/>
-          </p:nvPr>
-        </p:nvSpPr>
-        <p:spPr bwMode="auto"/>
-        <p:txBody>
-          <a:bodyPr/>
-          <a:lstStyle/>
           <a:p>
             <a:pPr>
               <a:defRPr/>
             </a:pPr>
             <a:endParaRPr lang="en-US"/>
           </a:p>
-          <a:p>
-            <a:pPr>
-              <a:defRPr/>
-            </a:pPr>
-            <a:endParaRPr lang="en-US"/>
-          </a:p>
-        </p:txBody>
-      </p:sp>
+        </p:txBody>
+      </p:sp>
+      <p:pic>
+        <p:nvPicPr>
+          <p:cNvPr id="6" name="Picture 5">
+            <a:extLst>
+              <a:ext uri="{FF2B5EF4-FFF2-40B4-BE49-F238E27FC236}">
+                <a16:creationId xmlns:a16="http://schemas.microsoft.com/office/drawing/2014/main" id="{CB1AA26A-E9B6-4C7C-BA6A-28AB875117DE}"/>
+              </a:ext>
+            </a:extLst>
+          </p:cNvPr>
+          <p:cNvPicPr>
+            <a:picLocks noChangeAspect="1"/>
+          </p:cNvPicPr>
+          <p:nvPr/>
+        </p:nvPicPr>
+        <p:blipFill>
+          <a:blip r:embed="rId2" cstate="print">
+            <a:extLst>
+              <a:ext uri="{28A0092B-C50C-407E-A947-70E740481C1C}">
+                <a14:useLocalDpi xmlns:a14="http://schemas.microsoft.com/office/drawing/2010/main" val="0"/>
+              </a:ext>
+            </a:extLst>
+          </a:blip>
+          <a:stretch>
+            <a:fillRect/>
+          </a:stretch>
+        </p:blipFill>
+        <p:spPr>
+          <a:xfrm>
+            <a:off x="5523475" y="4221088"/>
+            <a:ext cx="664890" cy="405421"/>
+          </a:xfrm>
+          <a:prstGeom prst="rect">
+            <a:avLst/>
+          </a:prstGeom>
+        </p:spPr>
+      </p:pic>
     </p:spTree>
   </p:cSld>
   <p:clrMapOvr>
@@ -9303,12 +9359,8 @@
               <a:defRPr/>
             </a:pPr>
             <a:r>
-              <a:rPr lang="en-US"/>
-              <a:t>The Cookie </a:t>
-            </a:r>
-            <a:r>
               <a:rPr lang="en-US" dirty="0"/>
-              <a:t>Exchange </a:t>
+              <a:t>The Cookie Exchange </a:t>
             </a:r>
             <a:endParaRPr dirty="0"/>
           </a:p>

--- a/Assignments/InternetKeyExchange/Internet Key Exchange.pptx
+++ b/Assignments/InternetKeyExchange/Internet Key Exchange.pptx
@@ -19,6 +19,8 @@
     <p:sldId id="267" r:id="rId14"/>
     <p:sldId id="268" r:id="rId15"/>
     <p:sldId id="269" r:id="rId16"/>
+    <p:sldId id="270" r:id="rId17"/>
+    <p:sldId id="271" r:id="rId18"/>
   </p:sldIdLst>
   <p:sldSz cx="12192000" cy="6858000"/>
   <p:notesSz cx="12192000" cy="6858000"/>
@@ -573,7 +575,7 @@
         </p:nvSpPr>
         <p:spPr bwMode="auto">
           <a:xfrm>
-            <a:off x="838199" y="365124"/>
+            <a:off x="838198" y="365124"/>
             <a:ext cx="7734299" cy="5811837"/>
           </a:xfrm>
         </p:spPr>
@@ -1216,7 +1218,7 @@
         </p:nvSpPr>
         <p:spPr bwMode="auto">
           <a:xfrm>
-            <a:off x="838199" y="1825624"/>
+            <a:off x="838198" y="1825624"/>
             <a:ext cx="5181599" cy="4351338"/>
           </a:xfrm>
         </p:spPr>
@@ -1489,7 +1491,7 @@
         <p:spPr bwMode="auto">
           <a:xfrm>
             <a:off x="839787" y="1681162"/>
-            <a:ext cx="5157786" cy="823911"/>
+            <a:ext cx="5157785" cy="823911"/>
           </a:xfrm>
         </p:spPr>
         <p:txBody>
@@ -1557,7 +1559,7 @@
         <p:spPr bwMode="auto">
           <a:xfrm>
             <a:off x="839787" y="2505074"/>
-            <a:ext cx="5157786" cy="3684587"/>
+            <a:ext cx="5157785" cy="3684587"/>
           </a:xfrm>
         </p:spPr>
         <p:txBody>
@@ -2661,8 +2663,8 @@
         </p:nvSpPr>
         <p:spPr bwMode="auto">
           <a:xfrm>
-            <a:off x="6003633" y="5976202"/>
-            <a:ext cx="184730" cy="830997"/>
+            <a:off x="6003634" y="5976203"/>
+            <a:ext cx="184731" cy="830997"/>
           </a:xfrm>
           <a:prstGeom prst="rect">
             <a:avLst/>
@@ -2721,7 +2723,7 @@
         </p:nvSpPr>
         <p:spPr bwMode="auto">
           <a:xfrm>
-            <a:off x="838199" y="365124"/>
+            <a:off x="838198" y="365124"/>
             <a:ext cx="10515600" cy="1325562"/>
           </a:xfrm>
           <a:prstGeom prst="rect">
@@ -2757,7 +2759,7 @@
         </p:nvSpPr>
         <p:spPr bwMode="auto">
           <a:xfrm>
-            <a:off x="838199" y="1825624"/>
+            <a:off x="838198" y="1825624"/>
             <a:ext cx="10515600" cy="4351338"/>
           </a:xfrm>
           <a:prstGeom prst="rect">
@@ -2833,7 +2835,7 @@
         </p:nvSpPr>
         <p:spPr bwMode="auto">
           <a:xfrm>
-            <a:off x="838199" y="6356349"/>
+            <a:off x="838198" y="6356349"/>
             <a:ext cx="2743200" cy="365124"/>
           </a:xfrm>
           <a:prstGeom prst="rect">
@@ -3282,6 +3284,13 @@
               <a:rPr lang="en-US"/>
               <a:t>Internet Key Exchange</a:t>
             </a:r>
+            <a:br>
+              <a:rPr lang="en-US"/>
+            </a:br>
+            <a:r>
+              <a:rPr lang="en-US"/>
+              <a:t>(IKE)</a:t>
+            </a:r>
             <a:endParaRPr/>
           </a:p>
         </p:txBody>
@@ -3300,6 +3309,16 @@
         <p:txBody>
           <a:bodyPr/>
           <a:lstStyle/>
+          <a:p>
+            <a:pPr>
+              <a:defRPr/>
+            </a:pPr>
+            <a:r>
+              <a:rPr lang="en-US"/>
+              <a:t>RFC 2409/4306</a:t>
+            </a:r>
+            <a:endParaRPr/>
+          </a:p>
           <a:p>
             <a:pPr>
               <a:defRPr/>
@@ -3347,7 +3366,7 @@
       </p:grpSpPr>
       <p:sp>
         <p:nvSpPr>
-          <p:cNvPr id="1398164675" name="Title 1" hidden="0"/>
+          <p:cNvPr id="2" name="Title 1" hidden="0"/>
           <p:cNvSpPr>
             <a:spLocks noGrp="1"/>
           </p:cNvSpPr>
@@ -3364,16 +3383,16 @@
               <a:defRPr/>
             </a:pPr>
             <a:r>
-              <a:rPr/>
-              <a:t>Key Determination</a:t>
-            </a:r>
-            <a:endParaRPr/>
-          </a:p>
-        </p:txBody>
-      </p:sp>
-      <p:sp>
-        <p:nvSpPr>
-          <p:cNvPr id="1750446148" name="Content Placeholder 2" hidden="0"/>
+              <a:rPr lang="en-US"/>
+              <a:t>Key Determination – Diffie Hellman</a:t>
+            </a:r>
+            <a:endParaRPr/>
+          </a:p>
+        </p:txBody>
+      </p:sp>
+      <p:sp>
+        <p:nvSpPr>
+          <p:cNvPr id="3" name="Content Placeholder 2" hidden="0"/>
           <p:cNvSpPr>
             <a:spLocks noGrp="1"/>
           </p:cNvSpPr>
@@ -3389,10 +3408,779 @@
             <a:pPr>
               <a:defRPr/>
             </a:pPr>
-            <a:endParaRPr/>
-          </a:p>
-        </p:txBody>
-      </p:sp>
+            <a:r>
+              <a:rPr lang="en-US"/>
+              <a:t>Oakley Key Determination </a:t>
+            </a:r>
+            <a:endParaRPr/>
+          </a:p>
+          <a:p>
+            <a:pPr>
+              <a:defRPr/>
+            </a:pPr>
+            <a:r>
+              <a:rPr lang="en-US"/>
+              <a:t>Secret Session Key </a:t>
+            </a:r>
+            <a:r>
+              <a:rPr lang="en-US"/>
+              <a:t></a:t>
+            </a:r>
+            <a:endParaRPr lang="en-US" i="1">
+              <a:latin typeface="Cambria Math"/>
+            </a:endParaRPr>
+          </a:p>
+          <a:p>
+            <a:pPr>
+              <a:defRPr/>
+            </a:pPr>
+            <mc:AlternateContent xmlns:mc="http://schemas.openxmlformats.org/markup-compatibility/2006" xmlns:m="http://schemas.openxmlformats.org/officeDocument/2006/math">
+              <mc:Choice xmlns:a14="http://schemas.microsoft.com/office/drawing/2010/main" Requires="a14">
+                <a14:m>
+                  <m:oMathPara>
+                    <m:oMathParaPr/>
+                    <m:oMath>
+                      <m:r>
+                        <m:rPr/>
+                        <a:rPr lang="en-US" b="0" i="1">
+                          <a:latin typeface="Cambria Math"/>
+                        </a:rPr>
+                        <m:t>𝐾</m:t>
+                      </m:r>
+                      <m:r>
+                        <m:rPr/>
+                        <a:rPr lang="en-US" b="0" i="1">
+                          <a:latin typeface="Cambria Math"/>
+                        </a:rPr>
+                        <m:t>= </m:t>
+                      </m:r>
+                      <m:sSup>
+                        <m:sSupPr>
+                          <m:ctrlPr>
+                            <a:rPr lang="en-US" b="0" i="1">
+                              <a:latin typeface="Cambria Math"/>
+                              <a:ea typeface="Cambria Math"/>
+                              <a:cs typeface="Cambria Math"/>
+                            </a:rPr>
+                          </m:ctrlPr>
+                        </m:sSupPr>
+                        <m:e>
+                          <m:r>
+                            <m:rPr/>
+                            <a:rPr lang="en-US" b="0" i="1">
+                              <a:latin typeface="Cambria Math"/>
+                            </a:rPr>
+                            <m:t>(</m:t>
+                          </m:r>
+                          <m:sSub>
+                            <m:sSubPr>
+                              <m:ctrlPr>
+                                <a:rPr lang="en-US" b="0" i="1">
+                                  <a:latin typeface="Cambria Math"/>
+                                  <a:ea typeface="Cambria Math"/>
+                                  <a:cs typeface="Cambria Math"/>
+                                </a:rPr>
+                              </m:ctrlPr>
+                            </m:sSubPr>
+                            <m:e>
+                              <m:r>
+                                <m:rPr/>
+                                <a:rPr lang="en-US" b="0" i="1">
+                                  <a:latin typeface="Cambria Math"/>
+                                  <a:ea typeface="Cambria Math"/>
+                                </a:rPr>
+                                <m:t>𝛾</m:t>
+                              </m:r>
+                            </m:e>
+                            <m:sub>
+                              <m:r>
+                                <m:rPr/>
+                                <a:rPr lang="en-US" b="0" i="1">
+                                  <a:latin typeface="Cambria Math"/>
+                                </a:rPr>
+                                <m:t>𝐵𝑜𝑏</m:t>
+                              </m:r>
+                            </m:sub>
+                          </m:sSub>
+                          <m:r>
+                            <m:rPr/>
+                            <a:rPr lang="en-US" b="0" i="1">
+                              <a:latin typeface="Cambria Math"/>
+                            </a:rPr>
+                            <m:t>)</m:t>
+                          </m:r>
+                        </m:e>
+                        <m:sup>
+                          <m:sSub>
+                            <m:sSubPr>
+                              <m:ctrlPr>
+                                <a:rPr lang="en-US" b="0" i="1">
+                                  <a:latin typeface="Cambria Math"/>
+                                  <a:ea typeface="Cambria Math"/>
+                                  <a:cs typeface="Cambria Math"/>
+                                </a:rPr>
+                              </m:ctrlPr>
+                            </m:sSubPr>
+                            <m:e>
+                              <m:r>
+                                <m:rPr/>
+                                <a:rPr lang="en-US" b="0" i="1">
+                                  <a:latin typeface="Cambria Math"/>
+                                </a:rPr>
+                                <m:t>𝑋</m:t>
+                              </m:r>
+                            </m:e>
+                            <m:sub>
+                              <m:r>
+                                <m:rPr/>
+                                <a:rPr lang="en-US" b="0" i="1">
+                                  <a:latin typeface="Cambria Math"/>
+                                </a:rPr>
+                                <m:t>𝐴𝑙𝑖𝑐𝑒</m:t>
+                              </m:r>
+                            </m:sub>
+                          </m:sSub>
+                        </m:sup>
+                      </m:sSup>
+                      <m:r>
+                        <m:rPr/>
+                        <a:rPr lang="en-US" b="0" i="1">
+                          <a:latin typeface="Cambria Math"/>
+                        </a:rPr>
+                        <m:t>𝑚𝑜𝑑</m:t>
+                      </m:r>
+                      <m:r>
+                        <m:rPr/>
+                        <a:rPr lang="en-US" b="0" i="1">
+                          <a:latin typeface="Cambria Math"/>
+                        </a:rPr>
+                        <m:t> </m:t>
+                      </m:r>
+                      <m:r>
+                        <m:rPr/>
+                        <a:rPr lang="en-US" b="0" i="1">
+                          <a:latin typeface="Cambria Math"/>
+                        </a:rPr>
+                        <m:t>𝑞</m:t>
+                      </m:r>
+                      <m:r>
+                        <m:rPr/>
+                        <a:rPr lang="en-US" b="0" i="1">
+                          <a:latin typeface="Cambria Math"/>
+                        </a:rPr>
+                        <m:t>=</m:t>
+                      </m:r>
+                      <m:sSup>
+                        <m:sSupPr>
+                          <m:ctrlPr>
+                            <a:rPr lang="en-US" i="1">
+                              <a:latin typeface="Cambria Math"/>
+                              <a:ea typeface="Cambria Math"/>
+                              <a:cs typeface="Cambria Math"/>
+                            </a:rPr>
+                          </m:ctrlPr>
+                        </m:sSupPr>
+                        <m:e>
+                          <m:r>
+                            <m:rPr/>
+                            <a:rPr lang="en-US" i="1">
+                              <a:latin typeface="Cambria Math"/>
+                            </a:rPr>
+                            <m:t>(</m:t>
+                          </m:r>
+                          <m:sSub>
+                            <m:sSubPr>
+                              <m:ctrlPr>
+                                <a:rPr lang="en-US" i="1">
+                                  <a:latin typeface="Cambria Math"/>
+                                  <a:ea typeface="Cambria Math"/>
+                                  <a:cs typeface="Cambria Math"/>
+                                </a:rPr>
+                              </m:ctrlPr>
+                            </m:sSubPr>
+                            <m:e>
+                              <m:r>
+                                <m:rPr/>
+                                <a:rPr lang="en-US" i="1">
+                                  <a:latin typeface="Cambria Math"/>
+                                  <a:ea typeface="Cambria Math"/>
+                                </a:rPr>
+                                <m:t>𝛾</m:t>
+                              </m:r>
+                            </m:e>
+                            <m:sub>
+                              <m:r>
+                                <m:rPr/>
+                                <a:rPr lang="en-US" b="0" i="1">
+                                  <a:latin typeface="Cambria Math"/>
+                                  <a:ea typeface="Cambria Math"/>
+                                </a:rPr>
+                                <m:t>𝐴𝑙𝑖𝑐𝑒</m:t>
+                              </m:r>
+                            </m:sub>
+                          </m:sSub>
+                          <m:r>
+                            <m:rPr/>
+                            <a:rPr lang="en-US" i="1">
+                              <a:latin typeface="Cambria Math"/>
+                            </a:rPr>
+                            <m:t>)</m:t>
+                          </m:r>
+                        </m:e>
+                        <m:sup>
+                          <m:sSub>
+                            <m:sSubPr>
+                              <m:ctrlPr>
+                                <a:rPr lang="en-US" i="1">
+                                  <a:latin typeface="Cambria Math"/>
+                                  <a:ea typeface="Cambria Math"/>
+                                  <a:cs typeface="Cambria Math"/>
+                                </a:rPr>
+                              </m:ctrlPr>
+                            </m:sSubPr>
+                            <m:e>
+                              <m:r>
+                                <m:rPr/>
+                                <a:rPr lang="en-US" i="1">
+                                  <a:latin typeface="Cambria Math"/>
+                                </a:rPr>
+                                <m:t>𝑋</m:t>
+                              </m:r>
+                            </m:e>
+                            <m:sub>
+                              <m:r>
+                                <m:rPr/>
+                                <a:rPr lang="en-US" b="0" i="1">
+                                  <a:latin typeface="Cambria Math"/>
+                                </a:rPr>
+                                <m:t>𝐵𝑜𝑏</m:t>
+                              </m:r>
+                            </m:sub>
+                          </m:sSub>
+                        </m:sup>
+                      </m:sSup>
+                      <m:r>
+                        <m:rPr/>
+                        <a:rPr lang="en-US" i="1">
+                          <a:latin typeface="Cambria Math"/>
+                        </a:rPr>
+                        <m:t>𝑚𝑜𝑑</m:t>
+                      </m:r>
+                      <m:r>
+                        <m:rPr/>
+                        <a:rPr lang="en-US" i="1">
+                          <a:latin typeface="Cambria Math"/>
+                        </a:rPr>
+                        <m:t> </m:t>
+                      </m:r>
+                      <m:r>
+                        <m:rPr/>
+                        <a:rPr lang="en-US" i="1">
+                          <a:latin typeface="Cambria Math"/>
+                        </a:rPr>
+                        <m:t>𝑞</m:t>
+                      </m:r>
+                      <m:r>
+                        <m:rPr/>
+                        <a:rPr lang="en-US" b="0" i="1">
+                          <a:latin typeface="Cambria Math"/>
+                        </a:rPr>
+                        <m:t>=</m:t>
+                      </m:r>
+                    </m:oMath>
+                  </m:oMathPara>
+                </a14:m>
+              </mc:Choice>
+              <mc:Fallback/>
+            </mc:AlternateContent>
+            <a:r>
+              <a:rPr lang="en-US"/>
+              <a:t> </a:t>
+            </a:r>
+            <mc:AlternateContent xmlns:mc="http://schemas.openxmlformats.org/markup-compatibility/2006" xmlns:m="http://schemas.openxmlformats.org/officeDocument/2006/math">
+              <mc:Choice xmlns:a14="http://schemas.microsoft.com/office/drawing/2010/main" Requires="a14">
+                <a14:m>
+                  <m:oMathPara>
+                    <m:oMathParaPr/>
+                    <m:oMath>
+                      <m:sSup>
+                        <m:sSupPr>
+                          <m:ctrlPr>
+                            <a:rPr lang="en-US" i="1">
+                              <a:latin typeface="Cambria Math"/>
+                              <a:ea typeface="Cambria Math"/>
+                              <a:cs typeface="Cambria Math"/>
+                            </a:rPr>
+                          </m:ctrlPr>
+                        </m:sSupPr>
+                        <m:e>
+                          <m:r>
+                            <m:rPr/>
+                            <a:rPr lang="en-US" i="1">
+                              <a:latin typeface="Cambria Math"/>
+                            </a:rPr>
+                            <m:t></m:t>
+                          </m:r>
+                        </m:e>
+                        <m:sup>
+                          <m:sSub>
+                            <m:sSubPr>
+                              <m:ctrlPr>
+                                <a:rPr lang="en-US" i="1">
+                                  <a:latin typeface="Cambria Math"/>
+                                  <a:ea typeface="Cambria Math"/>
+                                  <a:cs typeface="Cambria Math"/>
+                                </a:rPr>
+                              </m:ctrlPr>
+                            </m:sSubPr>
+                            <m:e>
+                              <m:r>
+                                <m:rPr/>
+                                <a:rPr lang="en-US" i="1">
+                                  <a:latin typeface="Cambria Math"/>
+                                </a:rPr>
+                                <m:t>𝑋</m:t>
+                              </m:r>
+                            </m:e>
+                            <m:sub>
+                              <m:r>
+                                <m:rPr/>
+                                <a:rPr lang="en-US" b="0" i="1">
+                                  <a:latin typeface="Cambria Math"/>
+                                </a:rPr>
+                                <m:t>𝐴𝑙𝑖𝑐𝑒</m:t>
+                              </m:r>
+                            </m:sub>
+                          </m:sSub>
+                          <m:sSub>
+                            <m:sSubPr>
+                              <m:ctrlPr>
+                                <a:rPr lang="en-US" i="1">
+                                  <a:latin typeface="Cambria Math"/>
+                                  <a:ea typeface="Cambria Math"/>
+                                  <a:cs typeface="Cambria Math"/>
+                                </a:rPr>
+                              </m:ctrlPr>
+                            </m:sSubPr>
+                            <m:e>
+                              <m:r>
+                                <m:rPr/>
+                                <a:rPr lang="en-US" i="1">
+                                  <a:latin typeface="Cambria Math"/>
+                                </a:rPr>
+                                <m:t>𝑋</m:t>
+                              </m:r>
+                            </m:e>
+                            <m:sub>
+                              <m:r>
+                                <m:rPr/>
+                                <a:rPr lang="en-US" i="1">
+                                  <a:latin typeface="Cambria Math"/>
+                                </a:rPr>
+                                <m:t>𝐵𝑜𝑏</m:t>
+                              </m:r>
+                            </m:sub>
+                          </m:sSub>
+                        </m:sup>
+                      </m:sSup>
+                      <m:r>
+                        <m:rPr/>
+                        <a:rPr lang="en-US" i="1">
+                          <a:latin typeface="Cambria Math"/>
+                        </a:rPr>
+                        <m:t>𝑚𝑜𝑑</m:t>
+                      </m:r>
+                      <m:r>
+                        <m:rPr/>
+                        <a:rPr lang="en-US" i="1">
+                          <a:latin typeface="Cambria Math"/>
+                        </a:rPr>
+                        <m:t> </m:t>
+                      </m:r>
+                      <m:r>
+                        <m:rPr/>
+                        <a:rPr lang="en-US" i="1">
+                          <a:latin typeface="Cambria Math"/>
+                        </a:rPr>
+                        <m:t>𝑞</m:t>
+                      </m:r>
+                    </m:oMath>
+                  </m:oMathPara>
+                </a14:m>
+              </mc:Choice>
+              <mc:Fallback/>
+            </mc:AlternateContent>
+            <a:endParaRPr lang="en-US"/>
+          </a:p>
+          <a:p>
+            <a:pPr>
+              <a:defRPr/>
+            </a:pPr>
+            <a:r>
+              <a:rPr lang="en-US"/>
+              <a:t>Group Identifiers RFC 2412</a:t>
+            </a:r>
+            <a:endParaRPr/>
+          </a:p>
+          <a:p>
+            <a:pPr>
+              <a:defRPr/>
+            </a:pPr>
+            <a:endParaRPr/>
+          </a:p>
+        </p:txBody>
+      </p:sp>
+      <p:sp>
+        <p:nvSpPr>
+          <p:cNvPr id="4" name="Footer Placeholder 3" hidden="0"/>
+          <p:cNvSpPr>
+            <a:spLocks noGrp="1"/>
+          </p:cNvSpPr>
+          <p:nvPr isPhoto="0" userDrawn="0">
+            <p:ph type="ftr" sz="quarter" idx="11" hasCustomPrompt="0"/>
+          </p:nvPr>
+        </p:nvSpPr>
+        <p:spPr bwMode="auto"/>
+        <p:txBody>
+          <a:bodyPr/>
+          <a:lstStyle/>
+          <a:p>
+            <a:pPr>
+              <a:defRPr/>
+            </a:pPr>
+            <a:endParaRPr lang="en-US"/>
+          </a:p>
+          <a:p>
+            <a:pPr>
+              <a:defRPr/>
+            </a:pPr>
+            <a:endParaRPr lang="en-US"/>
+          </a:p>
+        </p:txBody>
+      </p:sp>
+      <p:pic>
+        <p:nvPicPr>
+          <p:cNvPr id="6" name="Picture 5" hidden="0"/>
+          <p:cNvPicPr>
+            <a:picLocks noChangeAspect="1"/>
+          </p:cNvPicPr>
+          <p:nvPr isPhoto="0" userDrawn="0"/>
+        </p:nvPicPr>
+        <p:blipFill>
+          <a:blip r:embed="rId2"/>
+          <a:stretch/>
+        </p:blipFill>
+        <p:spPr bwMode="auto">
+          <a:xfrm>
+            <a:off x="1055440" y="4032117"/>
+            <a:ext cx="5724524" cy="1038225"/>
+          </a:xfrm>
+          <a:prstGeom prst="rect">
+            <a:avLst/>
+          </a:prstGeom>
+        </p:spPr>
+      </p:pic>
+      <p:sp>
+        <p:nvSpPr>
+          <p:cNvPr id="7" name="TextBox 6" hidden="0"/>
+          <p:cNvSpPr txBox="1"/>
+          <p:nvPr isPhoto="0" userDrawn="0"/>
+        </p:nvSpPr>
+        <p:spPr bwMode="auto">
+          <a:xfrm>
+            <a:off x="1199456" y="5157192"/>
+            <a:ext cx="9073008" cy="1200329"/>
+          </a:xfrm>
+          <a:prstGeom prst="rect">
+            <a:avLst/>
+          </a:prstGeom>
+          <a:noFill/>
+        </p:spPr>
+        <p:txBody>
+          <a:bodyPr wrap="square" rtlCol="0">
+            <a:spAutoFit/>
+          </a:bodyPr>
+          <a:lstStyle/>
+          <a:p>
+            <a:pPr algn="ctr">
+              <a:defRPr/>
+            </a:pPr>
+            <a:r>
+              <a:rPr lang="en-US" b="0">
+                <a:latin typeface="Cambria Math"/>
+              </a:rPr>
+              <a:t>Oakley First Default Group</a:t>
+            </a:r>
+            <a:endParaRPr/>
+          </a:p>
+          <a:p>
+            <a:pPr>
+              <a:defRPr/>
+            </a:pPr>
+            <mc:AlternateContent xmlns:mc="http://schemas.openxmlformats.org/markup-compatibility/2006" xmlns:m="http://schemas.openxmlformats.org/officeDocument/2006/math">
+              <mc:Choice xmlns:a14="http://schemas.microsoft.com/office/drawing/2010/main" Requires="a14">
+                <a14:m>
+                  <m:oMathPara>
+                    <m:oMathParaPr>
+                      <m:jc m:val="centerGroup"/>
+                    </m:oMathParaPr>
+                    <m:oMath>
+                      <m:r>
+                        <m:rPr/>
+                        <a:rPr lang="en-US" b="0" i="1">
+                          <a:latin typeface="Cambria Math"/>
+                        </a:rPr>
+                        <m:t>𝑞</m:t>
+                      </m:r>
+                      <m:r>
+                        <m:rPr/>
+                        <a:rPr lang="en-US" b="0" i="1">
+                          <a:latin typeface="Cambria Math"/>
+                        </a:rPr>
+                        <m:t>= </m:t>
+                      </m:r>
+                      <m:sSup>
+                        <m:sSupPr>
+                          <m:ctrlPr>
+                            <a:rPr lang="en-US" b="0" i="1">
+                              <a:latin typeface="Cambria Math"/>
+                              <a:ea typeface="Cambria Math"/>
+                              <a:cs typeface="Cambria Math"/>
+                            </a:rPr>
+                          </m:ctrlPr>
+                        </m:sSupPr>
+                        <m:e>
+                          <m:r>
+                            <m:rPr/>
+                            <a:rPr lang="en-US" b="0" i="1">
+                              <a:latin typeface="Cambria Math"/>
+                            </a:rPr>
+                            <m:t>2</m:t>
+                          </m:r>
+                        </m:e>
+                        <m:sup>
+                          <m:r>
+                            <m:rPr/>
+                            <a:rPr lang="en-US" b="0" i="1">
+                              <a:latin typeface="Cambria Math"/>
+                            </a:rPr>
+                            <m:t>768</m:t>
+                          </m:r>
+                        </m:sup>
+                      </m:sSup>
+                      <m:r>
+                        <m:rPr/>
+                        <a:rPr lang="en-US" b="0" i="1">
+                          <a:latin typeface="Cambria Math"/>
+                        </a:rPr>
+                        <m:t>−</m:t>
+                      </m:r>
+                      <m:sSup>
+                        <m:sSupPr>
+                          <m:ctrlPr>
+                            <a:rPr lang="en-US" b="0" i="1">
+                              <a:latin typeface="Cambria Math"/>
+                              <a:ea typeface="Cambria Math"/>
+                              <a:cs typeface="Cambria Math"/>
+                            </a:rPr>
+                          </m:ctrlPr>
+                        </m:sSupPr>
+                        <m:e>
+                          <m:r>
+                            <m:rPr/>
+                            <a:rPr lang="en-US" b="0" i="1">
+                              <a:latin typeface="Cambria Math"/>
+                            </a:rPr>
+                            <m:t>2</m:t>
+                          </m:r>
+                        </m:e>
+                        <m:sup>
+                          <m:r>
+                            <m:rPr/>
+                            <a:rPr lang="en-US" b="0" i="1">
+                              <a:latin typeface="Cambria Math"/>
+                            </a:rPr>
+                            <m:t>704</m:t>
+                          </m:r>
+                        </m:sup>
+                      </m:sSup>
+                      <m:r>
+                        <m:rPr/>
+                        <a:rPr lang="en-US" b="0" i="1">
+                          <a:latin typeface="Cambria Math"/>
+                        </a:rPr>
+                        <m:t>−1+</m:t>
+                      </m:r>
+                      <m:sSup>
+                        <m:sSupPr>
+                          <m:ctrlPr>
+                            <a:rPr lang="en-US" b="0" i="1">
+                              <a:latin typeface="Cambria Math"/>
+                              <a:ea typeface="Cambria Math"/>
+                              <a:cs typeface="Cambria Math"/>
+                            </a:rPr>
+                          </m:ctrlPr>
+                        </m:sSupPr>
+                        <m:e>
+                          <m:r>
+                            <m:rPr/>
+                            <a:rPr lang="en-US" b="0" i="1">
+                              <a:latin typeface="Cambria Math"/>
+                            </a:rPr>
+                            <m:t>2</m:t>
+                          </m:r>
+                        </m:e>
+                        <m:sup>
+                          <m:r>
+                            <m:rPr/>
+                            <a:rPr lang="en-US" b="0" i="1">
+                              <a:latin typeface="Cambria Math"/>
+                            </a:rPr>
+                            <m:t>64</m:t>
+                          </m:r>
+                        </m:sup>
+                      </m:sSup>
+                      <m:r>
+                        <m:rPr/>
+                        <a:rPr lang="en-US" b="0" i="1">
+                          <a:latin typeface="Cambria Math"/>
+                          <a:ea typeface="Cambria Math"/>
+                        </a:rPr>
+                        <m:t>×</m:t>
+                      </m:r>
+                      <m:d>
+                        <m:dPr>
+                          <m:ctrlPr>
+                            <a:rPr lang="en-US" b="0" i="1">
+                              <a:latin typeface="Cambria Math"/>
+                              <a:ea typeface="Cambria Math"/>
+                              <a:cs typeface="Cambria Math"/>
+                            </a:rPr>
+                          </m:ctrlPr>
+                        </m:dPr>
+                        <m:e>
+                          <m:d>
+                            <m:dPr>
+                              <m:begChr m:val="["/>
+                              <m:endChr m:val="]"/>
+                              <m:ctrlPr>
+                                <a:rPr lang="en-US" b="0" i="1">
+                                  <a:latin typeface="Cambria Math"/>
+                                  <a:ea typeface="Cambria Math"/>
+                                  <a:cs typeface="Cambria Math"/>
+                                </a:rPr>
+                              </m:ctrlPr>
+                            </m:dPr>
+                            <m:e>
+                              <m:sSup>
+                                <m:sSupPr>
+                                  <m:ctrlPr>
+                                    <a:rPr lang="en-US" b="0" i="1">
+                                      <a:latin typeface="Cambria Math"/>
+                                      <a:ea typeface="Cambria Math"/>
+                                      <a:cs typeface="Cambria Math"/>
+                                    </a:rPr>
+                                  </m:ctrlPr>
+                                </m:sSupPr>
+                                <m:e>
+                                  <m:r>
+                                    <m:rPr/>
+                                    <a:rPr lang="en-US" b="0" i="1">
+                                      <a:latin typeface="Cambria Math"/>
+                                      <a:ea typeface="Cambria Math"/>
+                                    </a:rPr>
+                                    <m:t>2</m:t>
+                                  </m:r>
+                                </m:e>
+                                <m:sup>
+                                  <m:r>
+                                    <m:rPr/>
+                                    <a:rPr lang="en-US" b="0" i="1">
+                                      <a:latin typeface="Cambria Math"/>
+                                      <a:ea typeface="Cambria Math"/>
+                                    </a:rPr>
+                                    <m:t>638</m:t>
+                                  </m:r>
+                                </m:sup>
+                              </m:sSup>
+                              <m:r>
+                                <m:rPr/>
+                                <a:rPr lang="en-US" b="0" i="1">
+                                  <a:latin typeface="Cambria Math"/>
+                                  <a:ea typeface="Cambria Math"/>
+                                </a:rPr>
+                                <m:t>×</m:t>
+                              </m:r>
+                              <m:r>
+                                <m:rPr/>
+                                <a:rPr lang="en-US" b="0" i="1">
+                                  <a:latin typeface="Cambria Math"/>
+                                  <a:ea typeface="Cambria Math"/>
+                                </a:rPr>
+                                <m:t>𝜋</m:t>
+                              </m:r>
+                            </m:e>
+                          </m:d>
+                          <m:r>
+                            <m:rPr/>
+                            <a:rPr lang="en-US" b="0" i="1">
+                              <a:latin typeface="Cambria Math"/>
+                              <a:ea typeface="Cambria Math"/>
+                            </a:rPr>
+                            <m:t>+149689</m:t>
+                          </m:r>
+                        </m:e>
+                      </m:d>
+                    </m:oMath>
+                  </m:oMathPara>
+                </a14:m>
+              </mc:Choice>
+              <mc:Fallback/>
+            </mc:AlternateContent>
+            <a:endParaRPr lang="en-US" b="0">
+              <a:ea typeface="Cambria Math"/>
+            </a:endParaRPr>
+          </a:p>
+          <a:p>
+            <a:pPr algn="ctr">
+              <a:defRPr/>
+            </a:pPr>
+            <a:r>
+              <a:rPr lang="en-US"/>
+              <a:t>=2</a:t>
+            </a:r>
+            <a:endParaRPr/>
+          </a:p>
+          <a:p>
+            <a:pPr algn="ctr">
+              <a:defRPr/>
+            </a:pPr>
+            <a:endParaRPr lang="en-US"/>
+          </a:p>
+        </p:txBody>
+      </p:sp>
+      <p:pic>
+        <p:nvPicPr>
+          <p:cNvPr id="9" name="Picture 8" hidden="0"/>
+          <p:cNvPicPr>
+            <a:picLocks noChangeAspect="1"/>
+          </p:cNvPicPr>
+          <p:nvPr isPhoto="0" userDrawn="0"/>
+        </p:nvPicPr>
+        <p:blipFill>
+          <a:blip r:embed="rId3"/>
+          <a:stretch/>
+        </p:blipFill>
+        <p:spPr bwMode="auto">
+          <a:xfrm>
+            <a:off x="10051509" y="5157192"/>
+            <a:ext cx="1842958" cy="1019770"/>
+          </a:xfrm>
+          <a:prstGeom prst="rect">
+            <a:avLst/>
+          </a:prstGeom>
+        </p:spPr>
+      </p:pic>
     </p:spTree>
   </p:cSld>
   <p:clrMapOvr>
@@ -3454,6 +4242,34 @@
       </p:sp>
       <p:sp>
         <p:nvSpPr>
+          <p:cNvPr id="2" name="Footer Placeholder 1" hidden="0"/>
+          <p:cNvSpPr>
+            <a:spLocks noGrp="1"/>
+          </p:cNvSpPr>
+          <p:nvPr isPhoto="0" userDrawn="0">
+            <p:ph type="ftr" sz="quarter" idx="11" hasCustomPrompt="0"/>
+          </p:nvPr>
+        </p:nvSpPr>
+        <p:spPr bwMode="auto"/>
+        <p:txBody>
+          <a:bodyPr/>
+          <a:lstStyle/>
+          <a:p>
+            <a:pPr>
+              <a:defRPr/>
+            </a:pPr>
+            <a:endParaRPr lang="en-US"/>
+          </a:p>
+          <a:p>
+            <a:pPr>
+              <a:defRPr/>
+            </a:pPr>
+            <a:endParaRPr lang="en-US"/>
+          </a:p>
+        </p:txBody>
+      </p:sp>
+      <p:sp>
+        <p:nvSpPr>
           <p:cNvPr id="1551159359" name="Content Placeholder 2" hidden="0"/>
           <p:cNvSpPr>
             <a:spLocks noGrp="1"/>
@@ -3462,18 +4278,94 @@
             <p:ph idx="1" hasCustomPrompt="0"/>
           </p:nvPr>
         </p:nvSpPr>
-        <p:spPr bwMode="auto"/>
-        <p:txBody>
-          <a:bodyPr/>
-          <a:lstStyle/>
-          <a:p>
-            <a:pPr>
-              <a:defRPr/>
-            </a:pPr>
-            <a:endParaRPr/>
-          </a:p>
-        </p:txBody>
-      </p:sp>
+        <p:spPr bwMode="auto">
+          <a:xfrm>
+            <a:off x="930564" y="1554586"/>
+            <a:ext cx="10515600" cy="4351338"/>
+          </a:xfrm>
+        </p:spPr>
+        <p:txBody>
+          <a:bodyPr/>
+          <a:lstStyle/>
+          <a:p>
+            <a:pPr>
+              <a:defRPr/>
+            </a:pPr>
+            <a:r>
+              <a:rPr lang="en-US"/>
+              <a:t>SKEYID = hash (DH values, nonces, cookies, etc.) Key Seeds</a:t>
+            </a:r>
+            <a:endParaRPr/>
+          </a:p>
+          <a:p>
+            <a:pPr>
+              <a:defRPr/>
+            </a:pPr>
+            <a:r>
+              <a:rPr lang="en-US"/>
+              <a:t>Phase 1 - SKEYID last message</a:t>
+            </a:r>
+            <a:endParaRPr/>
+          </a:p>
+          <a:p>
+            <a:pPr>
+              <a:defRPr/>
+            </a:pPr>
+            <a:r>
+              <a:rPr lang="en-US"/>
+              <a:t>Phase 2 – SKEYID all Messages</a:t>
+            </a:r>
+            <a:endParaRPr/>
+          </a:p>
+          <a:p>
+            <a:pPr>
+              <a:defRPr/>
+            </a:pPr>
+            <a:r>
+              <a:rPr lang="en-US"/>
+              <a:t>Pseudo Random Function (</a:t>
+            </a:r>
+            <a:r>
+              <a:rPr lang="en-US"/>
+              <a:t>prf</a:t>
+            </a:r>
+            <a:r>
+              <a:rPr lang="en-US"/>
+              <a:t>) -with two parameters key and data (Think DES CBC or HMAC)</a:t>
+            </a:r>
+            <a:endParaRPr/>
+          </a:p>
+          <a:p>
+            <a:pPr>
+              <a:defRPr/>
+            </a:pPr>
+            <a:endParaRPr/>
+          </a:p>
+        </p:txBody>
+      </p:sp>
+      <p:pic>
+        <p:nvPicPr>
+          <p:cNvPr id="1026" name="Picture 2" descr="Maths is Hard – Change Meme" hidden="0"/>
+          <p:cNvPicPr>
+            <a:picLocks noChangeAspect="1" noChangeArrowheads="1"/>
+          </p:cNvPicPr>
+          <p:nvPr isPhoto="0" userDrawn="0"/>
+        </p:nvPicPr>
+        <p:blipFill>
+          <a:blip r:embed="rId2"/>
+          <a:stretch/>
+        </p:blipFill>
+        <p:spPr bwMode="auto">
+          <a:xfrm>
+            <a:off x="8256240" y="127595"/>
+            <a:ext cx="3566220" cy="1356714"/>
+          </a:xfrm>
+          <a:prstGeom prst="rect">
+            <a:avLst/>
+          </a:prstGeom>
+          <a:noFill/>
+        </p:spPr>
+      </p:pic>
     </p:spTree>
   </p:cSld>
   <p:clrMapOvr>
@@ -3509,7 +4401,7 @@
       </p:grpSpPr>
       <p:sp>
         <p:nvSpPr>
-          <p:cNvPr id="1187059497" name="Title 1" hidden="0"/>
+          <p:cNvPr id="2" name="Title 1" hidden="0"/>
           <p:cNvSpPr>
             <a:spLocks noGrp="1"/>
           </p:cNvSpPr>
@@ -3526,16 +4418,16 @@
               <a:defRPr/>
             </a:pPr>
             <a:r>
-              <a:rPr/>
-              <a:t>Header Formats</a:t>
-            </a:r>
-            <a:endParaRPr/>
-          </a:p>
-        </p:txBody>
-      </p:sp>
-      <p:sp>
-        <p:nvSpPr>
-          <p:cNvPr id="1393582075" name="Content Placeholder 2" hidden="0"/>
+              <a:rPr lang="en-US"/>
+              <a:t>IKE Phase 2</a:t>
+            </a:r>
+            <a:endParaRPr/>
+          </a:p>
+        </p:txBody>
+      </p:sp>
+      <p:sp>
+        <p:nvSpPr>
+          <p:cNvPr id="3" name="Content Placeholder 2" hidden="0"/>
           <p:cNvSpPr>
             <a:spLocks noGrp="1"/>
           </p:cNvSpPr>
@@ -3551,10 +4443,128 @@
             <a:pPr>
               <a:defRPr/>
             </a:pPr>
-            <a:endParaRPr/>
-          </a:p>
-        </p:txBody>
-      </p:sp>
+            <a:r>
+              <a:rPr lang="en-US"/>
+              <a:t>Quick Mode – Negotiation and Nonce Exchange</a:t>
+            </a:r>
+            <a:endParaRPr/>
+          </a:p>
+          <a:p>
+            <a:pPr>
+              <a:defRPr/>
+            </a:pPr>
+            <a:r>
+              <a:rPr lang="en-US"/>
+              <a:t>IPsec (AH or ESP) SA – Crypto Parameters and Traffic Selectors</a:t>
+            </a:r>
+            <a:endParaRPr/>
+          </a:p>
+          <a:p>
+            <a:pPr>
+              <a:defRPr/>
+            </a:pPr>
+            <a:r>
+              <a:rPr lang="en-US"/>
+              <a:t>Traffic Selectors – IP address/mask, IP protocol type and port</a:t>
+            </a:r>
+            <a:endParaRPr/>
+          </a:p>
+        </p:txBody>
+      </p:sp>
+      <p:pic>
+        <p:nvPicPr>
+          <p:cNvPr id="7" name="Picture 6" hidden="0"/>
+          <p:cNvPicPr>
+            <a:picLocks noChangeAspect="1"/>
+          </p:cNvPicPr>
+          <p:nvPr isPhoto="0" userDrawn="0"/>
+        </p:nvPicPr>
+        <p:blipFill>
+          <a:blip r:embed="rId2"/>
+          <a:stretch/>
+        </p:blipFill>
+        <p:spPr bwMode="auto">
+          <a:xfrm>
+            <a:off x="9408368" y="244243"/>
+            <a:ext cx="2353225" cy="1448976"/>
+          </a:xfrm>
+          <a:prstGeom prst="rect">
+            <a:avLst/>
+          </a:prstGeom>
+        </p:spPr>
+      </p:pic>
+      <p:sp>
+        <p:nvSpPr>
+          <p:cNvPr id="8" name="Footer Placeholder 7" hidden="0"/>
+          <p:cNvSpPr>
+            <a:spLocks noGrp="1"/>
+          </p:cNvSpPr>
+          <p:nvPr isPhoto="0" userDrawn="0">
+            <p:ph type="ftr" sz="quarter" idx="11" hasCustomPrompt="0"/>
+          </p:nvPr>
+        </p:nvSpPr>
+        <p:spPr bwMode="auto"/>
+        <p:txBody>
+          <a:bodyPr/>
+          <a:lstStyle/>
+          <a:p>
+            <a:pPr>
+              <a:defRPr/>
+            </a:pPr>
+            <a:endParaRPr lang="en-US"/>
+          </a:p>
+          <a:p>
+            <a:pPr>
+              <a:defRPr/>
+            </a:pPr>
+            <a:endParaRPr lang="en-US"/>
+          </a:p>
+        </p:txBody>
+      </p:sp>
+      <p:pic>
+        <p:nvPicPr>
+          <p:cNvPr id="6" name="Picture 5" hidden="0"/>
+          <p:cNvPicPr>
+            <a:picLocks noChangeAspect="1"/>
+          </p:cNvPicPr>
+          <p:nvPr isPhoto="0" userDrawn="0"/>
+        </p:nvPicPr>
+        <p:blipFill>
+          <a:blip r:embed="rId3"/>
+          <a:stretch/>
+        </p:blipFill>
+        <p:spPr bwMode="auto">
+          <a:xfrm>
+            <a:off x="2207568" y="4365104"/>
+            <a:ext cx="6315075" cy="1314450"/>
+          </a:xfrm>
+          <a:prstGeom prst="rect">
+            <a:avLst/>
+          </a:prstGeom>
+        </p:spPr>
+      </p:pic>
+      <p:pic>
+        <p:nvPicPr>
+          <p:cNvPr id="10" name="Picture 9" hidden="0"/>
+          <p:cNvPicPr>
+            <a:picLocks noChangeAspect="1"/>
+          </p:cNvPicPr>
+          <p:nvPr isPhoto="0" userDrawn="0"/>
+        </p:nvPicPr>
+        <p:blipFill>
+          <a:blip r:embed="rId4"/>
+          <a:stretch/>
+        </p:blipFill>
+        <p:spPr bwMode="auto">
+          <a:xfrm>
+            <a:off x="10992544" y="5515759"/>
+            <a:ext cx="959768" cy="1187713"/>
+          </a:xfrm>
+          <a:prstGeom prst="rect">
+            <a:avLst/>
+          </a:prstGeom>
+        </p:spPr>
+      </p:pic>
     </p:spTree>
   </p:cSld>
   <p:clrMapOvr>
@@ -3608,7 +4618,7 @@
             </a:pPr>
             <a:r>
               <a:rPr lang="en-US"/>
-              <a:t>IKE Phase 2</a:t>
+              <a:t>IKE Phase 2 Cont.</a:t>
             </a:r>
             <a:endParaRPr/>
           </a:p>
@@ -3630,6 +4640,67 @@
           <a:lstStyle/>
           <a:p>
             <a:pPr>
+              <a:defRPr/>
+            </a:pPr>
+            <a:r>
+              <a:rPr lang="en-US"/>
+              <a:t>X = pair of cookies from Phase 1</a:t>
+            </a:r>
+            <a:endParaRPr/>
+          </a:p>
+          <a:p>
+            <a:pPr>
+              <a:defRPr/>
+            </a:pPr>
+            <a:r>
+              <a:rPr lang="en-US"/>
+              <a:t>Y = 32 bit number to distinguish phase 2 sessions</a:t>
+            </a:r>
+            <a:endParaRPr/>
+          </a:p>
+          <a:p>
+            <a:pPr>
+              <a:defRPr/>
+            </a:pPr>
+            <a:r>
+              <a:rPr lang="en-US"/>
+              <a:t>CP – Crypto Proposal, CPA – Accepted proposal</a:t>
+            </a:r>
+            <a:endParaRPr/>
+          </a:p>
+          <a:p>
+            <a:pPr>
+              <a:defRPr/>
+            </a:pPr>
+            <a:r>
+              <a:rPr lang="en-US"/>
+              <a:t>SPI (from ISAKMP) – Security Parameter Index – IP SA Details</a:t>
+            </a:r>
+            <a:endParaRPr/>
+          </a:p>
+          <a:p>
+            <a:pPr>
+              <a:defRPr/>
+            </a:pPr>
+            <a:r>
+              <a:rPr lang="en-US"/>
+              <a:t>Nonce – random number</a:t>
+            </a:r>
+            <a:endParaRPr/>
+          </a:p>
+          <a:p>
+            <a:pPr>
+              <a:defRPr/>
+            </a:pPr>
+            <a:r>
+              <a:rPr lang="en-US"/>
+              <a:t>Diffie Hellman (optional) – For PFS</a:t>
+            </a:r>
+            <a:endParaRPr/>
+          </a:p>
+          <a:p>
+            <a:pPr marL="0" indent="0">
+              <a:buNone/>
               <a:defRPr/>
             </a:pPr>
             <a:endParaRPr lang="en-US"/>
@@ -3650,64 +4721,64 @@
         </p:blipFill>
         <p:spPr bwMode="auto">
           <a:xfrm>
-            <a:off x="5470967" y="3044142"/>
-            <a:ext cx="1250066" cy="769716"/>
+            <a:off x="6456040" y="116632"/>
+            <a:ext cx="5300464" cy="1950272"/>
           </a:xfrm>
           <a:prstGeom prst="rect">
             <a:avLst/>
           </a:prstGeom>
         </p:spPr>
       </p:pic>
+      <p:sp>
+        <p:nvSpPr>
+          <p:cNvPr id="6" name="Footer Placeholder 5" hidden="0"/>
+          <p:cNvSpPr>
+            <a:spLocks noGrp="1"/>
+          </p:cNvSpPr>
+          <p:nvPr isPhoto="0" userDrawn="0">
+            <p:ph type="ftr" sz="quarter" idx="11" hasCustomPrompt="0"/>
+          </p:nvPr>
+        </p:nvSpPr>
+        <p:spPr bwMode="auto"/>
+        <p:txBody>
+          <a:bodyPr/>
+          <a:lstStyle/>
+          <a:p>
+            <a:pPr>
+              <a:defRPr/>
+            </a:pPr>
+            <a:endParaRPr lang="en-US"/>
+          </a:p>
+          <a:p>
+            <a:pPr>
+              <a:defRPr/>
+            </a:pPr>
+            <a:endParaRPr lang="en-US"/>
+          </a:p>
+        </p:txBody>
+      </p:sp>
       <p:pic>
         <p:nvPicPr>
-          <p:cNvPr id="7" name="Picture 6" hidden="0"/>
+          <p:cNvPr id="8" name="Picture 7" hidden="0"/>
           <p:cNvPicPr>
             <a:picLocks noChangeAspect="1"/>
           </p:cNvPicPr>
           <p:nvPr isPhoto="0" userDrawn="0"/>
         </p:nvPicPr>
         <p:blipFill>
-          <a:blip r:embed="rId2"/>
+          <a:blip r:embed="rId3"/>
           <a:stretch/>
         </p:blipFill>
         <p:spPr bwMode="auto">
           <a:xfrm>
-            <a:off x="5470967" y="3044142"/>
-            <a:ext cx="1250066" cy="769716"/>
+            <a:off x="10488488" y="5748469"/>
+            <a:ext cx="1489348" cy="992899"/>
           </a:xfrm>
           <a:prstGeom prst="rect">
             <a:avLst/>
           </a:prstGeom>
         </p:spPr>
       </p:pic>
-      <p:sp>
-        <p:nvSpPr>
-          <p:cNvPr id="8" name="Footer Placeholder 7" hidden="0"/>
-          <p:cNvSpPr>
-            <a:spLocks noGrp="1"/>
-          </p:cNvSpPr>
-          <p:nvPr isPhoto="0" userDrawn="0">
-            <p:ph type="ftr" sz="quarter" idx="11" hasCustomPrompt="0"/>
-          </p:nvPr>
-        </p:nvSpPr>
-        <p:spPr bwMode="auto"/>
-        <p:txBody>
-          <a:bodyPr/>
-          <a:lstStyle/>
-          <a:p>
-            <a:pPr>
-              <a:defRPr/>
-            </a:pPr>
-            <a:endParaRPr lang="en-US"/>
-          </a:p>
-          <a:p>
-            <a:pPr>
-              <a:defRPr/>
-            </a:pPr>
-            <a:endParaRPr lang="en-US"/>
-          </a:p>
-        </p:txBody>
-      </p:sp>
     </p:spTree>
   </p:cSld>
   <p:clrMapOvr>
@@ -3743,6 +4814,161 @@
       </p:grpSpPr>
       <p:sp>
         <p:nvSpPr>
+          <p:cNvPr id="1187059497" name="Title 1" hidden="0"/>
+          <p:cNvSpPr>
+            <a:spLocks noGrp="1"/>
+          </p:cNvSpPr>
+          <p:nvPr isPhoto="0" userDrawn="0">
+            <p:ph type="title" hasCustomPrompt="0"/>
+          </p:nvPr>
+        </p:nvSpPr>
+        <p:spPr bwMode="auto"/>
+        <p:txBody>
+          <a:bodyPr/>
+          <a:lstStyle/>
+          <a:p>
+            <a:pPr>
+              <a:defRPr/>
+            </a:pPr>
+            <a:r>
+              <a:rPr/>
+              <a:t>Header Formats</a:t>
+            </a:r>
+            <a:endParaRPr/>
+          </a:p>
+        </p:txBody>
+      </p:sp>
+      <p:pic>
+        <p:nvPicPr>
+          <p:cNvPr id="8" name="Content Placeholder 7" hidden="0"/>
+          <p:cNvPicPr>
+            <a:picLocks noChangeAspect="1" noGrp="1"/>
+          </p:cNvPicPr>
+          <p:nvPr isPhoto="0" userDrawn="0">
+            <p:ph idx="1" hasCustomPrompt="0"/>
+          </p:nvPr>
+        </p:nvPicPr>
+        <p:blipFill>
+          <a:blip r:embed="rId2"/>
+          <a:stretch/>
+        </p:blipFill>
+        <p:spPr bwMode="auto">
+          <a:xfrm>
+            <a:off x="1127448" y="1657776"/>
+            <a:ext cx="4413059" cy="4351338"/>
+          </a:xfrm>
+          <a:prstGeom prst="rect">
+            <a:avLst/>
+          </a:prstGeom>
+        </p:spPr>
+      </p:pic>
+      <p:sp>
+        <p:nvSpPr>
+          <p:cNvPr id="2" name="Footer Placeholder 1" hidden="0"/>
+          <p:cNvSpPr>
+            <a:spLocks noGrp="1"/>
+          </p:cNvSpPr>
+          <p:nvPr isPhoto="0" userDrawn="0">
+            <p:ph type="ftr" sz="quarter" idx="11" hasCustomPrompt="0"/>
+          </p:nvPr>
+        </p:nvSpPr>
+        <p:spPr bwMode="auto"/>
+        <p:txBody>
+          <a:bodyPr/>
+          <a:lstStyle/>
+          <a:p>
+            <a:pPr>
+              <a:defRPr/>
+            </a:pPr>
+            <a:endParaRPr lang="en-US"/>
+          </a:p>
+          <a:p>
+            <a:pPr>
+              <a:defRPr/>
+            </a:pPr>
+            <a:endParaRPr lang="en-US"/>
+          </a:p>
+        </p:txBody>
+      </p:sp>
+      <p:pic>
+        <p:nvPicPr>
+          <p:cNvPr id="6" name="Picture 5" hidden="0"/>
+          <p:cNvPicPr>
+            <a:picLocks noChangeAspect="1"/>
+          </p:cNvPicPr>
+          <p:nvPr isPhoto="0" userDrawn="0"/>
+        </p:nvPicPr>
+        <p:blipFill>
+          <a:blip r:embed="rId3"/>
+          <a:stretch/>
+        </p:blipFill>
+        <p:spPr bwMode="auto">
+          <a:xfrm>
+            <a:off x="6382444" y="317560"/>
+            <a:ext cx="5277694" cy="4191560"/>
+          </a:xfrm>
+          <a:prstGeom prst="rect">
+            <a:avLst/>
+          </a:prstGeom>
+        </p:spPr>
+      </p:pic>
+      <p:pic>
+        <p:nvPicPr>
+          <p:cNvPr id="10" name="Picture 9" hidden="0"/>
+          <p:cNvPicPr>
+            <a:picLocks noChangeAspect="1"/>
+          </p:cNvPicPr>
+          <p:nvPr isPhoto="0" userDrawn="0"/>
+        </p:nvPicPr>
+        <p:blipFill>
+          <a:blip r:embed="rId4"/>
+          <a:stretch/>
+        </p:blipFill>
+        <p:spPr bwMode="auto">
+          <a:xfrm>
+            <a:off x="10776520" y="6117606"/>
+            <a:ext cx="1294482" cy="643201"/>
+          </a:xfrm>
+          <a:prstGeom prst="rect">
+            <a:avLst/>
+          </a:prstGeom>
+        </p:spPr>
+      </p:pic>
+    </p:spTree>
+  </p:cSld>
+  <p:clrMapOvr>
+    <a:masterClrMapping/>
+  </p:clrMapOvr>
+  <mc:AlternateContent xmlns:mc="http://schemas.openxmlformats.org/markup-compatibility/2006">
+    <mc:Choice xmlns:p14="http://schemas.microsoft.com/office/powerpoint/2010/main" Requires="p14">
+      <p:transition p14:dur="2000" advClick="1"/>
+    </mc:Choice>
+    <mc:Fallback>
+      <p:transition advClick="1"/>
+    </mc:Fallback>
+  </mc:AlternateContent>
+</p:sld>
+</file>
+
+<file path=ppt/slides/slide15.xml><?xml version="1.0" encoding="utf-8"?>
+<p:sld xmlns:a="http://schemas.openxmlformats.org/drawingml/2006/main" xmlns:r="http://schemas.openxmlformats.org/officeDocument/2006/relationships" xmlns:p="http://schemas.openxmlformats.org/presentationml/2006/main" xmlns:m="http://schemas.openxmlformats.org/officeDocument/2006/math" xmlns:w="http://schemas.openxmlformats.org/wordprocessingml/2006/main" showMasterPhAnim="0" show="1">
+  <p:cSld name="">
+    <p:spTree>
+      <p:nvGrpSpPr>
+        <p:cNvPr id="1" name="" hidden="0"/>
+        <p:cNvGrpSpPr/>
+        <p:nvPr isPhoto="0" userDrawn="0"/>
+      </p:nvGrpSpPr>
+      <p:grpSpPr bwMode="auto">
+        <a:xfrm>
+          <a:off x="0" y="0"/>
+          <a:ext cx="0" cy="0"/>
+          <a:chOff x="0" y="0"/>
+          <a:chExt cx="0" cy="0"/>
+        </a:xfrm>
+      </p:grpSpPr>
+      <p:sp>
+        <p:nvSpPr>
           <p:cNvPr id="2" name="Title 1" hidden="0"/>
           <p:cNvSpPr>
             <a:spLocks noGrp="1"/>
@@ -3761,7 +4987,7 @@
             </a:pPr>
             <a:r>
               <a:rPr lang="en-US"/>
-              <a:t>What is a Message</a:t>
+              <a:t>IKEv2 The New One</a:t>
             </a:r>
             <a:endParaRPr/>
           </a:p>
@@ -3785,7 +5011,290 @@
             <a:pPr>
               <a:defRPr/>
             </a:pPr>
-            <a:endParaRPr lang="en-US"/>
+            <a:r>
+              <a:rPr lang="en-US"/>
+              <a:t>RFC 4306 – Goodreads rating 9.5/10</a:t>
+            </a:r>
+            <a:endParaRPr/>
+          </a:p>
+          <a:p>
+            <a:pPr>
+              <a:defRPr/>
+            </a:pPr>
+            <a:r>
+              <a:rPr lang="en-US"/>
+              <a:t>Replaced RFCs 2407, 2408, 2409</a:t>
+            </a:r>
+            <a:endParaRPr/>
+          </a:p>
+          <a:p>
+            <a:pPr>
+              <a:defRPr/>
+            </a:pPr>
+            <a:r>
+              <a:rPr lang="en-US"/>
+              <a:t>Simplifies Key Exchange</a:t>
+            </a:r>
+            <a:endParaRPr/>
+          </a:p>
+          <a:p>
+            <a:pPr>
+              <a:defRPr/>
+            </a:pPr>
+            <a:r>
+              <a:rPr lang="en-US"/>
+              <a:t>Easier to implement</a:t>
+            </a:r>
+            <a:endParaRPr/>
+          </a:p>
+          <a:p>
+            <a:pPr>
+              <a:defRPr/>
+            </a:pPr>
+            <a:r>
+              <a:rPr lang="en-US"/>
+              <a:t>Less vulnerable to DoS</a:t>
+            </a:r>
+            <a:endParaRPr/>
+          </a:p>
+          <a:p>
+            <a:pPr>
+              <a:defRPr/>
+            </a:pPr>
+            <a:endParaRPr lang="en-US"/>
+          </a:p>
+          <a:p>
+            <a:pPr>
+              <a:defRPr/>
+            </a:pPr>
+            <a:endParaRPr lang="en-US"/>
+          </a:p>
+        </p:txBody>
+      </p:sp>
+      <p:pic>
+        <p:nvPicPr>
+          <p:cNvPr id="5" name="Picture 4" hidden="0"/>
+          <p:cNvPicPr>
+            <a:picLocks noChangeAspect="1"/>
+          </p:cNvPicPr>
+          <p:nvPr isPhoto="0" userDrawn="0"/>
+        </p:nvPicPr>
+        <p:blipFill>
+          <a:blip r:embed="rId2"/>
+          <a:stretch/>
+        </p:blipFill>
+        <p:spPr bwMode="auto">
+          <a:xfrm>
+            <a:off x="7320136" y="622272"/>
+            <a:ext cx="4490170" cy="5058769"/>
+          </a:xfrm>
+          <a:prstGeom prst="rect">
+            <a:avLst/>
+          </a:prstGeom>
+        </p:spPr>
+      </p:pic>
+      <p:sp>
+        <p:nvSpPr>
+          <p:cNvPr id="6" name="Footer Placeholder 5" hidden="0"/>
+          <p:cNvSpPr>
+            <a:spLocks noGrp="1"/>
+          </p:cNvSpPr>
+          <p:nvPr isPhoto="0" userDrawn="0">
+            <p:ph type="ftr" sz="quarter" idx="11" hasCustomPrompt="0"/>
+          </p:nvPr>
+        </p:nvSpPr>
+        <p:spPr bwMode="auto"/>
+        <p:txBody>
+          <a:bodyPr/>
+          <a:lstStyle/>
+          <a:p>
+            <a:pPr>
+              <a:defRPr/>
+            </a:pPr>
+            <a:endParaRPr lang="en-US"/>
+          </a:p>
+          <a:p>
+            <a:pPr>
+              <a:defRPr/>
+            </a:pPr>
+            <a:endParaRPr lang="en-US"/>
+          </a:p>
+        </p:txBody>
+      </p:sp>
+      <p:pic>
+        <p:nvPicPr>
+          <p:cNvPr id="8" name="Picture 7" hidden="0"/>
+          <p:cNvPicPr>
+            <a:picLocks noChangeAspect="1"/>
+          </p:cNvPicPr>
+          <p:nvPr isPhoto="0" userDrawn="0"/>
+        </p:nvPicPr>
+        <p:blipFill>
+          <a:blip r:embed="rId3"/>
+          <a:stretch/>
+        </p:blipFill>
+        <p:spPr bwMode="auto">
+          <a:xfrm>
+            <a:off x="376770" y="5519561"/>
+            <a:ext cx="1217712" cy="913284"/>
+          </a:xfrm>
+          <a:prstGeom prst="rect">
+            <a:avLst/>
+          </a:prstGeom>
+        </p:spPr>
+      </p:pic>
+    </p:spTree>
+  </p:cSld>
+  <p:clrMapOvr>
+    <a:masterClrMapping/>
+  </p:clrMapOvr>
+  <mc:AlternateContent xmlns:mc="http://schemas.openxmlformats.org/markup-compatibility/2006">
+    <mc:Choice xmlns:p14="http://schemas.microsoft.com/office/powerpoint/2010/main" Requires="p14">
+      <p:transition p14:dur="2000" advClick="1"/>
+    </mc:Choice>
+    <mc:Fallback>
+      <p:transition advClick="1"/>
+    </mc:Fallback>
+  </mc:AlternateContent>
+</p:sld>
+</file>
+
+<file path=ppt/slides/slide16.xml><?xml version="1.0" encoding="utf-8"?>
+<p:sld xmlns:a="http://schemas.openxmlformats.org/drawingml/2006/main" xmlns:r="http://schemas.openxmlformats.org/officeDocument/2006/relationships" xmlns:p="http://schemas.openxmlformats.org/presentationml/2006/main" xmlns:m="http://schemas.openxmlformats.org/officeDocument/2006/math" xmlns:w="http://schemas.openxmlformats.org/wordprocessingml/2006/main" showMasterPhAnim="0" show="1">
+  <p:cSld name="">
+    <p:spTree>
+      <p:nvGrpSpPr>
+        <p:cNvPr id="1" name="" hidden="0"/>
+        <p:cNvGrpSpPr/>
+        <p:nvPr isPhoto="0" userDrawn="0"/>
+      </p:nvGrpSpPr>
+      <p:grpSpPr bwMode="auto">
+        <a:xfrm>
+          <a:off x="0" y="0"/>
+          <a:ext cx="0" cy="0"/>
+          <a:chOff x="0" y="0"/>
+          <a:chExt cx="0" cy="0"/>
+        </a:xfrm>
+      </p:grpSpPr>
+      <p:sp>
+        <p:nvSpPr>
+          <p:cNvPr id="2" name="Title 1" hidden="0"/>
+          <p:cNvSpPr>
+            <a:spLocks noGrp="1"/>
+          </p:cNvSpPr>
+          <p:nvPr isPhoto="0" userDrawn="0">
+            <p:ph type="title" hasCustomPrompt="0"/>
+          </p:nvPr>
+        </p:nvSpPr>
+        <p:spPr bwMode="auto"/>
+        <p:txBody>
+          <a:bodyPr/>
+          <a:lstStyle/>
+          <a:p>
+            <a:pPr>
+              <a:defRPr/>
+            </a:pPr>
+            <a:r>
+              <a:rPr lang="en-US"/>
+              <a:t>Summary</a:t>
+            </a:r>
+            <a:endParaRPr/>
+          </a:p>
+        </p:txBody>
+      </p:sp>
+      <p:sp>
+        <p:nvSpPr>
+          <p:cNvPr id="3" name="Content Placeholder 2" hidden="0"/>
+          <p:cNvSpPr>
+            <a:spLocks noGrp="1"/>
+          </p:cNvSpPr>
+          <p:nvPr isPhoto="0" userDrawn="0">
+            <p:ph idx="1" hasCustomPrompt="0"/>
+          </p:nvPr>
+        </p:nvSpPr>
+        <p:spPr bwMode="auto"/>
+        <p:txBody>
+          <a:bodyPr/>
+          <a:lstStyle/>
+          <a:p>
+            <a:pPr>
+              <a:defRPr/>
+            </a:pPr>
+            <a:r>
+              <a:rPr lang="en-US"/>
+              <a:t>IKE Is really cool</a:t>
+            </a:r>
+            <a:endParaRPr/>
+          </a:p>
+          <a:p>
+            <a:pPr>
+              <a:defRPr/>
+            </a:pPr>
+            <a:r>
+              <a:rPr lang="en-US"/>
+              <a:t>IKE is made from ISAKMP, SKEME, and Oakley protocol</a:t>
+            </a:r>
+            <a:endParaRPr/>
+          </a:p>
+          <a:p>
+            <a:pPr>
+              <a:defRPr/>
+            </a:pPr>
+            <a:r>
+              <a:rPr lang="en-US"/>
+              <a:t>IKE consists of 2 phases</a:t>
+            </a:r>
+            <a:endParaRPr/>
+          </a:p>
+          <a:p>
+            <a:pPr lvl="1">
+              <a:defRPr/>
+            </a:pPr>
+            <a:r>
+              <a:rPr lang="en-US"/>
+              <a:t>Big connection from A to B</a:t>
+            </a:r>
+            <a:endParaRPr/>
+          </a:p>
+          <a:p>
+            <a:pPr lvl="1">
+              <a:defRPr/>
+            </a:pPr>
+            <a:r>
+              <a:rPr lang="en-US"/>
+              <a:t>Small connections from each node from A to B</a:t>
+            </a:r>
+            <a:endParaRPr/>
+          </a:p>
+          <a:p>
+            <a:pPr>
+              <a:defRPr/>
+            </a:pPr>
+            <a:r>
+              <a:rPr lang="en-US"/>
+              <a:t>Aggressive and Main – For IKEv1 but not for IKEv2</a:t>
+            </a:r>
+            <a:endParaRPr/>
+          </a:p>
+          <a:p>
+            <a:pPr>
+              <a:defRPr/>
+            </a:pPr>
+            <a:r>
+              <a:rPr lang="en-US"/>
+              <a:t>IKEv2 made this whole thing way easier</a:t>
+            </a:r>
+            <a:endParaRPr/>
+          </a:p>
+          <a:p>
+            <a:pPr>
+              <a:defRPr/>
+            </a:pPr>
+            <a:r>
+              <a:rPr lang="en-US"/>
+              <a:t>Reading RFCs for fun is really cool.</a:t>
+            </a:r>
+            <a:endParaRPr/>
           </a:p>
         </p:txBody>
       </p:sp>
@@ -3817,6 +5326,28 @@
           </a:p>
         </p:txBody>
       </p:sp>
+      <p:pic>
+        <p:nvPicPr>
+          <p:cNvPr id="6" name="Picture 5" hidden="0"/>
+          <p:cNvPicPr>
+            <a:picLocks noChangeAspect="1"/>
+          </p:cNvPicPr>
+          <p:nvPr isPhoto="0" userDrawn="0"/>
+        </p:nvPicPr>
+        <p:blipFill>
+          <a:blip r:embed="rId2"/>
+          <a:stretch/>
+        </p:blipFill>
+        <p:spPr bwMode="auto">
+          <a:xfrm>
+            <a:off x="9768408" y="5517232"/>
+            <a:ext cx="2137420" cy="1164894"/>
+          </a:xfrm>
+          <a:prstGeom prst="rect">
+            <a:avLst/>
+          </a:prstGeom>
+        </p:spPr>
+      </p:pic>
     </p:spTree>
   </p:cSld>
   <p:clrMapOvr>
@@ -3888,7 +5419,9 @@
         </p:nvSpPr>
         <p:spPr bwMode="auto"/>
         <p:txBody>
-          <a:bodyPr/>
+          <a:bodyPr vertOverflow="overflow" horzOverflow="clip" vert="horz" wrap="square" lIns="91440" tIns="45720" rIns="91440" bIns="45720" numCol="1" spcCol="0" rtlCol="0" fromWordArt="0" anchor="t" anchorCtr="0" forceAA="0" upright="0" compatLnSpc="0">
+            <a:normAutofit/>
+          </a:bodyPr>
           <a:lstStyle/>
           <a:p>
             <a:pPr>
@@ -3906,16 +5439,6 @@
             </a:pPr>
             <a:r>
               <a:rPr lang="en-US"/>
-              <a:t>Why IKE is used</a:t>
-            </a:r>
-            <a:endParaRPr/>
-          </a:p>
-          <a:p>
-            <a:pPr>
-              <a:defRPr/>
-            </a:pPr>
-            <a:r>
-              <a:rPr lang="en-US"/>
               <a:t>What is IKE</a:t>
             </a:r>
             <a:endParaRPr/>
@@ -3956,6 +5479,16 @@
             </a:pPr>
             <a:r>
               <a:rPr lang="en-US"/>
+              <a:t>Key Determination and Cookies</a:t>
+            </a:r>
+            <a:endParaRPr/>
+          </a:p>
+          <a:p>
+            <a:pPr lvl="1">
+              <a:defRPr/>
+            </a:pPr>
+            <a:r>
+              <a:rPr lang="en-US"/>
               <a:t>Session Keys</a:t>
             </a:r>
             <a:endParaRPr/>
@@ -3971,6 +5504,16 @@
             <a:endParaRPr/>
           </a:p>
           <a:p>
+            <a:pPr>
+              <a:defRPr/>
+            </a:pPr>
+            <a:r>
+              <a:rPr lang="en-US"/>
+              <a:t>IKEv2</a:t>
+            </a:r>
+            <a:endParaRPr/>
+          </a:p>
+          <a:p>
             <a:pPr lvl="1">
               <a:defRPr/>
             </a:pPr>
@@ -4006,6 +5549,28 @@
           </a:p>
         </p:txBody>
       </p:sp>
+      <p:pic>
+        <p:nvPicPr>
+          <p:cNvPr id="6" name="Picture 5" hidden="0"/>
+          <p:cNvPicPr>
+            <a:picLocks noChangeAspect="1"/>
+          </p:cNvPicPr>
+          <p:nvPr isPhoto="0" userDrawn="0"/>
+        </p:nvPicPr>
+        <p:blipFill>
+          <a:blip r:embed="rId2"/>
+          <a:stretch/>
+        </p:blipFill>
+        <p:spPr bwMode="auto">
+          <a:xfrm>
+            <a:off x="5523475" y="4221088"/>
+            <a:ext cx="664890" cy="405421"/>
+          </a:xfrm>
+          <a:prstGeom prst="rect">
+            <a:avLst/>
+          </a:prstGeom>
+        </p:spPr>
+      </p:pic>
     </p:spTree>
   </p:cSld>
   <p:clrMapOvr>
@@ -4098,1590 +5663,53 @@
           </a:p>
         </p:txBody>
       </p:sp>
-      <p:grpSp>
-        <p:nvGrpSpPr>
-          <p:cNvPr id="5" name="Diagram 4" hidden="0"/>
-          <p:cNvGrpSpPr/>
-          <p:nvPr isPhoto="0" userDrawn="0"/>
-        </p:nvGrpSpPr>
-        <p:grpSpPr bwMode="auto">
-          <a:xfrm>
-            <a:off x="5849817" y="1843087"/>
-            <a:ext cx="5663952" cy="3458437"/>
-          </a:xfrm>
-        </p:grpSpPr>
-        <p:sp>
-          <p:nvSpPr>
-            <p:cNvPr id="0" name="" hidden="0"/>
-            <p:cNvSpPr/>
-            <p:nvPr isPhoto="0" userDrawn="0"/>
-          </p:nvSpPr>
-          <p:spPr bwMode="auto">
-            <a:xfrm rot="16199999" flipH="1">
-              <a:off x="3319607" y="1786976"/>
-              <a:ext cx="965448" cy="1278707"/>
-            </a:xfrm>
-            <a:prstGeom prst="bentUpArrow">
-              <a:avLst>
-                <a:gd name="adj1" fmla="val 32840"/>
-                <a:gd name="adj2" fmla="val 25000"/>
-                <a:gd name="adj3" fmla="val 35780"/>
-              </a:avLst>
-            </a:prstGeom>
-            <a:solidFill>
-              <a:schemeClr val="accent1">
-                <a:tint val="50000"/>
-                <a:hueOff val="0"/>
-                <a:satOff val="0"/>
-                <a:lumOff val="0"/>
-                <a:alphaOff val="0"/>
-              </a:schemeClr>
-            </a:solidFill>
-            <a:ln>
-              <a:noFill/>
-            </a:ln>
-            <a:effectLst>
-              <a:outerShdw blurRad="57150" dist="19050" dir="5400000" rotWithShape="0" algn="ctr">
-                <a:srgbClr val="000000">
-                  <a:alpha val="63000"/>
-                </a:srgbClr>
-              </a:outerShdw>
-            </a:effectLst>
-          </p:spPr>
-          <p:style>
-            <a:lnRef idx="0">
-              <a:srgbClr val="000000"/>
-            </a:lnRef>
-            <a:fillRef idx="1">
-              <a:srgbClr val="000000"/>
-            </a:fillRef>
-            <a:effectRef idx="3">
-              <a:srgbClr val="000000"/>
-            </a:effectRef>
-            <a:fontRef idx="minor"/>
-          </p:style>
-        </p:sp>
-        <p:sp>
-          <p:nvSpPr>
-            <p:cNvPr id="0" name="" hidden="0"/>
-            <p:cNvSpPr/>
-            <p:nvPr isPhoto="0" userDrawn="0"/>
-          </p:nvSpPr>
-          <p:spPr bwMode="auto">
-            <a:xfrm>
-              <a:off x="3913607" y="726454"/>
-              <a:ext cx="1750344" cy="1196167"/>
-            </a:xfrm>
-            <a:prstGeom prst="roundRect">
-              <a:avLst>
-                <a:gd name="adj" fmla="val 16670"/>
-              </a:avLst>
-            </a:prstGeom>
-            <a:gradFill rotWithShape="0">
-              <a:gsLst>
-                <a:gs pos="0">
-                  <a:schemeClr val="accent1">
-                    <a:hueOff val="0"/>
-                    <a:satOff val="0"/>
-                    <a:lumOff val="0"/>
-                    <a:alphaOff val="0"/>
-                    <a:satMod val="103000"/>
-                    <a:lumMod val="102000"/>
-                    <a:tint val="94000"/>
-                  </a:schemeClr>
-                </a:gs>
-                <a:gs pos="50000">
-                  <a:schemeClr val="accent1">
-                    <a:hueOff val="0"/>
-                    <a:satOff val="0"/>
-                    <a:lumOff val="0"/>
-                    <a:alphaOff val="0"/>
-                    <a:satMod val="110000"/>
-                    <a:lumMod val="100000"/>
-                    <a:shade val="100000"/>
-                  </a:schemeClr>
-                </a:gs>
-                <a:gs pos="100000">
-                  <a:schemeClr val="accent1">
-                    <a:hueOff val="0"/>
-                    <a:satOff val="0"/>
-                    <a:lumOff val="0"/>
-                    <a:alphaOff val="0"/>
-                    <a:lumMod val="99000"/>
-                    <a:satMod val="120000"/>
-                    <a:shade val="78000"/>
-                  </a:schemeClr>
-                </a:gs>
-              </a:gsLst>
-              <a:lin ang="5400000" scaled="0"/>
-            </a:gradFill>
-            <a:ln>
-              <a:noFill/>
-            </a:ln>
-            <a:effectLst>
-              <a:outerShdw blurRad="57150" dist="19050" dir="5400000" rotWithShape="0" algn="ctr">
-                <a:srgbClr val="000000">
-                  <a:alpha val="63000"/>
-                </a:srgbClr>
-              </a:outerShdw>
-            </a:effectLst>
-          </p:spPr>
-          <p:style>
-            <a:lnRef idx="0">
-              <a:srgbClr val="000000"/>
-            </a:lnRef>
-            <a:fillRef idx="3">
-              <a:srgbClr val="000000"/>
-            </a:fillRef>
-            <a:effectRef idx="3">
-              <a:srgbClr val="000000"/>
-            </a:effectRef>
-            <a:fontRef idx="minor">
-              <a:schemeClr val="lt1"/>
-            </a:fontRef>
-          </p:style>
-          <p:txBody>
-            <a:bodyPr spcFirstLastPara="0" vert="horz" wrap="square" lIns="60960" tIns="60960" rIns="60960" bIns="60960" numCol="1" spcCol="1270" anchor="ctr" anchorCtr="0">
-              <a:noAutofit/>
-            </a:bodyPr>
-            <a:lstStyle/>
-            <a:p>
-              <a:pPr marL="0" lvl="0" indent="0" algn="ctr" defTabSz="711200">
-                <a:lnSpc>
-                  <a:spcPct val="90000"/>
-                </a:lnSpc>
-                <a:spcBef>
-                  <a:spcPts val="0"/>
-                </a:spcBef>
-                <a:spcAft>
-                  <a:spcPts val="0"/>
-                </a:spcAft>
-                <a:buNone/>
-                <a:defRPr/>
-              </a:pPr>
-              <a:r>
-                <a:rPr lang="en-US" sz="1600"/>
-                <a:t>Internet Security Association and Key Management (ISAKMP)</a:t>
-              </a:r>
-              <a:endParaRPr/>
-            </a:p>
-          </p:txBody>
-        </p:sp>
-        <p:sp>
-          <p:nvSpPr>
-            <p:cNvPr id="0" name="" hidden="0"/>
-            <p:cNvSpPr/>
-            <p:nvPr isPhoto="0" userDrawn="0"/>
-          </p:nvSpPr>
-          <p:spPr bwMode="auto">
-            <a:xfrm>
-              <a:off x="2475766" y="792114"/>
-              <a:ext cx="1365279" cy="927780"/>
-            </a:xfrm>
-            <a:prstGeom prst="rect">
-              <a:avLst/>
-            </a:prstGeom>
-            <a:noFill/>
-            <a:ln>
-              <a:noFill/>
-            </a:ln>
-            <a:effectLst/>
-          </p:spPr>
-          <p:style>
-            <a:lnRef idx="0">
-              <a:srgbClr val="000000"/>
-            </a:lnRef>
-            <a:fillRef idx="0">
-              <a:srgbClr val="000000"/>
-            </a:fillRef>
-            <a:effectRef idx="0">
-              <a:srgbClr val="000000"/>
-            </a:effectRef>
-            <a:fontRef idx="minor"/>
-          </p:style>
-          <p:txBody>
-            <a:bodyPr spcFirstLastPara="0" vert="horz" wrap="square" lIns="83820" tIns="83820" rIns="83820" bIns="83820" numCol="1" spcCol="1270" anchor="ctr" anchorCtr="0">
-              <a:noAutofit/>
-            </a:bodyPr>
-            <a:lstStyle/>
-            <a:p>
-              <a:pPr marL="171450" lvl="1" indent="-171450" algn="l" defTabSz="755650">
-                <a:lnSpc>
-                  <a:spcPct val="90000"/>
-                </a:lnSpc>
-                <a:spcBef>
-                  <a:spcPts val="0"/>
-                </a:spcBef>
-                <a:spcAft>
-                  <a:spcPts val="0"/>
-                </a:spcAft>
-                <a:buChar char="•"/>
-                <a:defRPr/>
-              </a:pPr>
-              <a:r>
-                <a:rPr lang="en-US" sz="1700"/>
-                <a:t>Security Framework</a:t>
-              </a:r>
-              <a:endParaRPr/>
-            </a:p>
-          </p:txBody>
-        </p:sp>
-        <p:sp>
-          <p:nvSpPr>
-            <p:cNvPr id="0" name="" hidden="0"/>
-            <p:cNvSpPr/>
-            <p:nvPr isPhoto="0" userDrawn="0"/>
-          </p:nvSpPr>
-          <p:spPr bwMode="auto">
-            <a:xfrm>
-              <a:off x="1607096" y="1979931"/>
-              <a:ext cx="1566471" cy="1262118"/>
-            </a:xfrm>
-            <a:prstGeom prst="roundRect">
-              <a:avLst>
-                <a:gd name="adj" fmla="val 16670"/>
-              </a:avLst>
-            </a:prstGeom>
-            <a:gradFill rotWithShape="0">
-              <a:gsLst>
-                <a:gs pos="0">
-                  <a:schemeClr val="accent1">
-                    <a:hueOff val="0"/>
-                    <a:satOff val="0"/>
-                    <a:lumOff val="0"/>
-                    <a:alphaOff val="0"/>
-                    <a:satMod val="103000"/>
-                    <a:lumMod val="102000"/>
-                    <a:tint val="94000"/>
-                  </a:schemeClr>
-                </a:gs>
-                <a:gs pos="50000">
-                  <a:schemeClr val="accent1">
-                    <a:hueOff val="0"/>
-                    <a:satOff val="0"/>
-                    <a:lumOff val="0"/>
-                    <a:alphaOff val="0"/>
-                    <a:satMod val="110000"/>
-                    <a:lumMod val="100000"/>
-                    <a:shade val="100000"/>
-                  </a:schemeClr>
-                </a:gs>
-                <a:gs pos="100000">
-                  <a:schemeClr val="accent1">
-                    <a:hueOff val="0"/>
-                    <a:satOff val="0"/>
-                    <a:lumOff val="0"/>
-                    <a:alphaOff val="0"/>
-                    <a:lumMod val="99000"/>
-                    <a:satMod val="120000"/>
-                    <a:shade val="78000"/>
-                  </a:schemeClr>
-                </a:gs>
-              </a:gsLst>
-              <a:lin ang="5400000" scaled="0"/>
-            </a:gradFill>
-            <a:ln>
-              <a:noFill/>
-            </a:ln>
-            <a:effectLst>
-              <a:outerShdw blurRad="57150" dist="19050" dir="5400000" rotWithShape="0" algn="ctr">
-                <a:srgbClr val="000000">
-                  <a:alpha val="63000"/>
-                </a:srgbClr>
-              </a:outerShdw>
-            </a:effectLst>
-          </p:spPr>
-          <p:style>
-            <a:lnRef idx="0">
-              <a:srgbClr val="000000"/>
-            </a:lnRef>
-            <a:fillRef idx="3">
-              <a:srgbClr val="000000"/>
-            </a:fillRef>
-            <a:effectRef idx="3">
-              <a:srgbClr val="000000"/>
-            </a:effectRef>
-            <a:fontRef idx="minor">
-              <a:schemeClr val="lt1"/>
-            </a:fontRef>
-          </p:style>
-          <p:txBody>
-            <a:bodyPr spcFirstLastPara="0" vert="horz" wrap="square" lIns="83820" tIns="83820" rIns="83820" bIns="83820" numCol="1" spcCol="1270" anchor="ctr" anchorCtr="0">
-              <a:noAutofit/>
-            </a:bodyPr>
-            <a:lstStyle/>
-            <a:p>
-              <a:pPr marL="0" lvl="0" indent="0" algn="ctr" defTabSz="977900">
-                <a:lnSpc>
-                  <a:spcPct val="90000"/>
-                </a:lnSpc>
-                <a:spcBef>
-                  <a:spcPts val="0"/>
-                </a:spcBef>
-                <a:spcAft>
-                  <a:spcPts val="0"/>
-                </a:spcAft>
-                <a:buNone/>
-                <a:defRPr/>
-              </a:pPr>
-              <a:r>
-                <a:rPr lang="en-US" sz="2200"/>
-                <a:t>IPSec</a:t>
-              </a:r>
-              <a:endParaRPr lang="en-US" sz="2200"/>
-            </a:p>
-          </p:txBody>
-        </p:sp>
-        <p:sp>
-          <p:nvSpPr>
-            <p:cNvPr id="0" name="" hidden="0"/>
-            <p:cNvSpPr/>
-            <p:nvPr isPhoto="0" userDrawn="0"/>
-          </p:nvSpPr>
-          <p:spPr bwMode="auto">
-            <a:xfrm>
-              <a:off x="528774" y="2294599"/>
-              <a:ext cx="1061785" cy="542610"/>
-            </a:xfrm>
-            <a:prstGeom prst="rect">
-              <a:avLst/>
-            </a:prstGeom>
-            <a:noFill/>
-            <a:ln>
-              <a:noFill/>
-            </a:ln>
-            <a:effectLst/>
-          </p:spPr>
-          <p:style>
-            <a:lnRef idx="0">
-              <a:srgbClr val="000000"/>
-            </a:lnRef>
-            <a:fillRef idx="0">
-              <a:srgbClr val="000000"/>
-            </a:fillRef>
-            <a:effectRef idx="0">
-              <a:srgbClr val="000000"/>
-            </a:effectRef>
-            <a:fontRef idx="minor"/>
-          </p:style>
-          <p:txBody>
-            <a:bodyPr spcFirstLastPara="0" vert="horz" wrap="square" lIns="60960" tIns="60960" rIns="60960" bIns="60960" numCol="1" spcCol="1270" anchor="ctr" anchorCtr="0">
-              <a:noAutofit/>
-            </a:bodyPr>
-            <a:lstStyle/>
-            <a:p>
-              <a:pPr marL="171450" lvl="1" indent="-171450" algn="l" defTabSz="711200">
-                <a:lnSpc>
-                  <a:spcPct val="90000"/>
-                </a:lnSpc>
-                <a:spcBef>
-                  <a:spcPts val="0"/>
-                </a:spcBef>
-                <a:spcAft>
-                  <a:spcPts val="0"/>
-                </a:spcAft>
-                <a:buChar char="•"/>
-                <a:defRPr/>
-              </a:pPr>
-              <a:r>
-                <a:rPr lang="en-US" sz="1600"/>
-                <a:t>IP Security</a:t>
-              </a:r>
-              <a:endParaRPr/>
-            </a:p>
-          </p:txBody>
-        </p:sp>
-      </p:grpSp>
-      <p:grpSp>
-        <p:nvGrpSpPr>
-          <p:cNvPr id="9" name="Diagram 8" hidden="0"/>
-          <p:cNvGrpSpPr/>
-          <p:nvPr isPhoto="0" userDrawn="0"/>
-        </p:nvGrpSpPr>
-        <p:grpSpPr bwMode="auto">
-          <a:xfrm>
-            <a:off x="524413" y="1843087"/>
-            <a:ext cx="5325403" cy="3458437"/>
-          </a:xfrm>
-        </p:grpSpPr>
-        <p:sp>
-          <p:nvSpPr>
-            <p:cNvPr id="0" name="" hidden="0"/>
-            <p:cNvSpPr/>
-            <p:nvPr isPhoto="0" userDrawn="0"/>
-          </p:nvSpPr>
-          <p:spPr bwMode="auto">
-            <a:xfrm rot="5400000">
-              <a:off x="352898" y="1010448"/>
-              <a:ext cx="893654" cy="1017394"/>
-            </a:xfrm>
-            <a:prstGeom prst="bentUpArrow">
-              <a:avLst>
-                <a:gd name="adj1" fmla="val 32840"/>
-                <a:gd name="adj2" fmla="val 25000"/>
-                <a:gd name="adj3" fmla="val 35780"/>
-              </a:avLst>
-            </a:prstGeom>
-            <a:solidFill>
-              <a:schemeClr val="accent1">
-                <a:tint val="50000"/>
-                <a:hueOff val="0"/>
-                <a:satOff val="0"/>
-                <a:lumOff val="0"/>
-                <a:alphaOff val="0"/>
-              </a:schemeClr>
-            </a:solidFill>
-            <a:ln>
-              <a:noFill/>
-            </a:ln>
-            <a:effectLst>
-              <a:outerShdw blurRad="57150" dist="19050" dir="5400000" rotWithShape="0" algn="ctr">
-                <a:srgbClr val="000000">
-                  <a:alpha val="63000"/>
-                </a:srgbClr>
-              </a:outerShdw>
-            </a:effectLst>
-          </p:spPr>
-          <p:style>
-            <a:lnRef idx="0">
-              <a:srgbClr val="000000"/>
-            </a:lnRef>
-            <a:fillRef idx="1">
-              <a:srgbClr val="000000"/>
-            </a:fillRef>
-            <a:effectRef idx="3">
-              <a:srgbClr val="000000"/>
-            </a:effectRef>
-            <a:fontRef idx="minor"/>
-          </p:style>
-        </p:sp>
-        <p:sp>
-          <p:nvSpPr>
-            <p:cNvPr id="0" name="" hidden="0"/>
-            <p:cNvSpPr/>
-            <p:nvPr isPhoto="0" userDrawn="0"/>
-          </p:nvSpPr>
-          <p:spPr bwMode="auto">
-            <a:xfrm>
-              <a:off x="116134" y="19814"/>
-              <a:ext cx="1504388" cy="1053023"/>
-            </a:xfrm>
-            <a:prstGeom prst="roundRect">
-              <a:avLst>
-                <a:gd name="adj" fmla="val 16670"/>
-              </a:avLst>
-            </a:prstGeom>
-            <a:gradFill rotWithShape="0">
-              <a:gsLst>
-                <a:gs pos="0">
-                  <a:schemeClr val="accent1">
-                    <a:hueOff val="0"/>
-                    <a:satOff val="0"/>
-                    <a:lumOff val="0"/>
-                    <a:alphaOff val="0"/>
-                    <a:satMod val="103000"/>
-                    <a:lumMod val="102000"/>
-                    <a:tint val="94000"/>
-                  </a:schemeClr>
-                </a:gs>
-                <a:gs pos="50000">
-                  <a:schemeClr val="accent1">
-                    <a:hueOff val="0"/>
-                    <a:satOff val="0"/>
-                    <a:lumOff val="0"/>
-                    <a:alphaOff val="0"/>
-                    <a:satMod val="110000"/>
-                    <a:lumMod val="100000"/>
-                    <a:shade val="100000"/>
-                  </a:schemeClr>
-                </a:gs>
-                <a:gs pos="100000">
-                  <a:schemeClr val="accent1">
-                    <a:hueOff val="0"/>
-                    <a:satOff val="0"/>
-                    <a:lumOff val="0"/>
-                    <a:alphaOff val="0"/>
-                    <a:lumMod val="99000"/>
-                    <a:satMod val="120000"/>
-                    <a:shade val="78000"/>
-                  </a:schemeClr>
-                </a:gs>
-              </a:gsLst>
-              <a:lin ang="5400000" scaled="0"/>
-            </a:gradFill>
-            <a:ln>
-              <a:noFill/>
-            </a:ln>
-            <a:effectLst>
-              <a:outerShdw blurRad="57150" dist="19050" dir="5400000" rotWithShape="0" algn="ctr">
-                <a:srgbClr val="000000">
-                  <a:alpha val="63000"/>
-                </a:srgbClr>
-              </a:outerShdw>
-            </a:effectLst>
-          </p:spPr>
-          <p:style>
-            <a:lnRef idx="0">
-              <a:srgbClr val="000000"/>
-            </a:lnRef>
-            <a:fillRef idx="3">
-              <a:srgbClr val="000000"/>
-            </a:fillRef>
-            <a:effectRef idx="3">
-              <a:srgbClr val="000000"/>
-            </a:effectRef>
-            <a:fontRef idx="minor">
-              <a:schemeClr val="lt1"/>
-            </a:fontRef>
-          </p:style>
-          <p:txBody>
-            <a:bodyPr spcFirstLastPara="0" vert="horz" wrap="square" lIns="60960" tIns="60960" rIns="60960" bIns="60960" numCol="1" spcCol="1270" anchor="ctr" anchorCtr="0">
-              <a:noAutofit/>
-            </a:bodyPr>
-            <a:lstStyle/>
-            <a:p>
-              <a:pPr marL="0" lvl="0" indent="0" algn="ctr" defTabSz="711200">
-                <a:lnSpc>
-                  <a:spcPct val="90000"/>
-                </a:lnSpc>
-                <a:spcBef>
-                  <a:spcPts val="0"/>
-                </a:spcBef>
-                <a:spcAft>
-                  <a:spcPts val="0"/>
-                </a:spcAft>
-                <a:buNone/>
-                <a:defRPr/>
-              </a:pPr>
-              <a:r>
-                <a:rPr lang="en-US" sz="1600"/>
-                <a:t>Diffie-Hellman</a:t>
-              </a:r>
-              <a:endParaRPr/>
-            </a:p>
-          </p:txBody>
-        </p:sp>
-        <p:sp>
-          <p:nvSpPr>
-            <p:cNvPr id="0" name="" hidden="0"/>
-            <p:cNvSpPr/>
-            <p:nvPr isPhoto="0" userDrawn="0"/>
-          </p:nvSpPr>
-          <p:spPr bwMode="auto">
-            <a:xfrm>
-              <a:off x="1620523" y="120244"/>
-              <a:ext cx="1094149" cy="851099"/>
-            </a:xfrm>
-            <a:prstGeom prst="rect">
-              <a:avLst/>
-            </a:prstGeom>
-            <a:noFill/>
-            <a:ln>
-              <a:noFill/>
-            </a:ln>
-            <a:effectLst/>
-          </p:spPr>
-          <p:style>
-            <a:lnRef idx="0">
-              <a:srgbClr val="000000"/>
-            </a:lnRef>
-            <a:fillRef idx="0">
-              <a:srgbClr val="000000"/>
-            </a:fillRef>
-            <a:effectRef idx="0">
-              <a:srgbClr val="000000"/>
-            </a:effectRef>
-            <a:fontRef idx="minor"/>
-          </p:style>
-          <p:txBody>
-            <a:bodyPr spcFirstLastPara="0" vert="horz" wrap="square" lIns="53340" tIns="53340" rIns="53340" bIns="53340" numCol="1" spcCol="1270" anchor="ctr" anchorCtr="0">
-              <a:noAutofit/>
-            </a:bodyPr>
-            <a:lstStyle/>
-            <a:p>
-              <a:pPr marL="57150" lvl="1" indent="-57150" algn="l" defTabSz="488950">
-                <a:lnSpc>
-                  <a:spcPct val="90000"/>
-                </a:lnSpc>
-                <a:spcBef>
-                  <a:spcPts val="0"/>
-                </a:spcBef>
-                <a:spcAft>
-                  <a:spcPts val="0"/>
-                </a:spcAft>
-                <a:buChar char="•"/>
-                <a:defRPr/>
-              </a:pPr>
-              <a:r>
-                <a:rPr lang="en-US" sz="1100"/>
-                <a:t>Authentication</a:t>
-              </a:r>
-              <a:endParaRPr/>
-            </a:p>
-          </p:txBody>
-        </p:sp>
-        <p:sp>
-          <p:nvSpPr>
-            <p:cNvPr id="0" name="" hidden="0"/>
-            <p:cNvSpPr/>
-            <p:nvPr isPhoto="0" userDrawn="0"/>
-          </p:nvSpPr>
-          <p:spPr bwMode="auto">
-            <a:xfrm rot="5400000">
-              <a:off x="1600196" y="2193341"/>
-              <a:ext cx="893654" cy="1017394"/>
-            </a:xfrm>
-            <a:prstGeom prst="bentUpArrow">
-              <a:avLst>
-                <a:gd name="adj1" fmla="val 32840"/>
-                <a:gd name="adj2" fmla="val 25000"/>
-                <a:gd name="adj3" fmla="val 35780"/>
-              </a:avLst>
-            </a:prstGeom>
-            <a:solidFill>
-              <a:schemeClr val="accent1">
-                <a:tint val="50000"/>
-                <a:hueOff val="0"/>
-                <a:satOff val="0"/>
-                <a:lumOff val="0"/>
-                <a:alphaOff val="0"/>
-              </a:schemeClr>
-            </a:solidFill>
-            <a:ln>
-              <a:noFill/>
-            </a:ln>
-            <a:effectLst>
-              <a:outerShdw blurRad="57150" dist="19050" dir="5400000" rotWithShape="0" algn="ctr">
-                <a:srgbClr val="000000">
-                  <a:alpha val="63000"/>
-                </a:srgbClr>
-              </a:outerShdw>
-            </a:effectLst>
-          </p:spPr>
-          <p:style>
-            <a:lnRef idx="0">
-              <a:srgbClr val="000000"/>
-            </a:lnRef>
-            <a:fillRef idx="1">
-              <a:srgbClr val="000000"/>
-            </a:fillRef>
-            <a:effectRef idx="3">
-              <a:srgbClr val="000000"/>
-            </a:effectRef>
-            <a:fontRef idx="minor"/>
-          </p:style>
-        </p:sp>
-        <p:sp>
-          <p:nvSpPr>
-            <p:cNvPr id="0" name="" hidden="0"/>
-            <p:cNvSpPr/>
-            <p:nvPr isPhoto="0" userDrawn="0"/>
-          </p:nvSpPr>
-          <p:spPr bwMode="auto">
-            <a:xfrm>
-              <a:off x="1363431" y="1202707"/>
-              <a:ext cx="1504388" cy="1053023"/>
-            </a:xfrm>
-            <a:prstGeom prst="roundRect">
-              <a:avLst>
-                <a:gd name="adj" fmla="val 16670"/>
-              </a:avLst>
-            </a:prstGeom>
-            <a:gradFill rotWithShape="0">
-              <a:gsLst>
-                <a:gs pos="0">
-                  <a:schemeClr val="accent1">
-                    <a:hueOff val="0"/>
-                    <a:satOff val="0"/>
-                    <a:lumOff val="0"/>
-                    <a:alphaOff val="0"/>
-                    <a:satMod val="103000"/>
-                    <a:lumMod val="102000"/>
-                    <a:tint val="94000"/>
-                  </a:schemeClr>
-                </a:gs>
-                <a:gs pos="50000">
-                  <a:schemeClr val="accent1">
-                    <a:hueOff val="0"/>
-                    <a:satOff val="0"/>
-                    <a:lumOff val="0"/>
-                    <a:alphaOff val="0"/>
-                    <a:satMod val="110000"/>
-                    <a:lumMod val="100000"/>
-                    <a:shade val="100000"/>
-                  </a:schemeClr>
-                </a:gs>
-                <a:gs pos="100000">
-                  <a:schemeClr val="accent1">
-                    <a:hueOff val="0"/>
-                    <a:satOff val="0"/>
-                    <a:lumOff val="0"/>
-                    <a:alphaOff val="0"/>
-                    <a:lumMod val="99000"/>
-                    <a:satMod val="120000"/>
-                    <a:shade val="78000"/>
-                  </a:schemeClr>
-                </a:gs>
-              </a:gsLst>
-              <a:lin ang="5400000" scaled="0"/>
-            </a:gradFill>
-            <a:ln>
-              <a:noFill/>
-            </a:ln>
-            <a:effectLst>
-              <a:outerShdw blurRad="57150" dist="19050" dir="5400000" rotWithShape="0" algn="ctr">
-                <a:srgbClr val="000000">
-                  <a:alpha val="63000"/>
-                </a:srgbClr>
-              </a:outerShdw>
-            </a:effectLst>
-          </p:spPr>
-          <p:style>
-            <a:lnRef idx="0">
-              <a:srgbClr val="000000"/>
-            </a:lnRef>
-            <a:fillRef idx="3">
-              <a:srgbClr val="000000"/>
-            </a:fillRef>
-            <a:effectRef idx="3">
-              <a:srgbClr val="000000"/>
-            </a:effectRef>
-            <a:fontRef idx="minor">
-              <a:schemeClr val="lt1"/>
-            </a:fontRef>
-          </p:style>
-          <p:txBody>
-            <a:bodyPr spcFirstLastPara="0" vert="horz" wrap="square" lIns="87630" tIns="87630" rIns="87630" bIns="87630" numCol="1" spcCol="1270" anchor="ctr" anchorCtr="0">
-              <a:noAutofit/>
-            </a:bodyPr>
-            <a:lstStyle/>
-            <a:p>
-              <a:pPr marL="0" lvl="0" indent="0" algn="ctr" defTabSz="1022350">
-                <a:lnSpc>
-                  <a:spcPct val="90000"/>
-                </a:lnSpc>
-                <a:spcBef>
-                  <a:spcPts val="0"/>
-                </a:spcBef>
-                <a:spcAft>
-                  <a:spcPts val="0"/>
-                </a:spcAft>
-                <a:buNone/>
-                <a:defRPr/>
-              </a:pPr>
-              <a:r>
-                <a:rPr lang="en-US" sz="2300"/>
-                <a:t>Photuris</a:t>
-              </a:r>
-              <a:endParaRPr lang="en-US" sz="2300"/>
-            </a:p>
-          </p:txBody>
-        </p:sp>
-        <p:sp>
-          <p:nvSpPr>
-            <p:cNvPr id="0" name="" hidden="0"/>
-            <p:cNvSpPr/>
-            <p:nvPr isPhoto="0" userDrawn="0"/>
-          </p:nvSpPr>
-          <p:spPr bwMode="auto">
-            <a:xfrm>
-              <a:off x="2867821" y="1303137"/>
-              <a:ext cx="1094149" cy="851099"/>
-            </a:xfrm>
-            <a:prstGeom prst="rect">
-              <a:avLst/>
-            </a:prstGeom>
-            <a:noFill/>
-            <a:ln>
-              <a:noFill/>
-            </a:ln>
-            <a:effectLst/>
-          </p:spPr>
-          <p:style>
-            <a:lnRef idx="0">
-              <a:srgbClr val="000000"/>
-            </a:lnRef>
-            <a:fillRef idx="0">
-              <a:srgbClr val="000000"/>
-            </a:fillRef>
-            <a:effectRef idx="0">
-              <a:srgbClr val="000000"/>
-            </a:effectRef>
-            <a:fontRef idx="minor"/>
-          </p:style>
-          <p:txBody>
-            <a:bodyPr spcFirstLastPara="0" vert="horz" wrap="square" lIns="53340" tIns="53340" rIns="53340" bIns="53340" numCol="1" spcCol="1270" anchor="ctr" anchorCtr="0">
-              <a:noAutofit/>
-            </a:bodyPr>
-            <a:lstStyle/>
-            <a:p>
-              <a:pPr marL="57150" lvl="1" indent="-57150" algn="l" defTabSz="488950">
-                <a:lnSpc>
-                  <a:spcPct val="90000"/>
-                </a:lnSpc>
-                <a:spcBef>
-                  <a:spcPts val="0"/>
-                </a:spcBef>
-                <a:spcAft>
-                  <a:spcPts val="0"/>
-                </a:spcAft>
-                <a:buChar char="•"/>
-                <a:defRPr/>
-              </a:pPr>
-              <a:r>
-                <a:rPr lang="en-US" sz="1100"/>
-                <a:t>Key Security</a:t>
-              </a:r>
-              <a:endParaRPr/>
-            </a:p>
-          </p:txBody>
-        </p:sp>
-        <p:sp>
-          <p:nvSpPr>
-            <p:cNvPr id="0" name="" hidden="0"/>
-            <p:cNvSpPr/>
-            <p:nvPr isPhoto="0" userDrawn="0"/>
-          </p:nvSpPr>
-          <p:spPr bwMode="auto">
-            <a:xfrm>
-              <a:off x="2610730" y="2385600"/>
-              <a:ext cx="1504388" cy="1053023"/>
-            </a:xfrm>
-            <a:prstGeom prst="roundRect">
-              <a:avLst>
-                <a:gd name="adj" fmla="val 16670"/>
-              </a:avLst>
-            </a:prstGeom>
-            <a:gradFill rotWithShape="0">
-              <a:gsLst>
-                <a:gs pos="0">
-                  <a:schemeClr val="accent1">
-                    <a:hueOff val="0"/>
-                    <a:satOff val="0"/>
-                    <a:lumOff val="0"/>
-                    <a:alphaOff val="0"/>
-                    <a:satMod val="103000"/>
-                    <a:lumMod val="102000"/>
-                    <a:tint val="94000"/>
-                  </a:schemeClr>
-                </a:gs>
-                <a:gs pos="50000">
-                  <a:schemeClr val="accent1">
-                    <a:hueOff val="0"/>
-                    <a:satOff val="0"/>
-                    <a:lumOff val="0"/>
-                    <a:alphaOff val="0"/>
-                    <a:satMod val="110000"/>
-                    <a:lumMod val="100000"/>
-                    <a:shade val="100000"/>
-                  </a:schemeClr>
-                </a:gs>
-                <a:gs pos="100000">
-                  <a:schemeClr val="accent1">
-                    <a:hueOff val="0"/>
-                    <a:satOff val="0"/>
-                    <a:lumOff val="0"/>
-                    <a:alphaOff val="0"/>
-                    <a:lumMod val="99000"/>
-                    <a:satMod val="120000"/>
-                    <a:shade val="78000"/>
-                  </a:schemeClr>
-                </a:gs>
-              </a:gsLst>
-              <a:lin ang="5400000" scaled="0"/>
-            </a:gradFill>
-            <a:ln>
-              <a:noFill/>
-            </a:ln>
-            <a:effectLst>
-              <a:outerShdw blurRad="57150" dist="19050" dir="5400000" rotWithShape="0" algn="ctr">
-                <a:srgbClr val="000000">
-                  <a:alpha val="63000"/>
-                </a:srgbClr>
-              </a:outerShdw>
-            </a:effectLst>
-          </p:spPr>
-          <p:style>
-            <a:lnRef idx="0">
-              <a:srgbClr val="000000"/>
-            </a:lnRef>
-            <a:fillRef idx="3">
-              <a:srgbClr val="000000"/>
-            </a:fillRef>
-            <a:effectRef idx="3">
-              <a:srgbClr val="000000"/>
-            </a:effectRef>
-            <a:fontRef idx="minor">
-              <a:schemeClr val="lt1"/>
-            </a:fontRef>
-          </p:style>
-          <p:txBody>
-            <a:bodyPr spcFirstLastPara="0" vert="horz" wrap="square" lIns="87630" tIns="87630" rIns="87630" bIns="87630" numCol="1" spcCol="1270" anchor="ctr" anchorCtr="0">
-              <a:noAutofit/>
-            </a:bodyPr>
-            <a:lstStyle/>
-            <a:p>
-              <a:pPr marL="0" lvl="0" indent="0" algn="ctr" defTabSz="1022350">
-                <a:lnSpc>
-                  <a:spcPct val="90000"/>
-                </a:lnSpc>
-                <a:spcBef>
-                  <a:spcPts val="0"/>
-                </a:spcBef>
-                <a:spcAft>
-                  <a:spcPts val="0"/>
-                </a:spcAft>
-                <a:buNone/>
-                <a:defRPr/>
-              </a:pPr>
-              <a:r>
-                <a:rPr lang="en-US" sz="2300"/>
-                <a:t>Oakley</a:t>
-              </a:r>
-              <a:endParaRPr/>
-            </a:p>
-          </p:txBody>
-        </p:sp>
-        <p:sp>
-          <p:nvSpPr>
-            <p:cNvPr id="0" name="" hidden="0"/>
-            <p:cNvSpPr/>
-            <p:nvPr isPhoto="0" userDrawn="0"/>
-          </p:nvSpPr>
-          <p:spPr bwMode="auto">
-            <a:xfrm>
-              <a:off x="4115119" y="2486029"/>
-              <a:ext cx="1094149" cy="851099"/>
-            </a:xfrm>
-            <a:prstGeom prst="rect">
-              <a:avLst/>
-            </a:prstGeom>
-            <a:noFill/>
-            <a:ln>
-              <a:noFill/>
-            </a:ln>
-            <a:effectLst/>
-          </p:spPr>
-          <p:style>
-            <a:lnRef idx="0">
-              <a:srgbClr val="000000"/>
-            </a:lnRef>
-            <a:fillRef idx="0">
-              <a:srgbClr val="000000"/>
-            </a:fillRef>
-            <a:effectRef idx="0">
-              <a:srgbClr val="000000"/>
-            </a:effectRef>
-            <a:fontRef idx="minor"/>
-          </p:style>
-          <p:txBody>
-            <a:bodyPr spcFirstLastPara="0" vert="horz" wrap="square" lIns="72390" tIns="72390" rIns="72390" bIns="72390" numCol="1" spcCol="1270" anchor="ctr" anchorCtr="0">
-              <a:noAutofit/>
-            </a:bodyPr>
-            <a:lstStyle/>
-            <a:p>
-              <a:pPr marL="114300" lvl="1" indent="-114300" algn="l" defTabSz="666750">
-                <a:lnSpc>
-                  <a:spcPct val="90000"/>
-                </a:lnSpc>
-                <a:spcBef>
-                  <a:spcPts val="0"/>
-                </a:spcBef>
-                <a:spcAft>
-                  <a:spcPts val="0"/>
-                </a:spcAft>
-                <a:buChar char="•"/>
-                <a:defRPr/>
-              </a:pPr>
-              <a:r>
-                <a:rPr lang="en-US" sz="1500"/>
-                <a:t>Secure Key Exchange</a:t>
-              </a:r>
-              <a:endParaRPr/>
-            </a:p>
-          </p:txBody>
-        </p:sp>
-      </p:grpSp>
-      <p:grpSp>
-        <p:nvGrpSpPr>
-          <p:cNvPr id="10" name="Group 9" hidden="0"/>
-          <p:cNvGrpSpPr/>
-          <p:nvPr isPhoto="0" userDrawn="0"/>
-        </p:nvGrpSpPr>
-        <p:grpSpPr bwMode="auto">
-          <a:xfrm>
-            <a:off x="4877619" y="2635202"/>
-            <a:ext cx="1504388" cy="1053023"/>
-            <a:chOff x="116134" y="19814"/>
-            <a:chExt cx="1504388" cy="1053023"/>
-          </a:xfrm>
-        </p:grpSpPr>
-        <p:sp>
-          <p:nvSpPr>
-            <p:cNvPr id="11" name="Rectangle: Rounded Corners 10" hidden="0"/>
-            <p:cNvSpPr/>
-            <p:nvPr isPhoto="0" userDrawn="0"/>
-          </p:nvSpPr>
-          <p:spPr bwMode="auto">
-            <a:xfrm>
-              <a:off x="116134" y="19814"/>
-              <a:ext cx="1504388" cy="1053023"/>
-            </a:xfrm>
-            <a:prstGeom prst="roundRect">
-              <a:avLst>
-                <a:gd name="adj" fmla="val 16670"/>
-              </a:avLst>
-            </a:prstGeom>
-          </p:spPr>
-          <p:style>
-            <a:lnRef idx="0">
-              <a:schemeClr val="lt1">
-                <a:hueOff val="0"/>
-                <a:satOff val="0"/>
-                <a:lumOff val="0"/>
-                <a:alphaOff val="0"/>
-              </a:schemeClr>
-            </a:lnRef>
-            <a:fillRef idx="3">
-              <a:schemeClr val="accent1">
-                <a:hueOff val="0"/>
-                <a:satOff val="0"/>
-                <a:lumOff val="0"/>
-                <a:alphaOff val="0"/>
-              </a:schemeClr>
-            </a:fillRef>
-            <a:effectRef idx="3">
-              <a:schemeClr val="accent1">
-                <a:hueOff val="0"/>
-                <a:satOff val="0"/>
-                <a:lumOff val="0"/>
-                <a:alphaOff val="0"/>
-              </a:schemeClr>
-            </a:effectRef>
-            <a:fontRef idx="minor">
-              <a:schemeClr val="lt1"/>
-            </a:fontRef>
-          </p:style>
-        </p:sp>
-        <p:sp>
-          <p:nvSpPr>
-            <p:cNvPr id="12" name="Rectangle: Rounded Corners 4" hidden="0"/>
-            <p:cNvSpPr txBox="1"/>
-            <p:nvPr isPhoto="0" userDrawn="0"/>
-          </p:nvSpPr>
-          <p:spPr bwMode="auto">
-            <a:xfrm>
-              <a:off x="167548" y="71228"/>
-              <a:ext cx="1401560" cy="950195"/>
-            </a:xfrm>
-            <a:prstGeom prst="rect">
-              <a:avLst/>
-            </a:prstGeom>
-          </p:spPr>
-          <p:style>
-            <a:lnRef idx="0">
-              <a:srgbClr val="000000"/>
-            </a:lnRef>
-            <a:fillRef idx="0">
-              <a:srgbClr val="000000"/>
-            </a:fillRef>
-            <a:effectRef idx="0">
-              <a:srgbClr val="000000"/>
-            </a:effectRef>
-            <a:fontRef idx="minor">
-              <a:schemeClr val="lt1"/>
-            </a:fontRef>
-          </p:style>
-          <p:txBody>
-            <a:bodyPr spcFirstLastPara="0" vert="horz" wrap="square" lIns="60960" tIns="60960" rIns="60960" bIns="60960" numCol="1" spcCol="1270" anchor="ctr" anchorCtr="0">
-              <a:noAutofit/>
-            </a:bodyPr>
-            <a:lstStyle/>
-            <a:p>
-              <a:pPr marL="0" lvl="0" indent="0" algn="ctr" defTabSz="711200">
-                <a:lnSpc>
-                  <a:spcPct val="90000"/>
-                </a:lnSpc>
-                <a:spcBef>
-                  <a:spcPts val="0"/>
-                </a:spcBef>
-                <a:spcAft>
-                  <a:spcPts val="0"/>
-                </a:spcAft>
-                <a:buNone/>
-                <a:defRPr/>
-              </a:pPr>
-              <a:r>
-                <a:rPr lang="en-US" sz="1600"/>
-                <a:t>Secure Key Exchange Mechanism (SKEME)</a:t>
-              </a:r>
-              <a:endParaRPr/>
-            </a:p>
-          </p:txBody>
-        </p:sp>
-      </p:grpSp>
-      <p:grpSp>
-        <p:nvGrpSpPr>
-          <p:cNvPr id="13" name="Group 12" hidden="0"/>
-          <p:cNvGrpSpPr/>
-          <p:nvPr isPhoto="0" userDrawn="0"/>
-        </p:nvGrpSpPr>
-        <p:grpSpPr bwMode="auto">
-          <a:xfrm>
-            <a:off x="4929033" y="5581664"/>
-            <a:ext cx="1504388" cy="1053023"/>
-            <a:chOff x="116134" y="19814"/>
-            <a:chExt cx="1504388" cy="1053023"/>
-          </a:xfrm>
-        </p:grpSpPr>
-        <p:sp>
-          <p:nvSpPr>
-            <p:cNvPr id="14" name="Rectangle: Rounded Corners 13" hidden="0"/>
-            <p:cNvSpPr/>
-            <p:nvPr isPhoto="0" userDrawn="0"/>
-          </p:nvSpPr>
-          <p:spPr bwMode="auto">
-            <a:xfrm>
-              <a:off x="116134" y="19814"/>
-              <a:ext cx="1504388" cy="1053023"/>
-            </a:xfrm>
-            <a:prstGeom prst="roundRect">
-              <a:avLst>
-                <a:gd name="adj" fmla="val 16670"/>
-              </a:avLst>
-            </a:prstGeom>
-          </p:spPr>
-          <p:style>
-            <a:lnRef idx="0">
-              <a:schemeClr val="lt1">
-                <a:hueOff val="0"/>
-                <a:satOff val="0"/>
-                <a:lumOff val="0"/>
-                <a:alphaOff val="0"/>
-              </a:schemeClr>
-            </a:lnRef>
-            <a:fillRef idx="3">
-              <a:schemeClr val="accent1">
-                <a:hueOff val="0"/>
-                <a:satOff val="0"/>
-                <a:lumOff val="0"/>
-                <a:alphaOff val="0"/>
-              </a:schemeClr>
-            </a:fillRef>
-            <a:effectRef idx="3">
-              <a:schemeClr val="accent1">
-                <a:hueOff val="0"/>
-                <a:satOff val="0"/>
-                <a:lumOff val="0"/>
-                <a:alphaOff val="0"/>
-              </a:schemeClr>
-            </a:effectRef>
-            <a:fontRef idx="minor">
-              <a:schemeClr val="lt1"/>
-            </a:fontRef>
-          </p:style>
-        </p:sp>
-        <p:sp>
-          <p:nvSpPr>
-            <p:cNvPr id="15" name="Rectangle: Rounded Corners 4" hidden="0"/>
-            <p:cNvSpPr txBox="1"/>
-            <p:nvPr isPhoto="0" userDrawn="0"/>
-          </p:nvSpPr>
-          <p:spPr bwMode="auto">
-            <a:xfrm>
-              <a:off x="167548" y="71228"/>
-              <a:ext cx="1401560" cy="950195"/>
-            </a:xfrm>
-            <a:prstGeom prst="rect">
-              <a:avLst/>
-            </a:prstGeom>
-          </p:spPr>
-          <p:style>
-            <a:lnRef idx="0">
-              <a:srgbClr val="000000"/>
-            </a:lnRef>
-            <a:fillRef idx="0">
-              <a:srgbClr val="000000"/>
-            </a:fillRef>
-            <a:effectRef idx="0">
-              <a:srgbClr val="000000"/>
-            </a:effectRef>
-            <a:fontRef idx="minor">
-              <a:schemeClr val="lt1"/>
-            </a:fontRef>
-          </p:style>
-          <p:txBody>
-            <a:bodyPr spcFirstLastPara="0" vert="horz" wrap="square" lIns="60960" tIns="60960" rIns="60960" bIns="60960" numCol="1" spcCol="1270" anchor="ctr" anchorCtr="0">
-              <a:noAutofit/>
-            </a:bodyPr>
-            <a:lstStyle/>
-            <a:p>
-              <a:pPr marL="0" lvl="0" indent="0" algn="ctr" defTabSz="711200">
-                <a:lnSpc>
-                  <a:spcPct val="90000"/>
-                </a:lnSpc>
-                <a:spcBef>
-                  <a:spcPts val="0"/>
-                </a:spcBef>
-                <a:spcAft>
-                  <a:spcPts val="0"/>
-                </a:spcAft>
-                <a:buNone/>
-                <a:defRPr/>
-              </a:pPr>
-              <a:r>
-                <a:rPr lang="en-US" sz="1600"/>
-                <a:t>Internet Key Exchange</a:t>
-              </a:r>
-              <a:endParaRPr/>
-            </a:p>
-          </p:txBody>
-        </p:sp>
-      </p:grpSp>
-      <p:sp>
-        <p:nvSpPr>
-          <p:cNvPr id="16" name="Arrow: Bent-Up 15" hidden="0"/>
+      <p:sp>
+        <p:nvSpPr>
+          <p:cNvPr id="1300395192" name="" hidden="0"/>
           <p:cNvSpPr/>
           <p:nvPr isPhoto="0" userDrawn="0"/>
         </p:nvSpPr>
         <p:spPr bwMode="auto">
-          <a:xfrm rot="16199999" flipH="1">
-            <a:off x="6824489" y="4800869"/>
-            <a:ext cx="893655" cy="1572964"/>
+          <a:xfrm flipH="0" flipV="0">
+            <a:off x="6530452" y="3958223"/>
+            <a:ext cx="206042" cy="365795"/>
           </a:xfrm>
-          <a:prstGeom prst="bentUpArrow">
-            <a:avLst>
-              <a:gd name="adj1" fmla="val 32840"/>
-              <a:gd name="adj2" fmla="val 25000"/>
-              <a:gd name="adj3" fmla="val 50000"/>
-            </a:avLst>
-          </a:prstGeom>
         </p:spPr>
-        <p:style>
-          <a:lnRef idx="0">
-            <a:schemeClr val="lt1">
-              <a:hueOff val="0"/>
-              <a:satOff val="0"/>
-              <a:lumOff val="0"/>
-              <a:alphaOff val="0"/>
-            </a:schemeClr>
-          </a:lnRef>
-          <a:fillRef idx="1">
-            <a:schemeClr val="accent1">
-              <a:tint val="50000"/>
-              <a:hueOff val="0"/>
-              <a:satOff val="0"/>
-              <a:lumOff val="0"/>
-              <a:alphaOff val="0"/>
-            </a:schemeClr>
-          </a:fillRef>
-          <a:effectRef idx="3">
-            <a:schemeClr val="accent1">
-              <a:tint val="50000"/>
-              <a:hueOff val="0"/>
-              <a:satOff val="0"/>
-              <a:lumOff val="0"/>
-              <a:alphaOff val="0"/>
-            </a:schemeClr>
-          </a:effectRef>
-          <a:fontRef idx="minor">
-            <a:schemeClr val="lt1">
-              <a:hueOff val="0"/>
-              <a:satOff val="0"/>
-              <a:lumOff val="0"/>
-              <a:alphaOff val="0"/>
-            </a:schemeClr>
-          </a:fontRef>
-        </p:style>
-        <p:txBody>
-          <a:bodyPr/>
-          <a:lstStyle/>
-          <a:p>
-            <a:pPr>
-              <a:defRPr/>
-            </a:pPr>
-            <a:endParaRPr lang="en-US"/>
-          </a:p>
-        </p:txBody>
-      </p:sp>
-      <p:sp>
-        <p:nvSpPr>
-          <p:cNvPr id="17" name="Arrow: Bent-Up 16" hidden="0"/>
-          <p:cNvSpPr/>
+        <p:txBody>
+          <a:bodyPr rot="0" spcFirstLastPara="0" vertOverflow="overflow" horzOverflow="clip" vert="horz" wrap="square" lIns="91440" tIns="45720" rIns="91440" bIns="45720" numCol="1" spcCol="0" rtlCol="0" fromWordArt="0" anchor="t" anchorCtr="0" forceAA="0" upright="0" compatLnSpc="1">
+            <a:prstTxWarp prst="textNoShape"/>
+            <a:spAutoFit/>
+          </a:bodyPr>
+          <a:p>
+            <a:pPr>
+              <a:defRPr/>
+            </a:pPr>
+            <a:endParaRPr/>
+          </a:p>
+        </p:txBody>
+      </p:sp>
+      <p:pic>
+        <p:nvPicPr>
+          <p:cNvPr id="1929775728" name="" hidden="0"/>
+          <p:cNvPicPr>
+            <a:picLocks noChangeAspect="1"/>
+          </p:cNvPicPr>
           <p:nvPr isPhoto="0" userDrawn="0"/>
-        </p:nvSpPr>
+        </p:nvPicPr>
+        <p:blipFill>
+          <a:blip r:embed="rId2"/>
+          <a:stretch/>
+        </p:blipFill>
         <p:spPr bwMode="auto">
-          <a:xfrm rot="5400000">
-            <a:off x="3709828" y="5407155"/>
-            <a:ext cx="893654" cy="1017394"/>
-          </a:xfrm>
-          <a:prstGeom prst="bentUpArrow">
-            <a:avLst>
-              <a:gd name="adj1" fmla="val 32840"/>
-              <a:gd name="adj2" fmla="val 25000"/>
-              <a:gd name="adj3" fmla="val 35780"/>
-            </a:avLst>
-          </a:prstGeom>
-        </p:spPr>
-        <p:style>
-          <a:lnRef idx="0">
-            <a:schemeClr val="lt1">
-              <a:hueOff val="0"/>
-              <a:satOff val="0"/>
-              <a:lumOff val="0"/>
-              <a:alphaOff val="0"/>
-            </a:schemeClr>
-          </a:lnRef>
-          <a:fillRef idx="1">
-            <a:schemeClr val="accent1">
-              <a:tint val="50000"/>
-              <a:hueOff val="0"/>
-              <a:satOff val="0"/>
-              <a:lumOff val="0"/>
-              <a:alphaOff val="0"/>
-            </a:schemeClr>
-          </a:fillRef>
-          <a:effectRef idx="3">
-            <a:schemeClr val="accent1">
-              <a:tint val="50000"/>
-              <a:hueOff val="0"/>
-              <a:satOff val="0"/>
-              <a:lumOff val="0"/>
-              <a:alphaOff val="0"/>
-            </a:schemeClr>
-          </a:effectRef>
-          <a:fontRef idx="minor">
-            <a:schemeClr val="lt1">
-              <a:hueOff val="0"/>
-              <a:satOff val="0"/>
-              <a:lumOff val="0"/>
-              <a:alphaOff val="0"/>
-            </a:schemeClr>
-          </a:fontRef>
-        </p:style>
-      </p:sp>
-      <p:sp>
-        <p:nvSpPr>
-          <p:cNvPr id="19" name="Arrow: Down 18" hidden="0"/>
-          <p:cNvSpPr/>
-          <p:nvPr isPhoto="0" userDrawn="0"/>
-        </p:nvSpPr>
-        <p:spPr bwMode="auto">
-          <a:xfrm>
-            <a:off x="5519811" y="3688225"/>
-            <a:ext cx="419595" cy="1525050"/>
-          </a:xfrm>
-          <a:prstGeom prst="downArrow">
-            <a:avLst>
-              <a:gd name="adj1" fmla="val 50000"/>
-              <a:gd name="adj2" fmla="val 50000"/>
-            </a:avLst>
-          </a:prstGeom>
-          <a:solidFill>
-            <a:srgbClr val="4472C4">
-              <a:tint val="50000"/>
-              <a:hueOff val="0"/>
-              <a:satOff val="0"/>
-              <a:lumOff val="0"/>
-              <a:alphaOff val="0"/>
-            </a:srgbClr>
-          </a:solidFill>
-          <a:ln>
-            <a:noFill/>
-          </a:ln>
-          <a:effectLst>
-            <a:outerShdw blurRad="57150" dist="19050" dir="5400000" rotWithShape="0" algn="ctr">
-              <a:srgbClr val="000000">
-                <a:alpha val="63000"/>
-              </a:srgbClr>
-            </a:outerShdw>
-          </a:effectLst>
-        </p:spPr>
-        <p:txBody>
-          <a:bodyPr rtlCol="0" anchor="ctr"/>
-          <a:lstStyle/>
-          <a:p>
-            <a:pPr algn="ctr">
-              <a:defRPr/>
-            </a:pPr>
-            <a:endParaRPr lang="en-US"/>
-          </a:p>
-        </p:txBody>
-      </p:sp>
-      <p:sp>
-        <p:nvSpPr>
-          <p:cNvPr id="20" name="TextBox 19" hidden="0"/>
-          <p:cNvSpPr txBox="1"/>
-          <p:nvPr isPhoto="0" userDrawn="0"/>
-        </p:nvSpPr>
-        <p:spPr bwMode="auto">
-          <a:xfrm>
-            <a:off x="6263919" y="2687097"/>
-            <a:ext cx="1434553" cy="502955"/>
+          <a:xfrm flipH="0" flipV="0">
+            <a:off x="2159883" y="1221040"/>
+            <a:ext cx="8056963" cy="5346120"/>
           </a:xfrm>
           <a:prstGeom prst="rect">
             <a:avLst/>
           </a:prstGeom>
-          <a:noFill/>
         </p:spPr>
-        <p:txBody>
-          <a:bodyPr wrap="square" rtlCol="0">
-            <a:spAutoFit/>
-          </a:bodyPr>
-          <a:lstStyle/>
-          <a:p>
-            <a:pPr marL="114300" lvl="1" indent="-114300" defTabSz="666750">
-              <a:lnSpc>
-                <a:spcPct val="90000"/>
-              </a:lnSpc>
-              <a:spcBef>
-                <a:spcPts val="0"/>
-              </a:spcBef>
-              <a:spcAft>
-                <a:spcPts val="0"/>
-              </a:spcAft>
-              <a:buChar char="•"/>
-              <a:defRPr/>
-            </a:pPr>
-            <a:r>
-              <a:rPr lang="en-US" sz="1500">
-                <a:solidFill>
-                  <a:prstClr val="black">
-                    <a:hueOff val="0"/>
-                    <a:satOff val="0"/>
-                    <a:lumOff val="0"/>
-                    <a:alphaOff val="0"/>
-                  </a:prstClr>
-                </a:solidFill>
-                <a:latin typeface="Calibri"/>
-              </a:rPr>
-              <a:t>Secure Key Exchange</a:t>
-            </a:r>
-            <a:endParaRPr/>
-          </a:p>
-        </p:txBody>
-      </p:sp>
-      <p:sp>
-        <p:nvSpPr>
-          <p:cNvPr id="24" name="Arrow: Bent-Up 23" hidden="0"/>
-          <p:cNvSpPr/>
-          <p:nvPr isPhoto="0" userDrawn="0"/>
-        </p:nvSpPr>
-        <p:spPr bwMode="auto">
-          <a:xfrm rot="16199999" flipH="1">
-            <a:off x="9339837" y="4631827"/>
-            <a:ext cx="2748834" cy="1017394"/>
-          </a:xfrm>
-          <a:prstGeom prst="bentUpArrow">
-            <a:avLst>
-              <a:gd name="adj1" fmla="val 32840"/>
-              <a:gd name="adj2" fmla="val 26100"/>
-              <a:gd name="adj3" fmla="val 0"/>
-            </a:avLst>
-          </a:prstGeom>
-        </p:spPr>
-        <p:style>
-          <a:lnRef idx="0">
-            <a:schemeClr val="lt1">
-              <a:hueOff val="0"/>
-              <a:satOff val="0"/>
-              <a:lumOff val="0"/>
-              <a:alphaOff val="0"/>
-            </a:schemeClr>
-          </a:lnRef>
-          <a:fillRef idx="1">
-            <a:schemeClr val="accent1">
-              <a:tint val="50000"/>
-              <a:hueOff val="0"/>
-              <a:satOff val="0"/>
-              <a:lumOff val="0"/>
-              <a:alphaOff val="0"/>
-            </a:schemeClr>
-          </a:fillRef>
-          <a:effectRef idx="3">
-            <a:schemeClr val="accent1">
-              <a:tint val="50000"/>
-              <a:hueOff val="0"/>
-              <a:satOff val="0"/>
-              <a:lumOff val="0"/>
-              <a:alphaOff val="0"/>
-            </a:schemeClr>
-          </a:effectRef>
-          <a:fontRef idx="minor">
-            <a:schemeClr val="lt1">
-              <a:hueOff val="0"/>
-              <a:satOff val="0"/>
-              <a:lumOff val="0"/>
-              <a:alphaOff val="0"/>
-            </a:schemeClr>
-          </a:fontRef>
-        </p:style>
-      </p:sp>
-      <p:sp>
-        <p:nvSpPr>
-          <p:cNvPr id="25" name="Arrow: Right 24" hidden="0"/>
-          <p:cNvSpPr/>
-          <p:nvPr isPhoto="0" userDrawn="0"/>
-        </p:nvSpPr>
-        <p:spPr bwMode="auto">
-          <a:xfrm flipH="1">
-            <a:off x="6733792" y="5976203"/>
-            <a:ext cx="3488786" cy="584446"/>
-          </a:xfrm>
-          <a:prstGeom prst="rightArrow">
-            <a:avLst>
-              <a:gd name="adj1" fmla="val 50000"/>
-              <a:gd name="adj2" fmla="val 50000"/>
-            </a:avLst>
-          </a:prstGeom>
-        </p:spPr>
-        <p:style>
-          <a:lnRef idx="0">
-            <a:schemeClr val="lt1">
-              <a:hueOff val="0"/>
-              <a:satOff val="0"/>
-              <a:lumOff val="0"/>
-              <a:alphaOff val="0"/>
-            </a:schemeClr>
-          </a:lnRef>
-          <a:fillRef idx="1">
-            <a:schemeClr val="accent1">
-              <a:tint val="50000"/>
-              <a:hueOff val="0"/>
-              <a:satOff val="0"/>
-              <a:lumOff val="0"/>
-              <a:alphaOff val="0"/>
-            </a:schemeClr>
-          </a:fillRef>
-          <a:effectRef idx="3">
-            <a:schemeClr val="accent1">
-              <a:tint val="50000"/>
-              <a:hueOff val="0"/>
-              <a:satOff val="0"/>
-              <a:lumOff val="0"/>
-              <a:alphaOff val="0"/>
-            </a:schemeClr>
-          </a:effectRef>
-          <a:fontRef idx="minor">
-            <a:schemeClr val="lt1">
-              <a:hueOff val="0"/>
-              <a:satOff val="0"/>
-              <a:lumOff val="0"/>
-              <a:alphaOff val="0"/>
-            </a:schemeClr>
-          </a:fontRef>
-        </p:style>
-        <p:txBody>
-          <a:bodyPr rtlCol="0" anchor="ctr"/>
-          <a:lstStyle/>
-          <a:p>
-            <a:pPr algn="ctr">
-              <a:defRPr/>
-            </a:pPr>
-            <a:endParaRPr lang="en-US"/>
-          </a:p>
-        </p:txBody>
-      </p:sp>
+      </p:pic>
     </p:spTree>
   </p:cSld>
   <p:clrMapOvr>
@@ -5948,7 +5976,7 @@
           <p:nvPr isPhoto="0" userDrawn="0"/>
         </p:nvSpPr>
         <p:spPr bwMode="auto">
-          <a:xfrm rot="21192561">
+          <a:xfrm rot="21192560">
             <a:off x="1599724" y="5497544"/>
             <a:ext cx="1650604" cy="365795"/>
           </a:xfrm>
@@ -6122,15 +6150,7 @@
             </a:pPr>
             <a:r>
               <a:rPr lang="en-US"/>
-              <a:t>Phase 1: Mutual </a:t>
-            </a:r>
-            <a:r>
-              <a:rPr lang="en-US"/>
-              <a:t>Authenticaiton</a:t>
-            </a:r>
-            <a:r>
-              <a:rPr lang="en-US"/>
-              <a:t> and Session Keys = IKE SA</a:t>
+              <a:t>Phase 1: Mutual Authenticaiton and Session Keys = IKE SA</a:t>
             </a:r>
             <a:endParaRPr/>
           </a:p>
@@ -6771,6 +6791,16 @@
             </a:pPr>
             <a:r>
               <a:rPr lang="en-US"/>
+              <a:t>Public Key Signature</a:t>
+            </a:r>
+            <a:endParaRPr/>
+          </a:p>
+          <a:p>
+            <a:pPr>
+              <a:defRPr/>
+            </a:pPr>
+            <a:r>
+              <a:rPr lang="en-US"/>
               <a:t>Original Public Key Encryption</a:t>
             </a:r>
             <a:endParaRPr/>
@@ -6782,16 +6812,6 @@
             <a:r>
               <a:rPr lang="en-US"/>
               <a:t>Revised Public Key Encryption</a:t>
-            </a:r>
-            <a:endParaRPr/>
-          </a:p>
-          <a:p>
-            <a:pPr>
-              <a:defRPr/>
-            </a:pPr>
-            <a:r>
-              <a:rPr lang="en-US"/>
-              <a:t>Public Key Signature</a:t>
             </a:r>
             <a:endParaRPr/>
           </a:p>
@@ -6974,7 +6994,7 @@
             </a:pPr>
             <a:r>
               <a:rPr lang="en-US"/>
-              <a:t>Create Shared Secret Keys (Diffie-Hellman)</a:t>
+              <a:t>Create Shared Secret Keys (Diffie-Hellman) and Cookies (ISAKMP)</a:t>
             </a:r>
             <a:endParaRPr/>
           </a:p>
@@ -7045,7 +7065,7 @@
         <p:spPr bwMode="auto">
           <a:xfrm>
             <a:off x="1417262" y="4441024"/>
-            <a:ext cx="5582429" cy="1667108"/>
+            <a:ext cx="6738369" cy="2012312"/>
           </a:xfrm>
           <a:prstGeom prst="rect">
             <a:avLst/>
@@ -7087,7 +7107,7 @@
       </p:grpSpPr>
       <p:sp>
         <p:nvSpPr>
-          <p:cNvPr id="2" name="Title 1" hidden="0"/>
+          <p:cNvPr id="1398164675" name="Title 1" hidden="0"/>
           <p:cNvSpPr>
             <a:spLocks noGrp="1"/>
           </p:cNvSpPr>
@@ -7105,15 +7125,15 @@
             </a:pPr>
             <a:r>
               <a:rPr lang="en-US"/>
-              <a:t>Diffie Hellman</a:t>
-            </a:r>
-            <a:endParaRPr/>
-          </a:p>
-        </p:txBody>
-      </p:sp>
-      <p:sp>
-        <p:nvSpPr>
-          <p:cNvPr id="3" name="Content Placeholder 2" hidden="0"/>
+              <a:t>Key Determination - Cookies</a:t>
+            </a:r>
+            <a:endParaRPr/>
+          </a:p>
+        </p:txBody>
+      </p:sp>
+      <p:sp>
+        <p:nvSpPr>
+          <p:cNvPr id="1750446148" name="Content Placeholder 2" hidden="0"/>
           <p:cNvSpPr>
             <a:spLocks noGrp="1"/>
           </p:cNvSpPr>
@@ -7121,37 +7141,70 @@
             <p:ph idx="1" hasCustomPrompt="0"/>
           </p:nvPr>
         </p:nvSpPr>
-        <p:spPr bwMode="auto"/>
-        <p:txBody>
-          <a:bodyPr/>
-          <a:lstStyle/>
-          <a:p>
-            <a:pPr>
-              <a:defRPr/>
-            </a:pPr>
-            <a:r>
-              <a:rPr lang="en-US"/>
-              <a:t>Talk </a:t>
-            </a:r>
-            <a:r>
-              <a:rPr lang="en-US"/>
-              <a:t>abou</a:t>
-            </a:r>
-            <a:r>
-              <a:rPr lang="en-US"/>
-              <a:t> Parameters and look in </a:t>
-            </a:r>
-            <a:r>
-              <a:rPr lang="en-US"/>
-              <a:t>the book</a:t>
-            </a:r>
-            <a:endParaRPr/>
-          </a:p>
-        </p:txBody>
-      </p:sp>
-      <p:sp>
-        <p:nvSpPr>
-          <p:cNvPr id="4" name="Footer Placeholder 3" hidden="0"/>
+        <p:spPr bwMode="auto">
+          <a:xfrm>
+            <a:off x="838198" y="1439687"/>
+            <a:ext cx="10515600" cy="4351338"/>
+          </a:xfrm>
+        </p:spPr>
+        <p:txBody>
+          <a:bodyPr/>
+          <a:lstStyle/>
+          <a:p>
+            <a:pPr>
+              <a:defRPr/>
+            </a:pPr>
+            <a:r>
+              <a:rPr lang="en-US"/>
+              <a:t>Anti Clogging Technology </a:t>
+            </a:r>
+            <a:endParaRPr/>
+          </a:p>
+          <a:p>
+            <a:pPr>
+              <a:defRPr/>
+            </a:pPr>
+            <a:r>
+              <a:rPr lang="en-US"/>
+              <a:t>Preps Diffie-Hellman</a:t>
+            </a:r>
+            <a:endParaRPr/>
+          </a:p>
+          <a:p>
+            <a:pPr>
+              <a:defRPr/>
+            </a:pPr>
+            <a:r>
+              <a:rPr lang="en-US"/>
+              <a:t>Anti-Replay Technology</a:t>
+            </a:r>
+            <a:endParaRPr/>
+          </a:p>
+          <a:p>
+            <a:pPr>
+              <a:defRPr/>
+            </a:pPr>
+            <a:r>
+              <a:rPr lang="en-US"/>
+              <a:t>Stops Man from being in Middle</a:t>
+            </a:r>
+            <a:endParaRPr/>
+          </a:p>
+          <a:p>
+            <a:pPr>
+              <a:defRPr/>
+            </a:pPr>
+            <a:r>
+              <a:rPr lang="en-US"/>
+              <a:t>The Cookie Exchange </a:t>
+            </a:r>
+            <a:endParaRPr/>
+          </a:p>
+        </p:txBody>
+      </p:sp>
+      <p:sp>
+        <p:nvSpPr>
+          <p:cNvPr id="2" name="Footer Placeholder 1" hidden="0"/>
           <p:cNvSpPr>
             <a:spLocks noGrp="1"/>
           </p:cNvSpPr>
@@ -7177,6 +7230,51 @@
           </a:p>
         </p:txBody>
       </p:sp>
+      <p:pic>
+        <p:nvPicPr>
+          <p:cNvPr id="2050" name="Picture 2" descr="Muppet History on Twitter: &quot;Now just to clarify, he wasn't always the Cookie  Monster. Before Sesame Street, Cookie was first a “Wheel Stealer” then he  was an unnamed monster, and for Munchos" hidden="0"/>
+          <p:cNvPicPr>
+            <a:picLocks noChangeAspect="1" noChangeArrowheads="1"/>
+          </p:cNvPicPr>
+          <p:nvPr isPhoto="0" userDrawn="0"/>
+        </p:nvPicPr>
+        <p:blipFill>
+          <a:blip r:embed="rId2"/>
+          <a:stretch/>
+        </p:blipFill>
+        <p:spPr bwMode="auto">
+          <a:xfrm>
+            <a:off x="1271464" y="3933056"/>
+            <a:ext cx="1303040" cy="796302"/>
+          </a:xfrm>
+          <a:prstGeom prst="rect">
+            <a:avLst/>
+          </a:prstGeom>
+          <a:noFill/>
+        </p:spPr>
+      </p:pic>
+      <p:pic>
+        <p:nvPicPr>
+          <p:cNvPr id="4" name="Picture 3" hidden="0"/>
+          <p:cNvPicPr>
+            <a:picLocks noChangeAspect="1"/>
+          </p:cNvPicPr>
+          <p:nvPr isPhoto="0" userDrawn="0"/>
+        </p:nvPicPr>
+        <p:blipFill>
+          <a:blip r:embed="rId3"/>
+          <a:stretch/>
+        </p:blipFill>
+        <p:spPr bwMode="auto">
+          <a:xfrm>
+            <a:off x="8688288" y="88006"/>
+            <a:ext cx="3212976" cy="3212976"/>
+          </a:xfrm>
+          <a:prstGeom prst="rect">
+            <a:avLst/>
+          </a:prstGeom>
+        </p:spPr>
+      </p:pic>
     </p:spTree>
   </p:cSld>
   <p:clrMapOvr>
